--- a/QIIME_files/QIIME flow chart.pptx
+++ b/QIIME_files/QIIME flow chart.pptx
@@ -2,12 +2,12 @@
 <file path=ppt/presentation.xml><?xml version="1.0" encoding="utf-8"?>
 <p:presentation xmlns:a="http://schemas.openxmlformats.org/drawingml/2006/main" xmlns:r="http://schemas.openxmlformats.org/officeDocument/2006/relationships" xmlns:p="http://schemas.openxmlformats.org/presentationml/2006/main" saveSubsetFonts="1">
   <p:sldMasterIdLst>
-    <p:sldMasterId id="2147483672" r:id="rId1"/>
+    <p:sldMasterId id="2147483732" r:id="rId1"/>
   </p:sldMasterIdLst>
   <p:sldIdLst>
     <p:sldId id="256" r:id="rId2"/>
   </p:sldIdLst>
-  <p:sldSz cx="6858000" cy="18288000"/>
+  <p:sldSz cx="9601200" cy="12801600" type="A3"/>
   <p:notesSz cx="6858000" cy="9144000"/>
   <p:defaultTextStyle>
     <a:defPPr>
@@ -104,6 +104,11 @@
       </a:defRPr>
     </a:lvl9pPr>
   </p:defaultTextStyle>
+  <p:extLst>
+    <p:ext uri="{EFAFB233-063F-42B5-8137-9DF3F51BA10A}">
+      <p15:sldGuideLst xmlns:p15="http://schemas.microsoft.com/office/powerpoint/2012/main"/>
+    </p:ext>
+  </p:extLst>
 </p:presentation>
 </file>
 
@@ -136,15 +141,15 @@
         </p:nvSpPr>
         <p:spPr>
           <a:xfrm>
-            <a:off x="514350" y="2992968"/>
-            <a:ext cx="5829300" cy="6366933"/>
+            <a:off x="720090" y="2095078"/>
+            <a:ext cx="8161020" cy="4456853"/>
           </a:xfrm>
         </p:spPr>
         <p:txBody>
           <a:bodyPr anchor="b"/>
           <a:lstStyle>
             <a:lvl1pPr algn="ctr">
-              <a:defRPr sz="4500"/>
+              <a:defRPr sz="6300"/>
             </a:lvl1pPr>
           </a:lstStyle>
           <a:p>
@@ -168,8 +173,8 @@
         </p:nvSpPr>
         <p:spPr>
           <a:xfrm>
-            <a:off x="857250" y="9605435"/>
-            <a:ext cx="5143500" cy="4415365"/>
+            <a:off x="1200150" y="6723804"/>
+            <a:ext cx="7200900" cy="3090756"/>
           </a:xfrm>
         </p:spPr>
         <p:txBody>
@@ -177,39 +182,39 @@
           <a:lstStyle>
             <a:lvl1pPr marL="0" indent="0" algn="ctr">
               <a:buNone/>
-              <a:defRPr sz="1800"/>
+              <a:defRPr sz="2520"/>
             </a:lvl1pPr>
-            <a:lvl2pPr marL="342900" indent="0" algn="ctr">
+            <a:lvl2pPr marL="480060" indent="0" algn="ctr">
               <a:buNone/>
-              <a:defRPr sz="1500"/>
+              <a:defRPr sz="2100"/>
             </a:lvl2pPr>
-            <a:lvl3pPr marL="685800" indent="0" algn="ctr">
+            <a:lvl3pPr marL="960120" indent="0" algn="ctr">
               <a:buNone/>
-              <a:defRPr sz="1350"/>
+              <a:defRPr sz="1890"/>
             </a:lvl3pPr>
-            <a:lvl4pPr marL="1028700" indent="0" algn="ctr">
+            <a:lvl4pPr marL="1440180" indent="0" algn="ctr">
               <a:buNone/>
-              <a:defRPr sz="1200"/>
+              <a:defRPr sz="1680"/>
             </a:lvl4pPr>
-            <a:lvl5pPr marL="1371600" indent="0" algn="ctr">
+            <a:lvl5pPr marL="1920240" indent="0" algn="ctr">
               <a:buNone/>
-              <a:defRPr sz="1200"/>
+              <a:defRPr sz="1680"/>
             </a:lvl5pPr>
-            <a:lvl6pPr marL="1714500" indent="0" algn="ctr">
+            <a:lvl6pPr marL="2400300" indent="0" algn="ctr">
               <a:buNone/>
-              <a:defRPr sz="1200"/>
+              <a:defRPr sz="1680"/>
             </a:lvl6pPr>
-            <a:lvl7pPr marL="2057400" indent="0" algn="ctr">
+            <a:lvl7pPr marL="2880360" indent="0" algn="ctr">
               <a:buNone/>
-              <a:defRPr sz="1200"/>
+              <a:defRPr sz="1680"/>
             </a:lvl7pPr>
-            <a:lvl8pPr marL="2400300" indent="0" algn="ctr">
+            <a:lvl8pPr marL="3360420" indent="0" algn="ctr">
               <a:buNone/>
-              <a:defRPr sz="1200"/>
+              <a:defRPr sz="1680"/>
             </a:lvl8pPr>
-            <a:lvl9pPr marL="2743200" indent="0" algn="ctr">
+            <a:lvl9pPr marL="3840480" indent="0" algn="ctr">
               <a:buNone/>
-              <a:defRPr sz="1200"/>
+              <a:defRPr sz="1680"/>
             </a:lvl9pPr>
           </a:lstStyle>
           <a:p>
@@ -289,7 +294,7 @@
     </p:spTree>
     <p:extLst>
       <p:ext uri="{BB962C8B-B14F-4D97-AF65-F5344CB8AC3E}">
-        <p14:creationId xmlns:p14="http://schemas.microsoft.com/office/powerpoint/2010/main" val="813568841"/>
+        <p14:creationId xmlns:p14="http://schemas.microsoft.com/office/powerpoint/2010/main" val="2402948667"/>
       </p:ext>
     </p:extLst>
   </p:cSld>
@@ -459,7 +464,7 @@
     </p:spTree>
     <p:extLst>
       <p:ext uri="{BB962C8B-B14F-4D97-AF65-F5344CB8AC3E}">
-        <p14:creationId xmlns:p14="http://schemas.microsoft.com/office/powerpoint/2010/main" val="3259778739"/>
+        <p14:creationId xmlns:p14="http://schemas.microsoft.com/office/powerpoint/2010/main" val="2762955540"/>
       </p:ext>
     </p:extLst>
   </p:cSld>
@@ -498,8 +503,8 @@
         </p:nvSpPr>
         <p:spPr>
           <a:xfrm>
-            <a:off x="4907757" y="973667"/>
-            <a:ext cx="1478756" cy="15498235"/>
+            <a:off x="6870859" y="681567"/>
+            <a:ext cx="2070259" cy="10848764"/>
           </a:xfrm>
         </p:spPr>
         <p:txBody>
@@ -526,8 +531,8 @@
         </p:nvSpPr>
         <p:spPr>
           <a:xfrm>
-            <a:off x="471488" y="973667"/>
-            <a:ext cx="4350544" cy="15498235"/>
+            <a:off x="660083" y="681567"/>
+            <a:ext cx="6090761" cy="10848764"/>
           </a:xfrm>
         </p:spPr>
         <p:txBody>
@@ -639,7 +644,7 @@
     </p:spTree>
     <p:extLst>
       <p:ext uri="{BB962C8B-B14F-4D97-AF65-F5344CB8AC3E}">
-        <p14:creationId xmlns:p14="http://schemas.microsoft.com/office/powerpoint/2010/main" val="766046156"/>
+        <p14:creationId xmlns:p14="http://schemas.microsoft.com/office/powerpoint/2010/main" val="1982631493"/>
       </p:ext>
     </p:extLst>
   </p:cSld>
@@ -809,7 +814,7 @@
     </p:spTree>
     <p:extLst>
       <p:ext uri="{BB962C8B-B14F-4D97-AF65-F5344CB8AC3E}">
-        <p14:creationId xmlns:p14="http://schemas.microsoft.com/office/powerpoint/2010/main" val="771063407"/>
+        <p14:creationId xmlns:p14="http://schemas.microsoft.com/office/powerpoint/2010/main" val="2310852784"/>
       </p:ext>
     </p:extLst>
   </p:cSld>
@@ -848,15 +853,15 @@
         </p:nvSpPr>
         <p:spPr>
           <a:xfrm>
-            <a:off x="467916" y="4559305"/>
-            <a:ext cx="5915025" cy="7607299"/>
+            <a:off x="655082" y="3191514"/>
+            <a:ext cx="8281035" cy="5325109"/>
           </a:xfrm>
         </p:spPr>
         <p:txBody>
           <a:bodyPr anchor="b"/>
           <a:lstStyle>
             <a:lvl1pPr>
-              <a:defRPr sz="4500"/>
+              <a:defRPr sz="6300"/>
             </a:lvl1pPr>
           </a:lstStyle>
           <a:p>
@@ -880,8 +885,8 @@
         </p:nvSpPr>
         <p:spPr>
           <a:xfrm>
-            <a:off x="467916" y="12238572"/>
-            <a:ext cx="5915025" cy="4000499"/>
+            <a:off x="655082" y="8567000"/>
+            <a:ext cx="8281035" cy="2800349"/>
           </a:xfrm>
         </p:spPr>
         <p:txBody>
@@ -889,15 +894,15 @@
           <a:lstStyle>
             <a:lvl1pPr marL="0" indent="0">
               <a:buNone/>
-              <a:defRPr sz="1800">
+              <a:defRPr sz="2520">
                 <a:solidFill>
                   <a:schemeClr val="tx1"/>
                 </a:solidFill>
               </a:defRPr>
             </a:lvl1pPr>
-            <a:lvl2pPr marL="342900" indent="0">
+            <a:lvl2pPr marL="480060" indent="0">
               <a:buNone/>
-              <a:defRPr sz="1500">
+              <a:defRPr sz="2100">
                 <a:solidFill>
                   <a:schemeClr val="tx1">
                     <a:tint val="75000"/>
@@ -905,9 +910,9 @@
                 </a:solidFill>
               </a:defRPr>
             </a:lvl2pPr>
-            <a:lvl3pPr marL="685800" indent="0">
+            <a:lvl3pPr marL="960120" indent="0">
               <a:buNone/>
-              <a:defRPr sz="1350">
+              <a:defRPr sz="1890">
                 <a:solidFill>
                   <a:schemeClr val="tx1">
                     <a:tint val="75000"/>
@@ -915,9 +920,9 @@
                 </a:solidFill>
               </a:defRPr>
             </a:lvl3pPr>
-            <a:lvl4pPr marL="1028700" indent="0">
+            <a:lvl4pPr marL="1440180" indent="0">
               <a:buNone/>
-              <a:defRPr sz="1200">
+              <a:defRPr sz="1680">
                 <a:solidFill>
                   <a:schemeClr val="tx1">
                     <a:tint val="75000"/>
@@ -925,9 +930,9 @@
                 </a:solidFill>
               </a:defRPr>
             </a:lvl4pPr>
-            <a:lvl5pPr marL="1371600" indent="0">
+            <a:lvl5pPr marL="1920240" indent="0">
               <a:buNone/>
-              <a:defRPr sz="1200">
+              <a:defRPr sz="1680">
                 <a:solidFill>
                   <a:schemeClr val="tx1">
                     <a:tint val="75000"/>
@@ -935,9 +940,9 @@
                 </a:solidFill>
               </a:defRPr>
             </a:lvl5pPr>
-            <a:lvl6pPr marL="1714500" indent="0">
+            <a:lvl6pPr marL="2400300" indent="0">
               <a:buNone/>
-              <a:defRPr sz="1200">
+              <a:defRPr sz="1680">
                 <a:solidFill>
                   <a:schemeClr val="tx1">
                     <a:tint val="75000"/>
@@ -945,9 +950,9 @@
                 </a:solidFill>
               </a:defRPr>
             </a:lvl6pPr>
-            <a:lvl7pPr marL="2057400" indent="0">
+            <a:lvl7pPr marL="2880360" indent="0">
               <a:buNone/>
-              <a:defRPr sz="1200">
+              <a:defRPr sz="1680">
                 <a:solidFill>
                   <a:schemeClr val="tx1">
                     <a:tint val="75000"/>
@@ -955,9 +960,9 @@
                 </a:solidFill>
               </a:defRPr>
             </a:lvl7pPr>
-            <a:lvl8pPr marL="2400300" indent="0">
+            <a:lvl8pPr marL="3360420" indent="0">
               <a:buNone/>
-              <a:defRPr sz="1200">
+              <a:defRPr sz="1680">
                 <a:solidFill>
                   <a:schemeClr val="tx1">
                     <a:tint val="75000"/>
@@ -965,9 +970,9 @@
                 </a:solidFill>
               </a:defRPr>
             </a:lvl8pPr>
-            <a:lvl9pPr marL="2743200" indent="0">
+            <a:lvl9pPr marL="3840480" indent="0">
               <a:buNone/>
-              <a:defRPr sz="1200">
+              <a:defRPr sz="1680">
                 <a:solidFill>
                   <a:schemeClr val="tx1">
                     <a:tint val="75000"/>
@@ -1053,7 +1058,7 @@
     </p:spTree>
     <p:extLst>
       <p:ext uri="{BB962C8B-B14F-4D97-AF65-F5344CB8AC3E}">
-        <p14:creationId xmlns:p14="http://schemas.microsoft.com/office/powerpoint/2010/main" val="3785883342"/>
+        <p14:creationId xmlns:p14="http://schemas.microsoft.com/office/powerpoint/2010/main" val="3298061604"/>
       </p:ext>
     </p:extLst>
   </p:cSld>
@@ -1115,8 +1120,8 @@
         </p:nvSpPr>
         <p:spPr>
           <a:xfrm>
-            <a:off x="471488" y="4868333"/>
-            <a:ext cx="2914650" cy="11603568"/>
+            <a:off x="660083" y="3407833"/>
+            <a:ext cx="4080510" cy="8122498"/>
           </a:xfrm>
         </p:spPr>
         <p:txBody>
@@ -1172,8 +1177,8 @@
         </p:nvSpPr>
         <p:spPr>
           <a:xfrm>
-            <a:off x="3471863" y="4868333"/>
-            <a:ext cx="2914650" cy="11603568"/>
+            <a:off x="4860608" y="3407833"/>
+            <a:ext cx="4080510" cy="8122498"/>
           </a:xfrm>
         </p:spPr>
         <p:txBody>
@@ -1285,7 +1290,7 @@
     </p:spTree>
     <p:extLst>
       <p:ext uri="{BB962C8B-B14F-4D97-AF65-F5344CB8AC3E}">
-        <p14:creationId xmlns:p14="http://schemas.microsoft.com/office/powerpoint/2010/main" val="2582826572"/>
+        <p14:creationId xmlns:p14="http://schemas.microsoft.com/office/powerpoint/2010/main" val="3830352193"/>
       </p:ext>
     </p:extLst>
   </p:cSld>
@@ -1324,8 +1329,8 @@
         </p:nvSpPr>
         <p:spPr>
           <a:xfrm>
-            <a:off x="472381" y="973671"/>
-            <a:ext cx="5915025" cy="3534835"/>
+            <a:off x="661333" y="681570"/>
+            <a:ext cx="8281035" cy="2474384"/>
           </a:xfrm>
         </p:spPr>
         <p:txBody>
@@ -1352,8 +1357,8 @@
         </p:nvSpPr>
         <p:spPr>
           <a:xfrm>
-            <a:off x="472381" y="4483101"/>
-            <a:ext cx="2901255" cy="2197099"/>
+            <a:off x="661334" y="3138171"/>
+            <a:ext cx="4061757" cy="1537969"/>
           </a:xfrm>
         </p:spPr>
         <p:txBody>
@@ -1361,39 +1366,39 @@
           <a:lstStyle>
             <a:lvl1pPr marL="0" indent="0">
               <a:buNone/>
-              <a:defRPr sz="1800" b="1"/>
+              <a:defRPr sz="2520" b="1"/>
             </a:lvl1pPr>
-            <a:lvl2pPr marL="342900" indent="0">
+            <a:lvl2pPr marL="480060" indent="0">
               <a:buNone/>
-              <a:defRPr sz="1500" b="1"/>
+              <a:defRPr sz="2100" b="1"/>
             </a:lvl2pPr>
-            <a:lvl3pPr marL="685800" indent="0">
+            <a:lvl3pPr marL="960120" indent="0">
               <a:buNone/>
-              <a:defRPr sz="1350" b="1"/>
+              <a:defRPr sz="1890" b="1"/>
             </a:lvl3pPr>
-            <a:lvl4pPr marL="1028700" indent="0">
+            <a:lvl4pPr marL="1440180" indent="0">
               <a:buNone/>
-              <a:defRPr sz="1200" b="1"/>
+              <a:defRPr sz="1680" b="1"/>
             </a:lvl4pPr>
-            <a:lvl5pPr marL="1371600" indent="0">
+            <a:lvl5pPr marL="1920240" indent="0">
               <a:buNone/>
-              <a:defRPr sz="1200" b="1"/>
+              <a:defRPr sz="1680" b="1"/>
             </a:lvl5pPr>
-            <a:lvl6pPr marL="1714500" indent="0">
+            <a:lvl6pPr marL="2400300" indent="0">
               <a:buNone/>
-              <a:defRPr sz="1200" b="1"/>
+              <a:defRPr sz="1680" b="1"/>
             </a:lvl6pPr>
-            <a:lvl7pPr marL="2057400" indent="0">
+            <a:lvl7pPr marL="2880360" indent="0">
               <a:buNone/>
-              <a:defRPr sz="1200" b="1"/>
+              <a:defRPr sz="1680" b="1"/>
             </a:lvl7pPr>
-            <a:lvl8pPr marL="2400300" indent="0">
+            <a:lvl8pPr marL="3360420" indent="0">
               <a:buNone/>
-              <a:defRPr sz="1200" b="1"/>
+              <a:defRPr sz="1680" b="1"/>
             </a:lvl8pPr>
-            <a:lvl9pPr marL="2743200" indent="0">
+            <a:lvl9pPr marL="3840480" indent="0">
               <a:buNone/>
-              <a:defRPr sz="1200" b="1"/>
+              <a:defRPr sz="1680" b="1"/>
             </a:lvl9pPr>
           </a:lstStyle>
           <a:p>
@@ -1417,8 +1422,8 @@
         </p:nvSpPr>
         <p:spPr>
           <a:xfrm>
-            <a:off x="472381" y="6680200"/>
-            <a:ext cx="2901255" cy="9825568"/>
+            <a:off x="661334" y="4676140"/>
+            <a:ext cx="4061757" cy="6877898"/>
           </a:xfrm>
         </p:spPr>
         <p:txBody>
@@ -1474,8 +1479,8 @@
         </p:nvSpPr>
         <p:spPr>
           <a:xfrm>
-            <a:off x="3471863" y="4483101"/>
-            <a:ext cx="2915543" cy="2197099"/>
+            <a:off x="4860608" y="3138171"/>
+            <a:ext cx="4081761" cy="1537969"/>
           </a:xfrm>
         </p:spPr>
         <p:txBody>
@@ -1483,39 +1488,39 @@
           <a:lstStyle>
             <a:lvl1pPr marL="0" indent="0">
               <a:buNone/>
-              <a:defRPr sz="1800" b="1"/>
+              <a:defRPr sz="2520" b="1"/>
             </a:lvl1pPr>
-            <a:lvl2pPr marL="342900" indent="0">
+            <a:lvl2pPr marL="480060" indent="0">
               <a:buNone/>
-              <a:defRPr sz="1500" b="1"/>
+              <a:defRPr sz="2100" b="1"/>
             </a:lvl2pPr>
-            <a:lvl3pPr marL="685800" indent="0">
+            <a:lvl3pPr marL="960120" indent="0">
               <a:buNone/>
-              <a:defRPr sz="1350" b="1"/>
+              <a:defRPr sz="1890" b="1"/>
             </a:lvl3pPr>
-            <a:lvl4pPr marL="1028700" indent="0">
+            <a:lvl4pPr marL="1440180" indent="0">
               <a:buNone/>
-              <a:defRPr sz="1200" b="1"/>
+              <a:defRPr sz="1680" b="1"/>
             </a:lvl4pPr>
-            <a:lvl5pPr marL="1371600" indent="0">
+            <a:lvl5pPr marL="1920240" indent="0">
               <a:buNone/>
-              <a:defRPr sz="1200" b="1"/>
+              <a:defRPr sz="1680" b="1"/>
             </a:lvl5pPr>
-            <a:lvl6pPr marL="1714500" indent="0">
+            <a:lvl6pPr marL="2400300" indent="0">
               <a:buNone/>
-              <a:defRPr sz="1200" b="1"/>
+              <a:defRPr sz="1680" b="1"/>
             </a:lvl6pPr>
-            <a:lvl7pPr marL="2057400" indent="0">
+            <a:lvl7pPr marL="2880360" indent="0">
               <a:buNone/>
-              <a:defRPr sz="1200" b="1"/>
+              <a:defRPr sz="1680" b="1"/>
             </a:lvl7pPr>
-            <a:lvl8pPr marL="2400300" indent="0">
+            <a:lvl8pPr marL="3360420" indent="0">
               <a:buNone/>
-              <a:defRPr sz="1200" b="1"/>
+              <a:defRPr sz="1680" b="1"/>
             </a:lvl8pPr>
-            <a:lvl9pPr marL="2743200" indent="0">
+            <a:lvl9pPr marL="3840480" indent="0">
               <a:buNone/>
-              <a:defRPr sz="1200" b="1"/>
+              <a:defRPr sz="1680" b="1"/>
             </a:lvl9pPr>
           </a:lstStyle>
           <a:p>
@@ -1539,8 +1544,8 @@
         </p:nvSpPr>
         <p:spPr>
           <a:xfrm>
-            <a:off x="3471863" y="6680200"/>
-            <a:ext cx="2915543" cy="9825568"/>
+            <a:off x="4860608" y="4676140"/>
+            <a:ext cx="4081761" cy="6877898"/>
           </a:xfrm>
         </p:spPr>
         <p:txBody>
@@ -1652,7 +1657,7 @@
     </p:spTree>
     <p:extLst>
       <p:ext uri="{BB962C8B-B14F-4D97-AF65-F5344CB8AC3E}">
-        <p14:creationId xmlns:p14="http://schemas.microsoft.com/office/powerpoint/2010/main" val="2933066458"/>
+        <p14:creationId xmlns:p14="http://schemas.microsoft.com/office/powerpoint/2010/main" val="589784481"/>
       </p:ext>
     </p:extLst>
   </p:cSld>
@@ -1770,7 +1775,7 @@
     </p:spTree>
     <p:extLst>
       <p:ext uri="{BB962C8B-B14F-4D97-AF65-F5344CB8AC3E}">
-        <p14:creationId xmlns:p14="http://schemas.microsoft.com/office/powerpoint/2010/main" val="2212763074"/>
+        <p14:creationId xmlns:p14="http://schemas.microsoft.com/office/powerpoint/2010/main" val="1852834925"/>
       </p:ext>
     </p:extLst>
   </p:cSld>
@@ -1865,7 +1870,7 @@
     </p:spTree>
     <p:extLst>
       <p:ext uri="{BB962C8B-B14F-4D97-AF65-F5344CB8AC3E}">
-        <p14:creationId xmlns:p14="http://schemas.microsoft.com/office/powerpoint/2010/main" val="764786983"/>
+        <p14:creationId xmlns:p14="http://schemas.microsoft.com/office/powerpoint/2010/main" val="4017257290"/>
       </p:ext>
     </p:extLst>
   </p:cSld>
@@ -1904,15 +1909,15 @@
         </p:nvSpPr>
         <p:spPr>
           <a:xfrm>
-            <a:off x="472381" y="1219200"/>
-            <a:ext cx="2211884" cy="4267200"/>
+            <a:off x="661333" y="853440"/>
+            <a:ext cx="3096637" cy="2987040"/>
           </a:xfrm>
         </p:spPr>
         <p:txBody>
           <a:bodyPr anchor="b"/>
           <a:lstStyle>
             <a:lvl1pPr>
-              <a:defRPr sz="2400"/>
+              <a:defRPr sz="3360"/>
             </a:lvl1pPr>
           </a:lstStyle>
           <a:p>
@@ -1936,39 +1941,39 @@
         </p:nvSpPr>
         <p:spPr>
           <a:xfrm>
-            <a:off x="2915543" y="2633138"/>
-            <a:ext cx="3471863" cy="12996333"/>
+            <a:off x="4081760" y="1843196"/>
+            <a:ext cx="4860608" cy="9097433"/>
           </a:xfrm>
         </p:spPr>
         <p:txBody>
           <a:bodyPr/>
           <a:lstStyle>
             <a:lvl1pPr>
-              <a:defRPr sz="2400"/>
+              <a:defRPr sz="3360"/>
             </a:lvl1pPr>
             <a:lvl2pPr>
-              <a:defRPr sz="2100"/>
+              <a:defRPr sz="2940"/>
             </a:lvl2pPr>
             <a:lvl3pPr>
-              <a:defRPr sz="1800"/>
+              <a:defRPr sz="2520"/>
             </a:lvl3pPr>
             <a:lvl4pPr>
-              <a:defRPr sz="1500"/>
+              <a:defRPr sz="2100"/>
             </a:lvl4pPr>
             <a:lvl5pPr>
-              <a:defRPr sz="1500"/>
+              <a:defRPr sz="2100"/>
             </a:lvl5pPr>
             <a:lvl6pPr>
-              <a:defRPr sz="1500"/>
+              <a:defRPr sz="2100"/>
             </a:lvl6pPr>
             <a:lvl7pPr>
-              <a:defRPr sz="1500"/>
+              <a:defRPr sz="2100"/>
             </a:lvl7pPr>
             <a:lvl8pPr>
-              <a:defRPr sz="1500"/>
+              <a:defRPr sz="2100"/>
             </a:lvl8pPr>
             <a:lvl9pPr>
-              <a:defRPr sz="1500"/>
+              <a:defRPr sz="2100"/>
             </a:lvl9pPr>
           </a:lstStyle>
           <a:p>
@@ -2021,8 +2026,8 @@
         </p:nvSpPr>
         <p:spPr>
           <a:xfrm>
-            <a:off x="472381" y="5486400"/>
-            <a:ext cx="2211884" cy="10164235"/>
+            <a:off x="661333" y="3840480"/>
+            <a:ext cx="3096637" cy="7114964"/>
           </a:xfrm>
         </p:spPr>
         <p:txBody>
@@ -2030,39 +2035,39 @@
           <a:lstStyle>
             <a:lvl1pPr marL="0" indent="0">
               <a:buNone/>
-              <a:defRPr sz="1200"/>
+              <a:defRPr sz="1680"/>
             </a:lvl1pPr>
-            <a:lvl2pPr marL="342900" indent="0">
+            <a:lvl2pPr marL="480060" indent="0">
+              <a:buNone/>
+              <a:defRPr sz="1470"/>
+            </a:lvl2pPr>
+            <a:lvl3pPr marL="960120" indent="0">
+              <a:buNone/>
+              <a:defRPr sz="1260"/>
+            </a:lvl3pPr>
+            <a:lvl4pPr marL="1440180" indent="0">
               <a:buNone/>
               <a:defRPr sz="1050"/>
-            </a:lvl2pPr>
-            <a:lvl3pPr marL="685800" indent="0">
+            </a:lvl4pPr>
+            <a:lvl5pPr marL="1920240" indent="0">
               <a:buNone/>
-              <a:defRPr sz="900"/>
-            </a:lvl3pPr>
-            <a:lvl4pPr marL="1028700" indent="0">
+              <a:defRPr sz="1050"/>
+            </a:lvl5pPr>
+            <a:lvl6pPr marL="2400300" indent="0">
               <a:buNone/>
-              <a:defRPr sz="750"/>
-            </a:lvl4pPr>
-            <a:lvl5pPr marL="1371600" indent="0">
+              <a:defRPr sz="1050"/>
+            </a:lvl6pPr>
+            <a:lvl7pPr marL="2880360" indent="0">
               <a:buNone/>
-              <a:defRPr sz="750"/>
-            </a:lvl5pPr>
-            <a:lvl6pPr marL="1714500" indent="0">
+              <a:defRPr sz="1050"/>
+            </a:lvl7pPr>
+            <a:lvl8pPr marL="3360420" indent="0">
               <a:buNone/>
-              <a:defRPr sz="750"/>
-            </a:lvl6pPr>
-            <a:lvl7pPr marL="2057400" indent="0">
+              <a:defRPr sz="1050"/>
+            </a:lvl8pPr>
+            <a:lvl9pPr marL="3840480" indent="0">
               <a:buNone/>
-              <a:defRPr sz="750"/>
-            </a:lvl7pPr>
-            <a:lvl8pPr marL="2400300" indent="0">
-              <a:buNone/>
-              <a:defRPr sz="750"/>
-            </a:lvl8pPr>
-            <a:lvl9pPr marL="2743200" indent="0">
-              <a:buNone/>
-              <a:defRPr sz="750"/>
+              <a:defRPr sz="1050"/>
             </a:lvl9pPr>
           </a:lstStyle>
           <a:p>
@@ -2142,7 +2147,7 @@
     </p:spTree>
     <p:extLst>
       <p:ext uri="{BB962C8B-B14F-4D97-AF65-F5344CB8AC3E}">
-        <p14:creationId xmlns:p14="http://schemas.microsoft.com/office/powerpoint/2010/main" val="176789105"/>
+        <p14:creationId xmlns:p14="http://schemas.microsoft.com/office/powerpoint/2010/main" val="2623064627"/>
       </p:ext>
     </p:extLst>
   </p:cSld>
@@ -2181,15 +2186,15 @@
         </p:nvSpPr>
         <p:spPr>
           <a:xfrm>
-            <a:off x="472381" y="1219200"/>
-            <a:ext cx="2211884" cy="4267200"/>
+            <a:off x="661333" y="853440"/>
+            <a:ext cx="3096637" cy="2987040"/>
           </a:xfrm>
         </p:spPr>
         <p:txBody>
           <a:bodyPr anchor="b"/>
           <a:lstStyle>
             <a:lvl1pPr>
-              <a:defRPr sz="2400"/>
+              <a:defRPr sz="3360"/>
             </a:lvl1pPr>
           </a:lstStyle>
           <a:p>
@@ -2213,8 +2218,8 @@
         </p:nvSpPr>
         <p:spPr>
           <a:xfrm>
-            <a:off x="2915543" y="2633138"/>
-            <a:ext cx="3471863" cy="12996333"/>
+            <a:off x="4081760" y="1843196"/>
+            <a:ext cx="4860608" cy="9097433"/>
           </a:xfrm>
         </p:spPr>
         <p:txBody>
@@ -2222,39 +2227,39 @@
           <a:lstStyle>
             <a:lvl1pPr marL="0" indent="0">
               <a:buNone/>
-              <a:defRPr sz="2400"/>
+              <a:defRPr sz="3360"/>
             </a:lvl1pPr>
-            <a:lvl2pPr marL="342900" indent="0">
+            <a:lvl2pPr marL="480060" indent="0">
+              <a:buNone/>
+              <a:defRPr sz="2940"/>
+            </a:lvl2pPr>
+            <a:lvl3pPr marL="960120" indent="0">
+              <a:buNone/>
+              <a:defRPr sz="2520"/>
+            </a:lvl3pPr>
+            <a:lvl4pPr marL="1440180" indent="0">
               <a:buNone/>
               <a:defRPr sz="2100"/>
-            </a:lvl2pPr>
-            <a:lvl3pPr marL="685800" indent="0">
+            </a:lvl4pPr>
+            <a:lvl5pPr marL="1920240" indent="0">
               <a:buNone/>
-              <a:defRPr sz="1800"/>
-            </a:lvl3pPr>
-            <a:lvl4pPr marL="1028700" indent="0">
+              <a:defRPr sz="2100"/>
+            </a:lvl5pPr>
+            <a:lvl6pPr marL="2400300" indent="0">
               <a:buNone/>
-              <a:defRPr sz="1500"/>
-            </a:lvl4pPr>
-            <a:lvl5pPr marL="1371600" indent="0">
+              <a:defRPr sz="2100"/>
+            </a:lvl6pPr>
+            <a:lvl7pPr marL="2880360" indent="0">
               <a:buNone/>
-              <a:defRPr sz="1500"/>
-            </a:lvl5pPr>
-            <a:lvl6pPr marL="1714500" indent="0">
+              <a:defRPr sz="2100"/>
+            </a:lvl7pPr>
+            <a:lvl8pPr marL="3360420" indent="0">
               <a:buNone/>
-              <a:defRPr sz="1500"/>
-            </a:lvl6pPr>
-            <a:lvl7pPr marL="2057400" indent="0">
+              <a:defRPr sz="2100"/>
+            </a:lvl8pPr>
+            <a:lvl9pPr marL="3840480" indent="0">
               <a:buNone/>
-              <a:defRPr sz="1500"/>
-            </a:lvl7pPr>
-            <a:lvl8pPr marL="2400300" indent="0">
-              <a:buNone/>
-              <a:defRPr sz="1500"/>
-            </a:lvl8pPr>
-            <a:lvl9pPr marL="2743200" indent="0">
-              <a:buNone/>
-              <a:defRPr sz="1500"/>
+              <a:defRPr sz="2100"/>
             </a:lvl9pPr>
           </a:lstStyle>
           <a:p>
@@ -2278,8 +2283,8 @@
         </p:nvSpPr>
         <p:spPr>
           <a:xfrm>
-            <a:off x="472381" y="5486400"/>
-            <a:ext cx="2211884" cy="10164235"/>
+            <a:off x="661333" y="3840480"/>
+            <a:ext cx="3096637" cy="7114964"/>
           </a:xfrm>
         </p:spPr>
         <p:txBody>
@@ -2287,39 +2292,39 @@
           <a:lstStyle>
             <a:lvl1pPr marL="0" indent="0">
               <a:buNone/>
-              <a:defRPr sz="1200"/>
+              <a:defRPr sz="1680"/>
             </a:lvl1pPr>
-            <a:lvl2pPr marL="342900" indent="0">
+            <a:lvl2pPr marL="480060" indent="0">
+              <a:buNone/>
+              <a:defRPr sz="1470"/>
+            </a:lvl2pPr>
+            <a:lvl3pPr marL="960120" indent="0">
+              <a:buNone/>
+              <a:defRPr sz="1260"/>
+            </a:lvl3pPr>
+            <a:lvl4pPr marL="1440180" indent="0">
               <a:buNone/>
               <a:defRPr sz="1050"/>
-            </a:lvl2pPr>
-            <a:lvl3pPr marL="685800" indent="0">
+            </a:lvl4pPr>
+            <a:lvl5pPr marL="1920240" indent="0">
               <a:buNone/>
-              <a:defRPr sz="900"/>
-            </a:lvl3pPr>
-            <a:lvl4pPr marL="1028700" indent="0">
+              <a:defRPr sz="1050"/>
+            </a:lvl5pPr>
+            <a:lvl6pPr marL="2400300" indent="0">
               <a:buNone/>
-              <a:defRPr sz="750"/>
-            </a:lvl4pPr>
-            <a:lvl5pPr marL="1371600" indent="0">
+              <a:defRPr sz="1050"/>
+            </a:lvl6pPr>
+            <a:lvl7pPr marL="2880360" indent="0">
               <a:buNone/>
-              <a:defRPr sz="750"/>
-            </a:lvl5pPr>
-            <a:lvl6pPr marL="1714500" indent="0">
+              <a:defRPr sz="1050"/>
+            </a:lvl7pPr>
+            <a:lvl8pPr marL="3360420" indent="0">
               <a:buNone/>
-              <a:defRPr sz="750"/>
-            </a:lvl6pPr>
-            <a:lvl7pPr marL="2057400" indent="0">
+              <a:defRPr sz="1050"/>
+            </a:lvl8pPr>
+            <a:lvl9pPr marL="3840480" indent="0">
               <a:buNone/>
-              <a:defRPr sz="750"/>
-            </a:lvl7pPr>
-            <a:lvl8pPr marL="2400300" indent="0">
-              <a:buNone/>
-              <a:defRPr sz="750"/>
-            </a:lvl8pPr>
-            <a:lvl9pPr marL="2743200" indent="0">
-              <a:buNone/>
-              <a:defRPr sz="750"/>
+              <a:defRPr sz="1050"/>
             </a:lvl9pPr>
           </a:lstStyle>
           <a:p>
@@ -2399,7 +2404,7 @@
     </p:spTree>
     <p:extLst>
       <p:ext uri="{BB962C8B-B14F-4D97-AF65-F5344CB8AC3E}">
-        <p14:creationId xmlns:p14="http://schemas.microsoft.com/office/powerpoint/2010/main" val="3379626514"/>
+        <p14:creationId xmlns:p14="http://schemas.microsoft.com/office/powerpoint/2010/main" val="2198480388"/>
       </p:ext>
     </p:extLst>
   </p:cSld>
@@ -2443,8 +2448,8 @@
         </p:nvSpPr>
         <p:spPr>
           <a:xfrm>
-            <a:off x="471488" y="973671"/>
-            <a:ext cx="5915025" cy="3534835"/>
+            <a:off x="660083" y="681570"/>
+            <a:ext cx="8281035" cy="2474384"/>
           </a:xfrm>
           <a:prstGeom prst="rect">
             <a:avLst/>
@@ -2476,8 +2481,8 @@
         </p:nvSpPr>
         <p:spPr>
           <a:xfrm>
-            <a:off x="471488" y="4868333"/>
-            <a:ext cx="5915025" cy="11603568"/>
+            <a:off x="660083" y="3407833"/>
+            <a:ext cx="8281035" cy="8122498"/>
           </a:xfrm>
           <a:prstGeom prst="rect">
             <a:avLst/>
@@ -2538,8 +2543,8 @@
         </p:nvSpPr>
         <p:spPr>
           <a:xfrm>
-            <a:off x="471488" y="16950271"/>
-            <a:ext cx="1543050" cy="973667"/>
+            <a:off x="660083" y="11865189"/>
+            <a:ext cx="2160270" cy="681567"/>
           </a:xfrm>
           <a:prstGeom prst="rect">
             <a:avLst/>
@@ -2549,7 +2554,7 @@
           <a:bodyPr vert="horz" lIns="91440" tIns="45720" rIns="91440" bIns="45720" rtlCol="0" anchor="ctr"/>
           <a:lstStyle>
             <a:lvl1pPr algn="l">
-              <a:defRPr sz="900">
+              <a:defRPr sz="1260">
                 <a:solidFill>
                   <a:schemeClr val="tx1">
                     <a:tint val="75000"/>
@@ -2579,8 +2584,8 @@
         </p:nvSpPr>
         <p:spPr>
           <a:xfrm>
-            <a:off x="2271713" y="16950271"/>
-            <a:ext cx="2314575" cy="973667"/>
+            <a:off x="3180398" y="11865189"/>
+            <a:ext cx="3240405" cy="681567"/>
           </a:xfrm>
           <a:prstGeom prst="rect">
             <a:avLst/>
@@ -2590,7 +2595,7 @@
           <a:bodyPr vert="horz" lIns="91440" tIns="45720" rIns="91440" bIns="45720" rtlCol="0" anchor="ctr"/>
           <a:lstStyle>
             <a:lvl1pPr algn="ctr">
-              <a:defRPr sz="900">
+              <a:defRPr sz="1260">
                 <a:solidFill>
                   <a:schemeClr val="tx1">
                     <a:tint val="75000"/>
@@ -2616,8 +2621,8 @@
         </p:nvSpPr>
         <p:spPr>
           <a:xfrm>
-            <a:off x="4843463" y="16950271"/>
-            <a:ext cx="1543050" cy="973667"/>
+            <a:off x="6780848" y="11865189"/>
+            <a:ext cx="2160270" cy="681567"/>
           </a:xfrm>
           <a:prstGeom prst="rect">
             <a:avLst/>
@@ -2627,7 +2632,7 @@
           <a:bodyPr vert="horz" lIns="91440" tIns="45720" rIns="91440" bIns="45720" rtlCol="0" anchor="ctr"/>
           <a:lstStyle>
             <a:lvl1pPr algn="r">
-              <a:defRPr sz="900">
+              <a:defRPr sz="1260">
                 <a:solidFill>
                   <a:schemeClr val="tx1">
                     <a:tint val="75000"/>
@@ -2648,27 +2653,27 @@
     </p:spTree>
     <p:extLst>
       <p:ext uri="{BB962C8B-B14F-4D97-AF65-F5344CB8AC3E}">
-        <p14:creationId xmlns:p14="http://schemas.microsoft.com/office/powerpoint/2010/main" val="1318887029"/>
+        <p14:creationId xmlns:p14="http://schemas.microsoft.com/office/powerpoint/2010/main" val="1975185256"/>
       </p:ext>
     </p:extLst>
   </p:cSld>
   <p:clrMap bg1="lt1" tx1="dk1" bg2="lt2" tx2="dk2" accent1="accent1" accent2="accent2" accent3="accent3" accent4="accent4" accent5="accent5" accent6="accent6" hlink="hlink" folHlink="folHlink"/>
   <p:sldLayoutIdLst>
-    <p:sldLayoutId id="2147483673" r:id="rId1"/>
-    <p:sldLayoutId id="2147483674" r:id="rId2"/>
-    <p:sldLayoutId id="2147483675" r:id="rId3"/>
-    <p:sldLayoutId id="2147483676" r:id="rId4"/>
-    <p:sldLayoutId id="2147483677" r:id="rId5"/>
-    <p:sldLayoutId id="2147483678" r:id="rId6"/>
-    <p:sldLayoutId id="2147483679" r:id="rId7"/>
-    <p:sldLayoutId id="2147483680" r:id="rId8"/>
-    <p:sldLayoutId id="2147483681" r:id="rId9"/>
-    <p:sldLayoutId id="2147483682" r:id="rId10"/>
-    <p:sldLayoutId id="2147483683" r:id="rId11"/>
+    <p:sldLayoutId id="2147483733" r:id="rId1"/>
+    <p:sldLayoutId id="2147483734" r:id="rId2"/>
+    <p:sldLayoutId id="2147483735" r:id="rId3"/>
+    <p:sldLayoutId id="2147483736" r:id="rId4"/>
+    <p:sldLayoutId id="2147483737" r:id="rId5"/>
+    <p:sldLayoutId id="2147483738" r:id="rId6"/>
+    <p:sldLayoutId id="2147483739" r:id="rId7"/>
+    <p:sldLayoutId id="2147483740" r:id="rId8"/>
+    <p:sldLayoutId id="2147483741" r:id="rId9"/>
+    <p:sldLayoutId id="2147483742" r:id="rId10"/>
+    <p:sldLayoutId id="2147483743" r:id="rId11"/>
   </p:sldLayoutIdLst>
   <p:txStyles>
     <p:titleStyle>
-      <a:lvl1pPr algn="l" defTabSz="685800" rtl="0" eaLnBrk="1" latinLnBrk="0" hangingPunct="1">
+      <a:lvl1pPr algn="l" defTabSz="960120" rtl="0" eaLnBrk="1" latinLnBrk="0" hangingPunct="1">
         <a:lnSpc>
           <a:spcPct val="90000"/>
         </a:lnSpc>
@@ -2676,7 +2681,7 @@
           <a:spcPct val="0"/>
         </a:spcBef>
         <a:buNone/>
-        <a:defRPr sz="3300" kern="1200">
+        <a:defRPr sz="4620" kern="1200">
           <a:solidFill>
             <a:schemeClr val="tx1"/>
           </a:solidFill>
@@ -2687,12 +2692,48 @@
       </a:lvl1pPr>
     </p:titleStyle>
     <p:bodyStyle>
-      <a:lvl1pPr marL="171450" indent="-171450" algn="l" defTabSz="685800" rtl="0" eaLnBrk="1" latinLnBrk="0" hangingPunct="1">
+      <a:lvl1pPr marL="240030" indent="-240030" algn="l" defTabSz="960120" rtl="0" eaLnBrk="1" latinLnBrk="0" hangingPunct="1">
         <a:lnSpc>
           <a:spcPct val="90000"/>
         </a:lnSpc>
         <a:spcBef>
-          <a:spcPts val="750"/>
+          <a:spcPts val="1050"/>
+        </a:spcBef>
+        <a:buFont typeface="Arial" panose="020B0604020202020204" pitchFamily="34" charset="0"/>
+        <a:buChar char="•"/>
+        <a:defRPr sz="2940" kern="1200">
+          <a:solidFill>
+            <a:schemeClr val="tx1"/>
+          </a:solidFill>
+          <a:latin typeface="+mn-lt"/>
+          <a:ea typeface="+mn-ea"/>
+          <a:cs typeface="+mn-cs"/>
+        </a:defRPr>
+      </a:lvl1pPr>
+      <a:lvl2pPr marL="720090" indent="-240030" algn="l" defTabSz="960120" rtl="0" eaLnBrk="1" latinLnBrk="0" hangingPunct="1">
+        <a:lnSpc>
+          <a:spcPct val="90000"/>
+        </a:lnSpc>
+        <a:spcBef>
+          <a:spcPts val="525"/>
+        </a:spcBef>
+        <a:buFont typeface="Arial" panose="020B0604020202020204" pitchFamily="34" charset="0"/>
+        <a:buChar char="•"/>
+        <a:defRPr sz="2520" kern="1200">
+          <a:solidFill>
+            <a:schemeClr val="tx1"/>
+          </a:solidFill>
+          <a:latin typeface="+mn-lt"/>
+          <a:ea typeface="+mn-ea"/>
+          <a:cs typeface="+mn-cs"/>
+        </a:defRPr>
+      </a:lvl2pPr>
+      <a:lvl3pPr marL="1200150" indent="-240030" algn="l" defTabSz="960120" rtl="0" eaLnBrk="1" latinLnBrk="0" hangingPunct="1">
+        <a:lnSpc>
+          <a:spcPct val="90000"/>
+        </a:lnSpc>
+        <a:spcBef>
+          <a:spcPts val="525"/>
         </a:spcBef>
         <a:buFont typeface="Arial" panose="020B0604020202020204" pitchFamily="34" charset="0"/>
         <a:buChar char="•"/>
@@ -2704,53 +2745,17 @@
           <a:ea typeface="+mn-ea"/>
           <a:cs typeface="+mn-cs"/>
         </a:defRPr>
-      </a:lvl1pPr>
-      <a:lvl2pPr marL="514350" indent="-171450" algn="l" defTabSz="685800" rtl="0" eaLnBrk="1" latinLnBrk="0" hangingPunct="1">
+      </a:lvl3pPr>
+      <a:lvl4pPr marL="1680210" indent="-240030" algn="l" defTabSz="960120" rtl="0" eaLnBrk="1" latinLnBrk="0" hangingPunct="1">
         <a:lnSpc>
           <a:spcPct val="90000"/>
         </a:lnSpc>
         <a:spcBef>
-          <a:spcPts val="375"/>
+          <a:spcPts val="525"/>
         </a:spcBef>
         <a:buFont typeface="Arial" panose="020B0604020202020204" pitchFamily="34" charset="0"/>
         <a:buChar char="•"/>
-        <a:defRPr sz="1800" kern="1200">
-          <a:solidFill>
-            <a:schemeClr val="tx1"/>
-          </a:solidFill>
-          <a:latin typeface="+mn-lt"/>
-          <a:ea typeface="+mn-ea"/>
-          <a:cs typeface="+mn-cs"/>
-        </a:defRPr>
-      </a:lvl2pPr>
-      <a:lvl3pPr marL="857250" indent="-171450" algn="l" defTabSz="685800" rtl="0" eaLnBrk="1" latinLnBrk="0" hangingPunct="1">
-        <a:lnSpc>
-          <a:spcPct val="90000"/>
-        </a:lnSpc>
-        <a:spcBef>
-          <a:spcPts val="375"/>
-        </a:spcBef>
-        <a:buFont typeface="Arial" panose="020B0604020202020204" pitchFamily="34" charset="0"/>
-        <a:buChar char="•"/>
-        <a:defRPr sz="1500" kern="1200">
-          <a:solidFill>
-            <a:schemeClr val="tx1"/>
-          </a:solidFill>
-          <a:latin typeface="+mn-lt"/>
-          <a:ea typeface="+mn-ea"/>
-          <a:cs typeface="+mn-cs"/>
-        </a:defRPr>
-      </a:lvl3pPr>
-      <a:lvl4pPr marL="1200150" indent="-171450" algn="l" defTabSz="685800" rtl="0" eaLnBrk="1" latinLnBrk="0" hangingPunct="1">
-        <a:lnSpc>
-          <a:spcPct val="90000"/>
-        </a:lnSpc>
-        <a:spcBef>
-          <a:spcPts val="375"/>
-        </a:spcBef>
-        <a:buFont typeface="Arial" panose="020B0604020202020204" pitchFamily="34" charset="0"/>
-        <a:buChar char="•"/>
-        <a:defRPr sz="1350" kern="1200">
+        <a:defRPr sz="1890" kern="1200">
           <a:solidFill>
             <a:schemeClr val="tx1"/>
           </a:solidFill>
@@ -2759,16 +2764,16 @@
           <a:cs typeface="+mn-cs"/>
         </a:defRPr>
       </a:lvl4pPr>
-      <a:lvl5pPr marL="1543050" indent="-171450" algn="l" defTabSz="685800" rtl="0" eaLnBrk="1" latinLnBrk="0" hangingPunct="1">
+      <a:lvl5pPr marL="2160270" indent="-240030" algn="l" defTabSz="960120" rtl="0" eaLnBrk="1" latinLnBrk="0" hangingPunct="1">
         <a:lnSpc>
           <a:spcPct val="90000"/>
         </a:lnSpc>
         <a:spcBef>
-          <a:spcPts val="375"/>
+          <a:spcPts val="525"/>
         </a:spcBef>
         <a:buFont typeface="Arial" panose="020B0604020202020204" pitchFamily="34" charset="0"/>
         <a:buChar char="•"/>
-        <a:defRPr sz="1350" kern="1200">
+        <a:defRPr sz="1890" kern="1200">
           <a:solidFill>
             <a:schemeClr val="tx1"/>
           </a:solidFill>
@@ -2777,16 +2782,16 @@
           <a:cs typeface="+mn-cs"/>
         </a:defRPr>
       </a:lvl5pPr>
-      <a:lvl6pPr marL="1885950" indent="-171450" algn="l" defTabSz="685800" rtl="0" eaLnBrk="1" latinLnBrk="0" hangingPunct="1">
+      <a:lvl6pPr marL="2640330" indent="-240030" algn="l" defTabSz="960120" rtl="0" eaLnBrk="1" latinLnBrk="0" hangingPunct="1">
         <a:lnSpc>
           <a:spcPct val="90000"/>
         </a:lnSpc>
         <a:spcBef>
-          <a:spcPts val="375"/>
+          <a:spcPts val="525"/>
         </a:spcBef>
         <a:buFont typeface="Arial" panose="020B0604020202020204" pitchFamily="34" charset="0"/>
         <a:buChar char="•"/>
-        <a:defRPr sz="1350" kern="1200">
+        <a:defRPr sz="1890" kern="1200">
           <a:solidFill>
             <a:schemeClr val="tx1"/>
           </a:solidFill>
@@ -2795,16 +2800,16 @@
           <a:cs typeface="+mn-cs"/>
         </a:defRPr>
       </a:lvl6pPr>
-      <a:lvl7pPr marL="2228850" indent="-171450" algn="l" defTabSz="685800" rtl="0" eaLnBrk="1" latinLnBrk="0" hangingPunct="1">
+      <a:lvl7pPr marL="3120390" indent="-240030" algn="l" defTabSz="960120" rtl="0" eaLnBrk="1" latinLnBrk="0" hangingPunct="1">
         <a:lnSpc>
           <a:spcPct val="90000"/>
         </a:lnSpc>
         <a:spcBef>
-          <a:spcPts val="375"/>
+          <a:spcPts val="525"/>
         </a:spcBef>
         <a:buFont typeface="Arial" panose="020B0604020202020204" pitchFamily="34" charset="0"/>
         <a:buChar char="•"/>
-        <a:defRPr sz="1350" kern="1200">
+        <a:defRPr sz="1890" kern="1200">
           <a:solidFill>
             <a:schemeClr val="tx1"/>
           </a:solidFill>
@@ -2813,16 +2818,16 @@
           <a:cs typeface="+mn-cs"/>
         </a:defRPr>
       </a:lvl7pPr>
-      <a:lvl8pPr marL="2571750" indent="-171450" algn="l" defTabSz="685800" rtl="0" eaLnBrk="1" latinLnBrk="0" hangingPunct="1">
+      <a:lvl8pPr marL="3600450" indent="-240030" algn="l" defTabSz="960120" rtl="0" eaLnBrk="1" latinLnBrk="0" hangingPunct="1">
         <a:lnSpc>
           <a:spcPct val="90000"/>
         </a:lnSpc>
         <a:spcBef>
-          <a:spcPts val="375"/>
+          <a:spcPts val="525"/>
         </a:spcBef>
         <a:buFont typeface="Arial" panose="020B0604020202020204" pitchFamily="34" charset="0"/>
         <a:buChar char="•"/>
-        <a:defRPr sz="1350" kern="1200">
+        <a:defRPr sz="1890" kern="1200">
           <a:solidFill>
             <a:schemeClr val="tx1"/>
           </a:solidFill>
@@ -2831,16 +2836,16 @@
           <a:cs typeface="+mn-cs"/>
         </a:defRPr>
       </a:lvl8pPr>
-      <a:lvl9pPr marL="2914650" indent="-171450" algn="l" defTabSz="685800" rtl="0" eaLnBrk="1" latinLnBrk="0" hangingPunct="1">
+      <a:lvl9pPr marL="4080510" indent="-240030" algn="l" defTabSz="960120" rtl="0" eaLnBrk="1" latinLnBrk="0" hangingPunct="1">
         <a:lnSpc>
           <a:spcPct val="90000"/>
         </a:lnSpc>
         <a:spcBef>
-          <a:spcPts val="375"/>
+          <a:spcPts val="525"/>
         </a:spcBef>
         <a:buFont typeface="Arial" panose="020B0604020202020204" pitchFamily="34" charset="0"/>
         <a:buChar char="•"/>
-        <a:defRPr sz="1350" kern="1200">
+        <a:defRPr sz="1890" kern="1200">
           <a:solidFill>
             <a:schemeClr val="tx1"/>
           </a:solidFill>
@@ -2854,8 +2859,8 @@
       <a:defPPr>
         <a:defRPr lang="en-US"/>
       </a:defPPr>
-      <a:lvl1pPr marL="0" algn="l" defTabSz="685800" rtl="0" eaLnBrk="1" latinLnBrk="0" hangingPunct="1">
-        <a:defRPr sz="1350" kern="1200">
+      <a:lvl1pPr marL="0" algn="l" defTabSz="960120" rtl="0" eaLnBrk="1" latinLnBrk="0" hangingPunct="1">
+        <a:defRPr sz="1890" kern="1200">
           <a:solidFill>
             <a:schemeClr val="tx1"/>
           </a:solidFill>
@@ -2864,8 +2869,8 @@
           <a:cs typeface="+mn-cs"/>
         </a:defRPr>
       </a:lvl1pPr>
-      <a:lvl2pPr marL="342900" algn="l" defTabSz="685800" rtl="0" eaLnBrk="1" latinLnBrk="0" hangingPunct="1">
-        <a:defRPr sz="1350" kern="1200">
+      <a:lvl2pPr marL="480060" algn="l" defTabSz="960120" rtl="0" eaLnBrk="1" latinLnBrk="0" hangingPunct="1">
+        <a:defRPr sz="1890" kern="1200">
           <a:solidFill>
             <a:schemeClr val="tx1"/>
           </a:solidFill>
@@ -2874,8 +2879,8 @@
           <a:cs typeface="+mn-cs"/>
         </a:defRPr>
       </a:lvl2pPr>
-      <a:lvl3pPr marL="685800" algn="l" defTabSz="685800" rtl="0" eaLnBrk="1" latinLnBrk="0" hangingPunct="1">
-        <a:defRPr sz="1350" kern="1200">
+      <a:lvl3pPr marL="960120" algn="l" defTabSz="960120" rtl="0" eaLnBrk="1" latinLnBrk="0" hangingPunct="1">
+        <a:defRPr sz="1890" kern="1200">
           <a:solidFill>
             <a:schemeClr val="tx1"/>
           </a:solidFill>
@@ -2884,8 +2889,8 @@
           <a:cs typeface="+mn-cs"/>
         </a:defRPr>
       </a:lvl3pPr>
-      <a:lvl4pPr marL="1028700" algn="l" defTabSz="685800" rtl="0" eaLnBrk="1" latinLnBrk="0" hangingPunct="1">
-        <a:defRPr sz="1350" kern="1200">
+      <a:lvl4pPr marL="1440180" algn="l" defTabSz="960120" rtl="0" eaLnBrk="1" latinLnBrk="0" hangingPunct="1">
+        <a:defRPr sz="1890" kern="1200">
           <a:solidFill>
             <a:schemeClr val="tx1"/>
           </a:solidFill>
@@ -2894,8 +2899,8 @@
           <a:cs typeface="+mn-cs"/>
         </a:defRPr>
       </a:lvl4pPr>
-      <a:lvl5pPr marL="1371600" algn="l" defTabSz="685800" rtl="0" eaLnBrk="1" latinLnBrk="0" hangingPunct="1">
-        <a:defRPr sz="1350" kern="1200">
+      <a:lvl5pPr marL="1920240" algn="l" defTabSz="960120" rtl="0" eaLnBrk="1" latinLnBrk="0" hangingPunct="1">
+        <a:defRPr sz="1890" kern="1200">
           <a:solidFill>
             <a:schemeClr val="tx1"/>
           </a:solidFill>
@@ -2904,8 +2909,8 @@
           <a:cs typeface="+mn-cs"/>
         </a:defRPr>
       </a:lvl5pPr>
-      <a:lvl6pPr marL="1714500" algn="l" defTabSz="685800" rtl="0" eaLnBrk="1" latinLnBrk="0" hangingPunct="1">
-        <a:defRPr sz="1350" kern="1200">
+      <a:lvl6pPr marL="2400300" algn="l" defTabSz="960120" rtl="0" eaLnBrk="1" latinLnBrk="0" hangingPunct="1">
+        <a:defRPr sz="1890" kern="1200">
           <a:solidFill>
             <a:schemeClr val="tx1"/>
           </a:solidFill>
@@ -2914,8 +2919,8 @@
           <a:cs typeface="+mn-cs"/>
         </a:defRPr>
       </a:lvl6pPr>
-      <a:lvl7pPr marL="2057400" algn="l" defTabSz="685800" rtl="0" eaLnBrk="1" latinLnBrk="0" hangingPunct="1">
-        <a:defRPr sz="1350" kern="1200">
+      <a:lvl7pPr marL="2880360" algn="l" defTabSz="960120" rtl="0" eaLnBrk="1" latinLnBrk="0" hangingPunct="1">
+        <a:defRPr sz="1890" kern="1200">
           <a:solidFill>
             <a:schemeClr val="tx1"/>
           </a:solidFill>
@@ -2924,8 +2929,8 @@
           <a:cs typeface="+mn-cs"/>
         </a:defRPr>
       </a:lvl7pPr>
-      <a:lvl8pPr marL="2400300" algn="l" defTabSz="685800" rtl="0" eaLnBrk="1" latinLnBrk="0" hangingPunct="1">
-        <a:defRPr sz="1350" kern="1200">
+      <a:lvl8pPr marL="3360420" algn="l" defTabSz="960120" rtl="0" eaLnBrk="1" latinLnBrk="0" hangingPunct="1">
+        <a:defRPr sz="1890" kern="1200">
           <a:solidFill>
             <a:schemeClr val="tx1"/>
           </a:solidFill>
@@ -2934,8 +2939,8 @@
           <a:cs typeface="+mn-cs"/>
         </a:defRPr>
       </a:lvl8pPr>
-      <a:lvl9pPr marL="2743200" algn="l" defTabSz="685800" rtl="0" eaLnBrk="1" latinLnBrk="0" hangingPunct="1">
-        <a:defRPr sz="1350" kern="1200">
+      <a:lvl9pPr marL="3840480" algn="l" defTabSz="960120" rtl="0" eaLnBrk="1" latinLnBrk="0" hangingPunct="1">
+        <a:defRPr sz="1890" kern="1200">
           <a:solidFill>
             <a:schemeClr val="tx1"/>
           </a:solidFill>
@@ -2966,6 +2971,59 @@
           <a:chExt cx="0" cy="0"/>
         </a:xfrm>
       </p:grpSpPr>
+      <p:sp>
+        <p:nvSpPr>
+          <p:cNvPr id="12" name="Rectangle 11"/>
+          <p:cNvSpPr/>
+          <p:nvPr/>
+        </p:nvSpPr>
+        <p:spPr>
+          <a:xfrm>
+            <a:off x="3369676" y="7473513"/>
+            <a:ext cx="768659" cy="322415"/>
+          </a:xfrm>
+          <a:prstGeom prst="rect">
+            <a:avLst/>
+          </a:prstGeom>
+          <a:solidFill>
+            <a:srgbClr val="FFFF00"/>
+          </a:solidFill>
+          <a:ln>
+            <a:solidFill>
+              <a:srgbClr val="FFFF00"/>
+            </a:solidFill>
+          </a:ln>
+        </p:spPr>
+        <p:style>
+          <a:lnRef idx="2">
+            <a:schemeClr val="accent1">
+              <a:shade val="50000"/>
+            </a:schemeClr>
+          </a:lnRef>
+          <a:fillRef idx="1">
+            <a:schemeClr val="accent1"/>
+          </a:fillRef>
+          <a:effectRef idx="0">
+            <a:schemeClr val="accent1"/>
+          </a:effectRef>
+          <a:fontRef idx="minor">
+            <a:schemeClr val="lt1"/>
+          </a:fontRef>
+        </p:style>
+        <p:txBody>
+          <a:bodyPr rot="0" spcFirstLastPara="0" vertOverflow="overflow" horzOverflow="overflow" vert="horz" wrap="square" lIns="64008" tIns="32004" rIns="64008" bIns="32004" numCol="1" spcCol="0" rtlCol="0" fromWordArt="0" anchor="ctr" anchorCtr="0" forceAA="0" compatLnSpc="1">
+            <a:prstTxWarp prst="textNoShape">
+              <a:avLst/>
+            </a:prstTxWarp>
+            <a:noAutofit/>
+          </a:bodyPr>
+          <a:lstStyle/>
+          <a:p>
+            <a:pPr algn="ctr"/>
+            <a:endParaRPr lang="en-US" sz="1000"/>
+          </a:p>
+        </p:txBody>
+      </p:sp>
       <p:grpSp>
         <p:nvGrpSpPr>
           <p:cNvPr id="28" name="Group 27"/>
@@ -2974,10 +3032,10 @@
         </p:nvGrpSpPr>
         <p:grpSpPr>
           <a:xfrm>
-            <a:off x="2613752" y="3201457"/>
-            <a:ext cx="1083604" cy="292706"/>
+            <a:off x="2698424" y="3811952"/>
+            <a:ext cx="2114646" cy="1163079"/>
             <a:chOff x="5926864" y="2525204"/>
-            <a:chExt cx="1104477" cy="360813"/>
+            <a:chExt cx="1104477" cy="1044490"/>
           </a:xfrm>
         </p:grpSpPr>
         <p:sp>
@@ -3041,7 +3099,7 @@
             </a:fontRef>
           </p:style>
           <p:txBody>
-            <a:bodyPr rot="0" spcFirstLastPara="0" vertOverflow="overflow" horzOverflow="overflow" vert="horz" wrap="square" lIns="51435" tIns="25718" rIns="51435" bIns="25718" numCol="1" spcCol="0" rtlCol="0" fromWordArt="0" anchor="ctr" anchorCtr="0" forceAA="0" compatLnSpc="1">
+            <a:bodyPr rot="0" spcFirstLastPara="0" vertOverflow="overflow" horzOverflow="overflow" vert="horz" wrap="square" lIns="36004" tIns="18003" rIns="36004" bIns="18003" numCol="1" spcCol="0" rtlCol="0" fromWordArt="0" anchor="ctr" anchorCtr="0" forceAA="0" compatLnSpc="1">
               <a:prstTxWarp prst="textNoShape">
                 <a:avLst/>
               </a:prstTxWarp>
@@ -3050,7 +3108,7 @@
             <a:lstStyle/>
             <a:p>
               <a:pPr algn="ctr"/>
-              <a:endParaRPr lang="en-US" sz="1013"/>
+              <a:endParaRPr lang="en-US" sz="1000"/>
             </a:p>
           </p:txBody>
         </p:sp>
@@ -3062,8 +3120,8 @@
           </p:nvSpPr>
           <p:spPr>
             <a:xfrm>
-              <a:off x="5926864" y="2594123"/>
-              <a:ext cx="1104477" cy="220601"/>
+              <a:off x="5926864" y="2594121"/>
+              <a:ext cx="1104477" cy="975573"/>
             </a:xfrm>
             <a:prstGeom prst="rect">
               <a:avLst/>
@@ -3078,7 +3136,7 @@
             <a:p>
               <a:pPr algn="ctr"/>
               <a:r>
-                <a:rPr lang="en-US" sz="563" dirty="0"/>
+                <a:rPr lang="en-US" sz="1000" dirty="0"/>
                 <a:t>pick_open_reference_otus.py</a:t>
               </a:r>
             </a:p>
@@ -3093,10 +3151,10 @@
         </p:nvGrpSpPr>
         <p:grpSpPr>
           <a:xfrm>
-            <a:off x="2629657" y="890377"/>
-            <a:ext cx="912695" cy="292706"/>
+            <a:off x="3533497" y="1420882"/>
+            <a:ext cx="1316527" cy="400859"/>
             <a:chOff x="6720610" y="1090416"/>
-            <a:chExt cx="1622568" cy="520366"/>
+            <a:chExt cx="2133900" cy="629819"/>
           </a:xfrm>
         </p:grpSpPr>
         <p:sp>
@@ -3160,7 +3218,7 @@
             </a:fontRef>
           </p:style>
           <p:txBody>
-            <a:bodyPr rot="0" spcFirstLastPara="0" vertOverflow="overflow" horzOverflow="overflow" vert="horz" wrap="square" lIns="51435" tIns="25718" rIns="51435" bIns="25718" numCol="1" spcCol="0" rtlCol="0" fromWordArt="0" anchor="ctr" anchorCtr="0" forceAA="0" compatLnSpc="1">
+            <a:bodyPr rot="0" spcFirstLastPara="0" vertOverflow="overflow" horzOverflow="overflow" vert="horz" wrap="square" lIns="36004" tIns="18003" rIns="36004" bIns="18003" numCol="1" spcCol="0" rtlCol="0" fromWordArt="0" anchor="ctr" anchorCtr="0" forceAA="0" compatLnSpc="1">
               <a:prstTxWarp prst="textNoShape">
                 <a:avLst/>
               </a:prstTxWarp>
@@ -3169,7 +3227,7 @@
             <a:lstStyle/>
             <a:p>
               <a:pPr algn="ctr"/>
-              <a:endParaRPr lang="en-US" sz="1013"/>
+              <a:endParaRPr lang="en-US" sz="1000"/>
             </a:p>
           </p:txBody>
         </p:sp>
@@ -3181,8 +3239,8 @@
           </p:nvSpPr>
           <p:spPr>
             <a:xfrm>
-              <a:off x="7100837" y="1164958"/>
-              <a:ext cx="886853" cy="318151"/>
+              <a:off x="6972841" y="1094911"/>
+              <a:ext cx="1881669" cy="625324"/>
             </a:xfrm>
             <a:prstGeom prst="rect">
               <a:avLst/>
@@ -3196,10 +3254,10 @@
             <a:lstStyle/>
             <a:p>
               <a:r>
-                <a:rPr lang="en-US" sz="563" dirty="0" err="1"/>
+                <a:rPr lang="en-US" sz="1000" dirty="0" err="1"/>
                 <a:t>PANDAseq</a:t>
               </a:r>
-              <a:endParaRPr lang="en-US" sz="563" dirty="0"/>
+              <a:endParaRPr lang="en-US" sz="1000" dirty="0"/>
             </a:p>
           </p:txBody>
         </p:sp>
@@ -3212,10 +3270,10 @@
         </p:nvGrpSpPr>
         <p:grpSpPr>
           <a:xfrm>
-            <a:off x="2669516" y="2000315"/>
-            <a:ext cx="912695" cy="292706"/>
-            <a:chOff x="5611514" y="1475931"/>
-            <a:chExt cx="1622568" cy="520366"/>
+            <a:off x="3087341" y="2631959"/>
+            <a:ext cx="2364454" cy="592638"/>
+            <a:chOff x="5544442" y="1479927"/>
+            <a:chExt cx="3192567" cy="717390"/>
           </a:xfrm>
         </p:grpSpPr>
         <p:sp>
@@ -3226,8 +3284,8 @@
           </p:nvSpPr>
           <p:spPr>
             <a:xfrm>
-              <a:off x="5611514" y="1475931"/>
-              <a:ext cx="1622568" cy="520366"/>
+              <a:off x="5573801" y="1479927"/>
+              <a:ext cx="1622569" cy="520365"/>
             </a:xfrm>
             <a:prstGeom prst="ellipse">
               <a:avLst/>
@@ -3279,7 +3337,7 @@
             </a:fontRef>
           </p:style>
           <p:txBody>
-            <a:bodyPr rot="0" spcFirstLastPara="0" vertOverflow="overflow" horzOverflow="overflow" vert="horz" wrap="square" lIns="51435" tIns="25718" rIns="51435" bIns="25718" numCol="1" spcCol="0" rtlCol="0" fromWordArt="0" anchor="ctr" anchorCtr="0" forceAA="0" compatLnSpc="1">
+            <a:bodyPr rot="0" spcFirstLastPara="0" vertOverflow="overflow" horzOverflow="overflow" vert="horz" wrap="square" lIns="36004" tIns="18003" rIns="36004" bIns="18003" numCol="1" spcCol="0" rtlCol="0" fromWordArt="0" anchor="ctr" anchorCtr="0" forceAA="0" compatLnSpc="1">
               <a:prstTxWarp prst="textNoShape">
                 <a:avLst/>
               </a:prstTxWarp>
@@ -3288,7 +3346,7 @@
             <a:lstStyle/>
             <a:p>
               <a:pPr algn="ctr"/>
-              <a:endParaRPr lang="en-US" sz="1013"/>
+              <a:endParaRPr lang="en-US" sz="1000"/>
             </a:p>
           </p:txBody>
         </p:sp>
@@ -3300,8 +3358,8 @@
           </p:nvSpPr>
           <p:spPr>
             <a:xfrm>
-              <a:off x="5794262" y="1589671"/>
-              <a:ext cx="1402664" cy="318151"/>
+              <a:off x="5544442" y="1571992"/>
+              <a:ext cx="3192567" cy="625325"/>
             </a:xfrm>
             <a:prstGeom prst="rect">
               <a:avLst/>
@@ -3315,7 +3373,7 @@
             <a:lstStyle/>
             <a:p>
               <a:r>
-                <a:rPr lang="en-US" sz="563" dirty="0"/>
+                <a:rPr lang="en-US" sz="1000" dirty="0"/>
                 <a:t>add_qiime_labels.py</a:t>
               </a:r>
             </a:p>
@@ -3330,10 +3388,10 @@
         </p:nvGrpSpPr>
         <p:grpSpPr>
           <a:xfrm>
-            <a:off x="586393" y="2722593"/>
-            <a:ext cx="1015313" cy="424108"/>
+            <a:off x="1500336" y="4073019"/>
+            <a:ext cx="676496" cy="606045"/>
             <a:chOff x="5535642" y="3132991"/>
-            <a:chExt cx="1805001" cy="520366"/>
+            <a:chExt cx="1805001" cy="1332511"/>
           </a:xfrm>
         </p:grpSpPr>
         <p:sp>
@@ -3397,7 +3455,7 @@
             </a:fontRef>
           </p:style>
           <p:txBody>
-            <a:bodyPr rot="0" spcFirstLastPara="0" vertOverflow="overflow" horzOverflow="overflow" vert="horz" wrap="square" lIns="51435" tIns="25718" rIns="51435" bIns="25718" numCol="1" spcCol="0" rtlCol="0" fromWordArt="0" anchor="ctr" anchorCtr="0" forceAA="0" compatLnSpc="1">
+            <a:bodyPr rot="0" spcFirstLastPara="0" vertOverflow="overflow" horzOverflow="overflow" vert="horz" wrap="square" lIns="36004" tIns="18003" rIns="36004" bIns="18003" numCol="1" spcCol="0" rtlCol="0" fromWordArt="0" anchor="ctr" anchorCtr="0" forceAA="0" compatLnSpc="1">
               <a:prstTxWarp prst="textNoShape">
                 <a:avLst/>
               </a:prstTxWarp>
@@ -3406,7 +3464,7 @@
             <a:lstStyle/>
             <a:p>
               <a:pPr algn="ctr"/>
-              <a:endParaRPr lang="en-US" sz="1013"/>
+              <a:endParaRPr lang="en-US" sz="1000"/>
             </a:p>
           </p:txBody>
         </p:sp>
@@ -3418,8 +3476,8 @@
           </p:nvSpPr>
           <p:spPr>
             <a:xfrm>
-              <a:off x="5535642" y="3247426"/>
-              <a:ext cx="1805001" cy="219578"/>
+              <a:off x="5535642" y="3247427"/>
+              <a:ext cx="1805001" cy="1218075"/>
             </a:xfrm>
             <a:prstGeom prst="rect">
               <a:avLst/>
@@ -3434,18 +3492,18 @@
             <a:p>
               <a:pPr algn="ctr"/>
               <a:r>
-                <a:rPr lang="en-US" sz="563" dirty="0" err="1"/>
+                <a:rPr lang="en-US" sz="1000" dirty="0" err="1"/>
                 <a:t>biom</a:t>
               </a:r>
               <a:r>
-                <a:rPr lang="en-US" sz="563" dirty="0"/>
+                <a:rPr lang="en-US" sz="1000" dirty="0"/>
                 <a:t> </a:t>
               </a:r>
               <a:r>
-                <a:rPr lang="en-US" sz="563" dirty="0" err="1"/>
+                <a:rPr lang="en-US" sz="1000" dirty="0" err="1"/>
                 <a:t>summarize_table</a:t>
               </a:r>
-              <a:endParaRPr lang="en-US" sz="563" dirty="0"/>
+              <a:endParaRPr lang="en-US" sz="1000" dirty="0"/>
             </a:p>
           </p:txBody>
         </p:sp>
@@ -3458,10 +3516,10 @@
         </p:nvGrpSpPr>
         <p:grpSpPr>
           <a:xfrm>
-            <a:off x="1217202" y="208477"/>
-            <a:ext cx="1527119" cy="403040"/>
-            <a:chOff x="3236180" y="206734"/>
-            <a:chExt cx="2403706" cy="628790"/>
+            <a:off x="2276051" y="701445"/>
+            <a:ext cx="1577797" cy="1353805"/>
+            <a:chOff x="3187581" y="206734"/>
+            <a:chExt cx="2423933" cy="1592848"/>
           </a:xfrm>
         </p:grpSpPr>
         <p:sp>
@@ -3524,7 +3582,7 @@
             </a:fontRef>
           </p:style>
           <p:txBody>
-            <a:bodyPr rot="0" spcFirstLastPara="0" vertOverflow="overflow" horzOverflow="overflow" vert="horz" wrap="square" lIns="51435" tIns="25718" rIns="51435" bIns="25718" numCol="1" spcCol="0" rtlCol="0" fromWordArt="0" anchor="ctr" anchorCtr="0" forceAA="0" compatLnSpc="1">
+            <a:bodyPr rot="0" spcFirstLastPara="0" vertOverflow="overflow" horzOverflow="overflow" vert="horz" wrap="square" lIns="36004" tIns="18003" rIns="36004" bIns="18003" numCol="1" spcCol="0" rtlCol="0" fromWordArt="0" anchor="ctr" anchorCtr="0" forceAA="0" compatLnSpc="1">
               <a:prstTxWarp prst="textNoShape">
                 <a:avLst/>
               </a:prstTxWarp>
@@ -3533,7 +3591,7 @@
             <a:lstStyle/>
             <a:p>
               <a:pPr algn="ctr"/>
-              <a:endParaRPr lang="en-US" sz="1013"/>
+              <a:endParaRPr lang="en-US" sz="1000"/>
             </a:p>
           </p:txBody>
         </p:sp>
@@ -3545,8 +3603,8 @@
           </p:nvSpPr>
           <p:spPr>
             <a:xfrm>
-              <a:off x="3236180" y="284270"/>
-              <a:ext cx="2403706" cy="414346"/>
+              <a:off x="3187581" y="221894"/>
+              <a:ext cx="2403706" cy="1577688"/>
             </a:xfrm>
             <a:prstGeom prst="rect">
               <a:avLst/>
@@ -3561,21 +3619,21 @@
             <a:p>
               <a:pPr algn="ctr"/>
               <a:r>
-                <a:rPr lang="en-US" sz="563" dirty="0"/>
+                <a:rPr lang="en-US" sz="1000" dirty="0"/>
                 <a:t>Paired-end reads of raw Illumina sequence </a:t>
               </a:r>
             </a:p>
             <a:p>
               <a:pPr algn="ctr"/>
               <a:r>
-                <a:rPr lang="en-US" sz="563" b="1" dirty="0"/>
+                <a:rPr lang="en-US" sz="1000" b="1" dirty="0"/>
                 <a:t>.</a:t>
               </a:r>
               <a:r>
-                <a:rPr lang="en-US" sz="563" b="1" dirty="0" err="1"/>
+                <a:rPr lang="en-US" sz="1000" b="1" dirty="0" err="1"/>
                 <a:t>fastq</a:t>
               </a:r>
-              <a:endParaRPr lang="en-US" sz="563" b="1" dirty="0"/>
+              <a:endParaRPr lang="en-US" sz="1000" b="1" dirty="0"/>
             </a:p>
           </p:txBody>
         </p:sp>
@@ -3588,10 +3646,10 @@
         </p:nvGrpSpPr>
         <p:grpSpPr>
           <a:xfrm>
-            <a:off x="3788021" y="1437389"/>
-            <a:ext cx="881104" cy="353695"/>
-            <a:chOff x="7658291" y="1075556"/>
-            <a:chExt cx="1566407" cy="628790"/>
+            <a:off x="5051517" y="1927933"/>
+            <a:ext cx="1228230" cy="630789"/>
+            <a:chOff x="7406395" y="1046946"/>
+            <a:chExt cx="2121868" cy="1016149"/>
           </a:xfrm>
         </p:grpSpPr>
         <p:sp>
@@ -3654,7 +3712,7 @@
             </a:fontRef>
           </p:style>
           <p:txBody>
-            <a:bodyPr rot="0" spcFirstLastPara="0" vertOverflow="overflow" horzOverflow="overflow" vert="horz" wrap="square" lIns="51435" tIns="25718" rIns="51435" bIns="25718" numCol="1" spcCol="0" rtlCol="0" fromWordArt="0" anchor="ctr" anchorCtr="0" forceAA="0" compatLnSpc="1">
+            <a:bodyPr rot="0" spcFirstLastPara="0" vertOverflow="overflow" horzOverflow="overflow" vert="horz" wrap="square" lIns="36004" tIns="18003" rIns="36004" bIns="18003" numCol="1" spcCol="0" rtlCol="0" fromWordArt="0" anchor="ctr" anchorCtr="0" forceAA="0" compatLnSpc="1">
               <a:prstTxWarp prst="textNoShape">
                 <a:avLst/>
               </a:prstTxWarp>
@@ -3663,7 +3721,7 @@
             <a:lstStyle/>
             <a:p>
               <a:pPr algn="ctr"/>
-              <a:endParaRPr lang="en-US" sz="1013"/>
+              <a:endParaRPr lang="en-US" sz="1000"/>
             </a:p>
           </p:txBody>
         </p:sp>
@@ -3675,8 +3733,8 @@
           </p:nvSpPr>
           <p:spPr>
             <a:xfrm>
-              <a:off x="7949621" y="1208379"/>
-              <a:ext cx="983746" cy="472152"/>
+              <a:off x="7406395" y="1046946"/>
+              <a:ext cx="2121868" cy="1016149"/>
             </a:xfrm>
             <a:prstGeom prst="rect">
               <a:avLst/>
@@ -3691,14 +3749,14 @@
             <a:p>
               <a:pPr algn="ctr"/>
               <a:r>
-                <a:rPr lang="en-US" sz="563" dirty="0"/>
+                <a:rPr lang="en-US" sz="1000" dirty="0"/>
                 <a:t>Mapping file</a:t>
               </a:r>
             </a:p>
             <a:p>
               <a:pPr algn="ctr"/>
               <a:r>
-                <a:rPr lang="en-US" sz="563" b="1" dirty="0"/>
+                <a:rPr lang="en-US" sz="1000" b="1" dirty="0"/>
                 <a:t>.txt</a:t>
               </a:r>
             </a:p>
@@ -3713,8 +3771,8 @@
         </p:nvCxnSpPr>
         <p:spPr>
           <a:xfrm rot="16200000" flipH="1">
-            <a:off x="2070065" y="504516"/>
-            <a:ext cx="419462" cy="633467"/>
+            <a:off x="3154261" y="1180161"/>
+            <a:ext cx="293624" cy="443427"/>
           </a:xfrm>
           <a:prstGeom prst="bentConnector2">
             <a:avLst/>
@@ -3751,8 +3809,8 @@
         </p:nvCxnSpPr>
         <p:spPr>
           <a:xfrm>
-            <a:off x="3086005" y="1183081"/>
-            <a:ext cx="0" cy="180752"/>
+            <a:off x="4034026" y="1752078"/>
+            <a:ext cx="18934" cy="107051"/>
           </a:xfrm>
           <a:prstGeom prst="straightConnector1">
             <a:avLst/>
@@ -3787,8 +3845,8 @@
         </p:nvSpPr>
         <p:spPr>
           <a:xfrm>
-            <a:off x="3888613" y="205487"/>
-            <a:ext cx="881104" cy="353695"/>
+            <a:off x="5122331" y="143843"/>
+            <a:ext cx="616773" cy="247587"/>
           </a:xfrm>
           <a:prstGeom prst="rect">
             <a:avLst/>
@@ -3839,7 +3897,7 @@
           </a:fontRef>
         </p:style>
         <p:txBody>
-          <a:bodyPr rot="0" spcFirstLastPara="0" vertOverflow="overflow" horzOverflow="overflow" vert="horz" wrap="square" lIns="51435" tIns="25718" rIns="51435" bIns="25718" numCol="1" spcCol="0" rtlCol="0" fromWordArt="0" anchor="ctr" anchorCtr="0" forceAA="0" compatLnSpc="1">
+          <a:bodyPr rot="0" spcFirstLastPara="0" vertOverflow="overflow" horzOverflow="overflow" vert="horz" wrap="square" lIns="36004" tIns="18003" rIns="36004" bIns="18003" numCol="1" spcCol="0" rtlCol="0" fromWordArt="0" anchor="ctr" anchorCtr="0" forceAA="0" compatLnSpc="1">
             <a:prstTxWarp prst="textNoShape">
               <a:avLst/>
             </a:prstTxWarp>
@@ -3848,7 +3906,7 @@
           <a:lstStyle/>
           <a:p>
             <a:pPr algn="ctr"/>
-            <a:endParaRPr lang="en-US" sz="1013"/>
+            <a:endParaRPr lang="en-US" sz="1000"/>
           </a:p>
         </p:txBody>
       </p:sp>
@@ -3860,8 +3918,8 @@
         </p:nvSpPr>
         <p:spPr>
           <a:xfrm>
-            <a:off x="4875495" y="88038"/>
-            <a:ext cx="912695" cy="292706"/>
+            <a:off x="5813149" y="61630"/>
+            <a:ext cx="638887" cy="204895"/>
           </a:xfrm>
           <a:prstGeom prst="ellipse">
             <a:avLst/>
@@ -3913,7 +3971,7 @@
           </a:fontRef>
         </p:style>
         <p:txBody>
-          <a:bodyPr rot="0" spcFirstLastPara="0" vertOverflow="overflow" horzOverflow="overflow" vert="horz" wrap="square" lIns="51435" tIns="25718" rIns="51435" bIns="25718" numCol="1" spcCol="0" rtlCol="0" fromWordArt="0" anchor="ctr" anchorCtr="0" forceAA="0" compatLnSpc="1">
+          <a:bodyPr rot="0" spcFirstLastPara="0" vertOverflow="overflow" horzOverflow="overflow" vert="horz" wrap="square" lIns="36004" tIns="18003" rIns="36004" bIns="18003" numCol="1" spcCol="0" rtlCol="0" fromWordArt="0" anchor="ctr" anchorCtr="0" forceAA="0" compatLnSpc="1">
             <a:prstTxWarp prst="textNoShape">
               <a:avLst/>
             </a:prstTxWarp>
@@ -3922,7 +3980,7 @@
           <a:lstStyle/>
           <a:p>
             <a:pPr algn="ctr"/>
-            <a:endParaRPr lang="en-US" sz="1013"/>
+            <a:endParaRPr lang="en-US" sz="1000"/>
           </a:p>
         </p:txBody>
       </p:sp>
@@ -3934,10 +3992,10 @@
         </p:nvGrpSpPr>
         <p:grpSpPr>
           <a:xfrm>
-            <a:off x="2691127" y="1428916"/>
-            <a:ext cx="913450" cy="358351"/>
-            <a:chOff x="5668636" y="2222103"/>
-            <a:chExt cx="1623910" cy="637068"/>
+            <a:off x="2869246" y="1925092"/>
+            <a:ext cx="2266947" cy="400110"/>
+            <a:chOff x="5477012" y="2128304"/>
+            <a:chExt cx="1980486" cy="739327"/>
           </a:xfrm>
         </p:grpSpPr>
         <p:sp>
@@ -4000,7 +4058,7 @@
             </a:fontRef>
           </p:style>
           <p:txBody>
-            <a:bodyPr rot="0" spcFirstLastPara="0" vertOverflow="overflow" horzOverflow="overflow" vert="horz" wrap="square" lIns="51435" tIns="25718" rIns="51435" bIns="25718" numCol="1" spcCol="0" rtlCol="0" fromWordArt="0" anchor="ctr" anchorCtr="0" forceAA="0" compatLnSpc="1">
+            <a:bodyPr rot="0" spcFirstLastPara="0" vertOverflow="overflow" horzOverflow="overflow" vert="horz" wrap="square" lIns="36004" tIns="18003" rIns="36004" bIns="18003" numCol="1" spcCol="0" rtlCol="0" fromWordArt="0" anchor="ctr" anchorCtr="0" forceAA="0" compatLnSpc="1">
               <a:prstTxWarp prst="textNoShape">
                 <a:avLst/>
               </a:prstTxWarp>
@@ -4009,7 +4067,7 @@
             <a:lstStyle/>
             <a:p>
               <a:pPr algn="ctr"/>
-              <a:endParaRPr lang="en-US" sz="1013"/>
+              <a:endParaRPr lang="en-US" sz="1000"/>
             </a:p>
           </p:txBody>
         </p:sp>
@@ -4021,8 +4079,8 @@
           </p:nvSpPr>
           <p:spPr>
             <a:xfrm>
-              <a:off x="5668636" y="2233017"/>
-              <a:ext cx="1623910" cy="626154"/>
+              <a:off x="5477012" y="2128304"/>
+              <a:ext cx="1980486" cy="739327"/>
             </a:xfrm>
             <a:prstGeom prst="rect">
               <a:avLst/>
@@ -4037,16 +4095,28 @@
             <a:p>
               <a:pPr algn="ctr"/>
               <a:r>
-                <a:rPr lang="en-US" sz="563" dirty="0"/>
+                <a:rPr lang="en-US" sz="1000" dirty="0"/>
                 <a:t>Separate, quality-controlled </a:t>
               </a:r>
               <a:r>
-                <a:rPr lang="en-US" sz="563" dirty="0" err="1"/>
+                <a:rPr lang="en-US" sz="1000" dirty="0" err="1"/>
                 <a:t>fasta</a:t>
               </a:r>
               <a:r>
-                <a:rPr lang="en-US" sz="563" dirty="0"/>
-                <a:t> files of merged reads</a:t>
+                <a:rPr lang="en-US" sz="1000" dirty="0"/>
+                <a:t> </a:t>
+              </a:r>
+              <a:endParaRPr lang="en-US" sz="1000" dirty="0" smtClean="0"/>
+            </a:p>
+            <a:p>
+              <a:pPr algn="ctr"/>
+              <a:r>
+                <a:rPr lang="en-US" sz="1000" dirty="0" smtClean="0"/>
+                <a:t>files </a:t>
+              </a:r>
+              <a:r>
+                <a:rPr lang="en-US" sz="1000" dirty="0"/>
+                <a:t>of merged reads</a:t>
               </a:r>
             </a:p>
           </p:txBody>
@@ -4060,8 +4130,8 @@
         </p:nvSpPr>
         <p:spPr>
           <a:xfrm>
-            <a:off x="1199177" y="42570"/>
-            <a:ext cx="1309974" cy="178960"/>
+            <a:off x="1989156" y="446981"/>
+            <a:ext cx="2180405" cy="246221"/>
           </a:xfrm>
           <a:prstGeom prst="rect">
             <a:avLst/>
@@ -4075,7 +4145,7 @@
           <a:lstStyle/>
           <a:p>
             <a:r>
-              <a:rPr lang="en-US" sz="563" i="1" dirty="0"/>
+              <a:rPr lang="en-US" sz="1000" i="1" dirty="0"/>
               <a:t>Paired-end Illumina sequencing output</a:t>
             </a:r>
           </a:p>
@@ -4089,8 +4159,8 @@
         </p:nvSpPr>
         <p:spPr>
           <a:xfrm>
-            <a:off x="4587445" y="1435273"/>
-            <a:ext cx="825868" cy="265586"/>
+            <a:off x="6050150" y="1859129"/>
+            <a:ext cx="1316386" cy="400110"/>
           </a:xfrm>
           <a:prstGeom prst="rect">
             <a:avLst/>
@@ -4105,14 +4175,14 @@
           <a:p>
             <a:pPr algn="ctr"/>
             <a:r>
-              <a:rPr lang="en-US" sz="563" i="1" dirty="0"/>
+              <a:rPr lang="en-US" sz="1000" i="1" dirty="0"/>
               <a:t>Create this specific to </a:t>
             </a:r>
           </a:p>
           <a:p>
             <a:pPr algn="ctr"/>
             <a:r>
-              <a:rPr lang="en-US" sz="563" i="1" dirty="0"/>
+              <a:rPr lang="en-US" sz="1000" i="1" dirty="0"/>
               <a:t>your experiment</a:t>
             </a:r>
           </a:p>
@@ -4126,8 +4196,8 @@
         </p:nvCxnSpPr>
         <p:spPr>
           <a:xfrm>
-            <a:off x="3092962" y="1800344"/>
-            <a:ext cx="0" cy="180752"/>
+            <a:off x="3907896" y="2361314"/>
+            <a:ext cx="0" cy="126527"/>
           </a:xfrm>
           <a:prstGeom prst="straightConnector1">
             <a:avLst/>
@@ -4162,8 +4232,8 @@
         </p:nvSpPr>
         <p:spPr>
           <a:xfrm>
-            <a:off x="2701107" y="2570391"/>
-            <a:ext cx="881104" cy="353695"/>
+            <a:off x="2878069" y="3190978"/>
+            <a:ext cx="1663725" cy="449670"/>
           </a:xfrm>
           <a:prstGeom prst="rect">
             <a:avLst/>
@@ -4214,7 +4284,7 @@
           </a:fontRef>
         </p:style>
         <p:txBody>
-          <a:bodyPr rot="0" spcFirstLastPara="0" vertOverflow="overflow" horzOverflow="overflow" vert="horz" wrap="square" lIns="51435" tIns="25718" rIns="51435" bIns="25718" numCol="1" spcCol="0" rtlCol="0" fromWordArt="0" anchor="ctr" anchorCtr="0" forceAA="0" compatLnSpc="1">
+          <a:bodyPr rot="0" spcFirstLastPara="0" vertOverflow="overflow" horzOverflow="overflow" vert="horz" wrap="square" lIns="36004" tIns="18003" rIns="36004" bIns="18003" numCol="1" spcCol="0" rtlCol="0" fromWordArt="0" anchor="ctr" anchorCtr="0" forceAA="0" compatLnSpc="1">
             <a:prstTxWarp prst="textNoShape">
               <a:avLst/>
             </a:prstTxWarp>
@@ -4223,7 +4293,7 @@
           <a:lstStyle/>
           <a:p>
             <a:pPr algn="ctr"/>
-            <a:endParaRPr lang="en-US" sz="1013"/>
+            <a:endParaRPr lang="en-US" sz="1000"/>
           </a:p>
         </p:txBody>
       </p:sp>
@@ -4235,8 +4305,8 @@
         </p:nvSpPr>
         <p:spPr>
           <a:xfrm>
-            <a:off x="2687944" y="2553128"/>
-            <a:ext cx="881104" cy="352212"/>
+            <a:off x="2720895" y="3128645"/>
+            <a:ext cx="1949228" cy="553998"/>
           </a:xfrm>
           <a:prstGeom prst="rect">
             <a:avLst/>
@@ -4251,25 +4321,25 @@
           <a:p>
             <a:pPr algn="ctr"/>
             <a:r>
-              <a:rPr lang="en-US" sz="563" dirty="0"/>
+              <a:rPr lang="en-US" sz="1000" dirty="0"/>
               <a:t>Merged file of all </a:t>
             </a:r>
             <a:r>
-              <a:rPr lang="en-US" sz="563" dirty="0" err="1"/>
+              <a:rPr lang="en-US" sz="1000" dirty="0" err="1"/>
               <a:t>seqs</a:t>
             </a:r>
             <a:r>
-              <a:rPr lang="en-US" sz="563" dirty="0"/>
+              <a:rPr lang="en-US" sz="1000" dirty="0"/>
               <a:t> in all  samples</a:t>
             </a:r>
           </a:p>
           <a:p>
             <a:pPr algn="ctr"/>
             <a:r>
-              <a:rPr lang="en-US" sz="563" b="1" dirty="0" err="1"/>
+              <a:rPr lang="en-US" sz="1000" b="1" dirty="0" err="1"/>
               <a:t>combined_seqs.fna</a:t>
             </a:r>
-            <a:endParaRPr lang="en-US" sz="563" b="1" dirty="0"/>
+            <a:endParaRPr lang="en-US" sz="1000" b="1" dirty="0"/>
           </a:p>
         </p:txBody>
       </p:sp>
@@ -4281,8 +4351,8 @@
         </p:nvCxnSpPr>
         <p:spPr>
           <a:xfrm>
-            <a:off x="3125863" y="2293021"/>
-            <a:ext cx="0" cy="180752"/>
+            <a:off x="4489345" y="2344257"/>
+            <a:ext cx="0" cy="126527"/>
           </a:xfrm>
           <a:prstGeom prst="straightConnector1">
             <a:avLst/>
@@ -4317,8 +4387,8 @@
         </p:nvCxnSpPr>
         <p:spPr>
           <a:xfrm>
-            <a:off x="3151936" y="2951483"/>
-            <a:ext cx="0" cy="180752"/>
+            <a:off x="3677015" y="3635759"/>
+            <a:ext cx="0" cy="126527"/>
           </a:xfrm>
           <a:prstGeom prst="straightConnector1">
             <a:avLst/>
@@ -4353,8 +4423,8 @@
         </p:nvSpPr>
         <p:spPr>
           <a:xfrm>
-            <a:off x="3665101" y="2374427"/>
-            <a:ext cx="245841" cy="1944840"/>
+            <a:off x="4676366" y="3324075"/>
+            <a:ext cx="172088" cy="1361388"/>
           </a:xfrm>
           <a:prstGeom prst="leftBrace">
             <a:avLst/>
@@ -4384,7 +4454,7 @@
           <a:lstStyle/>
           <a:p>
             <a:pPr algn="ctr"/>
-            <a:endParaRPr lang="en-US" b="1" dirty="0"/>
+            <a:endParaRPr lang="en-US" sz="1000" b="1" dirty="0"/>
           </a:p>
         </p:txBody>
       </p:sp>
@@ -4396,8 +4466,8 @@
         </p:nvSpPr>
         <p:spPr>
           <a:xfrm>
-            <a:off x="3853618" y="3656353"/>
-            <a:ext cx="912695" cy="292706"/>
+            <a:off x="4998775" y="4411109"/>
+            <a:ext cx="638887" cy="204895"/>
           </a:xfrm>
           <a:prstGeom prst="ellipse">
             <a:avLst/>
@@ -4449,7 +4519,7 @@
           </a:fontRef>
         </p:style>
         <p:txBody>
-          <a:bodyPr rot="0" spcFirstLastPara="0" vertOverflow="overflow" horzOverflow="overflow" vert="horz" wrap="square" lIns="51435" tIns="25718" rIns="51435" bIns="25718" numCol="1" spcCol="0" rtlCol="0" fromWordArt="0" anchor="ctr" anchorCtr="0" forceAA="0" compatLnSpc="1">
+          <a:bodyPr rot="0" spcFirstLastPara="0" vertOverflow="overflow" horzOverflow="overflow" vert="horz" wrap="square" lIns="36004" tIns="18003" rIns="36004" bIns="18003" numCol="1" spcCol="0" rtlCol="0" fromWordArt="0" anchor="ctr" anchorCtr="0" forceAA="0" compatLnSpc="1">
             <a:prstTxWarp prst="textNoShape">
               <a:avLst/>
             </a:prstTxWarp>
@@ -4458,7 +4528,7 @@
           <a:lstStyle/>
           <a:p>
             <a:pPr algn="ctr"/>
-            <a:endParaRPr lang="en-US" sz="1013"/>
+            <a:endParaRPr lang="en-US" sz="1000"/>
           </a:p>
         </p:txBody>
       </p:sp>
@@ -4470,8 +4540,8 @@
         </p:nvSpPr>
         <p:spPr>
           <a:xfrm>
-            <a:off x="3853618" y="3987810"/>
-            <a:ext cx="912695" cy="292706"/>
+            <a:off x="4998775" y="4643129"/>
+            <a:ext cx="638887" cy="204895"/>
           </a:xfrm>
           <a:prstGeom prst="ellipse">
             <a:avLst/>
@@ -4523,7 +4593,7 @@
           </a:fontRef>
         </p:style>
         <p:txBody>
-          <a:bodyPr rot="0" spcFirstLastPara="0" vertOverflow="overflow" horzOverflow="overflow" vert="horz" wrap="square" lIns="51435" tIns="25718" rIns="51435" bIns="25718" numCol="1" spcCol="0" rtlCol="0" fromWordArt="0" anchor="ctr" anchorCtr="0" forceAA="0" compatLnSpc="1">
+          <a:bodyPr rot="0" spcFirstLastPara="0" vertOverflow="overflow" horzOverflow="overflow" vert="horz" wrap="square" lIns="36004" tIns="18003" rIns="36004" bIns="18003" numCol="1" spcCol="0" rtlCol="0" fromWordArt="0" anchor="ctr" anchorCtr="0" forceAA="0" compatLnSpc="1">
             <a:prstTxWarp prst="textNoShape">
               <a:avLst/>
             </a:prstTxWarp>
@@ -4532,7 +4602,7 @@
           <a:lstStyle/>
           <a:p>
             <a:pPr algn="ctr"/>
-            <a:endParaRPr lang="en-US" sz="1013"/>
+            <a:endParaRPr lang="en-US" sz="1000"/>
           </a:p>
         </p:txBody>
       </p:sp>
@@ -4544,10 +4614,10 @@
         </p:nvGrpSpPr>
         <p:grpSpPr>
           <a:xfrm>
-            <a:off x="3853619" y="2374427"/>
-            <a:ext cx="912695" cy="292706"/>
-            <a:chOff x="3853619" y="2374427"/>
-            <a:chExt cx="912695" cy="292706"/>
+            <a:off x="4877081" y="3293223"/>
+            <a:ext cx="1342482" cy="332485"/>
+            <a:chOff x="3853619" y="2369271"/>
+            <a:chExt cx="1328645" cy="351743"/>
           </a:xfrm>
         </p:grpSpPr>
         <p:sp>
@@ -4611,7 +4681,7 @@
             </a:fontRef>
           </p:style>
           <p:txBody>
-            <a:bodyPr rot="0" spcFirstLastPara="0" vertOverflow="overflow" horzOverflow="overflow" vert="horz" wrap="square" lIns="51435" tIns="25718" rIns="51435" bIns="25718" numCol="1" spcCol="0" rtlCol="0" fromWordArt="0" anchor="ctr" anchorCtr="0" forceAA="0" compatLnSpc="1">
+            <a:bodyPr rot="0" spcFirstLastPara="0" vertOverflow="overflow" horzOverflow="overflow" vert="horz" wrap="square" lIns="36004" tIns="18003" rIns="36004" bIns="18003" numCol="1" spcCol="0" rtlCol="0" fromWordArt="0" anchor="ctr" anchorCtr="0" forceAA="0" compatLnSpc="1">
               <a:prstTxWarp prst="textNoShape">
                 <a:avLst/>
               </a:prstTxWarp>
@@ -4620,7 +4690,7 @@
             <a:lstStyle/>
             <a:p>
               <a:pPr algn="ctr"/>
-              <a:endParaRPr lang="en-US" sz="1013"/>
+              <a:endParaRPr lang="en-US" sz="1000"/>
             </a:p>
           </p:txBody>
         </p:sp>
@@ -4632,8 +4702,8 @@
           </p:nvSpPr>
           <p:spPr>
             <a:xfrm>
-              <a:off x="4032485" y="2432967"/>
-              <a:ext cx="554960" cy="178510"/>
+              <a:off x="3979553" y="2369271"/>
+              <a:ext cx="1202711" cy="351743"/>
             </a:xfrm>
             <a:prstGeom prst="rect">
               <a:avLst/>
@@ -4647,14 +4717,14 @@
             <a:lstStyle/>
             <a:p>
               <a:r>
-                <a:rPr lang="en-US" sz="560" dirty="0"/>
+                <a:rPr lang="en-US" sz="1000" dirty="0"/>
                 <a:t>p</a:t>
               </a:r>
               <a:r>
-                <a:rPr lang="en-US" sz="560" dirty="0" smtClean="0"/>
+                <a:rPr lang="en-US" sz="1000" dirty="0"/>
                 <a:t>ick_otus.py</a:t>
               </a:r>
-              <a:endParaRPr lang="en-US" sz="560" dirty="0"/>
+              <a:endParaRPr lang="en-US" sz="1000" dirty="0"/>
             </a:p>
           </p:txBody>
         </p:sp>
@@ -4667,10 +4737,10 @@
         </p:nvGrpSpPr>
         <p:grpSpPr>
           <a:xfrm>
-            <a:off x="3853619" y="2697611"/>
-            <a:ext cx="912695" cy="292706"/>
+            <a:off x="4998774" y="3739984"/>
+            <a:ext cx="1051376" cy="252259"/>
             <a:chOff x="3853619" y="2697611"/>
-            <a:chExt cx="912695" cy="292706"/>
+            <a:chExt cx="1501967" cy="360369"/>
           </a:xfrm>
         </p:grpSpPr>
         <p:sp>
@@ -4734,7 +4804,7 @@
             </a:fontRef>
           </p:style>
           <p:txBody>
-            <a:bodyPr rot="0" spcFirstLastPara="0" vertOverflow="overflow" horzOverflow="overflow" vert="horz" wrap="square" lIns="51435" tIns="25718" rIns="51435" bIns="25718" numCol="1" spcCol="0" rtlCol="0" fromWordArt="0" anchor="ctr" anchorCtr="0" forceAA="0" compatLnSpc="1">
+            <a:bodyPr rot="0" spcFirstLastPara="0" vertOverflow="overflow" horzOverflow="overflow" vert="horz" wrap="square" lIns="36004" tIns="18003" rIns="36004" bIns="18003" numCol="1" spcCol="0" rtlCol="0" fromWordArt="0" anchor="ctr" anchorCtr="0" forceAA="0" compatLnSpc="1">
               <a:prstTxWarp prst="textNoShape">
                 <a:avLst/>
               </a:prstTxWarp>
@@ -4743,7 +4813,7 @@
             <a:lstStyle/>
             <a:p>
               <a:pPr algn="ctr"/>
-              <a:endParaRPr lang="en-US" sz="1013"/>
+              <a:endParaRPr lang="en-US" sz="1000"/>
             </a:p>
           </p:txBody>
         </p:sp>
@@ -4755,8 +4825,8 @@
           </p:nvSpPr>
           <p:spPr>
             <a:xfrm>
-              <a:off x="3985998" y="2739100"/>
-              <a:ext cx="647934" cy="178510"/>
+              <a:off x="3910135" y="2706237"/>
+              <a:ext cx="1445451" cy="351743"/>
             </a:xfrm>
             <a:prstGeom prst="rect">
               <a:avLst/>
@@ -4770,14 +4840,14 @@
             <a:lstStyle/>
             <a:p>
               <a:r>
-                <a:rPr lang="en-US" sz="560" dirty="0"/>
+                <a:rPr lang="en-US" sz="1000" dirty="0"/>
                 <a:t>p</a:t>
               </a:r>
               <a:r>
-                <a:rPr lang="en-US" sz="560" dirty="0" smtClean="0"/>
+                <a:rPr lang="en-US" sz="1000" dirty="0"/>
                 <a:t>ick_rep_set.py</a:t>
               </a:r>
-              <a:endParaRPr lang="en-US" sz="560" dirty="0"/>
+              <a:endParaRPr lang="en-US" sz="1000" dirty="0"/>
             </a:p>
           </p:txBody>
         </p:sp>
@@ -4790,10 +4860,10 @@
         </p:nvGrpSpPr>
         <p:grpSpPr>
           <a:xfrm>
-            <a:off x="3853619" y="3018778"/>
-            <a:ext cx="912695" cy="292706"/>
+            <a:off x="4998777" y="3964801"/>
+            <a:ext cx="1020991" cy="286189"/>
             <a:chOff x="3853619" y="3018778"/>
-            <a:chExt cx="912695" cy="292706"/>
+            <a:chExt cx="1458555" cy="408842"/>
           </a:xfrm>
         </p:grpSpPr>
         <p:sp>
@@ -4857,7 +4927,7 @@
             </a:fontRef>
           </p:style>
           <p:txBody>
-            <a:bodyPr rot="0" spcFirstLastPara="0" vertOverflow="overflow" horzOverflow="overflow" vert="horz" wrap="square" lIns="51435" tIns="25718" rIns="51435" bIns="25718" numCol="1" spcCol="0" rtlCol="0" fromWordArt="0" anchor="ctr" anchorCtr="0" forceAA="0" compatLnSpc="1">
+            <a:bodyPr rot="0" spcFirstLastPara="0" vertOverflow="overflow" horzOverflow="overflow" vert="horz" wrap="square" lIns="36004" tIns="18003" rIns="36004" bIns="18003" numCol="1" spcCol="0" rtlCol="0" fromWordArt="0" anchor="ctr" anchorCtr="0" forceAA="0" compatLnSpc="1">
               <a:prstTxWarp prst="textNoShape">
                 <a:avLst/>
               </a:prstTxWarp>
@@ -4866,7 +4936,7 @@
             <a:lstStyle/>
             <a:p>
               <a:pPr algn="ctr"/>
-              <a:endParaRPr lang="en-US" sz="1013"/>
+              <a:endParaRPr lang="en-US" sz="1000"/>
             </a:p>
           </p:txBody>
         </p:sp>
@@ -4878,8 +4948,8 @@
           </p:nvSpPr>
           <p:spPr>
             <a:xfrm>
-              <a:off x="4049926" y="3075876"/>
-              <a:ext cx="577402" cy="178510"/>
+              <a:off x="4049927" y="3075875"/>
+              <a:ext cx="1262247" cy="351745"/>
             </a:xfrm>
             <a:prstGeom prst="rect">
               <a:avLst/>
@@ -4893,14 +4963,14 @@
             <a:lstStyle/>
             <a:p>
               <a:r>
-                <a:rPr lang="en-US" sz="560" dirty="0"/>
+                <a:rPr lang="en-US" sz="1000" dirty="0"/>
                 <a:t>a</a:t>
               </a:r>
               <a:r>
-                <a:rPr lang="en-US" sz="560" dirty="0" smtClean="0"/>
+                <a:rPr lang="en-US" sz="1000" dirty="0"/>
                 <a:t>lign_seqs.py</a:t>
               </a:r>
-              <a:endParaRPr lang="en-US" sz="560" dirty="0"/>
+              <a:endParaRPr lang="en-US" sz="1000" dirty="0"/>
             </a:p>
           </p:txBody>
         </p:sp>
@@ -4913,10 +4983,10 @@
         </p:nvGrpSpPr>
         <p:grpSpPr>
           <a:xfrm>
-            <a:off x="3853619" y="3336502"/>
-            <a:ext cx="912695" cy="292706"/>
+            <a:off x="4998776" y="4187216"/>
+            <a:ext cx="1291951" cy="277814"/>
             <a:chOff x="3853619" y="3336502"/>
-            <a:chExt cx="912695" cy="292706"/>
+            <a:chExt cx="1845641" cy="396876"/>
           </a:xfrm>
         </p:grpSpPr>
         <p:sp>
@@ -4980,7 +5050,7 @@
             </a:fontRef>
           </p:style>
           <p:txBody>
-            <a:bodyPr rot="0" spcFirstLastPara="0" vertOverflow="overflow" horzOverflow="overflow" vert="horz" wrap="square" lIns="51435" tIns="25718" rIns="51435" bIns="25718" numCol="1" spcCol="0" rtlCol="0" fromWordArt="0" anchor="ctr" anchorCtr="0" forceAA="0" compatLnSpc="1">
+            <a:bodyPr rot="0" spcFirstLastPara="0" vertOverflow="overflow" horzOverflow="overflow" vert="horz" wrap="square" lIns="36004" tIns="18003" rIns="36004" bIns="18003" numCol="1" spcCol="0" rtlCol="0" fromWordArt="0" anchor="ctr" anchorCtr="0" forceAA="0" compatLnSpc="1">
               <a:prstTxWarp prst="textNoShape">
                 <a:avLst/>
               </a:prstTxWarp>
@@ -4989,7 +5059,7 @@
             <a:lstStyle/>
             <a:p>
               <a:pPr algn="ctr"/>
-              <a:endParaRPr lang="en-US" sz="1013"/>
+              <a:endParaRPr lang="en-US" sz="1000"/>
             </a:p>
           </p:txBody>
         </p:sp>
@@ -5001,8 +5071,8 @@
           </p:nvSpPr>
           <p:spPr>
             <a:xfrm>
-              <a:off x="3919473" y="3381637"/>
-              <a:ext cx="780983" cy="178510"/>
+              <a:off x="3919472" y="3381635"/>
+              <a:ext cx="1779788" cy="351743"/>
             </a:xfrm>
             <a:prstGeom prst="rect">
               <a:avLst/>
@@ -5016,14 +5086,14 @@
             <a:lstStyle/>
             <a:p>
               <a:r>
-                <a:rPr lang="en-US" sz="560" dirty="0"/>
+                <a:rPr lang="en-US" sz="1000" dirty="0"/>
                 <a:t>a</a:t>
               </a:r>
               <a:r>
-                <a:rPr lang="en-US" sz="560" dirty="0" smtClean="0"/>
+                <a:rPr lang="en-US" sz="1000" dirty="0"/>
                 <a:t>ssign_taxonomy.py</a:t>
               </a:r>
-              <a:endParaRPr lang="en-US" sz="560" dirty="0"/>
+              <a:endParaRPr lang="en-US" sz="1000" dirty="0"/>
             </a:p>
           </p:txBody>
         </p:sp>
@@ -5036,8 +5106,8 @@
         </p:nvSpPr>
         <p:spPr>
           <a:xfrm>
-            <a:off x="3957307" y="3700670"/>
-            <a:ext cx="750526" cy="178510"/>
+            <a:off x="5071355" y="4442130"/>
+            <a:ext cx="1197764" cy="246221"/>
           </a:xfrm>
           <a:prstGeom prst="rect">
             <a:avLst/>
@@ -5051,14 +5121,14 @@
           <a:lstStyle/>
           <a:p>
             <a:r>
-              <a:rPr lang="en-US" sz="560" dirty="0"/>
+              <a:rPr lang="en-US" sz="1000" dirty="0"/>
               <a:t>m</a:t>
             </a:r>
             <a:r>
-              <a:rPr lang="en-US" sz="560" dirty="0" smtClean="0"/>
+              <a:rPr lang="en-US" sz="1000" dirty="0"/>
               <a:t>ake_otu_table.py</a:t>
             </a:r>
-            <a:endParaRPr lang="en-US" sz="560" dirty="0"/>
+            <a:endParaRPr lang="en-US" sz="1000" dirty="0"/>
           </a:p>
         </p:txBody>
       </p:sp>
@@ -5070,8 +5140,8 @@
         </p:nvSpPr>
         <p:spPr>
           <a:xfrm>
-            <a:off x="3949438" y="4029061"/>
-            <a:ext cx="769763" cy="178510"/>
+            <a:off x="5065849" y="4672004"/>
+            <a:ext cx="1229824" cy="246221"/>
           </a:xfrm>
           <a:prstGeom prst="rect">
             <a:avLst/>
@@ -5085,14 +5155,14 @@
           <a:lstStyle/>
           <a:p>
             <a:r>
-              <a:rPr lang="en-US" sz="560" dirty="0"/>
+              <a:rPr lang="en-US" sz="1000" dirty="0"/>
               <a:t>m</a:t>
             </a:r>
             <a:r>
-              <a:rPr lang="en-US" sz="560" dirty="0" smtClean="0"/>
+              <a:rPr lang="en-US" sz="1000" dirty="0"/>
               <a:t>ake_phylogeny.py</a:t>
             </a:r>
-            <a:endParaRPr lang="en-US" sz="560" dirty="0"/>
+            <a:endParaRPr lang="en-US" sz="1000" dirty="0"/>
           </a:p>
         </p:txBody>
       </p:sp>
@@ -5104,8 +5174,8 @@
         </p:nvCxnSpPr>
         <p:spPr>
           <a:xfrm>
-            <a:off x="4766313" y="2520780"/>
-            <a:ext cx="218364" cy="0"/>
+            <a:off x="5637661" y="3616205"/>
+            <a:ext cx="152855" cy="0"/>
           </a:xfrm>
           <a:prstGeom prst="straightConnector1">
             <a:avLst/>
@@ -5140,8 +5210,8 @@
         </p:nvCxnSpPr>
         <p:spPr>
           <a:xfrm>
-            <a:off x="4766313" y="2843964"/>
-            <a:ext cx="218364" cy="0"/>
+            <a:off x="5637661" y="3842435"/>
+            <a:ext cx="152855" cy="0"/>
           </a:xfrm>
           <a:prstGeom prst="straightConnector1">
             <a:avLst/>
@@ -5176,116 +5246,8 @@
         </p:nvCxnSpPr>
         <p:spPr>
           <a:xfrm>
-            <a:off x="4766313" y="3165131"/>
-            <a:ext cx="218364" cy="0"/>
-          </a:xfrm>
-          <a:prstGeom prst="straightConnector1">
-            <a:avLst/>
-          </a:prstGeom>
-          <a:ln>
-            <a:solidFill>
-              <a:schemeClr val="tx1"/>
-            </a:solidFill>
-            <a:tailEnd type="triangle"/>
-          </a:ln>
-        </p:spPr>
-        <p:style>
-          <a:lnRef idx="1">
-            <a:schemeClr val="accent1"/>
-          </a:lnRef>
-          <a:fillRef idx="0">
-            <a:schemeClr val="accent1"/>
-          </a:fillRef>
-          <a:effectRef idx="0">
-            <a:schemeClr val="accent1"/>
-          </a:effectRef>
-          <a:fontRef idx="minor">
-            <a:schemeClr val="tx1"/>
-          </a:fontRef>
-        </p:style>
-      </p:cxnSp>
-      <p:cxnSp>
-        <p:nvCxnSpPr>
-          <p:cNvPr id="94" name="Straight Arrow Connector 93"/>
-          <p:cNvCxnSpPr/>
-          <p:nvPr/>
-        </p:nvCxnSpPr>
-        <p:spPr>
-          <a:xfrm>
-            <a:off x="4766313" y="3470892"/>
-            <a:ext cx="218364" cy="0"/>
-          </a:xfrm>
-          <a:prstGeom prst="straightConnector1">
-            <a:avLst/>
-          </a:prstGeom>
-          <a:ln>
-            <a:solidFill>
-              <a:schemeClr val="tx1"/>
-            </a:solidFill>
-            <a:tailEnd type="triangle"/>
-          </a:ln>
-        </p:spPr>
-        <p:style>
-          <a:lnRef idx="1">
-            <a:schemeClr val="accent1"/>
-          </a:lnRef>
-          <a:fillRef idx="0">
-            <a:schemeClr val="accent1"/>
-          </a:fillRef>
-          <a:effectRef idx="0">
-            <a:schemeClr val="accent1"/>
-          </a:effectRef>
-          <a:fontRef idx="minor">
-            <a:schemeClr val="tx1"/>
-          </a:fontRef>
-        </p:style>
-      </p:cxnSp>
-      <p:cxnSp>
-        <p:nvCxnSpPr>
-          <p:cNvPr id="95" name="Straight Arrow Connector 94"/>
-          <p:cNvCxnSpPr/>
-          <p:nvPr/>
-        </p:nvCxnSpPr>
-        <p:spPr>
-          <a:xfrm>
-            <a:off x="4766313" y="3801792"/>
-            <a:ext cx="218364" cy="0"/>
-          </a:xfrm>
-          <a:prstGeom prst="straightConnector1">
-            <a:avLst/>
-          </a:prstGeom>
-          <a:ln>
-            <a:solidFill>
-              <a:schemeClr val="tx1"/>
-            </a:solidFill>
-            <a:tailEnd type="triangle"/>
-          </a:ln>
-        </p:spPr>
-        <p:style>
-          <a:lnRef idx="1">
-            <a:schemeClr val="accent1"/>
-          </a:lnRef>
-          <a:fillRef idx="0">
-            <a:schemeClr val="accent1"/>
-          </a:fillRef>
-          <a:effectRef idx="0">
-            <a:schemeClr val="accent1"/>
-          </a:effectRef>
-          <a:fontRef idx="minor">
-            <a:schemeClr val="tx1"/>
-          </a:fontRef>
-        </p:style>
-      </p:cxnSp>
-      <p:cxnSp>
-        <p:nvCxnSpPr>
-          <p:cNvPr id="96" name="Straight Arrow Connector 95"/>
-          <p:cNvCxnSpPr/>
-          <p:nvPr/>
-        </p:nvCxnSpPr>
-        <p:spPr>
-          <a:xfrm>
-            <a:off x="4766313" y="4134163"/>
-            <a:ext cx="218364" cy="0"/>
+            <a:off x="5637661" y="4067252"/>
+            <a:ext cx="152855" cy="0"/>
           </a:xfrm>
           <a:prstGeom prst="straightConnector1">
             <a:avLst/>
@@ -5320,8 +5282,8 @@
         </p:nvSpPr>
         <p:spPr>
           <a:xfrm>
-            <a:off x="5071768" y="2374427"/>
-            <a:ext cx="1357245" cy="267545"/>
+            <a:off x="6590619" y="3490902"/>
+            <a:ext cx="950072" cy="187281"/>
           </a:xfrm>
           <a:prstGeom prst="rect">
             <a:avLst/>
@@ -5372,7 +5334,7 @@
           </a:fontRef>
         </p:style>
         <p:txBody>
-          <a:bodyPr rot="0" spcFirstLastPara="0" vertOverflow="overflow" horzOverflow="overflow" vert="horz" wrap="square" lIns="51435" tIns="25718" rIns="51435" bIns="25718" numCol="1" spcCol="0" rtlCol="0" fromWordArt="0" anchor="ctr" anchorCtr="0" forceAA="0" compatLnSpc="1">
+          <a:bodyPr rot="0" spcFirstLastPara="0" vertOverflow="overflow" horzOverflow="overflow" vert="horz" wrap="square" lIns="36004" tIns="18003" rIns="36004" bIns="18003" numCol="1" spcCol="0" rtlCol="0" fromWordArt="0" anchor="ctr" anchorCtr="0" forceAA="0" compatLnSpc="1">
             <a:prstTxWarp prst="textNoShape">
               <a:avLst/>
             </a:prstTxWarp>
@@ -5381,7 +5343,7 @@
           <a:lstStyle/>
           <a:p>
             <a:pPr algn="ctr"/>
-            <a:endParaRPr lang="en-US" sz="1013"/>
+            <a:endParaRPr lang="en-US" sz="1000"/>
           </a:p>
         </p:txBody>
       </p:sp>
@@ -5393,8 +5355,8 @@
         </p:nvSpPr>
         <p:spPr>
           <a:xfrm>
-            <a:off x="5071769" y="2694293"/>
-            <a:ext cx="1357244" cy="267545"/>
+            <a:off x="6590622" y="3714809"/>
+            <a:ext cx="950071" cy="187281"/>
           </a:xfrm>
           <a:prstGeom prst="rect">
             <a:avLst/>
@@ -5445,7 +5407,7 @@
           </a:fontRef>
         </p:style>
         <p:txBody>
-          <a:bodyPr rot="0" spcFirstLastPara="0" vertOverflow="overflow" horzOverflow="overflow" vert="horz" wrap="square" lIns="51435" tIns="25718" rIns="51435" bIns="25718" numCol="1" spcCol="0" rtlCol="0" fromWordArt="0" anchor="ctr" anchorCtr="0" forceAA="0" compatLnSpc="1">
+          <a:bodyPr rot="0" spcFirstLastPara="0" vertOverflow="overflow" horzOverflow="overflow" vert="horz" wrap="square" lIns="36004" tIns="18003" rIns="36004" bIns="18003" numCol="1" spcCol="0" rtlCol="0" fromWordArt="0" anchor="ctr" anchorCtr="0" forceAA="0" compatLnSpc="1">
             <a:prstTxWarp prst="textNoShape">
               <a:avLst/>
             </a:prstTxWarp>
@@ -5454,7 +5416,7 @@
           <a:lstStyle/>
           <a:p>
             <a:pPr algn="ctr"/>
-            <a:endParaRPr lang="en-US" sz="1013"/>
+            <a:endParaRPr lang="en-US" sz="1000"/>
           </a:p>
         </p:txBody>
       </p:sp>
@@ -5466,8 +5428,8 @@
         </p:nvSpPr>
         <p:spPr>
           <a:xfrm>
-            <a:off x="5071769" y="3014365"/>
-            <a:ext cx="1357244" cy="267545"/>
+            <a:off x="6590622" y="3938858"/>
+            <a:ext cx="950071" cy="187281"/>
           </a:xfrm>
           <a:prstGeom prst="rect">
             <a:avLst/>
@@ -5518,7 +5480,7 @@
           </a:fontRef>
         </p:style>
         <p:txBody>
-          <a:bodyPr rot="0" spcFirstLastPara="0" vertOverflow="overflow" horzOverflow="overflow" vert="horz" wrap="square" lIns="51435" tIns="25718" rIns="51435" bIns="25718" numCol="1" spcCol="0" rtlCol="0" fromWordArt="0" anchor="ctr" anchorCtr="0" forceAA="0" compatLnSpc="1">
+          <a:bodyPr rot="0" spcFirstLastPara="0" vertOverflow="overflow" horzOverflow="overflow" vert="horz" wrap="square" lIns="36004" tIns="18003" rIns="36004" bIns="18003" numCol="1" spcCol="0" rtlCol="0" fromWordArt="0" anchor="ctr" anchorCtr="0" forceAA="0" compatLnSpc="1">
             <a:prstTxWarp prst="textNoShape">
               <a:avLst/>
             </a:prstTxWarp>
@@ -5527,7 +5489,7 @@
           <a:lstStyle/>
           <a:p>
             <a:pPr algn="ctr"/>
-            <a:endParaRPr lang="en-US" sz="1013"/>
+            <a:endParaRPr lang="en-US" sz="1000"/>
           </a:p>
         </p:txBody>
       </p:sp>
@@ -5539,8 +5501,8 @@
         </p:nvSpPr>
         <p:spPr>
           <a:xfrm>
-            <a:off x="5064400" y="3327392"/>
-            <a:ext cx="1364611" cy="267545"/>
+            <a:off x="6585461" y="4157977"/>
+            <a:ext cx="955227" cy="187281"/>
           </a:xfrm>
           <a:prstGeom prst="rect">
             <a:avLst/>
@@ -5591,7 +5553,7 @@
           </a:fontRef>
         </p:style>
         <p:txBody>
-          <a:bodyPr rot="0" spcFirstLastPara="0" vertOverflow="overflow" horzOverflow="overflow" vert="horz" wrap="square" lIns="51435" tIns="25718" rIns="51435" bIns="25718" numCol="1" spcCol="0" rtlCol="0" fromWordArt="0" anchor="ctr" anchorCtr="0" forceAA="0" compatLnSpc="1">
+          <a:bodyPr rot="0" spcFirstLastPara="0" vertOverflow="overflow" horzOverflow="overflow" vert="horz" wrap="square" lIns="36004" tIns="18003" rIns="36004" bIns="18003" numCol="1" spcCol="0" rtlCol="0" fromWordArt="0" anchor="ctr" anchorCtr="0" forceAA="0" compatLnSpc="1">
             <a:prstTxWarp prst="textNoShape">
               <a:avLst/>
             </a:prstTxWarp>
@@ -5600,20 +5562,808 @@
           <a:lstStyle/>
           <a:p>
             <a:pPr algn="ctr"/>
-            <a:endParaRPr lang="en-US" sz="1013"/>
+            <a:endParaRPr lang="en-US" sz="1000"/>
           </a:p>
         </p:txBody>
       </p:sp>
       <p:sp>
         <p:nvSpPr>
-          <p:cNvPr id="101" name="Rectangle 100"/>
+          <p:cNvPr id="103" name="TextBox 102"/>
+          <p:cNvSpPr txBox="1"/>
+          <p:nvPr/>
+        </p:nvSpPr>
+        <p:spPr>
+          <a:xfrm>
+            <a:off x="6219563" y="3345527"/>
+            <a:ext cx="2236510" cy="400110"/>
+          </a:xfrm>
+          <a:prstGeom prst="rect">
+            <a:avLst/>
+          </a:prstGeom>
+          <a:noFill/>
+        </p:spPr>
+        <p:txBody>
+          <a:bodyPr wrap="none" rtlCol="0">
+            <a:spAutoFit/>
+          </a:bodyPr>
+          <a:lstStyle/>
+          <a:p>
+            <a:pPr algn="ctr"/>
+            <a:r>
+              <a:rPr lang="en-US" sz="1000" dirty="0"/>
+              <a:t>List of sequences per OTU (“OTU map”)</a:t>
+            </a:r>
+          </a:p>
+          <a:p>
+            <a:pPr algn="ctr"/>
+            <a:r>
+              <a:rPr lang="en-US" sz="1000" b="1" dirty="0"/>
+              <a:t>seqs_otus.txt</a:t>
+            </a:r>
+            <a:endParaRPr lang="en-US" sz="1000" b="1" dirty="0"/>
+          </a:p>
+        </p:txBody>
+      </p:sp>
+      <p:sp>
+        <p:nvSpPr>
+          <p:cNvPr id="104" name="TextBox 103"/>
+          <p:cNvSpPr txBox="1"/>
+          <p:nvPr/>
+        </p:nvSpPr>
+        <p:spPr>
+          <a:xfrm>
+            <a:off x="6078566" y="3671347"/>
+            <a:ext cx="2073004" cy="553998"/>
+          </a:xfrm>
+          <a:prstGeom prst="rect">
+            <a:avLst/>
+          </a:prstGeom>
+          <a:noFill/>
+        </p:spPr>
+        <p:txBody>
+          <a:bodyPr wrap="none" rtlCol="0">
+            <a:spAutoFit/>
+          </a:bodyPr>
+          <a:lstStyle/>
+          <a:p>
+            <a:pPr algn="ctr"/>
+            <a:r>
+              <a:rPr lang="en-US" sz="1000" dirty="0"/>
+              <a:t>List of one representative sequence </a:t>
+            </a:r>
+          </a:p>
+          <a:p>
+            <a:pPr algn="ctr"/>
+            <a:r>
+              <a:rPr lang="en-US" sz="1000" dirty="0"/>
+              <a:t>of each OTU </a:t>
+            </a:r>
+          </a:p>
+          <a:p>
+            <a:pPr algn="ctr"/>
+            <a:r>
+              <a:rPr lang="en-US" sz="1000" b="1" dirty="0" err="1"/>
+              <a:t>r</a:t>
+            </a:r>
+            <a:r>
+              <a:rPr lang="en-US" sz="1000" b="1" dirty="0" err="1"/>
+              <a:t>ep_set.fna</a:t>
+            </a:r>
+            <a:endParaRPr lang="en-US" sz="1000" b="1" dirty="0"/>
+          </a:p>
+        </p:txBody>
+      </p:sp>
+      <p:sp>
+        <p:nvSpPr>
+          <p:cNvPr id="105" name="TextBox 104"/>
+          <p:cNvSpPr txBox="1"/>
+          <p:nvPr/>
+        </p:nvSpPr>
+        <p:spPr>
+          <a:xfrm>
+            <a:off x="6590617" y="3904859"/>
+            <a:ext cx="950072" cy="1015663"/>
+          </a:xfrm>
+          <a:prstGeom prst="rect">
+            <a:avLst/>
+          </a:prstGeom>
+          <a:noFill/>
+        </p:spPr>
+        <p:txBody>
+          <a:bodyPr wrap="square" rtlCol="0">
+            <a:spAutoFit/>
+          </a:bodyPr>
+          <a:lstStyle/>
+          <a:p>
+            <a:pPr algn="ctr"/>
+            <a:r>
+              <a:rPr lang="en-US" sz="1000" dirty="0"/>
+              <a:t>Alignment of representative sequence of each OTU </a:t>
+            </a:r>
+          </a:p>
+          <a:p>
+            <a:pPr algn="ctr"/>
+            <a:r>
+              <a:rPr lang="en-US" sz="1000" b="1" dirty="0" err="1"/>
+              <a:t>rep_set_aligned.fna</a:t>
+            </a:r>
+            <a:endParaRPr lang="en-US" sz="1000" b="1" dirty="0"/>
+          </a:p>
+        </p:txBody>
+      </p:sp>
+      <p:cxnSp>
+        <p:nvCxnSpPr>
+          <p:cNvPr id="107" name="Straight Arrow Connector 106"/>
+          <p:cNvCxnSpPr/>
+          <p:nvPr/>
+        </p:nvCxnSpPr>
+        <p:spPr>
+          <a:xfrm flipH="1">
+            <a:off x="4374392" y="2242641"/>
+            <a:ext cx="770171" cy="528788"/>
+          </a:xfrm>
+          <a:prstGeom prst="straightConnector1">
+            <a:avLst/>
+          </a:prstGeom>
+          <a:ln>
+            <a:solidFill>
+              <a:schemeClr val="tx1"/>
+            </a:solidFill>
+            <a:tailEnd type="triangle"/>
+          </a:ln>
+        </p:spPr>
+        <p:style>
+          <a:lnRef idx="1">
+            <a:schemeClr val="accent1"/>
+          </a:lnRef>
+          <a:fillRef idx="0">
+            <a:schemeClr val="accent1"/>
+          </a:fillRef>
+          <a:effectRef idx="0">
+            <a:schemeClr val="accent1"/>
+          </a:effectRef>
+          <a:fontRef idx="minor">
+            <a:schemeClr val="tx1"/>
+          </a:fontRef>
+        </p:style>
+      </p:cxnSp>
+      <p:grpSp>
+        <p:nvGrpSpPr>
+          <p:cNvPr id="191" name="Group 190"/>
+          <p:cNvGrpSpPr/>
+          <p:nvPr/>
+        </p:nvGrpSpPr>
+        <p:grpSpPr>
+          <a:xfrm>
+            <a:off x="4712998" y="2430976"/>
+            <a:ext cx="1667740" cy="553998"/>
+            <a:chOff x="4705378" y="2667196"/>
+            <a:chExt cx="1667740" cy="553998"/>
+          </a:xfrm>
+        </p:grpSpPr>
+        <p:sp>
+          <p:nvSpPr>
+            <p:cNvPr id="108" name="Rectangle 107"/>
+            <p:cNvSpPr/>
+            <p:nvPr/>
+          </p:nvSpPr>
+          <p:spPr>
+            <a:xfrm>
+              <a:off x="4879395" y="2679102"/>
+              <a:ext cx="1303238" cy="518412"/>
+            </a:xfrm>
+            <a:prstGeom prst="rect">
+              <a:avLst/>
+            </a:prstGeom>
+            <a:gradFill flip="none" rotWithShape="1">
+              <a:gsLst>
+                <a:gs pos="100000">
+                  <a:schemeClr val="bg1"/>
+                </a:gs>
+                <a:gs pos="50000">
+                  <a:schemeClr val="accent1">
+                    <a:lumMod val="40000"/>
+                    <a:lumOff val="60000"/>
+                  </a:schemeClr>
+                </a:gs>
+                <a:gs pos="0">
+                  <a:schemeClr val="accent1">
+                    <a:lumMod val="40000"/>
+                    <a:lumOff val="60000"/>
+                    <a:shade val="100000"/>
+                    <a:satMod val="115000"/>
+                  </a:schemeClr>
+                </a:gs>
+              </a:gsLst>
+              <a:lin ang="16200000" scaled="1"/>
+              <a:tileRect/>
+            </a:gradFill>
+            <a:ln>
+              <a:solidFill>
+                <a:schemeClr val="tx1"/>
+              </a:solidFill>
+            </a:ln>
+          </p:spPr>
+          <p:style>
+            <a:lnRef idx="2">
+              <a:schemeClr val="accent1">
+                <a:shade val="50000"/>
+              </a:schemeClr>
+            </a:lnRef>
+            <a:fillRef idx="1">
+              <a:schemeClr val="accent1"/>
+            </a:fillRef>
+            <a:effectRef idx="0">
+              <a:schemeClr val="accent1"/>
+            </a:effectRef>
+            <a:fontRef idx="minor">
+              <a:schemeClr val="lt1"/>
+            </a:fontRef>
+          </p:style>
+          <p:txBody>
+            <a:bodyPr rot="0" spcFirstLastPara="0" vertOverflow="overflow" horzOverflow="overflow" vert="horz" wrap="square" lIns="36004" tIns="18003" rIns="36004" bIns="18003" numCol="1" spcCol="0" rtlCol="0" fromWordArt="0" anchor="ctr" anchorCtr="0" forceAA="0" compatLnSpc="1">
+              <a:prstTxWarp prst="textNoShape">
+                <a:avLst/>
+              </a:prstTxWarp>
+              <a:noAutofit/>
+            </a:bodyPr>
+            <a:lstStyle/>
+            <a:p>
+              <a:pPr algn="ctr"/>
+              <a:endParaRPr lang="en-US" sz="1000"/>
+            </a:p>
+          </p:txBody>
+        </p:sp>
+        <p:sp>
+          <p:nvSpPr>
+            <p:cNvPr id="109" name="TextBox 108"/>
+            <p:cNvSpPr txBox="1"/>
+            <p:nvPr/>
+          </p:nvSpPr>
+          <p:spPr>
+            <a:xfrm>
+              <a:off x="4705378" y="2667196"/>
+              <a:ext cx="1667740" cy="553998"/>
+            </a:xfrm>
+            <a:prstGeom prst="rect">
+              <a:avLst/>
+            </a:prstGeom>
+            <a:noFill/>
+          </p:spPr>
+          <p:txBody>
+            <a:bodyPr wrap="square" rtlCol="0">
+              <a:spAutoFit/>
+            </a:bodyPr>
+            <a:lstStyle/>
+            <a:p>
+              <a:pPr algn="ctr"/>
+              <a:r>
+                <a:rPr lang="en-US" sz="1000" dirty="0"/>
+                <a:t>A “gold” database for alignment and chimera checking</a:t>
+              </a:r>
+              <a:endParaRPr lang="en-US" sz="1000" dirty="0"/>
+            </a:p>
+          </p:txBody>
+        </p:sp>
+      </p:grpSp>
+      <p:sp>
+        <p:nvSpPr>
+          <p:cNvPr id="110" name="TextBox 109"/>
+          <p:cNvSpPr txBox="1"/>
+          <p:nvPr/>
+        </p:nvSpPr>
+        <p:spPr>
+          <a:xfrm>
+            <a:off x="6273953" y="2418461"/>
+            <a:ext cx="1592194" cy="400110"/>
+          </a:xfrm>
+          <a:prstGeom prst="rect">
+            <a:avLst/>
+          </a:prstGeom>
+          <a:noFill/>
+        </p:spPr>
+        <p:txBody>
+          <a:bodyPr wrap="square" rtlCol="0">
+            <a:spAutoFit/>
+          </a:bodyPr>
+          <a:lstStyle/>
+          <a:p>
+            <a:pPr algn="ctr"/>
+            <a:r>
+              <a:rPr lang="en-US" sz="1000" i="1" dirty="0"/>
+              <a:t>Provided by </a:t>
+            </a:r>
+            <a:r>
+              <a:rPr lang="en-US" sz="1000" i="1" dirty="0" err="1"/>
+              <a:t>greengenes</a:t>
+            </a:r>
+            <a:r>
+              <a:rPr lang="en-US" sz="1000" i="1" dirty="0"/>
+              <a:t>, </a:t>
+            </a:r>
+            <a:r>
+              <a:rPr lang="en-US" sz="1000" i="1" dirty="0" err="1"/>
+              <a:t>rdp</a:t>
+            </a:r>
+            <a:r>
+              <a:rPr lang="en-US" sz="1000" i="1" dirty="0"/>
+              <a:t>, etc.</a:t>
+            </a:r>
+            <a:endParaRPr lang="en-US" sz="1000" i="1" dirty="0"/>
+          </a:p>
+        </p:txBody>
+      </p:sp>
+      <p:cxnSp>
+        <p:nvCxnSpPr>
+          <p:cNvPr id="111" name="Straight Arrow Connector 110"/>
+          <p:cNvCxnSpPr/>
+          <p:nvPr/>
+        </p:nvCxnSpPr>
+        <p:spPr>
+          <a:xfrm>
+            <a:off x="6698084" y="3197514"/>
+            <a:ext cx="0" cy="126527"/>
+          </a:xfrm>
+          <a:prstGeom prst="straightConnector1">
+            <a:avLst/>
+          </a:prstGeom>
+          <a:ln>
+            <a:solidFill>
+              <a:schemeClr val="tx1"/>
+            </a:solidFill>
+            <a:tailEnd type="triangle"/>
+          </a:ln>
+        </p:spPr>
+        <p:style>
+          <a:lnRef idx="1">
+            <a:schemeClr val="accent1"/>
+          </a:lnRef>
+          <a:fillRef idx="0">
+            <a:schemeClr val="accent1"/>
+          </a:fillRef>
+          <a:effectRef idx="0">
+            <a:schemeClr val="accent1"/>
+          </a:effectRef>
+          <a:fontRef idx="minor">
+            <a:schemeClr val="tx1"/>
+          </a:fontRef>
+        </p:style>
+      </p:cxnSp>
+      <p:sp>
+        <p:nvSpPr>
+          <p:cNvPr id="112" name="TextBox 111"/>
+          <p:cNvSpPr txBox="1"/>
+          <p:nvPr/>
+        </p:nvSpPr>
+        <p:spPr>
+          <a:xfrm>
+            <a:off x="6582215" y="4157274"/>
+            <a:ext cx="950072" cy="1169551"/>
+          </a:xfrm>
+          <a:prstGeom prst="rect">
+            <a:avLst/>
+          </a:prstGeom>
+          <a:noFill/>
+        </p:spPr>
+        <p:txBody>
+          <a:bodyPr wrap="square" rtlCol="0">
+            <a:spAutoFit/>
+          </a:bodyPr>
+          <a:lstStyle/>
+          <a:p>
+            <a:pPr algn="ctr"/>
+            <a:r>
+              <a:rPr lang="en-US" sz="1000" dirty="0"/>
+              <a:t>List of taxonomic assignments each OTU</a:t>
+            </a:r>
+          </a:p>
+          <a:p>
+            <a:pPr algn="ctr"/>
+            <a:r>
+              <a:rPr lang="en-US" sz="1000" b="1" dirty="0"/>
+              <a:t>rep_set_tax_assignments.txt</a:t>
+            </a:r>
+            <a:endParaRPr lang="en-US" sz="1000" b="1" dirty="0"/>
+          </a:p>
+        </p:txBody>
+      </p:sp>
+      <p:grpSp>
+        <p:nvGrpSpPr>
+          <p:cNvPr id="6" name="Group 5"/>
+          <p:cNvGrpSpPr/>
+          <p:nvPr/>
+        </p:nvGrpSpPr>
+        <p:grpSpPr>
+          <a:xfrm>
+            <a:off x="5624015" y="4284659"/>
+            <a:ext cx="950072" cy="854390"/>
+            <a:chOff x="4745998" y="3470892"/>
+            <a:chExt cx="1357245" cy="1220559"/>
+          </a:xfrm>
+        </p:grpSpPr>
+        <p:grpSp>
+          <p:nvGrpSpPr>
+            <p:cNvPr id="4" name="Group 3"/>
+            <p:cNvGrpSpPr/>
+            <p:nvPr/>
+          </p:nvGrpSpPr>
+          <p:grpSpPr>
+            <a:xfrm>
+              <a:off x="4766313" y="3470892"/>
+              <a:ext cx="974544" cy="470027"/>
+              <a:chOff x="4766313" y="3470892"/>
+              <a:chExt cx="974544" cy="470027"/>
+            </a:xfrm>
+          </p:grpSpPr>
+          <p:cxnSp>
+            <p:nvCxnSpPr>
+              <p:cNvPr id="94" name="Straight Arrow Connector 93"/>
+              <p:cNvCxnSpPr/>
+              <p:nvPr/>
+            </p:nvCxnSpPr>
+            <p:spPr>
+              <a:xfrm>
+                <a:off x="4766313" y="3470892"/>
+                <a:ext cx="218364" cy="0"/>
+              </a:xfrm>
+              <a:prstGeom prst="straightConnector1">
+                <a:avLst/>
+              </a:prstGeom>
+              <a:ln>
+                <a:solidFill>
+                  <a:schemeClr val="tx1"/>
+                </a:solidFill>
+                <a:tailEnd type="triangle"/>
+              </a:ln>
+            </p:spPr>
+            <p:style>
+              <a:lnRef idx="1">
+                <a:schemeClr val="accent1"/>
+              </a:lnRef>
+              <a:fillRef idx="0">
+                <a:schemeClr val="accent1"/>
+              </a:fillRef>
+              <a:effectRef idx="0">
+                <a:schemeClr val="accent1"/>
+              </a:effectRef>
+              <a:fontRef idx="minor">
+                <a:schemeClr val="tx1"/>
+              </a:fontRef>
+            </p:style>
+          </p:cxnSp>
+          <p:cxnSp>
+            <p:nvCxnSpPr>
+              <p:cNvPr id="95" name="Straight Arrow Connector 94"/>
+              <p:cNvCxnSpPr/>
+              <p:nvPr/>
+            </p:nvCxnSpPr>
+            <p:spPr>
+              <a:xfrm>
+                <a:off x="4766313" y="3801792"/>
+                <a:ext cx="218364" cy="0"/>
+              </a:xfrm>
+              <a:prstGeom prst="straightConnector1">
+                <a:avLst/>
+              </a:prstGeom>
+              <a:ln>
+                <a:solidFill>
+                  <a:schemeClr val="tx1"/>
+                </a:solidFill>
+                <a:tailEnd type="triangle"/>
+              </a:ln>
+            </p:spPr>
+            <p:style>
+              <a:lnRef idx="1">
+                <a:schemeClr val="accent1"/>
+              </a:lnRef>
+              <a:fillRef idx="0">
+                <a:schemeClr val="accent1"/>
+              </a:fillRef>
+              <a:effectRef idx="0">
+                <a:schemeClr val="accent1"/>
+              </a:effectRef>
+              <a:fontRef idx="minor">
+                <a:schemeClr val="tx1"/>
+              </a:fontRef>
+            </p:style>
+          </p:cxnSp>
+          <p:sp>
+            <p:nvSpPr>
+              <p:cNvPr id="101" name="Rectangle 100"/>
+              <p:cNvSpPr/>
+              <p:nvPr/>
+            </p:nvSpPr>
+            <p:spPr>
+              <a:xfrm>
+                <a:off x="5064401" y="3673374"/>
+                <a:ext cx="676456" cy="267545"/>
+              </a:xfrm>
+              <a:prstGeom prst="rect">
+                <a:avLst/>
+              </a:prstGeom>
+              <a:gradFill flip="none" rotWithShape="1">
+                <a:gsLst>
+                  <a:gs pos="100000">
+                    <a:schemeClr val="bg1"/>
+                  </a:gs>
+                  <a:gs pos="50000">
+                    <a:schemeClr val="accent1">
+                      <a:lumMod val="40000"/>
+                      <a:lumOff val="60000"/>
+                    </a:schemeClr>
+                  </a:gs>
+                  <a:gs pos="0">
+                    <a:schemeClr val="accent1">
+                      <a:lumMod val="40000"/>
+                      <a:lumOff val="60000"/>
+                      <a:shade val="100000"/>
+                      <a:satMod val="115000"/>
+                    </a:schemeClr>
+                  </a:gs>
+                </a:gsLst>
+                <a:lin ang="16200000" scaled="1"/>
+                <a:tileRect/>
+              </a:gradFill>
+              <a:ln>
+                <a:solidFill>
+                  <a:schemeClr val="tx1"/>
+                </a:solidFill>
+              </a:ln>
+            </p:spPr>
+            <p:style>
+              <a:lnRef idx="2">
+                <a:schemeClr val="accent1">
+                  <a:shade val="50000"/>
+                </a:schemeClr>
+              </a:lnRef>
+              <a:fillRef idx="1">
+                <a:schemeClr val="accent1"/>
+              </a:fillRef>
+              <a:effectRef idx="0">
+                <a:schemeClr val="accent1"/>
+              </a:effectRef>
+              <a:fontRef idx="minor">
+                <a:schemeClr val="lt1"/>
+              </a:fontRef>
+            </p:style>
+            <p:txBody>
+              <a:bodyPr rot="0" spcFirstLastPara="0" vertOverflow="overflow" horzOverflow="overflow" vert="horz" wrap="square" lIns="36004" tIns="18003" rIns="36004" bIns="18003" numCol="1" spcCol="0" rtlCol="0" fromWordArt="0" anchor="ctr" anchorCtr="0" forceAA="0" compatLnSpc="1">
+                <a:prstTxWarp prst="textNoShape">
+                  <a:avLst/>
+                </a:prstTxWarp>
+                <a:noAutofit/>
+              </a:bodyPr>
+              <a:lstStyle/>
+              <a:p>
+                <a:pPr algn="ctr"/>
+                <a:endParaRPr lang="en-US" sz="1000"/>
+              </a:p>
+            </p:txBody>
+          </p:sp>
+        </p:grpSp>
+        <p:sp>
+          <p:nvSpPr>
+            <p:cNvPr id="113" name="TextBox 112"/>
+            <p:cNvSpPr txBox="1"/>
+            <p:nvPr/>
+          </p:nvSpPr>
+          <p:spPr>
+            <a:xfrm>
+              <a:off x="4745998" y="3680184"/>
+              <a:ext cx="1357245" cy="1011267"/>
+            </a:xfrm>
+            <a:prstGeom prst="rect">
+              <a:avLst/>
+            </a:prstGeom>
+            <a:noFill/>
+          </p:spPr>
+          <p:txBody>
+            <a:bodyPr wrap="square" rtlCol="0">
+              <a:spAutoFit/>
+            </a:bodyPr>
+            <a:lstStyle/>
+            <a:p>
+              <a:pPr algn="ctr"/>
+              <a:r>
+                <a:rPr lang="en-US" sz="1000" dirty="0"/>
+                <a:t>“</a:t>
+              </a:r>
+              <a:r>
+                <a:rPr lang="en-US" sz="1000" dirty="0" err="1"/>
+                <a:t>Biom</a:t>
+              </a:r>
+              <a:r>
+                <a:rPr lang="en-US" sz="1000" dirty="0"/>
+                <a:t>” OTU table</a:t>
+              </a:r>
+            </a:p>
+            <a:p>
+              <a:pPr algn="ctr"/>
+              <a:r>
+                <a:rPr lang="en-US" sz="1000" b="1" dirty="0" err="1"/>
+                <a:t>otu_table.biom</a:t>
+              </a:r>
+              <a:endParaRPr lang="en-US" sz="1000" b="1" dirty="0"/>
+            </a:p>
+          </p:txBody>
+        </p:sp>
+      </p:grpSp>
+      <p:grpSp>
+        <p:nvGrpSpPr>
+          <p:cNvPr id="5" name="Group 4"/>
+          <p:cNvGrpSpPr/>
+          <p:nvPr/>
+        </p:nvGrpSpPr>
+        <p:grpSpPr>
+          <a:xfrm>
+            <a:off x="5615523" y="4653963"/>
+            <a:ext cx="950072" cy="400110"/>
+            <a:chOff x="4734690" y="4003285"/>
+            <a:chExt cx="1357245" cy="571588"/>
+          </a:xfrm>
+        </p:grpSpPr>
+        <p:cxnSp>
+          <p:nvCxnSpPr>
+            <p:cNvPr id="96" name="Straight Arrow Connector 95"/>
+            <p:cNvCxnSpPr/>
+            <p:nvPr/>
+          </p:nvCxnSpPr>
+          <p:spPr>
+            <a:xfrm>
+              <a:off x="4766313" y="4134163"/>
+              <a:ext cx="218364" cy="0"/>
+            </a:xfrm>
+            <a:prstGeom prst="straightConnector1">
+              <a:avLst/>
+            </a:prstGeom>
+            <a:ln>
+              <a:solidFill>
+                <a:schemeClr val="tx1"/>
+              </a:solidFill>
+              <a:tailEnd type="triangle"/>
+            </a:ln>
+          </p:spPr>
+          <p:style>
+            <a:lnRef idx="1">
+              <a:schemeClr val="accent1"/>
+            </a:lnRef>
+            <a:fillRef idx="0">
+              <a:schemeClr val="accent1"/>
+            </a:fillRef>
+            <a:effectRef idx="0">
+              <a:schemeClr val="accent1"/>
+            </a:effectRef>
+            <a:fontRef idx="minor">
+              <a:schemeClr val="tx1"/>
+            </a:fontRef>
+          </p:style>
+        </p:cxnSp>
+        <p:sp>
+          <p:nvSpPr>
+            <p:cNvPr id="102" name="Rectangle 101"/>
+            <p:cNvSpPr/>
+            <p:nvPr/>
+          </p:nvSpPr>
+          <p:spPr>
+            <a:xfrm>
+              <a:off x="5064401" y="4012971"/>
+              <a:ext cx="676456" cy="267545"/>
+            </a:xfrm>
+            <a:prstGeom prst="rect">
+              <a:avLst/>
+            </a:prstGeom>
+            <a:gradFill flip="none" rotWithShape="1">
+              <a:gsLst>
+                <a:gs pos="100000">
+                  <a:schemeClr val="bg1"/>
+                </a:gs>
+                <a:gs pos="50000">
+                  <a:schemeClr val="accent1">
+                    <a:lumMod val="40000"/>
+                    <a:lumOff val="60000"/>
+                  </a:schemeClr>
+                </a:gs>
+                <a:gs pos="0">
+                  <a:schemeClr val="accent1">
+                    <a:lumMod val="40000"/>
+                    <a:lumOff val="60000"/>
+                    <a:shade val="100000"/>
+                    <a:satMod val="115000"/>
+                  </a:schemeClr>
+                </a:gs>
+              </a:gsLst>
+              <a:lin ang="16200000" scaled="1"/>
+              <a:tileRect/>
+            </a:gradFill>
+            <a:ln>
+              <a:solidFill>
+                <a:schemeClr val="tx1"/>
+              </a:solidFill>
+            </a:ln>
+          </p:spPr>
+          <p:style>
+            <a:lnRef idx="2">
+              <a:schemeClr val="accent1">
+                <a:shade val="50000"/>
+              </a:schemeClr>
+            </a:lnRef>
+            <a:fillRef idx="1">
+              <a:schemeClr val="accent1"/>
+            </a:fillRef>
+            <a:effectRef idx="0">
+              <a:schemeClr val="accent1"/>
+            </a:effectRef>
+            <a:fontRef idx="minor">
+              <a:schemeClr val="lt1"/>
+            </a:fontRef>
+          </p:style>
+          <p:txBody>
+            <a:bodyPr rot="0" spcFirstLastPara="0" vertOverflow="overflow" horzOverflow="overflow" vert="horz" wrap="square" lIns="36004" tIns="18003" rIns="36004" bIns="18003" numCol="1" spcCol="0" rtlCol="0" fromWordArt="0" anchor="ctr" anchorCtr="0" forceAA="0" compatLnSpc="1">
+              <a:prstTxWarp prst="textNoShape">
+                <a:avLst/>
+              </a:prstTxWarp>
+              <a:noAutofit/>
+            </a:bodyPr>
+            <a:lstStyle/>
+            <a:p>
+              <a:pPr algn="ctr"/>
+              <a:endParaRPr lang="en-US" sz="1000"/>
+            </a:p>
+          </p:txBody>
+        </p:sp>
+        <p:sp>
+          <p:nvSpPr>
+            <p:cNvPr id="114" name="TextBox 113"/>
+            <p:cNvSpPr txBox="1"/>
+            <p:nvPr/>
+          </p:nvSpPr>
+          <p:spPr>
+            <a:xfrm>
+              <a:off x="4734690" y="4003285"/>
+              <a:ext cx="1357245" cy="571588"/>
+            </a:xfrm>
+            <a:prstGeom prst="rect">
+              <a:avLst/>
+            </a:prstGeom>
+            <a:noFill/>
+          </p:spPr>
+          <p:txBody>
+            <a:bodyPr wrap="square" rtlCol="0">
+              <a:spAutoFit/>
+            </a:bodyPr>
+            <a:lstStyle/>
+            <a:p>
+              <a:pPr algn="ctr"/>
+              <a:r>
+                <a:rPr lang="en-US" sz="1000" dirty="0"/>
+                <a:t>Tree file</a:t>
+              </a:r>
+            </a:p>
+            <a:p>
+              <a:pPr algn="ctr"/>
+              <a:r>
+                <a:rPr lang="en-US" sz="1000" b="1" dirty="0" err="1"/>
+                <a:t>r</a:t>
+              </a:r>
+              <a:r>
+                <a:rPr lang="en-US" sz="1000" b="1" dirty="0" err="1"/>
+                <a:t>ep_phylo.tre</a:t>
+              </a:r>
+              <a:endParaRPr lang="en-US" sz="1000" b="1" dirty="0"/>
+            </a:p>
+          </p:txBody>
+        </p:sp>
+      </p:grpSp>
+      <p:sp>
+        <p:nvSpPr>
+          <p:cNvPr id="116" name="Rectangle 115"/>
           <p:cNvSpPr/>
           <p:nvPr/>
         </p:nvSpPr>
         <p:spPr>
           <a:xfrm>
-            <a:off x="5064401" y="3673374"/>
-            <a:ext cx="676456" cy="267545"/>
+            <a:off x="134884" y="1548686"/>
+            <a:ext cx="224293" cy="265127"/>
           </a:xfrm>
           <a:prstGeom prst="rect">
             <a:avLst/>
@@ -5664,7 +6414,7 @@
           </a:fontRef>
         </p:style>
         <p:txBody>
-          <a:bodyPr rot="0" spcFirstLastPara="0" vertOverflow="overflow" horzOverflow="overflow" vert="horz" wrap="square" lIns="51435" tIns="25718" rIns="51435" bIns="25718" numCol="1" spcCol="0" rtlCol="0" fromWordArt="0" anchor="ctr" anchorCtr="0" forceAA="0" compatLnSpc="1">
+          <a:bodyPr rot="0" spcFirstLastPara="0" vertOverflow="overflow" horzOverflow="overflow" vert="horz" wrap="square" lIns="36004" tIns="18003" rIns="36004" bIns="18003" numCol="1" spcCol="0" rtlCol="0" fromWordArt="0" anchor="ctr" anchorCtr="0" forceAA="0" compatLnSpc="1">
             <a:prstTxWarp prst="textNoShape">
               <a:avLst/>
             </a:prstTxWarp>
@@ -5673,632 +6423,7 @@
           <a:lstStyle/>
           <a:p>
             <a:pPr algn="ctr"/>
-            <a:endParaRPr lang="en-US" sz="1013"/>
-          </a:p>
-        </p:txBody>
-      </p:sp>
-      <p:sp>
-        <p:nvSpPr>
-          <p:cNvPr id="102" name="Rectangle 101"/>
-          <p:cNvSpPr/>
-          <p:nvPr/>
-        </p:nvSpPr>
-        <p:spPr>
-          <a:xfrm>
-            <a:off x="5064401" y="4012971"/>
-            <a:ext cx="676456" cy="267545"/>
-          </a:xfrm>
-          <a:prstGeom prst="rect">
-            <a:avLst/>
-          </a:prstGeom>
-          <a:gradFill flip="none" rotWithShape="1">
-            <a:gsLst>
-              <a:gs pos="100000">
-                <a:schemeClr val="bg1"/>
-              </a:gs>
-              <a:gs pos="50000">
-                <a:schemeClr val="accent1">
-                  <a:lumMod val="40000"/>
-                  <a:lumOff val="60000"/>
-                </a:schemeClr>
-              </a:gs>
-              <a:gs pos="0">
-                <a:schemeClr val="accent1">
-                  <a:lumMod val="40000"/>
-                  <a:lumOff val="60000"/>
-                  <a:shade val="100000"/>
-                  <a:satMod val="115000"/>
-                </a:schemeClr>
-              </a:gs>
-            </a:gsLst>
-            <a:lin ang="16200000" scaled="1"/>
-            <a:tileRect/>
-          </a:gradFill>
-          <a:ln>
-            <a:solidFill>
-              <a:schemeClr val="tx1"/>
-            </a:solidFill>
-          </a:ln>
-        </p:spPr>
-        <p:style>
-          <a:lnRef idx="2">
-            <a:schemeClr val="accent1">
-              <a:shade val="50000"/>
-            </a:schemeClr>
-          </a:lnRef>
-          <a:fillRef idx="1">
-            <a:schemeClr val="accent1"/>
-          </a:fillRef>
-          <a:effectRef idx="0">
-            <a:schemeClr val="accent1"/>
-          </a:effectRef>
-          <a:fontRef idx="minor">
-            <a:schemeClr val="lt1"/>
-          </a:fontRef>
-        </p:style>
-        <p:txBody>
-          <a:bodyPr rot="0" spcFirstLastPara="0" vertOverflow="overflow" horzOverflow="overflow" vert="horz" wrap="square" lIns="51435" tIns="25718" rIns="51435" bIns="25718" numCol="1" spcCol="0" rtlCol="0" fromWordArt="0" anchor="ctr" anchorCtr="0" forceAA="0" compatLnSpc="1">
-            <a:prstTxWarp prst="textNoShape">
-              <a:avLst/>
-            </a:prstTxWarp>
-            <a:noAutofit/>
-          </a:bodyPr>
-          <a:lstStyle/>
-          <a:p>
-            <a:pPr algn="ctr"/>
-            <a:endParaRPr lang="en-US" sz="1013"/>
-          </a:p>
-        </p:txBody>
-      </p:sp>
-      <p:sp>
-        <p:nvSpPr>
-          <p:cNvPr id="103" name="TextBox 102"/>
-          <p:cNvSpPr txBox="1"/>
-          <p:nvPr/>
-        </p:nvSpPr>
-        <p:spPr>
-          <a:xfrm>
-            <a:off x="5071768" y="2364261"/>
-            <a:ext cx="1345240" cy="264688"/>
-          </a:xfrm>
-          <a:prstGeom prst="rect">
-            <a:avLst/>
-          </a:prstGeom>
-          <a:noFill/>
-        </p:spPr>
-        <p:txBody>
-          <a:bodyPr wrap="none" rtlCol="0">
-            <a:spAutoFit/>
-          </a:bodyPr>
-          <a:lstStyle/>
-          <a:p>
-            <a:pPr algn="ctr"/>
-            <a:r>
-              <a:rPr lang="en-US" sz="560" dirty="0" smtClean="0"/>
-              <a:t>List of sequences per OTU (“OTU map”)</a:t>
-            </a:r>
-          </a:p>
-          <a:p>
-            <a:pPr algn="ctr"/>
-            <a:r>
-              <a:rPr lang="en-US" sz="560" b="1" dirty="0" smtClean="0"/>
-              <a:t>seqs_otus.txt</a:t>
-            </a:r>
-            <a:endParaRPr lang="en-US" sz="560" b="1" dirty="0"/>
-          </a:p>
-        </p:txBody>
-      </p:sp>
-      <p:sp>
-        <p:nvSpPr>
-          <p:cNvPr id="104" name="TextBox 103"/>
-          <p:cNvSpPr txBox="1"/>
-          <p:nvPr/>
-        </p:nvSpPr>
-        <p:spPr>
-          <a:xfrm>
-            <a:off x="5132441" y="2653633"/>
-            <a:ext cx="1245854" cy="350865"/>
-          </a:xfrm>
-          <a:prstGeom prst="rect">
-            <a:avLst/>
-          </a:prstGeom>
-          <a:noFill/>
-        </p:spPr>
-        <p:txBody>
-          <a:bodyPr wrap="none" rtlCol="0">
-            <a:spAutoFit/>
-          </a:bodyPr>
-          <a:lstStyle/>
-          <a:p>
-            <a:pPr algn="ctr"/>
-            <a:r>
-              <a:rPr lang="en-US" sz="560" dirty="0" smtClean="0"/>
-              <a:t>List of one representative sequence </a:t>
-            </a:r>
-          </a:p>
-          <a:p>
-            <a:pPr algn="ctr"/>
-            <a:r>
-              <a:rPr lang="en-US" sz="560" dirty="0" smtClean="0"/>
-              <a:t>of each OTU </a:t>
-            </a:r>
-          </a:p>
-          <a:p>
-            <a:pPr algn="ctr"/>
-            <a:r>
-              <a:rPr lang="en-US" sz="560" b="1" dirty="0" err="1"/>
-              <a:t>r</a:t>
-            </a:r>
-            <a:r>
-              <a:rPr lang="en-US" sz="560" b="1" dirty="0" err="1" smtClean="0"/>
-              <a:t>ep_set.fna</a:t>
-            </a:r>
-            <a:endParaRPr lang="en-US" sz="560" b="1" dirty="0"/>
-          </a:p>
-        </p:txBody>
-      </p:sp>
-      <p:sp>
-        <p:nvSpPr>
-          <p:cNvPr id="105" name="TextBox 104"/>
-          <p:cNvSpPr txBox="1"/>
-          <p:nvPr/>
-        </p:nvSpPr>
-        <p:spPr>
-          <a:xfrm>
-            <a:off x="5071767" y="2965794"/>
-            <a:ext cx="1357245" cy="350865"/>
-          </a:xfrm>
-          <a:prstGeom prst="rect">
-            <a:avLst/>
-          </a:prstGeom>
-          <a:noFill/>
-        </p:spPr>
-        <p:txBody>
-          <a:bodyPr wrap="square" rtlCol="0">
-            <a:spAutoFit/>
-          </a:bodyPr>
-          <a:lstStyle/>
-          <a:p>
-            <a:pPr algn="ctr"/>
-            <a:r>
-              <a:rPr lang="en-US" sz="560" dirty="0" smtClean="0"/>
-              <a:t>Alignment of </a:t>
-            </a:r>
-            <a:r>
-              <a:rPr lang="en-US" sz="560" dirty="0" smtClean="0"/>
-              <a:t>representative sequence of each OTU </a:t>
-            </a:r>
-          </a:p>
-          <a:p>
-            <a:pPr algn="ctr"/>
-            <a:r>
-              <a:rPr lang="en-US" sz="560" b="1" dirty="0" err="1" smtClean="0"/>
-              <a:t>rep_set_aligned.fna</a:t>
-            </a:r>
-            <a:endParaRPr lang="en-US" sz="560" b="1" dirty="0"/>
-          </a:p>
-        </p:txBody>
-      </p:sp>
-      <p:cxnSp>
-        <p:nvCxnSpPr>
-          <p:cNvPr id="107" name="Straight Arrow Connector 106"/>
-          <p:cNvCxnSpPr/>
-          <p:nvPr/>
-        </p:nvCxnSpPr>
-        <p:spPr>
-          <a:xfrm flipH="1">
-            <a:off x="3484282" y="1800344"/>
-            <a:ext cx="256989" cy="210321"/>
-          </a:xfrm>
-          <a:prstGeom prst="straightConnector1">
-            <a:avLst/>
-          </a:prstGeom>
-          <a:ln>
-            <a:solidFill>
-              <a:schemeClr val="tx1"/>
-            </a:solidFill>
-            <a:tailEnd type="triangle"/>
-          </a:ln>
-        </p:spPr>
-        <p:style>
-          <a:lnRef idx="1">
-            <a:schemeClr val="accent1"/>
-          </a:lnRef>
-          <a:fillRef idx="0">
-            <a:schemeClr val="accent1"/>
-          </a:fillRef>
-          <a:effectRef idx="0">
-            <a:schemeClr val="accent1"/>
-          </a:effectRef>
-          <a:fontRef idx="minor">
-            <a:schemeClr val="tx1"/>
-          </a:fontRef>
-        </p:style>
-      </p:cxnSp>
-      <p:sp>
-        <p:nvSpPr>
-          <p:cNvPr id="108" name="Rectangle 107"/>
-          <p:cNvSpPr/>
-          <p:nvPr/>
-        </p:nvSpPr>
-        <p:spPr>
-          <a:xfrm>
-            <a:off x="3892018" y="1890720"/>
-            <a:ext cx="881104" cy="353695"/>
-          </a:xfrm>
-          <a:prstGeom prst="rect">
-            <a:avLst/>
-          </a:prstGeom>
-          <a:gradFill flip="none" rotWithShape="1">
-            <a:gsLst>
-              <a:gs pos="100000">
-                <a:schemeClr val="bg1"/>
-              </a:gs>
-              <a:gs pos="50000">
-                <a:schemeClr val="accent1">
-                  <a:lumMod val="40000"/>
-                  <a:lumOff val="60000"/>
-                </a:schemeClr>
-              </a:gs>
-              <a:gs pos="0">
-                <a:schemeClr val="accent1">
-                  <a:lumMod val="40000"/>
-                  <a:lumOff val="60000"/>
-                  <a:shade val="100000"/>
-                  <a:satMod val="115000"/>
-                </a:schemeClr>
-              </a:gs>
-            </a:gsLst>
-            <a:lin ang="16200000" scaled="1"/>
-            <a:tileRect/>
-          </a:gradFill>
-          <a:ln>
-            <a:solidFill>
-              <a:schemeClr val="tx1"/>
-            </a:solidFill>
-          </a:ln>
-        </p:spPr>
-        <p:style>
-          <a:lnRef idx="2">
-            <a:schemeClr val="accent1">
-              <a:shade val="50000"/>
-            </a:schemeClr>
-          </a:lnRef>
-          <a:fillRef idx="1">
-            <a:schemeClr val="accent1"/>
-          </a:fillRef>
-          <a:effectRef idx="0">
-            <a:schemeClr val="accent1"/>
-          </a:effectRef>
-          <a:fontRef idx="minor">
-            <a:schemeClr val="lt1"/>
-          </a:fontRef>
-        </p:style>
-        <p:txBody>
-          <a:bodyPr rot="0" spcFirstLastPara="0" vertOverflow="overflow" horzOverflow="overflow" vert="horz" wrap="square" lIns="51435" tIns="25718" rIns="51435" bIns="25718" numCol="1" spcCol="0" rtlCol="0" fromWordArt="0" anchor="ctr" anchorCtr="0" forceAA="0" compatLnSpc="1">
-            <a:prstTxWarp prst="textNoShape">
-              <a:avLst/>
-            </a:prstTxWarp>
-            <a:noAutofit/>
-          </a:bodyPr>
-          <a:lstStyle/>
-          <a:p>
-            <a:pPr algn="ctr"/>
-            <a:endParaRPr lang="en-US" sz="1013"/>
-          </a:p>
-        </p:txBody>
-      </p:sp>
-      <p:sp>
-        <p:nvSpPr>
-          <p:cNvPr id="109" name="TextBox 108"/>
-          <p:cNvSpPr txBox="1"/>
-          <p:nvPr/>
-        </p:nvSpPr>
-        <p:spPr>
-          <a:xfrm>
-            <a:off x="3892018" y="1901931"/>
-            <a:ext cx="874295" cy="350865"/>
-          </a:xfrm>
-          <a:prstGeom prst="rect">
-            <a:avLst/>
-          </a:prstGeom>
-          <a:noFill/>
-        </p:spPr>
-        <p:txBody>
-          <a:bodyPr wrap="square" rtlCol="0">
-            <a:spAutoFit/>
-          </a:bodyPr>
-          <a:lstStyle/>
-          <a:p>
-            <a:pPr algn="ctr"/>
-            <a:r>
-              <a:rPr lang="en-US" sz="560" dirty="0" smtClean="0"/>
-              <a:t>A “gold” database for alignment and chimera checking</a:t>
-            </a:r>
-            <a:endParaRPr lang="en-US" sz="560" dirty="0"/>
-          </a:p>
-        </p:txBody>
-      </p:sp>
-      <p:sp>
-        <p:nvSpPr>
-          <p:cNvPr id="110" name="TextBox 109"/>
-          <p:cNvSpPr txBox="1"/>
-          <p:nvPr/>
-        </p:nvSpPr>
-        <p:spPr>
-          <a:xfrm>
-            <a:off x="4707833" y="1888894"/>
-            <a:ext cx="558023" cy="352212"/>
-          </a:xfrm>
-          <a:prstGeom prst="rect">
-            <a:avLst/>
-          </a:prstGeom>
-          <a:noFill/>
-        </p:spPr>
-        <p:txBody>
-          <a:bodyPr wrap="square" rtlCol="0">
-            <a:spAutoFit/>
-          </a:bodyPr>
-          <a:lstStyle/>
-          <a:p>
-            <a:pPr algn="ctr"/>
-            <a:r>
-              <a:rPr lang="en-US" sz="563" i="1" dirty="0" smtClean="0"/>
-              <a:t>Provided by </a:t>
-            </a:r>
-            <a:r>
-              <a:rPr lang="en-US" sz="563" i="1" dirty="0" err="1" smtClean="0"/>
-              <a:t>greengenes</a:t>
-            </a:r>
-            <a:r>
-              <a:rPr lang="en-US" sz="563" i="1" dirty="0" smtClean="0"/>
-              <a:t>, </a:t>
-            </a:r>
-            <a:r>
-              <a:rPr lang="en-US" sz="563" i="1" dirty="0" err="1" smtClean="0"/>
-              <a:t>rdp</a:t>
-            </a:r>
-            <a:r>
-              <a:rPr lang="en-US" sz="563" i="1" dirty="0" smtClean="0"/>
-              <a:t>, etc.</a:t>
-            </a:r>
-            <a:endParaRPr lang="en-US" sz="563" i="1" dirty="0"/>
-          </a:p>
-        </p:txBody>
-      </p:sp>
-      <p:cxnSp>
-        <p:nvCxnSpPr>
-          <p:cNvPr id="111" name="Straight Arrow Connector 110"/>
-          <p:cNvCxnSpPr/>
-          <p:nvPr/>
-        </p:nvCxnSpPr>
-        <p:spPr>
-          <a:xfrm>
-            <a:off x="4338627" y="2241106"/>
-            <a:ext cx="0" cy="180752"/>
-          </a:xfrm>
-          <a:prstGeom prst="straightConnector1">
-            <a:avLst/>
-          </a:prstGeom>
-          <a:ln>
-            <a:solidFill>
-              <a:schemeClr val="tx1"/>
-            </a:solidFill>
-            <a:tailEnd type="triangle"/>
-          </a:ln>
-        </p:spPr>
-        <p:style>
-          <a:lnRef idx="1">
-            <a:schemeClr val="accent1"/>
-          </a:lnRef>
-          <a:fillRef idx="0">
-            <a:schemeClr val="accent1"/>
-          </a:fillRef>
-          <a:effectRef idx="0">
-            <a:schemeClr val="accent1"/>
-          </a:effectRef>
-          <a:fontRef idx="minor">
-            <a:schemeClr val="tx1"/>
-          </a:fontRef>
-        </p:style>
-      </p:cxnSp>
-      <p:sp>
-        <p:nvSpPr>
-          <p:cNvPr id="112" name="TextBox 111"/>
-          <p:cNvSpPr txBox="1"/>
-          <p:nvPr/>
-        </p:nvSpPr>
-        <p:spPr>
-          <a:xfrm>
-            <a:off x="5059763" y="3326388"/>
-            <a:ext cx="1357245" cy="264688"/>
-          </a:xfrm>
-          <a:prstGeom prst="rect">
-            <a:avLst/>
-          </a:prstGeom>
-          <a:noFill/>
-        </p:spPr>
-        <p:txBody>
-          <a:bodyPr wrap="square" rtlCol="0">
-            <a:spAutoFit/>
-          </a:bodyPr>
-          <a:lstStyle/>
-          <a:p>
-            <a:pPr algn="ctr"/>
-            <a:r>
-              <a:rPr lang="en-US" sz="560" dirty="0" smtClean="0"/>
-              <a:t>List of taxonomic assignments each OTU</a:t>
-            </a:r>
-            <a:endParaRPr lang="en-US" sz="560" dirty="0" smtClean="0"/>
-          </a:p>
-          <a:p>
-            <a:pPr algn="ctr"/>
-            <a:r>
-              <a:rPr lang="en-US" sz="560" b="1" dirty="0" smtClean="0"/>
-              <a:t>rep_set_tax_assignments.txt</a:t>
-            </a:r>
-            <a:endParaRPr lang="en-US" sz="560" b="1" dirty="0"/>
-          </a:p>
-        </p:txBody>
-      </p:sp>
-      <p:sp>
-        <p:nvSpPr>
-          <p:cNvPr id="113" name="TextBox 112"/>
-          <p:cNvSpPr txBox="1"/>
-          <p:nvPr/>
-        </p:nvSpPr>
-        <p:spPr>
-          <a:xfrm>
-            <a:off x="4719201" y="3665114"/>
-            <a:ext cx="1357245" cy="264688"/>
-          </a:xfrm>
-          <a:prstGeom prst="rect">
-            <a:avLst/>
-          </a:prstGeom>
-          <a:noFill/>
-        </p:spPr>
-        <p:txBody>
-          <a:bodyPr wrap="square" rtlCol="0">
-            <a:spAutoFit/>
-          </a:bodyPr>
-          <a:lstStyle/>
-          <a:p>
-            <a:pPr algn="ctr"/>
-            <a:r>
-              <a:rPr lang="en-US" sz="560" dirty="0" smtClean="0"/>
-              <a:t>“</a:t>
-            </a:r>
-            <a:r>
-              <a:rPr lang="en-US" sz="560" dirty="0" err="1" smtClean="0"/>
-              <a:t>Biom</a:t>
-            </a:r>
-            <a:r>
-              <a:rPr lang="en-US" sz="560" dirty="0" smtClean="0"/>
-              <a:t>” OTU table</a:t>
-            </a:r>
-          </a:p>
-          <a:p>
-            <a:pPr algn="ctr"/>
-            <a:r>
-              <a:rPr lang="en-US" sz="560" b="1" dirty="0" err="1" smtClean="0"/>
-              <a:t>otu_table.biom</a:t>
-            </a:r>
-            <a:endParaRPr lang="en-US" sz="560" b="1" dirty="0"/>
-          </a:p>
-        </p:txBody>
-      </p:sp>
-      <p:sp>
-        <p:nvSpPr>
-          <p:cNvPr id="114" name="TextBox 113"/>
-          <p:cNvSpPr txBox="1"/>
-          <p:nvPr/>
-        </p:nvSpPr>
-        <p:spPr>
-          <a:xfrm>
-            <a:off x="4734690" y="4003285"/>
-            <a:ext cx="1357245" cy="264688"/>
-          </a:xfrm>
-          <a:prstGeom prst="rect">
-            <a:avLst/>
-          </a:prstGeom>
-          <a:noFill/>
-        </p:spPr>
-        <p:txBody>
-          <a:bodyPr wrap="square" rtlCol="0">
-            <a:spAutoFit/>
-          </a:bodyPr>
-          <a:lstStyle/>
-          <a:p>
-            <a:pPr algn="ctr"/>
-            <a:r>
-              <a:rPr lang="en-US" sz="560" dirty="0" smtClean="0"/>
-              <a:t>Tree file</a:t>
-            </a:r>
-          </a:p>
-          <a:p>
-            <a:pPr algn="ctr"/>
-            <a:r>
-              <a:rPr lang="en-US" sz="560" b="1" dirty="0" err="1"/>
-              <a:t>r</a:t>
-            </a:r>
-            <a:r>
-              <a:rPr lang="en-US" sz="560" b="1" dirty="0" err="1" smtClean="0"/>
-              <a:t>ep_phylo.tre</a:t>
-            </a:r>
-            <a:endParaRPr lang="en-US" sz="560" b="1" dirty="0"/>
-          </a:p>
-        </p:txBody>
-      </p:sp>
-      <p:sp>
-        <p:nvSpPr>
-          <p:cNvPr id="116" name="Rectangle 115"/>
-          <p:cNvSpPr/>
-          <p:nvPr/>
-        </p:nvSpPr>
-        <p:spPr>
-          <a:xfrm>
-            <a:off x="85980" y="888592"/>
-            <a:ext cx="320420" cy="142390"/>
-          </a:xfrm>
-          <a:prstGeom prst="rect">
-            <a:avLst/>
-          </a:prstGeom>
-          <a:gradFill flip="none" rotWithShape="1">
-            <a:gsLst>
-              <a:gs pos="100000">
-                <a:schemeClr val="bg1"/>
-              </a:gs>
-              <a:gs pos="50000">
-                <a:schemeClr val="accent1">
-                  <a:lumMod val="40000"/>
-                  <a:lumOff val="60000"/>
-                </a:schemeClr>
-              </a:gs>
-              <a:gs pos="0">
-                <a:schemeClr val="accent1">
-                  <a:lumMod val="40000"/>
-                  <a:lumOff val="60000"/>
-                  <a:shade val="100000"/>
-                  <a:satMod val="115000"/>
-                </a:schemeClr>
-              </a:gs>
-            </a:gsLst>
-            <a:lin ang="16200000" scaled="1"/>
-            <a:tileRect/>
-          </a:gradFill>
-          <a:ln>
-            <a:solidFill>
-              <a:schemeClr val="tx1"/>
-            </a:solidFill>
-          </a:ln>
-        </p:spPr>
-        <p:style>
-          <a:lnRef idx="2">
-            <a:schemeClr val="accent1">
-              <a:shade val="50000"/>
-            </a:schemeClr>
-          </a:lnRef>
-          <a:fillRef idx="1">
-            <a:schemeClr val="accent1"/>
-          </a:fillRef>
-          <a:effectRef idx="0">
-            <a:schemeClr val="accent1"/>
-          </a:effectRef>
-          <a:fontRef idx="minor">
-            <a:schemeClr val="lt1"/>
-          </a:fontRef>
-        </p:style>
-        <p:txBody>
-          <a:bodyPr rot="0" spcFirstLastPara="0" vertOverflow="overflow" horzOverflow="overflow" vert="horz" wrap="square" lIns="51435" tIns="25718" rIns="51435" bIns="25718" numCol="1" spcCol="0" rtlCol="0" fromWordArt="0" anchor="ctr" anchorCtr="0" forceAA="0" compatLnSpc="1">
-            <a:prstTxWarp prst="textNoShape">
-              <a:avLst/>
-            </a:prstTxWarp>
-            <a:noAutofit/>
-          </a:bodyPr>
-          <a:lstStyle/>
-          <a:p>
-            <a:pPr algn="ctr"/>
-            <a:endParaRPr lang="en-US" sz="1013"/>
+            <a:endParaRPr lang="en-US" sz="1000"/>
           </a:p>
         </p:txBody>
       </p:sp>
@@ -6310,8 +6435,8 @@
         </p:nvSpPr>
         <p:spPr>
           <a:xfrm>
-            <a:off x="74028" y="1111267"/>
-            <a:ext cx="320420" cy="140239"/>
+            <a:off x="234885" y="2136455"/>
+            <a:ext cx="224293" cy="261123"/>
           </a:xfrm>
           <a:prstGeom prst="ellipse">
             <a:avLst/>
@@ -6363,7 +6488,7 @@
           </a:fontRef>
         </p:style>
         <p:txBody>
-          <a:bodyPr rot="0" spcFirstLastPara="0" vertOverflow="overflow" horzOverflow="overflow" vert="horz" wrap="square" lIns="51435" tIns="25718" rIns="51435" bIns="25718" numCol="1" spcCol="0" rtlCol="0" fromWordArt="0" anchor="ctr" anchorCtr="0" forceAA="0" compatLnSpc="1">
+          <a:bodyPr rot="0" spcFirstLastPara="0" vertOverflow="overflow" horzOverflow="overflow" vert="horz" wrap="square" lIns="36004" tIns="18003" rIns="36004" bIns="18003" numCol="1" spcCol="0" rtlCol="0" fromWordArt="0" anchor="ctr" anchorCtr="0" forceAA="0" compatLnSpc="1">
             <a:prstTxWarp prst="textNoShape">
               <a:avLst/>
             </a:prstTxWarp>
@@ -6372,7 +6497,7 @@
           <a:lstStyle/>
           <a:p>
             <a:pPr algn="ctr"/>
-            <a:endParaRPr lang="en-US" sz="1013"/>
+            <a:endParaRPr lang="en-US" sz="1000"/>
           </a:p>
         </p:txBody>
       </p:sp>
@@ -6384,8 +6509,8 @@
         </p:nvSpPr>
         <p:spPr>
           <a:xfrm>
-            <a:off x="455152" y="864306"/>
-            <a:ext cx="274434" cy="178960"/>
+            <a:off x="1242536" y="1616364"/>
+            <a:ext cx="344966" cy="246221"/>
           </a:xfrm>
           <a:prstGeom prst="rect">
             <a:avLst/>
@@ -6399,10 +6524,10 @@
           <a:lstStyle/>
           <a:p>
             <a:r>
-              <a:rPr lang="en-US" sz="563" dirty="0" smtClean="0"/>
+              <a:rPr lang="en-US" sz="1000" dirty="0"/>
               <a:t>file</a:t>
             </a:r>
-            <a:endParaRPr lang="en-US" sz="563" dirty="0"/>
+            <a:endParaRPr lang="en-US" sz="1000" dirty="0"/>
           </a:p>
         </p:txBody>
       </p:sp>
@@ -6414,8 +6539,8 @@
         </p:nvSpPr>
         <p:spPr>
           <a:xfrm>
-            <a:off x="448535" y="1105667"/>
-            <a:ext cx="348172" cy="178960"/>
+            <a:off x="1237906" y="1785319"/>
+            <a:ext cx="473206" cy="246221"/>
           </a:xfrm>
           <a:prstGeom prst="rect">
             <a:avLst/>
@@ -6429,10 +6554,10 @@
           <a:lstStyle/>
           <a:p>
             <a:r>
-              <a:rPr lang="en-US" sz="563" dirty="0" smtClean="0"/>
+              <a:rPr lang="en-US" sz="1000" dirty="0"/>
               <a:t>script</a:t>
             </a:r>
-            <a:endParaRPr lang="en-US" sz="563" dirty="0"/>
+            <a:endParaRPr lang="en-US" sz="1000" dirty="0"/>
           </a:p>
         </p:txBody>
       </p:sp>
@@ -6444,8 +6569,8 @@
         </p:nvSpPr>
         <p:spPr>
           <a:xfrm>
-            <a:off x="74028" y="1331791"/>
-            <a:ext cx="320420" cy="198195"/>
+            <a:off x="318027" y="2560845"/>
+            <a:ext cx="224293" cy="369033"/>
           </a:xfrm>
           <a:prstGeom prst="hexagon">
             <a:avLst/>
@@ -6501,7 +6626,7 @@
           <a:lstStyle/>
           <a:p>
             <a:pPr algn="ctr"/>
-            <a:endParaRPr lang="en-US"/>
+            <a:endParaRPr lang="en-US" sz="1000"/>
           </a:p>
         </p:txBody>
       </p:sp>
@@ -6513,8 +6638,8 @@
         </p:nvSpPr>
         <p:spPr>
           <a:xfrm>
-            <a:off x="448535" y="1351026"/>
-            <a:ext cx="548548" cy="178960"/>
+            <a:off x="1237906" y="1957070"/>
+            <a:ext cx="825867" cy="246221"/>
           </a:xfrm>
           <a:prstGeom prst="rect">
             <a:avLst/>
@@ -6528,10 +6653,10 @@
           <a:lstStyle/>
           <a:p>
             <a:r>
-              <a:rPr lang="en-US" sz="563" dirty="0" smtClean="0"/>
+              <a:rPr lang="en-US" sz="1000" dirty="0"/>
               <a:t>visualization</a:t>
             </a:r>
-            <a:endParaRPr lang="en-US" sz="563" dirty="0"/>
+            <a:endParaRPr lang="en-US" sz="1000" dirty="0"/>
           </a:p>
         </p:txBody>
       </p:sp>
@@ -6543,8 +6668,8 @@
         </p:nvSpPr>
         <p:spPr>
           <a:xfrm>
-            <a:off x="-131752" y="468039"/>
-            <a:ext cx="1709121" cy="438838"/>
+            <a:off x="134884" y="-83541"/>
+            <a:ext cx="1807099" cy="1169551"/>
           </a:xfrm>
           <a:prstGeom prst="rect">
             <a:avLst/>
@@ -6552,56 +6677,56 @@
           <a:noFill/>
         </p:spPr>
         <p:txBody>
-          <a:bodyPr wrap="none" rtlCol="0">
+          <a:bodyPr wrap="square" rtlCol="0">
             <a:spAutoFit/>
           </a:bodyPr>
           <a:lstStyle/>
           <a:p>
             <a:pPr algn="ctr"/>
             <a:r>
-              <a:rPr lang="en-US" sz="563" dirty="0" smtClean="0"/>
+              <a:rPr lang="en-US" sz="1000" dirty="0"/>
               <a:t>A QIIME workflow example chart </a:t>
             </a:r>
           </a:p>
           <a:p>
             <a:pPr algn="ctr"/>
             <a:r>
-              <a:rPr lang="en-US" sz="563" dirty="0"/>
+              <a:rPr lang="en-US" sz="1000" dirty="0"/>
               <a:t>c</a:t>
             </a:r>
             <a:r>
-              <a:rPr lang="en-US" sz="563" dirty="0" smtClean="0"/>
+              <a:rPr lang="en-US" sz="1000" dirty="0"/>
               <a:t>reated by Ashley Shade (</a:t>
             </a:r>
             <a:r>
-              <a:rPr lang="en-US" sz="563" dirty="0" smtClean="0">
+              <a:rPr lang="en-US" sz="1000" dirty="0">
                 <a:hlinkClick r:id="rId2"/>
               </a:rPr>
               <a:t>shade.ashley@gmail.com</a:t>
             </a:r>
             <a:r>
-              <a:rPr lang="en-US" sz="563" dirty="0" smtClean="0"/>
+              <a:rPr lang="en-US" sz="1000" dirty="0"/>
               <a:t>)</a:t>
             </a:r>
           </a:p>
           <a:p>
             <a:pPr algn="ctr"/>
             <a:r>
-              <a:rPr lang="en-US" sz="563" dirty="0"/>
+              <a:rPr lang="en-US" sz="1000" dirty="0"/>
               <a:t>w</a:t>
             </a:r>
             <a:r>
-              <a:rPr lang="en-US" sz="563" dirty="0" smtClean="0"/>
+              <a:rPr lang="en-US" sz="1000" dirty="0"/>
               <a:t>ith contributions by Siobhan Cusack</a:t>
             </a:r>
           </a:p>
           <a:p>
             <a:pPr algn="ctr"/>
             <a:r>
-              <a:rPr lang="en-US" sz="563" dirty="0" smtClean="0"/>
+              <a:rPr lang="en-US" sz="1000" dirty="0"/>
               <a:t>June 2015</a:t>
             </a:r>
-            <a:endParaRPr lang="en-US" sz="563" dirty="0"/>
+            <a:endParaRPr lang="en-US" sz="1000" dirty="0"/>
           </a:p>
         </p:txBody>
       </p:sp>
@@ -6613,8 +6738,2778 @@
         </p:nvCxnSpPr>
         <p:spPr>
           <a:xfrm>
-            <a:off x="3153511" y="3538832"/>
-            <a:ext cx="0" cy="180752"/>
+            <a:off x="3660794" y="4309023"/>
+            <a:ext cx="0" cy="126527"/>
+          </a:xfrm>
+          <a:prstGeom prst="straightConnector1">
+            <a:avLst/>
+          </a:prstGeom>
+          <a:ln>
+            <a:solidFill>
+              <a:schemeClr val="tx1"/>
+            </a:solidFill>
+            <a:tailEnd type="triangle"/>
+          </a:ln>
+        </p:spPr>
+        <p:style>
+          <a:lnRef idx="1">
+            <a:schemeClr val="accent1"/>
+          </a:lnRef>
+          <a:fillRef idx="0">
+            <a:schemeClr val="accent1"/>
+          </a:fillRef>
+          <a:effectRef idx="0">
+            <a:schemeClr val="accent1"/>
+          </a:effectRef>
+          <a:fontRef idx="minor">
+            <a:schemeClr val="tx1"/>
+          </a:fontRef>
+        </p:style>
+      </p:cxnSp>
+      <p:cxnSp>
+        <p:nvCxnSpPr>
+          <p:cNvPr id="90" name="Straight Arrow Connector 89"/>
+          <p:cNvCxnSpPr/>
+          <p:nvPr/>
+        </p:nvCxnSpPr>
+        <p:spPr>
+          <a:xfrm flipH="1">
+            <a:off x="5637657" y="3610557"/>
+            <a:ext cx="207160" cy="164172"/>
+          </a:xfrm>
+          <a:prstGeom prst="straightConnector1">
+            <a:avLst/>
+          </a:prstGeom>
+          <a:ln>
+            <a:solidFill>
+              <a:schemeClr val="tx1"/>
+            </a:solidFill>
+            <a:tailEnd type="triangle"/>
+          </a:ln>
+        </p:spPr>
+        <p:style>
+          <a:lnRef idx="1">
+            <a:schemeClr val="accent1"/>
+          </a:lnRef>
+          <a:fillRef idx="0">
+            <a:schemeClr val="accent1"/>
+          </a:fillRef>
+          <a:effectRef idx="0">
+            <a:schemeClr val="accent1"/>
+          </a:effectRef>
+          <a:fontRef idx="minor">
+            <a:schemeClr val="tx1"/>
+          </a:fontRef>
+        </p:style>
+      </p:cxnSp>
+      <p:cxnSp>
+        <p:nvCxnSpPr>
+          <p:cNvPr id="106" name="Straight Arrow Connector 105"/>
+          <p:cNvCxnSpPr/>
+          <p:nvPr/>
+        </p:nvCxnSpPr>
+        <p:spPr>
+          <a:xfrm flipH="1">
+            <a:off x="5644317" y="3840967"/>
+            <a:ext cx="207160" cy="164172"/>
+          </a:xfrm>
+          <a:prstGeom prst="straightConnector1">
+            <a:avLst/>
+          </a:prstGeom>
+          <a:ln>
+            <a:solidFill>
+              <a:schemeClr val="tx1"/>
+            </a:solidFill>
+            <a:tailEnd type="triangle"/>
+          </a:ln>
+        </p:spPr>
+        <p:style>
+          <a:lnRef idx="1">
+            <a:schemeClr val="accent1"/>
+          </a:lnRef>
+          <a:fillRef idx="0">
+            <a:schemeClr val="accent1"/>
+          </a:fillRef>
+          <a:effectRef idx="0">
+            <a:schemeClr val="accent1"/>
+          </a:effectRef>
+          <a:fontRef idx="minor">
+            <a:schemeClr val="tx1"/>
+          </a:fontRef>
+        </p:style>
+      </p:cxnSp>
+      <p:cxnSp>
+        <p:nvCxnSpPr>
+          <p:cNvPr id="115" name="Straight Arrow Connector 114"/>
+          <p:cNvCxnSpPr/>
+          <p:nvPr/>
+        </p:nvCxnSpPr>
+        <p:spPr>
+          <a:xfrm flipH="1">
+            <a:off x="5644317" y="4057443"/>
+            <a:ext cx="207160" cy="164172"/>
+          </a:xfrm>
+          <a:prstGeom prst="straightConnector1">
+            <a:avLst/>
+          </a:prstGeom>
+          <a:ln>
+            <a:solidFill>
+              <a:schemeClr val="tx1"/>
+            </a:solidFill>
+            <a:tailEnd type="triangle"/>
+          </a:ln>
+        </p:spPr>
+        <p:style>
+          <a:lnRef idx="1">
+            <a:schemeClr val="accent1"/>
+          </a:lnRef>
+          <a:fillRef idx="0">
+            <a:schemeClr val="accent1"/>
+          </a:fillRef>
+          <a:effectRef idx="0">
+            <a:schemeClr val="accent1"/>
+          </a:effectRef>
+          <a:fontRef idx="minor">
+            <a:schemeClr val="tx1"/>
+          </a:fontRef>
+        </p:style>
+      </p:cxnSp>
+      <p:cxnSp>
+        <p:nvCxnSpPr>
+          <p:cNvPr id="127" name="Straight Arrow Connector 126"/>
+          <p:cNvCxnSpPr/>
+          <p:nvPr/>
+        </p:nvCxnSpPr>
+        <p:spPr>
+          <a:xfrm flipH="1">
+            <a:off x="2172909" y="4178882"/>
+            <a:ext cx="211567" cy="3873"/>
+          </a:xfrm>
+          <a:prstGeom prst="straightConnector1">
+            <a:avLst/>
+          </a:prstGeom>
+          <a:ln>
+            <a:solidFill>
+              <a:schemeClr val="tx1"/>
+            </a:solidFill>
+            <a:tailEnd type="triangle"/>
+          </a:ln>
+        </p:spPr>
+        <p:style>
+          <a:lnRef idx="1">
+            <a:schemeClr val="accent1"/>
+          </a:lnRef>
+          <a:fillRef idx="0">
+            <a:schemeClr val="accent1"/>
+          </a:fillRef>
+          <a:effectRef idx="0">
+            <a:schemeClr val="accent1"/>
+          </a:effectRef>
+          <a:fontRef idx="minor">
+            <a:schemeClr val="tx1"/>
+          </a:fontRef>
+        </p:style>
+      </p:cxnSp>
+      <p:cxnSp>
+        <p:nvCxnSpPr>
+          <p:cNvPr id="128" name="Straight Arrow Connector 127"/>
+          <p:cNvCxnSpPr/>
+          <p:nvPr/>
+        </p:nvCxnSpPr>
+        <p:spPr>
+          <a:xfrm>
+            <a:off x="2619697" y="5002515"/>
+            <a:ext cx="0" cy="281095"/>
+          </a:xfrm>
+          <a:prstGeom prst="straightConnector1">
+            <a:avLst/>
+          </a:prstGeom>
+          <a:ln>
+            <a:solidFill>
+              <a:schemeClr val="tx1"/>
+            </a:solidFill>
+            <a:tailEnd type="triangle"/>
+          </a:ln>
+        </p:spPr>
+        <p:style>
+          <a:lnRef idx="1">
+            <a:schemeClr val="accent1"/>
+          </a:lnRef>
+          <a:fillRef idx="0">
+            <a:schemeClr val="accent1"/>
+          </a:fillRef>
+          <a:effectRef idx="0">
+            <a:schemeClr val="accent1"/>
+          </a:effectRef>
+          <a:fontRef idx="minor">
+            <a:schemeClr val="tx1"/>
+          </a:fontRef>
+        </p:style>
+      </p:cxnSp>
+      <p:sp>
+        <p:nvSpPr>
+          <p:cNvPr id="129" name="Rectangle 128"/>
+          <p:cNvSpPr/>
+          <p:nvPr/>
+        </p:nvSpPr>
+        <p:spPr>
+          <a:xfrm>
+            <a:off x="3159248" y="4492986"/>
+            <a:ext cx="1048267" cy="378887"/>
+          </a:xfrm>
+          <a:prstGeom prst="rect">
+            <a:avLst/>
+          </a:prstGeom>
+          <a:gradFill flip="none" rotWithShape="1">
+            <a:gsLst>
+              <a:gs pos="100000">
+                <a:schemeClr val="bg1"/>
+              </a:gs>
+              <a:gs pos="50000">
+                <a:schemeClr val="accent1">
+                  <a:lumMod val="40000"/>
+                  <a:lumOff val="60000"/>
+                </a:schemeClr>
+              </a:gs>
+              <a:gs pos="0">
+                <a:schemeClr val="accent1">
+                  <a:lumMod val="40000"/>
+                  <a:lumOff val="60000"/>
+                  <a:shade val="100000"/>
+                  <a:satMod val="115000"/>
+                </a:schemeClr>
+              </a:gs>
+            </a:gsLst>
+            <a:lin ang="16200000" scaled="1"/>
+            <a:tileRect/>
+          </a:gradFill>
+          <a:ln>
+            <a:solidFill>
+              <a:schemeClr val="tx1"/>
+            </a:solidFill>
+          </a:ln>
+        </p:spPr>
+        <p:style>
+          <a:lnRef idx="2">
+            <a:schemeClr val="accent1">
+              <a:shade val="50000"/>
+            </a:schemeClr>
+          </a:lnRef>
+          <a:fillRef idx="1">
+            <a:schemeClr val="accent1"/>
+          </a:fillRef>
+          <a:effectRef idx="0">
+            <a:schemeClr val="accent1"/>
+          </a:effectRef>
+          <a:fontRef idx="minor">
+            <a:schemeClr val="lt1"/>
+          </a:fontRef>
+        </p:style>
+        <p:txBody>
+          <a:bodyPr rot="0" spcFirstLastPara="0" vertOverflow="overflow" horzOverflow="overflow" vert="horz" wrap="square" lIns="36004" tIns="18003" rIns="36004" bIns="18003" numCol="1" spcCol="0" rtlCol="0" fromWordArt="0" anchor="ctr" anchorCtr="0" forceAA="0" compatLnSpc="1">
+            <a:prstTxWarp prst="textNoShape">
+              <a:avLst/>
+            </a:prstTxWarp>
+            <a:noAutofit/>
+          </a:bodyPr>
+          <a:lstStyle/>
+          <a:p>
+            <a:pPr algn="ctr"/>
+            <a:endParaRPr lang="en-US" sz="1000"/>
+          </a:p>
+        </p:txBody>
+      </p:sp>
+      <p:sp>
+        <p:nvSpPr>
+          <p:cNvPr id="130" name="Rectangle 129"/>
+          <p:cNvSpPr/>
+          <p:nvPr/>
+        </p:nvSpPr>
+        <p:spPr>
+          <a:xfrm>
+            <a:off x="2382941" y="4076092"/>
+            <a:ext cx="473519" cy="187281"/>
+          </a:xfrm>
+          <a:prstGeom prst="rect">
+            <a:avLst/>
+          </a:prstGeom>
+          <a:gradFill flip="none" rotWithShape="1">
+            <a:gsLst>
+              <a:gs pos="100000">
+                <a:schemeClr val="bg1"/>
+              </a:gs>
+              <a:gs pos="50000">
+                <a:schemeClr val="accent1">
+                  <a:lumMod val="40000"/>
+                  <a:lumOff val="60000"/>
+                </a:schemeClr>
+              </a:gs>
+              <a:gs pos="0">
+                <a:schemeClr val="accent1">
+                  <a:lumMod val="40000"/>
+                  <a:lumOff val="60000"/>
+                  <a:shade val="100000"/>
+                  <a:satMod val="115000"/>
+                </a:schemeClr>
+              </a:gs>
+            </a:gsLst>
+            <a:lin ang="16200000" scaled="1"/>
+            <a:tileRect/>
+          </a:gradFill>
+          <a:ln>
+            <a:solidFill>
+              <a:schemeClr val="tx1"/>
+            </a:solidFill>
+          </a:ln>
+        </p:spPr>
+        <p:style>
+          <a:lnRef idx="2">
+            <a:schemeClr val="accent1">
+              <a:shade val="50000"/>
+            </a:schemeClr>
+          </a:lnRef>
+          <a:fillRef idx="1">
+            <a:schemeClr val="accent1"/>
+          </a:fillRef>
+          <a:effectRef idx="0">
+            <a:schemeClr val="accent1"/>
+          </a:effectRef>
+          <a:fontRef idx="minor">
+            <a:schemeClr val="lt1"/>
+          </a:fontRef>
+        </p:style>
+        <p:txBody>
+          <a:bodyPr rot="0" spcFirstLastPara="0" vertOverflow="overflow" horzOverflow="overflow" vert="horz" wrap="square" lIns="36004" tIns="18003" rIns="36004" bIns="18003" numCol="1" spcCol="0" rtlCol="0" fromWordArt="0" anchor="ctr" anchorCtr="0" forceAA="0" compatLnSpc="1">
+            <a:prstTxWarp prst="textNoShape">
+              <a:avLst/>
+            </a:prstTxWarp>
+            <a:noAutofit/>
+          </a:bodyPr>
+          <a:lstStyle/>
+          <a:p>
+            <a:pPr algn="ctr"/>
+            <a:endParaRPr lang="en-US" sz="1000"/>
+          </a:p>
+        </p:txBody>
+      </p:sp>
+      <p:sp>
+        <p:nvSpPr>
+          <p:cNvPr id="126" name="TextBox 125"/>
+          <p:cNvSpPr txBox="1"/>
+          <p:nvPr/>
+        </p:nvSpPr>
+        <p:spPr>
+          <a:xfrm>
+            <a:off x="2350969" y="4073022"/>
+            <a:ext cx="526721" cy="1015663"/>
+          </a:xfrm>
+          <a:prstGeom prst="rect">
+            <a:avLst/>
+          </a:prstGeom>
+          <a:noFill/>
+        </p:spPr>
+        <p:txBody>
+          <a:bodyPr wrap="square" rtlCol="0">
+            <a:spAutoFit/>
+          </a:bodyPr>
+          <a:lstStyle/>
+          <a:p>
+            <a:pPr algn="ctr"/>
+            <a:r>
+              <a:rPr lang="en-US" sz="1000" dirty="0"/>
+              <a:t>“</a:t>
+            </a:r>
+            <a:r>
+              <a:rPr lang="en-US" sz="1000" dirty="0" err="1"/>
+              <a:t>Biom</a:t>
+            </a:r>
+            <a:r>
+              <a:rPr lang="en-US" sz="1000" dirty="0"/>
+              <a:t>” OTU table</a:t>
+            </a:r>
+          </a:p>
+          <a:p>
+            <a:pPr algn="ctr"/>
+            <a:r>
+              <a:rPr lang="en-US" sz="1000" b="1" dirty="0" err="1"/>
+              <a:t>otu_table.biom</a:t>
+            </a:r>
+            <a:endParaRPr lang="en-US" sz="1000" b="1" dirty="0"/>
+          </a:p>
+        </p:txBody>
+      </p:sp>
+      <p:grpSp>
+        <p:nvGrpSpPr>
+          <p:cNvPr id="131" name="Group 130"/>
+          <p:cNvGrpSpPr/>
+          <p:nvPr/>
+        </p:nvGrpSpPr>
+        <p:grpSpPr>
+          <a:xfrm>
+            <a:off x="3336299" y="6987524"/>
+            <a:ext cx="758524" cy="439246"/>
+            <a:chOff x="5926864" y="2525204"/>
+            <a:chExt cx="1104477" cy="773497"/>
+          </a:xfrm>
+        </p:grpSpPr>
+        <p:sp>
+          <p:nvSpPr>
+            <p:cNvPr id="132" name="Oval 131"/>
+            <p:cNvSpPr/>
+            <p:nvPr/>
+          </p:nvSpPr>
+          <p:spPr>
+            <a:xfrm>
+              <a:off x="6010274" y="2525204"/>
+              <a:ext cx="930275" cy="360813"/>
+            </a:xfrm>
+            <a:prstGeom prst="ellipse">
+              <a:avLst/>
+            </a:prstGeom>
+            <a:gradFill flip="none" rotWithShape="1">
+              <a:gsLst>
+                <a:gs pos="0">
+                  <a:srgbClr val="FF6699">
+                    <a:tint val="66000"/>
+                    <a:satMod val="160000"/>
+                  </a:srgbClr>
+                </a:gs>
+                <a:gs pos="50000">
+                  <a:srgbClr val="FF6699">
+                    <a:tint val="44500"/>
+                    <a:satMod val="160000"/>
+                  </a:srgbClr>
+                </a:gs>
+                <a:gs pos="100000">
+                  <a:srgbClr val="FF6699">
+                    <a:tint val="23500"/>
+                    <a:satMod val="160000"/>
+                  </a:srgbClr>
+                </a:gs>
+              </a:gsLst>
+              <a:lin ang="16200000" scaled="1"/>
+              <a:tileRect/>
+            </a:gradFill>
+            <a:ln>
+              <a:solidFill>
+                <a:schemeClr val="tx1"/>
+              </a:solidFill>
+            </a:ln>
+          </p:spPr>
+          <p:style>
+            <a:lnRef idx="2">
+              <a:schemeClr val="accent1">
+                <a:shade val="50000"/>
+              </a:schemeClr>
+            </a:lnRef>
+            <a:fillRef idx="1">
+              <a:schemeClr val="accent1"/>
+            </a:fillRef>
+            <a:effectRef idx="0">
+              <a:schemeClr val="accent1"/>
+            </a:effectRef>
+            <a:fontRef idx="minor">
+              <a:schemeClr val="lt1"/>
+            </a:fontRef>
+          </p:style>
+          <p:txBody>
+            <a:bodyPr rot="0" spcFirstLastPara="0" vertOverflow="overflow" horzOverflow="overflow" vert="horz" wrap="square" lIns="36004" tIns="18003" rIns="36004" bIns="18003" numCol="1" spcCol="0" rtlCol="0" fromWordArt="0" anchor="ctr" anchorCtr="0" forceAA="0" compatLnSpc="1">
+              <a:prstTxWarp prst="textNoShape">
+                <a:avLst/>
+              </a:prstTxWarp>
+              <a:noAutofit/>
+            </a:bodyPr>
+            <a:lstStyle/>
+            <a:p>
+              <a:pPr algn="ctr"/>
+              <a:endParaRPr lang="en-US" sz="1000"/>
+            </a:p>
+          </p:txBody>
+        </p:sp>
+        <p:sp>
+          <p:nvSpPr>
+            <p:cNvPr id="133" name="TextBox 132"/>
+            <p:cNvSpPr txBox="1"/>
+            <p:nvPr/>
+          </p:nvSpPr>
+          <p:spPr>
+            <a:xfrm>
+              <a:off x="5926864" y="2594121"/>
+              <a:ext cx="1104477" cy="704580"/>
+            </a:xfrm>
+            <a:prstGeom prst="rect">
+              <a:avLst/>
+            </a:prstGeom>
+            <a:noFill/>
+          </p:spPr>
+          <p:txBody>
+            <a:bodyPr wrap="square" rtlCol="0">
+              <a:spAutoFit/>
+            </a:bodyPr>
+            <a:lstStyle/>
+            <a:p>
+              <a:pPr algn="ctr"/>
+              <a:r>
+                <a:rPr lang="en-US" sz="1000" dirty="0"/>
+                <a:t>single_rarefaction.py</a:t>
+              </a:r>
+              <a:endParaRPr lang="en-US" sz="1000" dirty="0"/>
+            </a:p>
+          </p:txBody>
+        </p:sp>
+      </p:grpSp>
+      <p:cxnSp>
+        <p:nvCxnSpPr>
+          <p:cNvPr id="134" name="Straight Arrow Connector 133"/>
+          <p:cNvCxnSpPr/>
+          <p:nvPr/>
+        </p:nvCxnSpPr>
+        <p:spPr>
+          <a:xfrm>
+            <a:off x="3705312" y="7192417"/>
+            <a:ext cx="0" cy="281095"/>
+          </a:xfrm>
+          <a:prstGeom prst="straightConnector1">
+            <a:avLst/>
+          </a:prstGeom>
+          <a:ln>
+            <a:solidFill>
+              <a:schemeClr val="tx1"/>
+            </a:solidFill>
+            <a:tailEnd type="triangle"/>
+          </a:ln>
+        </p:spPr>
+        <p:style>
+          <a:lnRef idx="1">
+            <a:schemeClr val="accent1"/>
+          </a:lnRef>
+          <a:fillRef idx="0">
+            <a:schemeClr val="accent1"/>
+          </a:fillRef>
+          <a:effectRef idx="0">
+            <a:schemeClr val="accent1"/>
+          </a:effectRef>
+          <a:fontRef idx="minor">
+            <a:schemeClr val="tx1"/>
+          </a:fontRef>
+        </p:style>
+      </p:cxnSp>
+      <p:grpSp>
+        <p:nvGrpSpPr>
+          <p:cNvPr id="11" name="Group 10"/>
+          <p:cNvGrpSpPr/>
+          <p:nvPr/>
+        </p:nvGrpSpPr>
+        <p:grpSpPr>
+          <a:xfrm>
+            <a:off x="3384067" y="7508681"/>
+            <a:ext cx="2004844" cy="427570"/>
+            <a:chOff x="2089284" y="5153748"/>
+            <a:chExt cx="2864068" cy="610818"/>
+          </a:xfrm>
+        </p:grpSpPr>
+        <p:sp>
+          <p:nvSpPr>
+            <p:cNvPr id="135" name="Rectangle 134"/>
+            <p:cNvSpPr/>
+            <p:nvPr/>
+          </p:nvSpPr>
+          <p:spPr>
+            <a:xfrm>
+              <a:off x="2118417" y="5153748"/>
+              <a:ext cx="998295" cy="363982"/>
+            </a:xfrm>
+            <a:prstGeom prst="rect">
+              <a:avLst/>
+            </a:prstGeom>
+            <a:gradFill flip="none" rotWithShape="1">
+              <a:gsLst>
+                <a:gs pos="100000">
+                  <a:schemeClr val="bg1"/>
+                </a:gs>
+                <a:gs pos="50000">
+                  <a:schemeClr val="accent1">
+                    <a:lumMod val="40000"/>
+                    <a:lumOff val="60000"/>
+                  </a:schemeClr>
+                </a:gs>
+                <a:gs pos="0">
+                  <a:schemeClr val="accent1">
+                    <a:lumMod val="40000"/>
+                    <a:lumOff val="60000"/>
+                    <a:shade val="100000"/>
+                    <a:satMod val="115000"/>
+                  </a:schemeClr>
+                </a:gs>
+              </a:gsLst>
+              <a:lin ang="16200000" scaled="1"/>
+              <a:tileRect/>
+            </a:gradFill>
+            <a:ln>
+              <a:solidFill>
+                <a:schemeClr val="tx1"/>
+              </a:solidFill>
+            </a:ln>
+          </p:spPr>
+          <p:style>
+            <a:lnRef idx="2">
+              <a:schemeClr val="accent1">
+                <a:shade val="50000"/>
+              </a:schemeClr>
+            </a:lnRef>
+            <a:fillRef idx="1">
+              <a:schemeClr val="accent1"/>
+            </a:fillRef>
+            <a:effectRef idx="0">
+              <a:schemeClr val="accent1"/>
+            </a:effectRef>
+            <a:fontRef idx="minor">
+              <a:schemeClr val="lt1"/>
+            </a:fontRef>
+          </p:style>
+          <p:txBody>
+            <a:bodyPr rot="0" spcFirstLastPara="0" vertOverflow="overflow" horzOverflow="overflow" vert="horz" wrap="square" lIns="36004" tIns="18003" rIns="36004" bIns="18003" numCol="1" spcCol="0" rtlCol="0" fromWordArt="0" anchor="ctr" anchorCtr="0" forceAA="0" compatLnSpc="1">
+              <a:prstTxWarp prst="textNoShape">
+                <a:avLst/>
+              </a:prstTxWarp>
+              <a:noAutofit/>
+            </a:bodyPr>
+            <a:lstStyle/>
+            <a:p>
+              <a:pPr algn="ctr"/>
+              <a:endParaRPr lang="en-US" sz="1000"/>
+            </a:p>
+          </p:txBody>
+        </p:sp>
+        <p:sp>
+          <p:nvSpPr>
+            <p:cNvPr id="10" name="TextBox 9"/>
+            <p:cNvSpPr txBox="1"/>
+            <p:nvPr/>
+          </p:nvSpPr>
+          <p:spPr>
+            <a:xfrm>
+              <a:off x="2089284" y="5192977"/>
+              <a:ext cx="2864068" cy="571589"/>
+            </a:xfrm>
+            <a:prstGeom prst="rect">
+              <a:avLst/>
+            </a:prstGeom>
+            <a:noFill/>
+          </p:spPr>
+          <p:txBody>
+            <a:bodyPr wrap="none" rtlCol="0">
+              <a:spAutoFit/>
+            </a:bodyPr>
+            <a:lstStyle/>
+            <a:p>
+              <a:r>
+                <a:rPr lang="en-US" sz="1000" dirty="0"/>
+                <a:t>Subsampled “</a:t>
+              </a:r>
+              <a:r>
+                <a:rPr lang="en-US" sz="1000" dirty="0" err="1"/>
+                <a:t>biom</a:t>
+              </a:r>
+              <a:r>
+                <a:rPr lang="en-US" sz="1000" dirty="0"/>
+                <a:t>” OTU table</a:t>
+              </a:r>
+            </a:p>
+            <a:p>
+              <a:pPr algn="ctr"/>
+              <a:r>
+                <a:rPr lang="en-US" sz="1000" b="1" dirty="0" err="1"/>
+                <a:t>otu_table_even.biom</a:t>
+              </a:r>
+              <a:endParaRPr lang="en-US" sz="1000" b="1" dirty="0"/>
+            </a:p>
+          </p:txBody>
+        </p:sp>
+      </p:grpSp>
+      <p:cxnSp>
+        <p:nvCxnSpPr>
+          <p:cNvPr id="14" name="Elbow Connector 13"/>
+          <p:cNvCxnSpPr/>
+          <p:nvPr/>
+        </p:nvCxnSpPr>
+        <p:spPr>
+          <a:xfrm>
+            <a:off x="4138048" y="7641582"/>
+            <a:ext cx="869469" cy="204795"/>
+          </a:xfrm>
+          <a:prstGeom prst="bentConnector3">
+            <a:avLst/>
+          </a:prstGeom>
+          <a:ln>
+            <a:solidFill>
+              <a:schemeClr val="tx1"/>
+            </a:solidFill>
+            <a:tailEnd type="triangle"/>
+          </a:ln>
+        </p:spPr>
+        <p:style>
+          <a:lnRef idx="1">
+            <a:schemeClr val="accent1"/>
+          </a:lnRef>
+          <a:fillRef idx="0">
+            <a:schemeClr val="accent1"/>
+          </a:fillRef>
+          <a:effectRef idx="0">
+            <a:schemeClr val="accent1"/>
+          </a:effectRef>
+          <a:fontRef idx="minor">
+            <a:schemeClr val="tx1"/>
+          </a:fontRef>
+        </p:style>
+      </p:cxnSp>
+      <p:grpSp>
+        <p:nvGrpSpPr>
+          <p:cNvPr id="136" name="Group 135"/>
+          <p:cNvGrpSpPr/>
+          <p:nvPr/>
+        </p:nvGrpSpPr>
+        <p:grpSpPr>
+          <a:xfrm>
+            <a:off x="4982304" y="7743934"/>
+            <a:ext cx="758524" cy="439246"/>
+            <a:chOff x="5926864" y="2525204"/>
+            <a:chExt cx="1104477" cy="773497"/>
+          </a:xfrm>
+        </p:grpSpPr>
+        <p:sp>
+          <p:nvSpPr>
+            <p:cNvPr id="137" name="Oval 136"/>
+            <p:cNvSpPr/>
+            <p:nvPr/>
+          </p:nvSpPr>
+          <p:spPr>
+            <a:xfrm>
+              <a:off x="6010274" y="2525204"/>
+              <a:ext cx="930275" cy="360813"/>
+            </a:xfrm>
+            <a:prstGeom prst="ellipse">
+              <a:avLst/>
+            </a:prstGeom>
+            <a:gradFill flip="none" rotWithShape="1">
+              <a:gsLst>
+                <a:gs pos="0">
+                  <a:srgbClr val="FF6699">
+                    <a:tint val="66000"/>
+                    <a:satMod val="160000"/>
+                  </a:srgbClr>
+                </a:gs>
+                <a:gs pos="50000">
+                  <a:srgbClr val="FF6699">
+                    <a:tint val="44500"/>
+                    <a:satMod val="160000"/>
+                  </a:srgbClr>
+                </a:gs>
+                <a:gs pos="100000">
+                  <a:srgbClr val="FF6699">
+                    <a:tint val="23500"/>
+                    <a:satMod val="160000"/>
+                  </a:srgbClr>
+                </a:gs>
+              </a:gsLst>
+              <a:lin ang="16200000" scaled="1"/>
+              <a:tileRect/>
+            </a:gradFill>
+            <a:ln>
+              <a:solidFill>
+                <a:schemeClr val="tx1"/>
+              </a:solidFill>
+            </a:ln>
+          </p:spPr>
+          <p:style>
+            <a:lnRef idx="2">
+              <a:schemeClr val="accent1">
+                <a:shade val="50000"/>
+              </a:schemeClr>
+            </a:lnRef>
+            <a:fillRef idx="1">
+              <a:schemeClr val="accent1"/>
+            </a:fillRef>
+            <a:effectRef idx="0">
+              <a:schemeClr val="accent1"/>
+            </a:effectRef>
+            <a:fontRef idx="minor">
+              <a:schemeClr val="lt1"/>
+            </a:fontRef>
+          </p:style>
+          <p:txBody>
+            <a:bodyPr rot="0" spcFirstLastPara="0" vertOverflow="overflow" horzOverflow="overflow" vert="horz" wrap="square" lIns="36004" tIns="18003" rIns="36004" bIns="18003" numCol="1" spcCol="0" rtlCol="0" fromWordArt="0" anchor="ctr" anchorCtr="0" forceAA="0" compatLnSpc="1">
+              <a:prstTxWarp prst="textNoShape">
+                <a:avLst/>
+              </a:prstTxWarp>
+              <a:noAutofit/>
+            </a:bodyPr>
+            <a:lstStyle/>
+            <a:p>
+              <a:pPr algn="ctr"/>
+              <a:endParaRPr lang="en-US" sz="1000"/>
+            </a:p>
+          </p:txBody>
+        </p:sp>
+        <p:sp>
+          <p:nvSpPr>
+            <p:cNvPr id="138" name="TextBox 137"/>
+            <p:cNvSpPr txBox="1"/>
+            <p:nvPr/>
+          </p:nvSpPr>
+          <p:spPr>
+            <a:xfrm>
+              <a:off x="5926864" y="2594121"/>
+              <a:ext cx="1104477" cy="704580"/>
+            </a:xfrm>
+            <a:prstGeom prst="rect">
+              <a:avLst/>
+            </a:prstGeom>
+            <a:noFill/>
+          </p:spPr>
+          <p:txBody>
+            <a:bodyPr wrap="square" rtlCol="0">
+              <a:spAutoFit/>
+            </a:bodyPr>
+            <a:lstStyle/>
+            <a:p>
+              <a:pPr algn="ctr"/>
+              <a:r>
+                <a:rPr lang="en-US" sz="1000" dirty="0"/>
+                <a:t>alpha_diversity.py</a:t>
+              </a:r>
+              <a:endParaRPr lang="en-US" sz="1000" dirty="0"/>
+            </a:p>
+          </p:txBody>
+        </p:sp>
+      </p:grpSp>
+      <p:cxnSp>
+        <p:nvCxnSpPr>
+          <p:cNvPr id="139" name="Straight Arrow Connector 138"/>
+          <p:cNvCxnSpPr/>
+          <p:nvPr/>
+        </p:nvCxnSpPr>
+        <p:spPr>
+          <a:xfrm flipH="1">
+            <a:off x="5334412" y="7948827"/>
+            <a:ext cx="2741" cy="215252"/>
+          </a:xfrm>
+          <a:prstGeom prst="straightConnector1">
+            <a:avLst/>
+          </a:prstGeom>
+          <a:ln>
+            <a:solidFill>
+              <a:schemeClr val="tx1"/>
+            </a:solidFill>
+            <a:tailEnd type="triangle"/>
+          </a:ln>
+        </p:spPr>
+        <p:style>
+          <a:lnRef idx="1">
+            <a:schemeClr val="accent1"/>
+          </a:lnRef>
+          <a:fillRef idx="0">
+            <a:schemeClr val="accent1"/>
+          </a:fillRef>
+          <a:effectRef idx="0">
+            <a:schemeClr val="accent1"/>
+          </a:effectRef>
+          <a:fontRef idx="minor">
+            <a:schemeClr val="tx1"/>
+          </a:fontRef>
+        </p:style>
+      </p:cxnSp>
+      <p:grpSp>
+        <p:nvGrpSpPr>
+          <p:cNvPr id="26" name="Group 25"/>
+          <p:cNvGrpSpPr/>
+          <p:nvPr/>
+        </p:nvGrpSpPr>
+        <p:grpSpPr>
+          <a:xfrm>
+            <a:off x="4140672" y="8192493"/>
+            <a:ext cx="2425665" cy="430949"/>
+            <a:chOff x="3170147" y="6130634"/>
+            <a:chExt cx="3465237" cy="615641"/>
+          </a:xfrm>
+        </p:grpSpPr>
+        <p:sp>
+          <p:nvSpPr>
+            <p:cNvPr id="140" name="Rectangle 139"/>
+            <p:cNvSpPr/>
+            <p:nvPr/>
+          </p:nvSpPr>
+          <p:spPr>
+            <a:xfrm>
+              <a:off x="4228572" y="6130634"/>
+              <a:ext cx="1348386" cy="352797"/>
+            </a:xfrm>
+            <a:prstGeom prst="rect">
+              <a:avLst/>
+            </a:prstGeom>
+            <a:gradFill flip="none" rotWithShape="1">
+              <a:gsLst>
+                <a:gs pos="100000">
+                  <a:schemeClr val="bg1"/>
+                </a:gs>
+                <a:gs pos="50000">
+                  <a:schemeClr val="accent1">
+                    <a:lumMod val="40000"/>
+                    <a:lumOff val="60000"/>
+                  </a:schemeClr>
+                </a:gs>
+                <a:gs pos="0">
+                  <a:schemeClr val="accent1">
+                    <a:lumMod val="40000"/>
+                    <a:lumOff val="60000"/>
+                    <a:shade val="100000"/>
+                    <a:satMod val="115000"/>
+                  </a:schemeClr>
+                </a:gs>
+              </a:gsLst>
+              <a:lin ang="16200000" scaled="1"/>
+              <a:tileRect/>
+            </a:gradFill>
+            <a:ln>
+              <a:solidFill>
+                <a:schemeClr val="tx1"/>
+              </a:solidFill>
+            </a:ln>
+          </p:spPr>
+          <p:style>
+            <a:lnRef idx="2">
+              <a:schemeClr val="accent1">
+                <a:shade val="50000"/>
+              </a:schemeClr>
+            </a:lnRef>
+            <a:fillRef idx="1">
+              <a:schemeClr val="accent1"/>
+            </a:fillRef>
+            <a:effectRef idx="0">
+              <a:schemeClr val="accent1"/>
+            </a:effectRef>
+            <a:fontRef idx="minor">
+              <a:schemeClr val="lt1"/>
+            </a:fontRef>
+          </p:style>
+          <p:txBody>
+            <a:bodyPr rot="0" spcFirstLastPara="0" vertOverflow="overflow" horzOverflow="overflow" vert="horz" wrap="square" lIns="36004" tIns="18003" rIns="36004" bIns="18003" numCol="1" spcCol="0" rtlCol="0" fromWordArt="0" anchor="ctr" anchorCtr="0" forceAA="0" compatLnSpc="1">
+              <a:prstTxWarp prst="textNoShape">
+                <a:avLst/>
+              </a:prstTxWarp>
+              <a:noAutofit/>
+            </a:bodyPr>
+            <a:lstStyle/>
+            <a:p>
+              <a:pPr algn="ctr"/>
+              <a:endParaRPr lang="en-US" sz="1000"/>
+            </a:p>
+          </p:txBody>
+        </p:sp>
+        <p:sp>
+          <p:nvSpPr>
+            <p:cNvPr id="16" name="TextBox 15"/>
+            <p:cNvSpPr txBox="1"/>
+            <p:nvPr/>
+          </p:nvSpPr>
+          <p:spPr>
+            <a:xfrm>
+              <a:off x="3170147" y="6174690"/>
+              <a:ext cx="3465237" cy="571585"/>
+            </a:xfrm>
+            <a:prstGeom prst="rect">
+              <a:avLst/>
+            </a:prstGeom>
+            <a:noFill/>
+          </p:spPr>
+          <p:txBody>
+            <a:bodyPr wrap="none" rtlCol="0">
+              <a:spAutoFit/>
+            </a:bodyPr>
+            <a:lstStyle/>
+            <a:p>
+              <a:pPr algn="ctr"/>
+              <a:r>
+                <a:rPr lang="en-US" sz="1000" dirty="0"/>
+                <a:t>Summary of alpha diversity per community</a:t>
+              </a:r>
+            </a:p>
+            <a:p>
+              <a:pPr algn="ctr"/>
+              <a:r>
+                <a:rPr lang="en-US" sz="1000" b="1" dirty="0"/>
+                <a:t>alpha_diversity_even.txt</a:t>
+              </a:r>
+            </a:p>
+          </p:txBody>
+        </p:sp>
+      </p:grpSp>
+      <p:grpSp>
+        <p:nvGrpSpPr>
+          <p:cNvPr id="141" name="Group 140"/>
+          <p:cNvGrpSpPr/>
+          <p:nvPr/>
+        </p:nvGrpSpPr>
+        <p:grpSpPr>
+          <a:xfrm>
+            <a:off x="3903771" y="7999898"/>
+            <a:ext cx="758524" cy="439246"/>
+            <a:chOff x="5926864" y="2525204"/>
+            <a:chExt cx="1104477" cy="773497"/>
+          </a:xfrm>
+        </p:grpSpPr>
+        <p:sp>
+          <p:nvSpPr>
+            <p:cNvPr id="142" name="Oval 141"/>
+            <p:cNvSpPr/>
+            <p:nvPr/>
+          </p:nvSpPr>
+          <p:spPr>
+            <a:xfrm>
+              <a:off x="6010274" y="2525204"/>
+              <a:ext cx="930275" cy="360813"/>
+            </a:xfrm>
+            <a:prstGeom prst="ellipse">
+              <a:avLst/>
+            </a:prstGeom>
+            <a:gradFill flip="none" rotWithShape="1">
+              <a:gsLst>
+                <a:gs pos="0">
+                  <a:srgbClr val="FF6699">
+                    <a:tint val="66000"/>
+                    <a:satMod val="160000"/>
+                  </a:srgbClr>
+                </a:gs>
+                <a:gs pos="50000">
+                  <a:srgbClr val="FF6699">
+                    <a:tint val="44500"/>
+                    <a:satMod val="160000"/>
+                  </a:srgbClr>
+                </a:gs>
+                <a:gs pos="100000">
+                  <a:srgbClr val="FF6699">
+                    <a:tint val="23500"/>
+                    <a:satMod val="160000"/>
+                  </a:srgbClr>
+                </a:gs>
+              </a:gsLst>
+              <a:lin ang="16200000" scaled="1"/>
+              <a:tileRect/>
+            </a:gradFill>
+            <a:ln>
+              <a:solidFill>
+                <a:schemeClr val="tx1"/>
+              </a:solidFill>
+            </a:ln>
+          </p:spPr>
+          <p:style>
+            <a:lnRef idx="2">
+              <a:schemeClr val="accent1">
+                <a:shade val="50000"/>
+              </a:schemeClr>
+            </a:lnRef>
+            <a:fillRef idx="1">
+              <a:schemeClr val="accent1"/>
+            </a:fillRef>
+            <a:effectRef idx="0">
+              <a:schemeClr val="accent1"/>
+            </a:effectRef>
+            <a:fontRef idx="minor">
+              <a:schemeClr val="lt1"/>
+            </a:fontRef>
+          </p:style>
+          <p:txBody>
+            <a:bodyPr rot="0" spcFirstLastPara="0" vertOverflow="overflow" horzOverflow="overflow" vert="horz" wrap="square" lIns="36004" tIns="18003" rIns="36004" bIns="18003" numCol="1" spcCol="0" rtlCol="0" fromWordArt="0" anchor="ctr" anchorCtr="0" forceAA="0" compatLnSpc="1">
+              <a:prstTxWarp prst="textNoShape">
+                <a:avLst/>
+              </a:prstTxWarp>
+              <a:noAutofit/>
+            </a:bodyPr>
+            <a:lstStyle/>
+            <a:p>
+              <a:pPr algn="ctr"/>
+              <a:endParaRPr lang="en-US" sz="1000"/>
+            </a:p>
+          </p:txBody>
+        </p:sp>
+        <p:sp>
+          <p:nvSpPr>
+            <p:cNvPr id="143" name="TextBox 142"/>
+            <p:cNvSpPr txBox="1"/>
+            <p:nvPr/>
+          </p:nvSpPr>
+          <p:spPr>
+            <a:xfrm>
+              <a:off x="5926864" y="2594121"/>
+              <a:ext cx="1104477" cy="704580"/>
+            </a:xfrm>
+            <a:prstGeom prst="rect">
+              <a:avLst/>
+            </a:prstGeom>
+            <a:noFill/>
+          </p:spPr>
+          <p:txBody>
+            <a:bodyPr wrap="square" rtlCol="0">
+              <a:spAutoFit/>
+            </a:bodyPr>
+            <a:lstStyle/>
+            <a:p>
+              <a:pPr algn="ctr"/>
+              <a:r>
+                <a:rPr lang="en-US" sz="1000" dirty="0"/>
+                <a:t>beta_diversity.py</a:t>
+              </a:r>
+              <a:endParaRPr lang="en-US" sz="1000" dirty="0"/>
+            </a:p>
+          </p:txBody>
+        </p:sp>
+      </p:grpSp>
+      <p:grpSp>
+        <p:nvGrpSpPr>
+          <p:cNvPr id="144" name="Group 143"/>
+          <p:cNvGrpSpPr/>
+          <p:nvPr/>
+        </p:nvGrpSpPr>
+        <p:grpSpPr>
+          <a:xfrm>
+            <a:off x="2471127" y="7970357"/>
+            <a:ext cx="948684" cy="593134"/>
+            <a:chOff x="5926864" y="2525204"/>
+            <a:chExt cx="1104477" cy="1044488"/>
+          </a:xfrm>
+        </p:grpSpPr>
+        <p:sp>
+          <p:nvSpPr>
+            <p:cNvPr id="145" name="Oval 144"/>
+            <p:cNvSpPr/>
+            <p:nvPr/>
+          </p:nvSpPr>
+          <p:spPr>
+            <a:xfrm>
+              <a:off x="6010274" y="2525204"/>
+              <a:ext cx="930275" cy="360813"/>
+            </a:xfrm>
+            <a:prstGeom prst="ellipse">
+              <a:avLst/>
+            </a:prstGeom>
+            <a:gradFill flip="none" rotWithShape="1">
+              <a:gsLst>
+                <a:gs pos="0">
+                  <a:srgbClr val="FF6699">
+                    <a:tint val="66000"/>
+                    <a:satMod val="160000"/>
+                  </a:srgbClr>
+                </a:gs>
+                <a:gs pos="50000">
+                  <a:srgbClr val="FF6699">
+                    <a:tint val="44500"/>
+                    <a:satMod val="160000"/>
+                  </a:srgbClr>
+                </a:gs>
+                <a:gs pos="100000">
+                  <a:srgbClr val="FF6699">
+                    <a:tint val="23500"/>
+                    <a:satMod val="160000"/>
+                  </a:srgbClr>
+                </a:gs>
+              </a:gsLst>
+              <a:lin ang="16200000" scaled="1"/>
+              <a:tileRect/>
+            </a:gradFill>
+            <a:ln>
+              <a:solidFill>
+                <a:schemeClr val="tx1"/>
+              </a:solidFill>
+            </a:ln>
+          </p:spPr>
+          <p:style>
+            <a:lnRef idx="2">
+              <a:schemeClr val="accent1">
+                <a:shade val="50000"/>
+              </a:schemeClr>
+            </a:lnRef>
+            <a:fillRef idx="1">
+              <a:schemeClr val="accent1"/>
+            </a:fillRef>
+            <a:effectRef idx="0">
+              <a:schemeClr val="accent1"/>
+            </a:effectRef>
+            <a:fontRef idx="minor">
+              <a:schemeClr val="lt1"/>
+            </a:fontRef>
+          </p:style>
+          <p:txBody>
+            <a:bodyPr rot="0" spcFirstLastPara="0" vertOverflow="overflow" horzOverflow="overflow" vert="horz" wrap="square" lIns="36004" tIns="18003" rIns="36004" bIns="18003" numCol="1" spcCol="0" rtlCol="0" fromWordArt="0" anchor="ctr" anchorCtr="0" forceAA="0" compatLnSpc="1">
+              <a:prstTxWarp prst="textNoShape">
+                <a:avLst/>
+              </a:prstTxWarp>
+              <a:noAutofit/>
+            </a:bodyPr>
+            <a:lstStyle/>
+            <a:p>
+              <a:pPr algn="ctr"/>
+              <a:endParaRPr lang="en-US" sz="1000"/>
+            </a:p>
+          </p:txBody>
+        </p:sp>
+        <p:sp>
+          <p:nvSpPr>
+            <p:cNvPr id="146" name="TextBox 145"/>
+            <p:cNvSpPr txBox="1"/>
+            <p:nvPr/>
+          </p:nvSpPr>
+          <p:spPr>
+            <a:xfrm>
+              <a:off x="5926864" y="2594121"/>
+              <a:ext cx="1104477" cy="975571"/>
+            </a:xfrm>
+            <a:prstGeom prst="rect">
+              <a:avLst/>
+            </a:prstGeom>
+            <a:noFill/>
+          </p:spPr>
+          <p:txBody>
+            <a:bodyPr wrap="square" rtlCol="0">
+              <a:spAutoFit/>
+            </a:bodyPr>
+            <a:lstStyle/>
+            <a:p>
+              <a:pPr algn="ctr"/>
+              <a:r>
+                <a:rPr lang="en-US" sz="1000" dirty="0"/>
+                <a:t>Summarize_taxa_through_plots.py</a:t>
+              </a:r>
+              <a:endParaRPr lang="en-US" sz="1000" dirty="0"/>
+            </a:p>
+          </p:txBody>
+        </p:sp>
+      </p:grpSp>
+      <p:grpSp>
+        <p:nvGrpSpPr>
+          <p:cNvPr id="147" name="Group 146"/>
+          <p:cNvGrpSpPr/>
+          <p:nvPr/>
+        </p:nvGrpSpPr>
+        <p:grpSpPr>
+          <a:xfrm>
+            <a:off x="2333227" y="7556234"/>
+            <a:ext cx="758524" cy="439246"/>
+            <a:chOff x="5926864" y="2525204"/>
+            <a:chExt cx="1104477" cy="773497"/>
+          </a:xfrm>
+        </p:grpSpPr>
+        <p:sp>
+          <p:nvSpPr>
+            <p:cNvPr id="148" name="Oval 147"/>
+            <p:cNvSpPr/>
+            <p:nvPr/>
+          </p:nvSpPr>
+          <p:spPr>
+            <a:xfrm>
+              <a:off x="6010274" y="2525204"/>
+              <a:ext cx="930275" cy="360813"/>
+            </a:xfrm>
+            <a:prstGeom prst="ellipse">
+              <a:avLst/>
+            </a:prstGeom>
+            <a:gradFill flip="none" rotWithShape="1">
+              <a:gsLst>
+                <a:gs pos="0">
+                  <a:srgbClr val="FF6699">
+                    <a:tint val="66000"/>
+                    <a:satMod val="160000"/>
+                  </a:srgbClr>
+                </a:gs>
+                <a:gs pos="50000">
+                  <a:srgbClr val="FF6699">
+                    <a:tint val="44500"/>
+                    <a:satMod val="160000"/>
+                  </a:srgbClr>
+                </a:gs>
+                <a:gs pos="100000">
+                  <a:srgbClr val="FF6699">
+                    <a:tint val="23500"/>
+                    <a:satMod val="160000"/>
+                  </a:srgbClr>
+                </a:gs>
+              </a:gsLst>
+              <a:lin ang="16200000" scaled="1"/>
+              <a:tileRect/>
+            </a:gradFill>
+            <a:ln>
+              <a:solidFill>
+                <a:schemeClr val="tx1"/>
+              </a:solidFill>
+            </a:ln>
+          </p:spPr>
+          <p:style>
+            <a:lnRef idx="2">
+              <a:schemeClr val="accent1">
+                <a:shade val="50000"/>
+              </a:schemeClr>
+            </a:lnRef>
+            <a:fillRef idx="1">
+              <a:schemeClr val="accent1"/>
+            </a:fillRef>
+            <a:effectRef idx="0">
+              <a:schemeClr val="accent1"/>
+            </a:effectRef>
+            <a:fontRef idx="minor">
+              <a:schemeClr val="lt1"/>
+            </a:fontRef>
+          </p:style>
+          <p:txBody>
+            <a:bodyPr rot="0" spcFirstLastPara="0" vertOverflow="overflow" horzOverflow="overflow" vert="horz" wrap="square" lIns="36004" tIns="18003" rIns="36004" bIns="18003" numCol="1" spcCol="0" rtlCol="0" fromWordArt="0" anchor="ctr" anchorCtr="0" forceAA="0" compatLnSpc="1">
+              <a:prstTxWarp prst="textNoShape">
+                <a:avLst/>
+              </a:prstTxWarp>
+              <a:noAutofit/>
+            </a:bodyPr>
+            <a:lstStyle/>
+            <a:p>
+              <a:pPr algn="ctr"/>
+              <a:endParaRPr lang="en-US" sz="709"/>
+            </a:p>
+          </p:txBody>
+        </p:sp>
+        <p:sp>
+          <p:nvSpPr>
+            <p:cNvPr id="149" name="TextBox 148"/>
+            <p:cNvSpPr txBox="1"/>
+            <p:nvPr/>
+          </p:nvSpPr>
+          <p:spPr>
+            <a:xfrm>
+              <a:off x="5926864" y="2594121"/>
+              <a:ext cx="1104477" cy="704580"/>
+            </a:xfrm>
+            <a:prstGeom prst="rect">
+              <a:avLst/>
+            </a:prstGeom>
+            <a:noFill/>
+          </p:spPr>
+          <p:txBody>
+            <a:bodyPr wrap="square" rtlCol="0">
+              <a:spAutoFit/>
+            </a:bodyPr>
+            <a:lstStyle/>
+            <a:p>
+              <a:pPr algn="ctr"/>
+              <a:r>
+                <a:rPr lang="en-US" sz="1000" dirty="0" err="1"/>
+                <a:t>biom</a:t>
+              </a:r>
+              <a:r>
+                <a:rPr lang="en-US" sz="1000" dirty="0"/>
+                <a:t> convert</a:t>
+              </a:r>
+              <a:endParaRPr lang="en-US" sz="1000" dirty="0"/>
+            </a:p>
+          </p:txBody>
+        </p:sp>
+      </p:grpSp>
+      <p:cxnSp>
+        <p:nvCxnSpPr>
+          <p:cNvPr id="150" name="Straight Arrow Connector 149"/>
+          <p:cNvCxnSpPr/>
+          <p:nvPr/>
+        </p:nvCxnSpPr>
+        <p:spPr>
+          <a:xfrm>
+            <a:off x="4029856" y="7804089"/>
+            <a:ext cx="113568" cy="206576"/>
+          </a:xfrm>
+          <a:prstGeom prst="straightConnector1">
+            <a:avLst/>
+          </a:prstGeom>
+          <a:ln>
+            <a:solidFill>
+              <a:schemeClr val="tx1"/>
+            </a:solidFill>
+            <a:tailEnd type="triangle"/>
+          </a:ln>
+        </p:spPr>
+        <p:style>
+          <a:lnRef idx="1">
+            <a:schemeClr val="accent1"/>
+          </a:lnRef>
+          <a:fillRef idx="0">
+            <a:schemeClr val="accent1"/>
+          </a:fillRef>
+          <a:effectRef idx="0">
+            <a:schemeClr val="accent1"/>
+          </a:effectRef>
+          <a:fontRef idx="minor">
+            <a:schemeClr val="tx1"/>
+          </a:fontRef>
+        </p:style>
+      </p:cxnSp>
+      <p:cxnSp>
+        <p:nvCxnSpPr>
+          <p:cNvPr id="151" name="Straight Arrow Connector 150"/>
+          <p:cNvCxnSpPr/>
+          <p:nvPr/>
+        </p:nvCxnSpPr>
+        <p:spPr>
+          <a:xfrm>
+            <a:off x="4280499" y="8208610"/>
+            <a:ext cx="1" cy="214741"/>
+          </a:xfrm>
+          <a:prstGeom prst="straightConnector1">
+            <a:avLst/>
+          </a:prstGeom>
+          <a:ln>
+            <a:solidFill>
+              <a:schemeClr val="tx1"/>
+            </a:solidFill>
+            <a:tailEnd type="triangle"/>
+          </a:ln>
+        </p:spPr>
+        <p:style>
+          <a:lnRef idx="1">
+            <a:schemeClr val="accent1"/>
+          </a:lnRef>
+          <a:fillRef idx="0">
+            <a:schemeClr val="accent1"/>
+          </a:fillRef>
+          <a:effectRef idx="0">
+            <a:schemeClr val="accent1"/>
+          </a:effectRef>
+          <a:fontRef idx="minor">
+            <a:schemeClr val="tx1"/>
+          </a:fontRef>
+        </p:style>
+      </p:cxnSp>
+      <p:cxnSp>
+        <p:nvCxnSpPr>
+          <p:cNvPr id="152" name="Straight Arrow Connector 151"/>
+          <p:cNvCxnSpPr/>
+          <p:nvPr/>
+        </p:nvCxnSpPr>
+        <p:spPr>
+          <a:xfrm flipH="1">
+            <a:off x="3783821" y="8563028"/>
+            <a:ext cx="150267" cy="202769"/>
+          </a:xfrm>
+          <a:prstGeom prst="straightConnector1">
+            <a:avLst/>
+          </a:prstGeom>
+          <a:ln>
+            <a:solidFill>
+              <a:schemeClr val="tx1"/>
+            </a:solidFill>
+            <a:tailEnd type="triangle"/>
+          </a:ln>
+        </p:spPr>
+        <p:style>
+          <a:lnRef idx="1">
+            <a:schemeClr val="accent1"/>
+          </a:lnRef>
+          <a:fillRef idx="0">
+            <a:schemeClr val="accent1"/>
+          </a:fillRef>
+          <a:effectRef idx="0">
+            <a:schemeClr val="accent1"/>
+          </a:effectRef>
+          <a:fontRef idx="minor">
+            <a:schemeClr val="tx1"/>
+          </a:fontRef>
+        </p:style>
+      </p:cxnSp>
+      <p:cxnSp>
+        <p:nvCxnSpPr>
+          <p:cNvPr id="153" name="Straight Arrow Connector 152"/>
+          <p:cNvCxnSpPr>
+            <a:endCxn id="142" idx="7"/>
+          </p:cNvCxnSpPr>
+          <p:nvPr/>
+        </p:nvCxnSpPr>
+        <p:spPr>
+          <a:xfrm flipH="1">
+            <a:off x="4506379" y="6893537"/>
+            <a:ext cx="944652" cy="1136364"/>
+          </a:xfrm>
+          <a:prstGeom prst="straightConnector1">
+            <a:avLst/>
+          </a:prstGeom>
+          <a:ln>
+            <a:solidFill>
+              <a:schemeClr val="tx1"/>
+            </a:solidFill>
+            <a:tailEnd type="triangle"/>
+          </a:ln>
+        </p:spPr>
+        <p:style>
+          <a:lnRef idx="1">
+            <a:schemeClr val="accent1"/>
+          </a:lnRef>
+          <a:fillRef idx="0">
+            <a:schemeClr val="accent1"/>
+          </a:fillRef>
+          <a:effectRef idx="0">
+            <a:schemeClr val="accent1"/>
+          </a:effectRef>
+          <a:fontRef idx="minor">
+            <a:schemeClr val="tx1"/>
+          </a:fontRef>
+        </p:style>
+      </p:cxnSp>
+      <p:grpSp>
+        <p:nvGrpSpPr>
+          <p:cNvPr id="154" name="Group 153"/>
+          <p:cNvGrpSpPr/>
+          <p:nvPr/>
+        </p:nvGrpSpPr>
+        <p:grpSpPr>
+          <a:xfrm>
+            <a:off x="3324443" y="8447882"/>
+            <a:ext cx="1996059" cy="430949"/>
+            <a:chOff x="3086772" y="6130634"/>
+            <a:chExt cx="3658263" cy="615641"/>
+          </a:xfrm>
+        </p:grpSpPr>
+        <p:sp>
+          <p:nvSpPr>
+            <p:cNvPr id="155" name="Rectangle 154"/>
+            <p:cNvSpPr/>
+            <p:nvPr/>
+          </p:nvSpPr>
+          <p:spPr>
+            <a:xfrm>
+              <a:off x="4228572" y="6130634"/>
+              <a:ext cx="1348386" cy="352797"/>
+            </a:xfrm>
+            <a:prstGeom prst="rect">
+              <a:avLst/>
+            </a:prstGeom>
+            <a:gradFill flip="none" rotWithShape="1">
+              <a:gsLst>
+                <a:gs pos="100000">
+                  <a:schemeClr val="bg1"/>
+                </a:gs>
+                <a:gs pos="50000">
+                  <a:schemeClr val="accent1">
+                    <a:lumMod val="40000"/>
+                    <a:lumOff val="60000"/>
+                  </a:schemeClr>
+                </a:gs>
+                <a:gs pos="0">
+                  <a:schemeClr val="accent1">
+                    <a:lumMod val="40000"/>
+                    <a:lumOff val="60000"/>
+                    <a:shade val="100000"/>
+                    <a:satMod val="115000"/>
+                  </a:schemeClr>
+                </a:gs>
+              </a:gsLst>
+              <a:lin ang="16200000" scaled="1"/>
+              <a:tileRect/>
+            </a:gradFill>
+            <a:ln>
+              <a:solidFill>
+                <a:schemeClr val="tx1"/>
+              </a:solidFill>
+            </a:ln>
+          </p:spPr>
+          <p:style>
+            <a:lnRef idx="2">
+              <a:schemeClr val="accent1">
+                <a:shade val="50000"/>
+              </a:schemeClr>
+            </a:lnRef>
+            <a:fillRef idx="1">
+              <a:schemeClr val="accent1"/>
+            </a:fillRef>
+            <a:effectRef idx="0">
+              <a:schemeClr val="accent1"/>
+            </a:effectRef>
+            <a:fontRef idx="minor">
+              <a:schemeClr val="lt1"/>
+            </a:fontRef>
+          </p:style>
+          <p:txBody>
+            <a:bodyPr rot="0" spcFirstLastPara="0" vertOverflow="overflow" horzOverflow="overflow" vert="horz" wrap="square" lIns="36004" tIns="18003" rIns="36004" bIns="18003" numCol="1" spcCol="0" rtlCol="0" fromWordArt="0" anchor="ctr" anchorCtr="0" forceAA="0" compatLnSpc="1">
+              <a:prstTxWarp prst="textNoShape">
+                <a:avLst/>
+              </a:prstTxWarp>
+              <a:noAutofit/>
+            </a:bodyPr>
+            <a:lstStyle/>
+            <a:p>
+              <a:pPr algn="ctr"/>
+              <a:endParaRPr lang="en-US" sz="1000"/>
+            </a:p>
+          </p:txBody>
+        </p:sp>
+        <p:sp>
+          <p:nvSpPr>
+            <p:cNvPr id="156" name="TextBox 155"/>
+            <p:cNvSpPr txBox="1"/>
+            <p:nvPr/>
+          </p:nvSpPr>
+          <p:spPr>
+            <a:xfrm>
+              <a:off x="3086772" y="6174690"/>
+              <a:ext cx="3658263" cy="571585"/>
+            </a:xfrm>
+            <a:prstGeom prst="rect">
+              <a:avLst/>
+            </a:prstGeom>
+            <a:noFill/>
+          </p:spPr>
+          <p:txBody>
+            <a:bodyPr wrap="none" rtlCol="0">
+              <a:spAutoFit/>
+            </a:bodyPr>
+            <a:lstStyle/>
+            <a:p>
+              <a:pPr algn="ctr"/>
+              <a:r>
+                <a:rPr lang="en-US" sz="1000" dirty="0"/>
+                <a:t>Resemblance matrix (e.g., </a:t>
+              </a:r>
+              <a:r>
+                <a:rPr lang="en-US" sz="1000" dirty="0" err="1"/>
+                <a:t>UniFrac</a:t>
+              </a:r>
+              <a:r>
+                <a:rPr lang="en-US" sz="1000" dirty="0"/>
+                <a:t>)</a:t>
+              </a:r>
+            </a:p>
+            <a:p>
+              <a:pPr algn="ctr"/>
+              <a:r>
+                <a:rPr lang="en-US" sz="1000" b="1" dirty="0"/>
+                <a:t>unifrac.txt</a:t>
+              </a:r>
+            </a:p>
+          </p:txBody>
+        </p:sp>
+      </p:grpSp>
+      <p:grpSp>
+        <p:nvGrpSpPr>
+          <p:cNvPr id="157" name="Group 156"/>
+          <p:cNvGrpSpPr/>
+          <p:nvPr/>
+        </p:nvGrpSpPr>
+        <p:grpSpPr>
+          <a:xfrm>
+            <a:off x="3484637" y="9192330"/>
+            <a:ext cx="1856371" cy="562825"/>
+            <a:chOff x="5915384" y="2525204"/>
+            <a:chExt cx="1104477" cy="360813"/>
+          </a:xfrm>
+        </p:grpSpPr>
+        <p:sp>
+          <p:nvSpPr>
+            <p:cNvPr id="158" name="Oval 157"/>
+            <p:cNvSpPr/>
+            <p:nvPr/>
+          </p:nvSpPr>
+          <p:spPr>
+            <a:xfrm>
+              <a:off x="6010274" y="2525204"/>
+              <a:ext cx="930275" cy="360813"/>
+            </a:xfrm>
+            <a:prstGeom prst="ellipse">
+              <a:avLst/>
+            </a:prstGeom>
+            <a:gradFill flip="none" rotWithShape="1">
+              <a:gsLst>
+                <a:gs pos="0">
+                  <a:srgbClr val="FF6699">
+                    <a:tint val="66000"/>
+                    <a:satMod val="160000"/>
+                  </a:srgbClr>
+                </a:gs>
+                <a:gs pos="50000">
+                  <a:srgbClr val="FF6699">
+                    <a:tint val="44500"/>
+                    <a:satMod val="160000"/>
+                  </a:srgbClr>
+                </a:gs>
+                <a:gs pos="100000">
+                  <a:srgbClr val="FF6699">
+                    <a:tint val="23500"/>
+                    <a:satMod val="160000"/>
+                  </a:srgbClr>
+                </a:gs>
+              </a:gsLst>
+              <a:lin ang="16200000" scaled="1"/>
+              <a:tileRect/>
+            </a:gradFill>
+            <a:ln>
+              <a:solidFill>
+                <a:schemeClr val="tx1"/>
+              </a:solidFill>
+            </a:ln>
+          </p:spPr>
+          <p:style>
+            <a:lnRef idx="2">
+              <a:schemeClr val="accent1">
+                <a:shade val="50000"/>
+              </a:schemeClr>
+            </a:lnRef>
+            <a:fillRef idx="1">
+              <a:schemeClr val="accent1"/>
+            </a:fillRef>
+            <a:effectRef idx="0">
+              <a:schemeClr val="accent1"/>
+            </a:effectRef>
+            <a:fontRef idx="minor">
+              <a:schemeClr val="lt1"/>
+            </a:fontRef>
+          </p:style>
+          <p:txBody>
+            <a:bodyPr rot="0" spcFirstLastPara="0" vertOverflow="overflow" horzOverflow="overflow" vert="horz" wrap="square" lIns="36004" tIns="18003" rIns="36004" bIns="18003" numCol="1" spcCol="0" rtlCol="0" fromWordArt="0" anchor="ctr" anchorCtr="0" forceAA="0" compatLnSpc="1">
+              <a:prstTxWarp prst="textNoShape">
+                <a:avLst/>
+              </a:prstTxWarp>
+              <a:noAutofit/>
+            </a:bodyPr>
+            <a:lstStyle/>
+            <a:p>
+              <a:pPr algn="ctr"/>
+              <a:endParaRPr lang="en-US" sz="709"/>
+            </a:p>
+          </p:txBody>
+        </p:sp>
+        <p:sp>
+          <p:nvSpPr>
+            <p:cNvPr id="159" name="TextBox 158"/>
+            <p:cNvSpPr txBox="1"/>
+            <p:nvPr/>
+          </p:nvSpPr>
+          <p:spPr>
+            <a:xfrm>
+              <a:off x="5915384" y="2624669"/>
+              <a:ext cx="1104477" cy="138116"/>
+            </a:xfrm>
+            <a:prstGeom prst="rect">
+              <a:avLst/>
+            </a:prstGeom>
+            <a:noFill/>
+          </p:spPr>
+          <p:txBody>
+            <a:bodyPr wrap="square" rtlCol="0">
+              <a:spAutoFit/>
+            </a:bodyPr>
+            <a:lstStyle/>
+            <a:p>
+              <a:pPr algn="ctr"/>
+              <a:r>
+                <a:rPr lang="en-US" sz="800" dirty="0" smtClean="0"/>
+                <a:t>principal_coordinates.py</a:t>
+              </a:r>
+              <a:endParaRPr lang="en-US" sz="395" dirty="0"/>
+            </a:p>
+          </p:txBody>
+        </p:sp>
+      </p:grpSp>
+      <p:cxnSp>
+        <p:nvCxnSpPr>
+          <p:cNvPr id="29" name="Elbow Connector 28"/>
+          <p:cNvCxnSpPr/>
+          <p:nvPr/>
+        </p:nvCxnSpPr>
+        <p:spPr>
+          <a:xfrm flipV="1">
+            <a:off x="4437383" y="9589567"/>
+            <a:ext cx="2128212" cy="1294429"/>
+          </a:xfrm>
+          <a:prstGeom prst="bentConnector3">
+            <a:avLst/>
+          </a:prstGeom>
+          <a:ln>
+            <a:solidFill>
+              <a:schemeClr val="tx1"/>
+            </a:solidFill>
+            <a:tailEnd type="triangle"/>
+          </a:ln>
+        </p:spPr>
+        <p:style>
+          <a:lnRef idx="1">
+            <a:schemeClr val="accent1"/>
+          </a:lnRef>
+          <a:fillRef idx="0">
+            <a:schemeClr val="accent1"/>
+          </a:fillRef>
+          <a:effectRef idx="0">
+            <a:schemeClr val="accent1"/>
+          </a:effectRef>
+          <a:fontRef idx="minor">
+            <a:schemeClr val="tx1"/>
+          </a:fontRef>
+        </p:style>
+      </p:cxnSp>
+      <p:grpSp>
+        <p:nvGrpSpPr>
+          <p:cNvPr id="160" name="Group 159"/>
+          <p:cNvGrpSpPr/>
+          <p:nvPr/>
+        </p:nvGrpSpPr>
+        <p:grpSpPr>
+          <a:xfrm>
+            <a:off x="6501226" y="9407027"/>
+            <a:ext cx="1227683" cy="858706"/>
+            <a:chOff x="5926864" y="2525204"/>
+            <a:chExt cx="1104477" cy="773497"/>
+          </a:xfrm>
+        </p:grpSpPr>
+        <p:sp>
+          <p:nvSpPr>
+            <p:cNvPr id="161" name="Oval 160"/>
+            <p:cNvSpPr/>
+            <p:nvPr/>
+          </p:nvSpPr>
+          <p:spPr>
+            <a:xfrm>
+              <a:off x="6010274" y="2525204"/>
+              <a:ext cx="930275" cy="360813"/>
+            </a:xfrm>
+            <a:prstGeom prst="ellipse">
+              <a:avLst/>
+            </a:prstGeom>
+            <a:gradFill flip="none" rotWithShape="1">
+              <a:gsLst>
+                <a:gs pos="0">
+                  <a:srgbClr val="FF6699">
+                    <a:tint val="66000"/>
+                    <a:satMod val="160000"/>
+                  </a:srgbClr>
+                </a:gs>
+                <a:gs pos="50000">
+                  <a:srgbClr val="FF6699">
+                    <a:tint val="44500"/>
+                    <a:satMod val="160000"/>
+                  </a:srgbClr>
+                </a:gs>
+                <a:gs pos="100000">
+                  <a:srgbClr val="FF6699">
+                    <a:tint val="23500"/>
+                    <a:satMod val="160000"/>
+                  </a:srgbClr>
+                </a:gs>
+              </a:gsLst>
+              <a:lin ang="16200000" scaled="1"/>
+              <a:tileRect/>
+            </a:gradFill>
+            <a:ln>
+              <a:solidFill>
+                <a:schemeClr val="tx1"/>
+              </a:solidFill>
+            </a:ln>
+          </p:spPr>
+          <p:style>
+            <a:lnRef idx="2">
+              <a:schemeClr val="accent1">
+                <a:shade val="50000"/>
+              </a:schemeClr>
+            </a:lnRef>
+            <a:fillRef idx="1">
+              <a:schemeClr val="accent1"/>
+            </a:fillRef>
+            <a:effectRef idx="0">
+              <a:schemeClr val="accent1"/>
+            </a:effectRef>
+            <a:fontRef idx="minor">
+              <a:schemeClr val="lt1"/>
+            </a:fontRef>
+          </p:style>
+          <p:txBody>
+            <a:bodyPr rot="0" spcFirstLastPara="0" vertOverflow="overflow" horzOverflow="overflow" vert="horz" wrap="square" lIns="36004" tIns="18003" rIns="36004" bIns="18003" numCol="1" spcCol="0" rtlCol="0" fromWordArt="0" anchor="ctr" anchorCtr="0" forceAA="0" compatLnSpc="1">
+              <a:prstTxWarp prst="textNoShape">
+                <a:avLst/>
+              </a:prstTxWarp>
+              <a:noAutofit/>
+            </a:bodyPr>
+            <a:lstStyle/>
+            <a:p>
+              <a:pPr algn="ctr"/>
+              <a:endParaRPr lang="en-US" sz="1000"/>
+            </a:p>
+          </p:txBody>
+        </p:sp>
+        <p:sp>
+          <p:nvSpPr>
+            <p:cNvPr id="162" name="TextBox 161"/>
+            <p:cNvSpPr txBox="1"/>
+            <p:nvPr/>
+          </p:nvSpPr>
+          <p:spPr>
+            <a:xfrm>
+              <a:off x="5926864" y="2594121"/>
+              <a:ext cx="1104477" cy="704580"/>
+            </a:xfrm>
+            <a:prstGeom prst="rect">
+              <a:avLst/>
+            </a:prstGeom>
+            <a:noFill/>
+          </p:spPr>
+          <p:txBody>
+            <a:bodyPr wrap="square" rtlCol="0">
+              <a:spAutoFit/>
+            </a:bodyPr>
+            <a:lstStyle/>
+            <a:p>
+              <a:pPr algn="ctr"/>
+              <a:r>
+                <a:rPr lang="en-US" sz="1000" dirty="0"/>
+                <a:t>make_2d_plots.py</a:t>
+              </a:r>
+              <a:endParaRPr lang="en-US" sz="1000" dirty="0"/>
+            </a:p>
+          </p:txBody>
+        </p:sp>
+      </p:grpSp>
+      <p:cxnSp>
+        <p:nvCxnSpPr>
+          <p:cNvPr id="36" name="Elbow Connector 35"/>
+          <p:cNvCxnSpPr/>
+          <p:nvPr/>
+        </p:nvCxnSpPr>
+        <p:spPr>
+          <a:xfrm>
+            <a:off x="3796860" y="8832406"/>
+            <a:ext cx="254237" cy="187353"/>
+          </a:xfrm>
+          <a:prstGeom prst="bentConnector3">
+            <a:avLst/>
+          </a:prstGeom>
+          <a:ln>
+            <a:solidFill>
+              <a:schemeClr val="tx1"/>
+            </a:solidFill>
+            <a:tailEnd type="triangle"/>
+          </a:ln>
+        </p:spPr>
+        <p:style>
+          <a:lnRef idx="1">
+            <a:schemeClr val="accent1"/>
+          </a:lnRef>
+          <a:fillRef idx="0">
+            <a:schemeClr val="accent1"/>
+          </a:fillRef>
+          <a:effectRef idx="0">
+            <a:schemeClr val="accent1"/>
+          </a:effectRef>
+          <a:fontRef idx="minor">
+            <a:schemeClr val="tx1"/>
+          </a:fontRef>
+        </p:style>
+      </p:cxnSp>
+      <p:grpSp>
+        <p:nvGrpSpPr>
+          <p:cNvPr id="163" name="Group 162"/>
+          <p:cNvGrpSpPr/>
+          <p:nvPr/>
+        </p:nvGrpSpPr>
+        <p:grpSpPr>
+          <a:xfrm>
+            <a:off x="3675783" y="10557517"/>
+            <a:ext cx="1615733" cy="865020"/>
+            <a:chOff x="4228572" y="6130634"/>
+            <a:chExt cx="1348386" cy="352797"/>
+          </a:xfrm>
+        </p:grpSpPr>
+        <p:sp>
+          <p:nvSpPr>
+            <p:cNvPr id="164" name="Rectangle 163"/>
+            <p:cNvSpPr/>
+            <p:nvPr/>
+          </p:nvSpPr>
+          <p:spPr>
+            <a:xfrm>
+              <a:off x="4228572" y="6130634"/>
+              <a:ext cx="1348386" cy="352797"/>
+            </a:xfrm>
+            <a:prstGeom prst="rect">
+              <a:avLst/>
+            </a:prstGeom>
+            <a:gradFill flip="none" rotWithShape="1">
+              <a:gsLst>
+                <a:gs pos="100000">
+                  <a:schemeClr val="bg1"/>
+                </a:gs>
+                <a:gs pos="50000">
+                  <a:schemeClr val="accent1">
+                    <a:lumMod val="40000"/>
+                    <a:lumOff val="60000"/>
+                  </a:schemeClr>
+                </a:gs>
+                <a:gs pos="0">
+                  <a:schemeClr val="accent1">
+                    <a:lumMod val="40000"/>
+                    <a:lumOff val="60000"/>
+                    <a:shade val="100000"/>
+                    <a:satMod val="115000"/>
+                  </a:schemeClr>
+                </a:gs>
+              </a:gsLst>
+              <a:lin ang="16200000" scaled="1"/>
+              <a:tileRect/>
+            </a:gradFill>
+            <a:ln>
+              <a:solidFill>
+                <a:schemeClr val="tx1"/>
+              </a:solidFill>
+            </a:ln>
+          </p:spPr>
+          <p:style>
+            <a:lnRef idx="2">
+              <a:schemeClr val="accent1">
+                <a:shade val="50000"/>
+              </a:schemeClr>
+            </a:lnRef>
+            <a:fillRef idx="1">
+              <a:schemeClr val="accent1"/>
+            </a:fillRef>
+            <a:effectRef idx="0">
+              <a:schemeClr val="accent1"/>
+            </a:effectRef>
+            <a:fontRef idx="minor">
+              <a:schemeClr val="lt1"/>
+            </a:fontRef>
+          </p:style>
+          <p:txBody>
+            <a:bodyPr rot="0" spcFirstLastPara="0" vertOverflow="overflow" horzOverflow="overflow" vert="horz" wrap="square" lIns="36004" tIns="18003" rIns="36004" bIns="18003" numCol="1" spcCol="0" rtlCol="0" fromWordArt="0" anchor="ctr" anchorCtr="0" forceAA="0" compatLnSpc="1">
+              <a:prstTxWarp prst="textNoShape">
+                <a:avLst/>
+              </a:prstTxWarp>
+              <a:noAutofit/>
+            </a:bodyPr>
+            <a:lstStyle/>
+            <a:p>
+              <a:pPr algn="ctr"/>
+              <a:endParaRPr lang="en-US" sz="709"/>
+            </a:p>
+          </p:txBody>
+        </p:sp>
+        <p:sp>
+          <p:nvSpPr>
+            <p:cNvPr id="165" name="TextBox 164"/>
+            <p:cNvSpPr txBox="1"/>
+            <p:nvPr/>
+          </p:nvSpPr>
+          <p:spPr>
+            <a:xfrm>
+              <a:off x="4420798" y="6174687"/>
+              <a:ext cx="990211" cy="163184"/>
+            </a:xfrm>
+            <a:prstGeom prst="rect">
+              <a:avLst/>
+            </a:prstGeom>
+            <a:noFill/>
+          </p:spPr>
+          <p:txBody>
+            <a:bodyPr wrap="none" rtlCol="0">
+              <a:spAutoFit/>
+            </a:bodyPr>
+            <a:lstStyle/>
+            <a:p>
+              <a:pPr algn="ctr"/>
+              <a:r>
+                <a:rPr lang="en-US" sz="1000" dirty="0"/>
+                <a:t>Table of axis scores</a:t>
+              </a:r>
+            </a:p>
+            <a:p>
+              <a:pPr algn="ctr"/>
+              <a:r>
+                <a:rPr lang="en-US" sz="1000" b="1" dirty="0"/>
+                <a:t>PCoA.txt</a:t>
+              </a:r>
+            </a:p>
+          </p:txBody>
+        </p:sp>
+      </p:grpSp>
+      <p:cxnSp>
+        <p:nvCxnSpPr>
+          <p:cNvPr id="166" name="Straight Arrow Connector 165"/>
+          <p:cNvCxnSpPr/>
+          <p:nvPr/>
+        </p:nvCxnSpPr>
+        <p:spPr>
+          <a:xfrm flipH="1">
+            <a:off x="7038228" y="10169374"/>
+            <a:ext cx="2741" cy="215252"/>
+          </a:xfrm>
+          <a:prstGeom prst="straightConnector1">
+            <a:avLst/>
+          </a:prstGeom>
+          <a:ln>
+            <a:solidFill>
+              <a:schemeClr val="tx1"/>
+            </a:solidFill>
+            <a:tailEnd type="triangle"/>
+          </a:ln>
+        </p:spPr>
+        <p:style>
+          <a:lnRef idx="1">
+            <a:schemeClr val="accent1"/>
+          </a:lnRef>
+          <a:fillRef idx="0">
+            <a:schemeClr val="accent1"/>
+          </a:fillRef>
+          <a:effectRef idx="0">
+            <a:schemeClr val="accent1"/>
+          </a:effectRef>
+          <a:fontRef idx="minor">
+            <a:schemeClr val="tx1"/>
+          </a:fontRef>
+        </p:style>
+      </p:cxnSp>
+      <p:grpSp>
+        <p:nvGrpSpPr>
+          <p:cNvPr id="51" name="Group 50"/>
+          <p:cNvGrpSpPr/>
+          <p:nvPr/>
+        </p:nvGrpSpPr>
+        <p:grpSpPr>
+          <a:xfrm>
+            <a:off x="6237812" y="10782292"/>
+            <a:ext cx="1655681" cy="1161581"/>
+            <a:chOff x="4721337" y="7289953"/>
+            <a:chExt cx="706180" cy="386739"/>
+          </a:xfrm>
+        </p:grpSpPr>
+        <p:sp>
+          <p:nvSpPr>
+            <p:cNvPr id="167" name="Hexagon 166"/>
+            <p:cNvSpPr/>
+            <p:nvPr/>
+          </p:nvSpPr>
+          <p:spPr>
+            <a:xfrm>
+              <a:off x="4766312" y="7289953"/>
+              <a:ext cx="621260" cy="386739"/>
+            </a:xfrm>
+            <a:prstGeom prst="hexagon">
+              <a:avLst/>
+            </a:prstGeom>
+            <a:gradFill flip="none" rotWithShape="1">
+              <a:gsLst>
+                <a:gs pos="0">
+                  <a:srgbClr val="00FF00">
+                    <a:tint val="66000"/>
+                    <a:satMod val="160000"/>
+                  </a:srgbClr>
+                </a:gs>
+                <a:gs pos="50000">
+                  <a:srgbClr val="00FF00">
+                    <a:tint val="44500"/>
+                    <a:satMod val="160000"/>
+                  </a:srgbClr>
+                </a:gs>
+                <a:gs pos="100000">
+                  <a:srgbClr val="00FF00">
+                    <a:tint val="23500"/>
+                    <a:satMod val="160000"/>
+                  </a:srgbClr>
+                </a:gs>
+              </a:gsLst>
+              <a:lin ang="16200000" scaled="1"/>
+              <a:tileRect/>
+            </a:gradFill>
+            <a:ln>
+              <a:solidFill>
+                <a:schemeClr val="tx1"/>
+              </a:solidFill>
+            </a:ln>
+          </p:spPr>
+          <p:style>
+            <a:lnRef idx="2">
+              <a:schemeClr val="accent1">
+                <a:shade val="50000"/>
+              </a:schemeClr>
+            </a:lnRef>
+            <a:fillRef idx="1">
+              <a:schemeClr val="accent1"/>
+            </a:fillRef>
+            <a:effectRef idx="0">
+              <a:schemeClr val="accent1"/>
+            </a:effectRef>
+            <a:fontRef idx="minor">
+              <a:schemeClr val="lt1"/>
+            </a:fontRef>
+          </p:style>
+          <p:txBody>
+            <a:bodyPr rtlCol="0" anchor="ctr"/>
+            <a:lstStyle/>
+            <a:p>
+              <a:pPr algn="ctr"/>
+              <a:endParaRPr lang="en-US" sz="1260"/>
+            </a:p>
+          </p:txBody>
+        </p:sp>
+        <p:sp>
+          <p:nvSpPr>
+            <p:cNvPr id="38" name="TextBox 37"/>
+            <p:cNvSpPr txBox="1"/>
+            <p:nvPr/>
+          </p:nvSpPr>
+          <p:spPr>
+            <a:xfrm>
+              <a:off x="4721337" y="7442334"/>
+              <a:ext cx="706180" cy="81977"/>
+            </a:xfrm>
+            <a:prstGeom prst="rect">
+              <a:avLst/>
+            </a:prstGeom>
+            <a:noFill/>
+          </p:spPr>
+          <p:txBody>
+            <a:bodyPr wrap="square" rtlCol="0">
+              <a:spAutoFit/>
+            </a:bodyPr>
+            <a:lstStyle/>
+            <a:p>
+              <a:pPr algn="ctr"/>
+              <a:r>
+                <a:rPr lang="en-US" sz="1000" dirty="0" err="1"/>
+                <a:t>PCoA</a:t>
+              </a:r>
+              <a:r>
+                <a:rPr lang="en-US" sz="1000" dirty="0"/>
+                <a:t> ordination plots</a:t>
+              </a:r>
+            </a:p>
+          </p:txBody>
+        </p:sp>
+      </p:grpSp>
+      <p:cxnSp>
+        <p:nvCxnSpPr>
+          <p:cNvPr id="169" name="Straight Arrow Connector 168"/>
+          <p:cNvCxnSpPr/>
+          <p:nvPr/>
+        </p:nvCxnSpPr>
+        <p:spPr>
+          <a:xfrm>
+            <a:off x="3610971" y="7796035"/>
+            <a:ext cx="741" cy="408752"/>
+          </a:xfrm>
+          <a:prstGeom prst="straightConnector1">
+            <a:avLst/>
+          </a:prstGeom>
+          <a:ln>
+            <a:solidFill>
+              <a:schemeClr val="tx1"/>
+            </a:solidFill>
+            <a:tailEnd type="triangle"/>
+          </a:ln>
+        </p:spPr>
+        <p:style>
+          <a:lnRef idx="1">
+            <a:schemeClr val="accent1"/>
+          </a:lnRef>
+          <a:fillRef idx="0">
+            <a:schemeClr val="accent1"/>
+          </a:fillRef>
+          <a:effectRef idx="0">
+            <a:schemeClr val="accent1"/>
+          </a:effectRef>
+          <a:fontRef idx="minor">
+            <a:schemeClr val="tx1"/>
+          </a:fontRef>
+        </p:style>
+      </p:cxnSp>
+      <p:grpSp>
+        <p:nvGrpSpPr>
+          <p:cNvPr id="170" name="Group 169"/>
+          <p:cNvGrpSpPr/>
+          <p:nvPr/>
+        </p:nvGrpSpPr>
+        <p:grpSpPr>
+          <a:xfrm>
+            <a:off x="3372371" y="8231920"/>
+            <a:ext cx="494327" cy="1065330"/>
+            <a:chOff x="4734690" y="7289953"/>
+            <a:chExt cx="706180" cy="1521898"/>
+          </a:xfrm>
+        </p:grpSpPr>
+        <p:sp>
+          <p:nvSpPr>
+            <p:cNvPr id="171" name="Hexagon 170"/>
+            <p:cNvSpPr/>
+            <p:nvPr/>
+          </p:nvSpPr>
+          <p:spPr>
+            <a:xfrm>
+              <a:off x="4766312" y="7289953"/>
+              <a:ext cx="621260" cy="386739"/>
+            </a:xfrm>
+            <a:prstGeom prst="hexagon">
+              <a:avLst/>
+            </a:prstGeom>
+            <a:gradFill flip="none" rotWithShape="1">
+              <a:gsLst>
+                <a:gs pos="0">
+                  <a:srgbClr val="00FF00">
+                    <a:tint val="66000"/>
+                    <a:satMod val="160000"/>
+                  </a:srgbClr>
+                </a:gs>
+                <a:gs pos="50000">
+                  <a:srgbClr val="00FF00">
+                    <a:tint val="44500"/>
+                    <a:satMod val="160000"/>
+                  </a:srgbClr>
+                </a:gs>
+                <a:gs pos="100000">
+                  <a:srgbClr val="00FF00">
+                    <a:tint val="23500"/>
+                    <a:satMod val="160000"/>
+                  </a:srgbClr>
+                </a:gs>
+              </a:gsLst>
+              <a:lin ang="16200000" scaled="1"/>
+              <a:tileRect/>
+            </a:gradFill>
+            <a:ln>
+              <a:solidFill>
+                <a:schemeClr val="tx1"/>
+              </a:solidFill>
+            </a:ln>
+          </p:spPr>
+          <p:style>
+            <a:lnRef idx="2">
+              <a:schemeClr val="accent1">
+                <a:shade val="50000"/>
+              </a:schemeClr>
+            </a:lnRef>
+            <a:fillRef idx="1">
+              <a:schemeClr val="accent1"/>
+            </a:fillRef>
+            <a:effectRef idx="0">
+              <a:schemeClr val="accent1"/>
+            </a:effectRef>
+            <a:fontRef idx="minor">
+              <a:schemeClr val="lt1"/>
+            </a:fontRef>
+          </p:style>
+          <p:txBody>
+            <a:bodyPr rtlCol="0" anchor="ctr"/>
+            <a:lstStyle/>
+            <a:p>
+              <a:pPr algn="ctr"/>
+              <a:endParaRPr lang="en-US" sz="1000"/>
+            </a:p>
+          </p:txBody>
+        </p:sp>
+        <p:sp>
+          <p:nvSpPr>
+            <p:cNvPr id="172" name="TextBox 171"/>
+            <p:cNvSpPr txBox="1"/>
+            <p:nvPr/>
+          </p:nvSpPr>
+          <p:spPr>
+            <a:xfrm>
+              <a:off x="4734690" y="7360906"/>
+              <a:ext cx="706180" cy="1450945"/>
+            </a:xfrm>
+            <a:prstGeom prst="rect">
+              <a:avLst/>
+            </a:prstGeom>
+            <a:noFill/>
+          </p:spPr>
+          <p:txBody>
+            <a:bodyPr wrap="square" rtlCol="0">
+              <a:spAutoFit/>
+            </a:bodyPr>
+            <a:lstStyle/>
+            <a:p>
+              <a:pPr algn="ctr"/>
+              <a:r>
+                <a:rPr lang="en-US" sz="1000" dirty="0" err="1"/>
+                <a:t>Heatmap</a:t>
+              </a:r>
+              <a:r>
+                <a:rPr lang="en-US" sz="1000" dirty="0"/>
+                <a:t>, other visualizations</a:t>
+              </a:r>
+            </a:p>
+          </p:txBody>
+        </p:sp>
+      </p:grpSp>
+      <p:cxnSp>
+        <p:nvCxnSpPr>
+          <p:cNvPr id="173" name="Straight Arrow Connector 172"/>
+          <p:cNvCxnSpPr/>
+          <p:nvPr/>
+        </p:nvCxnSpPr>
+        <p:spPr>
+          <a:xfrm flipH="1">
+            <a:off x="3126819" y="7633777"/>
+            <a:ext cx="234103" cy="335227"/>
+          </a:xfrm>
+          <a:prstGeom prst="straightConnector1">
+            <a:avLst/>
+          </a:prstGeom>
+          <a:ln>
+            <a:solidFill>
+              <a:schemeClr val="tx1"/>
+            </a:solidFill>
+            <a:tailEnd type="triangle"/>
+          </a:ln>
+        </p:spPr>
+        <p:style>
+          <a:lnRef idx="1">
+            <a:schemeClr val="accent1"/>
+          </a:lnRef>
+          <a:fillRef idx="0">
+            <a:schemeClr val="accent1"/>
+          </a:fillRef>
+          <a:effectRef idx="0">
+            <a:schemeClr val="accent1"/>
+          </a:effectRef>
+          <a:fontRef idx="minor">
+            <a:schemeClr val="tx1"/>
+          </a:fontRef>
+        </p:style>
+      </p:cxnSp>
+      <p:cxnSp>
+        <p:nvCxnSpPr>
+          <p:cNvPr id="174" name="Straight Arrow Connector 173"/>
+          <p:cNvCxnSpPr/>
+          <p:nvPr/>
+        </p:nvCxnSpPr>
+        <p:spPr>
+          <a:xfrm>
+            <a:off x="2876664" y="8195655"/>
+            <a:ext cx="741" cy="408752"/>
+          </a:xfrm>
+          <a:prstGeom prst="straightConnector1">
+            <a:avLst/>
+          </a:prstGeom>
+          <a:ln>
+            <a:solidFill>
+              <a:schemeClr val="tx1"/>
+            </a:solidFill>
+            <a:tailEnd type="triangle"/>
+          </a:ln>
+        </p:spPr>
+        <p:style>
+          <a:lnRef idx="1">
+            <a:schemeClr val="accent1"/>
+          </a:lnRef>
+          <a:fillRef idx="0">
+            <a:schemeClr val="accent1"/>
+          </a:fillRef>
+          <a:effectRef idx="0">
+            <a:schemeClr val="accent1"/>
+          </a:effectRef>
+          <a:fontRef idx="minor">
+            <a:schemeClr val="tx1"/>
+          </a:fontRef>
+        </p:style>
+      </p:cxnSp>
+      <p:grpSp>
+        <p:nvGrpSpPr>
+          <p:cNvPr id="175" name="Group 174"/>
+          <p:cNvGrpSpPr/>
+          <p:nvPr/>
+        </p:nvGrpSpPr>
+        <p:grpSpPr>
+          <a:xfrm>
+            <a:off x="2638683" y="8643701"/>
+            <a:ext cx="494327" cy="1219217"/>
+            <a:chOff x="4734690" y="7289953"/>
+            <a:chExt cx="706180" cy="1741737"/>
+          </a:xfrm>
+        </p:grpSpPr>
+        <p:sp>
+          <p:nvSpPr>
+            <p:cNvPr id="176" name="Hexagon 175"/>
+            <p:cNvSpPr/>
+            <p:nvPr/>
+          </p:nvSpPr>
+          <p:spPr>
+            <a:xfrm>
+              <a:off x="4766312" y="7289953"/>
+              <a:ext cx="621260" cy="386739"/>
+            </a:xfrm>
+            <a:prstGeom prst="hexagon">
+              <a:avLst/>
+            </a:prstGeom>
+            <a:gradFill flip="none" rotWithShape="1">
+              <a:gsLst>
+                <a:gs pos="0">
+                  <a:srgbClr val="00FF00">
+                    <a:tint val="66000"/>
+                    <a:satMod val="160000"/>
+                  </a:srgbClr>
+                </a:gs>
+                <a:gs pos="50000">
+                  <a:srgbClr val="00FF00">
+                    <a:tint val="44500"/>
+                    <a:satMod val="160000"/>
+                  </a:srgbClr>
+                </a:gs>
+                <a:gs pos="100000">
+                  <a:srgbClr val="00FF00">
+                    <a:tint val="23500"/>
+                    <a:satMod val="160000"/>
+                  </a:srgbClr>
+                </a:gs>
+              </a:gsLst>
+              <a:lin ang="16200000" scaled="1"/>
+              <a:tileRect/>
+            </a:gradFill>
+            <a:ln>
+              <a:solidFill>
+                <a:schemeClr val="tx1"/>
+              </a:solidFill>
+            </a:ln>
+          </p:spPr>
+          <p:style>
+            <a:lnRef idx="2">
+              <a:schemeClr val="accent1">
+                <a:shade val="50000"/>
+              </a:schemeClr>
+            </a:lnRef>
+            <a:fillRef idx="1">
+              <a:schemeClr val="accent1"/>
+            </a:fillRef>
+            <a:effectRef idx="0">
+              <a:schemeClr val="accent1"/>
+            </a:effectRef>
+            <a:fontRef idx="minor">
+              <a:schemeClr val="lt1"/>
+            </a:fontRef>
+          </p:style>
+          <p:txBody>
+            <a:bodyPr rtlCol="0" anchor="ctr"/>
+            <a:lstStyle/>
+            <a:p>
+              <a:pPr algn="ctr"/>
+              <a:endParaRPr lang="en-US" sz="1260"/>
+            </a:p>
+          </p:txBody>
+        </p:sp>
+        <p:sp>
+          <p:nvSpPr>
+            <p:cNvPr id="177" name="TextBox 176"/>
+            <p:cNvSpPr txBox="1"/>
+            <p:nvPr/>
+          </p:nvSpPr>
+          <p:spPr>
+            <a:xfrm>
+              <a:off x="4734690" y="7360904"/>
+              <a:ext cx="706180" cy="1670786"/>
+            </a:xfrm>
+            <a:prstGeom prst="rect">
+              <a:avLst/>
+            </a:prstGeom>
+            <a:noFill/>
+          </p:spPr>
+          <p:txBody>
+            <a:bodyPr wrap="square" rtlCol="0">
+              <a:spAutoFit/>
+            </a:bodyPr>
+            <a:lstStyle/>
+            <a:p>
+              <a:pPr algn="ctr"/>
+              <a:r>
+                <a:rPr lang="en-US" sz="1000" dirty="0"/>
+                <a:t>Bar / area charts of composition</a:t>
+              </a:r>
+            </a:p>
+          </p:txBody>
+        </p:sp>
+      </p:grpSp>
+      <p:cxnSp>
+        <p:nvCxnSpPr>
+          <p:cNvPr id="178" name="Straight Arrow Connector 177"/>
+          <p:cNvCxnSpPr/>
+          <p:nvPr/>
+        </p:nvCxnSpPr>
+        <p:spPr>
+          <a:xfrm flipH="1">
+            <a:off x="3025724" y="7558029"/>
+            <a:ext cx="342648" cy="60540"/>
+          </a:xfrm>
+          <a:prstGeom prst="straightConnector1">
+            <a:avLst/>
+          </a:prstGeom>
+          <a:ln>
+            <a:solidFill>
+              <a:schemeClr val="tx1"/>
+            </a:solidFill>
+            <a:tailEnd type="triangle"/>
+          </a:ln>
+        </p:spPr>
+        <p:style>
+          <a:lnRef idx="1">
+            <a:schemeClr val="accent1"/>
+          </a:lnRef>
+          <a:fillRef idx="0">
+            <a:schemeClr val="accent1"/>
+          </a:fillRef>
+          <a:effectRef idx="0">
+            <a:schemeClr val="accent1"/>
+          </a:effectRef>
+          <a:fontRef idx="minor">
+            <a:schemeClr val="tx1"/>
+          </a:fontRef>
+        </p:style>
+      </p:cxnSp>
+      <p:cxnSp>
+        <p:nvCxnSpPr>
+          <p:cNvPr id="183" name="Elbow Connector 182"/>
+          <p:cNvCxnSpPr/>
+          <p:nvPr/>
+        </p:nvCxnSpPr>
+        <p:spPr>
+          <a:xfrm rot="10800000" flipV="1">
+            <a:off x="2188819" y="7658001"/>
+            <a:ext cx="194116" cy="476789"/>
+          </a:xfrm>
+          <a:prstGeom prst="bentConnector2">
+            <a:avLst/>
+          </a:prstGeom>
+          <a:ln>
+            <a:solidFill>
+              <a:schemeClr val="tx1"/>
+            </a:solidFill>
+            <a:tailEnd type="triangle"/>
+          </a:ln>
+        </p:spPr>
+        <p:style>
+          <a:lnRef idx="1">
+            <a:schemeClr val="accent1"/>
+          </a:lnRef>
+          <a:fillRef idx="0">
+            <a:schemeClr val="accent1"/>
+          </a:fillRef>
+          <a:effectRef idx="0">
+            <a:schemeClr val="accent1"/>
+          </a:effectRef>
+          <a:fontRef idx="minor">
+            <a:schemeClr val="tx1"/>
+          </a:fontRef>
+        </p:style>
+      </p:cxnSp>
+      <p:sp>
+        <p:nvSpPr>
+          <p:cNvPr id="184" name="Rectangle 183"/>
+          <p:cNvSpPr/>
+          <p:nvPr/>
+        </p:nvSpPr>
+        <p:spPr>
+          <a:xfrm>
+            <a:off x="1983820" y="8178914"/>
+            <a:ext cx="607501" cy="268979"/>
+          </a:xfrm>
+          <a:prstGeom prst="rect">
+            <a:avLst/>
+          </a:prstGeom>
+          <a:gradFill flip="none" rotWithShape="1">
+            <a:gsLst>
+              <a:gs pos="100000">
+                <a:schemeClr val="bg1"/>
+              </a:gs>
+              <a:gs pos="50000">
+                <a:schemeClr val="accent1">
+                  <a:lumMod val="40000"/>
+                  <a:lumOff val="60000"/>
+                </a:schemeClr>
+              </a:gs>
+              <a:gs pos="0">
+                <a:schemeClr val="accent1">
+                  <a:lumMod val="40000"/>
+                  <a:lumOff val="60000"/>
+                  <a:shade val="100000"/>
+                  <a:satMod val="115000"/>
+                </a:schemeClr>
+              </a:gs>
+            </a:gsLst>
+            <a:lin ang="16200000" scaled="1"/>
+            <a:tileRect/>
+          </a:gradFill>
+          <a:ln>
+            <a:solidFill>
+              <a:schemeClr val="tx1"/>
+            </a:solidFill>
+          </a:ln>
+        </p:spPr>
+        <p:style>
+          <a:lnRef idx="2">
+            <a:schemeClr val="accent1">
+              <a:shade val="50000"/>
+            </a:schemeClr>
+          </a:lnRef>
+          <a:fillRef idx="1">
+            <a:schemeClr val="accent1"/>
+          </a:fillRef>
+          <a:effectRef idx="0">
+            <a:schemeClr val="accent1"/>
+          </a:effectRef>
+          <a:fontRef idx="minor">
+            <a:schemeClr val="lt1"/>
+          </a:fontRef>
+        </p:style>
+        <p:txBody>
+          <a:bodyPr rot="0" spcFirstLastPara="0" vertOverflow="overflow" horzOverflow="overflow" vert="horz" wrap="square" lIns="36004" tIns="18003" rIns="36004" bIns="18003" numCol="1" spcCol="0" rtlCol="0" fromWordArt="0" anchor="ctr" anchorCtr="0" forceAA="0" compatLnSpc="1">
+            <a:prstTxWarp prst="textNoShape">
+              <a:avLst/>
+            </a:prstTxWarp>
+            <a:noAutofit/>
+          </a:bodyPr>
+          <a:lstStyle/>
+          <a:p>
+            <a:pPr algn="ctr"/>
+            <a:endParaRPr lang="en-US" sz="709"/>
+          </a:p>
+        </p:txBody>
+      </p:sp>
+      <p:sp>
+        <p:nvSpPr>
+          <p:cNvPr id="185" name="TextBox 184"/>
+          <p:cNvSpPr txBox="1"/>
+          <p:nvPr/>
+        </p:nvSpPr>
+        <p:spPr>
+          <a:xfrm>
+            <a:off x="1966995" y="8178691"/>
+            <a:ext cx="642905" cy="1631216"/>
+          </a:xfrm>
+          <a:prstGeom prst="rect">
+            <a:avLst/>
+          </a:prstGeom>
+          <a:noFill/>
+        </p:spPr>
+        <p:txBody>
+          <a:bodyPr wrap="square" rtlCol="0">
+            <a:spAutoFit/>
+          </a:bodyPr>
+          <a:lstStyle/>
+          <a:p>
+            <a:pPr algn="ctr"/>
+            <a:r>
+              <a:rPr lang="en-US" sz="1000" dirty="0"/>
+              <a:t>“Classic” OTU table for R or other programs</a:t>
+            </a:r>
+          </a:p>
+          <a:p>
+            <a:pPr algn="ctr"/>
+            <a:r>
+              <a:rPr lang="en-US" sz="1000" b="1" dirty="0"/>
+              <a:t>otu_table_even.txt</a:t>
+            </a:r>
+          </a:p>
+        </p:txBody>
+      </p:sp>
+      <p:cxnSp>
+        <p:nvCxnSpPr>
+          <p:cNvPr id="186" name="Straight Arrow Connector 185"/>
+          <p:cNvCxnSpPr/>
+          <p:nvPr/>
+        </p:nvCxnSpPr>
+        <p:spPr>
+          <a:xfrm flipH="1" flipV="1">
+            <a:off x="1934742" y="4324902"/>
+            <a:ext cx="385580" cy="709997"/>
           </a:xfrm>
           <a:prstGeom prst="straightConnector1">
             <a:avLst/>

--- a/QIIME_files/QIIME flow chart.pptx
+++ b/QIIME_files/QIIME flow chart.pptx
@@ -243,7 +243,7 @@
           <a:p>
             <a:fld id="{6DC230F1-0576-477A-8CF4-4E5616A73C19}" type="datetimeFigureOut">
               <a:rPr lang="en-US" smtClean="0"/>
-              <a:t>6/18/2015</a:t>
+              <a:t>6/19/2015</a:t>
             </a:fld>
             <a:endParaRPr lang="en-US"/>
           </a:p>
@@ -413,7 +413,7 @@
           <a:p>
             <a:fld id="{6DC230F1-0576-477A-8CF4-4E5616A73C19}" type="datetimeFigureOut">
               <a:rPr lang="en-US" smtClean="0"/>
-              <a:t>6/18/2015</a:t>
+              <a:t>6/19/2015</a:t>
             </a:fld>
             <a:endParaRPr lang="en-US"/>
           </a:p>
@@ -593,7 +593,7 @@
           <a:p>
             <a:fld id="{6DC230F1-0576-477A-8CF4-4E5616A73C19}" type="datetimeFigureOut">
               <a:rPr lang="en-US" smtClean="0"/>
-              <a:t>6/18/2015</a:t>
+              <a:t>6/19/2015</a:t>
             </a:fld>
             <a:endParaRPr lang="en-US"/>
           </a:p>
@@ -763,7 +763,7 @@
           <a:p>
             <a:fld id="{6DC230F1-0576-477A-8CF4-4E5616A73C19}" type="datetimeFigureOut">
               <a:rPr lang="en-US" smtClean="0"/>
-              <a:t>6/18/2015</a:t>
+              <a:t>6/19/2015</a:t>
             </a:fld>
             <a:endParaRPr lang="en-US"/>
           </a:p>
@@ -1007,7 +1007,7 @@
           <a:p>
             <a:fld id="{6DC230F1-0576-477A-8CF4-4E5616A73C19}" type="datetimeFigureOut">
               <a:rPr lang="en-US" smtClean="0"/>
-              <a:t>6/18/2015</a:t>
+              <a:t>6/19/2015</a:t>
             </a:fld>
             <a:endParaRPr lang="en-US"/>
           </a:p>
@@ -1239,7 +1239,7 @@
           <a:p>
             <a:fld id="{6DC230F1-0576-477A-8CF4-4E5616A73C19}" type="datetimeFigureOut">
               <a:rPr lang="en-US" smtClean="0"/>
-              <a:t>6/18/2015</a:t>
+              <a:t>6/19/2015</a:t>
             </a:fld>
             <a:endParaRPr lang="en-US"/>
           </a:p>
@@ -1606,7 +1606,7 @@
           <a:p>
             <a:fld id="{6DC230F1-0576-477A-8CF4-4E5616A73C19}" type="datetimeFigureOut">
               <a:rPr lang="en-US" smtClean="0"/>
-              <a:t>6/18/2015</a:t>
+              <a:t>6/19/2015</a:t>
             </a:fld>
             <a:endParaRPr lang="en-US"/>
           </a:p>
@@ -1724,7 +1724,7 @@
           <a:p>
             <a:fld id="{6DC230F1-0576-477A-8CF4-4E5616A73C19}" type="datetimeFigureOut">
               <a:rPr lang="en-US" smtClean="0"/>
-              <a:t>6/18/2015</a:t>
+              <a:t>6/19/2015</a:t>
             </a:fld>
             <a:endParaRPr lang="en-US"/>
           </a:p>
@@ -1819,7 +1819,7 @@
           <a:p>
             <a:fld id="{6DC230F1-0576-477A-8CF4-4E5616A73C19}" type="datetimeFigureOut">
               <a:rPr lang="en-US" smtClean="0"/>
-              <a:t>6/18/2015</a:t>
+              <a:t>6/19/2015</a:t>
             </a:fld>
             <a:endParaRPr lang="en-US"/>
           </a:p>
@@ -2096,7 +2096,7 @@
           <a:p>
             <a:fld id="{6DC230F1-0576-477A-8CF4-4E5616A73C19}" type="datetimeFigureOut">
               <a:rPr lang="en-US" smtClean="0"/>
-              <a:t>6/18/2015</a:t>
+              <a:t>6/19/2015</a:t>
             </a:fld>
             <a:endParaRPr lang="en-US"/>
           </a:p>
@@ -2353,7 +2353,7 @@
           <a:p>
             <a:fld id="{6DC230F1-0576-477A-8CF4-4E5616A73C19}" type="datetimeFigureOut">
               <a:rPr lang="en-US" smtClean="0"/>
-              <a:t>6/18/2015</a:t>
+              <a:t>6/19/2015</a:t>
             </a:fld>
             <a:endParaRPr lang="en-US"/>
           </a:p>
@@ -2566,7 +2566,7 @@
           <a:p>
             <a:fld id="{6DC230F1-0576-477A-8CF4-4E5616A73C19}" type="datetimeFigureOut">
               <a:rPr lang="en-US" smtClean="0"/>
-              <a:t>6/18/2015</a:t>
+              <a:t>6/19/2015</a:t>
             </a:fld>
             <a:endParaRPr lang="en-US"/>
           </a:p>
@@ -2971,59 +2971,6 @@
           <a:chExt cx="0" cy="0"/>
         </a:xfrm>
       </p:grpSpPr>
-      <p:sp>
-        <p:nvSpPr>
-          <p:cNvPr id="12" name="Rectangle 11"/>
-          <p:cNvSpPr/>
-          <p:nvPr/>
-        </p:nvSpPr>
-        <p:spPr>
-          <a:xfrm>
-            <a:off x="3369676" y="7473513"/>
-            <a:ext cx="768659" cy="322415"/>
-          </a:xfrm>
-          <a:prstGeom prst="rect">
-            <a:avLst/>
-          </a:prstGeom>
-          <a:solidFill>
-            <a:srgbClr val="FFFF00"/>
-          </a:solidFill>
-          <a:ln>
-            <a:solidFill>
-              <a:srgbClr val="FFFF00"/>
-            </a:solidFill>
-          </a:ln>
-        </p:spPr>
-        <p:style>
-          <a:lnRef idx="2">
-            <a:schemeClr val="accent1">
-              <a:shade val="50000"/>
-            </a:schemeClr>
-          </a:lnRef>
-          <a:fillRef idx="1">
-            <a:schemeClr val="accent1"/>
-          </a:fillRef>
-          <a:effectRef idx="0">
-            <a:schemeClr val="accent1"/>
-          </a:effectRef>
-          <a:fontRef idx="minor">
-            <a:schemeClr val="lt1"/>
-          </a:fontRef>
-        </p:style>
-        <p:txBody>
-          <a:bodyPr rot="0" spcFirstLastPara="0" vertOverflow="overflow" horzOverflow="overflow" vert="horz" wrap="square" lIns="64008" tIns="32004" rIns="64008" bIns="32004" numCol="1" spcCol="0" rtlCol="0" fromWordArt="0" anchor="ctr" anchorCtr="0" forceAA="0" compatLnSpc="1">
-            <a:prstTxWarp prst="textNoShape">
-              <a:avLst/>
-            </a:prstTxWarp>
-            <a:noAutofit/>
-          </a:bodyPr>
-          <a:lstStyle/>
-          <a:p>
-            <a:pPr algn="ctr"/>
-            <a:endParaRPr lang="en-US" sz="1000"/>
-          </a:p>
-        </p:txBody>
-      </p:sp>
       <p:grpSp>
         <p:nvGrpSpPr>
           <p:cNvPr id="28" name="Group 27"/>
@@ -3032,7 +2979,7 @@
         </p:nvGrpSpPr>
         <p:grpSpPr>
           <a:xfrm>
-            <a:off x="2698424" y="3811952"/>
+            <a:off x="2619758" y="3823996"/>
             <a:ext cx="2114646" cy="1163079"/>
             <a:chOff x="5926864" y="2525204"/>
             <a:chExt cx="1104477" cy="1044490"/>
@@ -3388,8 +3335,8 @@
         </p:nvGrpSpPr>
         <p:grpSpPr>
           <a:xfrm>
-            <a:off x="1500336" y="4073019"/>
-            <a:ext cx="676496" cy="606045"/>
+            <a:off x="318026" y="5034900"/>
+            <a:ext cx="1470229" cy="946006"/>
             <a:chOff x="5535642" y="3132991"/>
             <a:chExt cx="1805001" cy="1332511"/>
           </a:xfrm>
@@ -3646,7 +3593,7 @@
         </p:nvGrpSpPr>
         <p:grpSpPr>
           <a:xfrm>
-            <a:off x="5051517" y="1927933"/>
+            <a:off x="4703230" y="924050"/>
             <a:ext cx="1228230" cy="630789"/>
             <a:chOff x="7406395" y="1046946"/>
             <a:chExt cx="2121868" cy="1016149"/>
@@ -4159,7 +4106,7 @@
         </p:nvSpPr>
         <p:spPr>
           <a:xfrm>
-            <a:off x="6050150" y="1859129"/>
+            <a:off x="5783745" y="906123"/>
             <a:ext cx="1316386" cy="400110"/>
           </a:xfrm>
           <a:prstGeom prst="rect">
@@ -4423,8 +4370,8 @@
         </p:nvSpPr>
         <p:spPr>
           <a:xfrm>
-            <a:off x="4676366" y="3324075"/>
-            <a:ext cx="172088" cy="1361388"/>
+            <a:off x="4625026" y="2784483"/>
+            <a:ext cx="407267" cy="2493009"/>
           </a:xfrm>
           <a:prstGeom prst="leftBrace">
             <a:avLst/>
@@ -4458,154 +4405,6 @@
           </a:p>
         </p:txBody>
       </p:sp>
-      <p:sp>
-        <p:nvSpPr>
-          <p:cNvPr id="78" name="Oval 77"/>
-          <p:cNvSpPr/>
-          <p:nvPr/>
-        </p:nvSpPr>
-        <p:spPr>
-          <a:xfrm>
-            <a:off x="4998775" y="4411109"/>
-            <a:ext cx="638887" cy="204895"/>
-          </a:xfrm>
-          <a:prstGeom prst="ellipse">
-            <a:avLst/>
-          </a:prstGeom>
-          <a:gradFill flip="none" rotWithShape="1">
-            <a:gsLst>
-              <a:gs pos="0">
-                <a:srgbClr val="FF6699">
-                  <a:tint val="66000"/>
-                  <a:satMod val="160000"/>
-                </a:srgbClr>
-              </a:gs>
-              <a:gs pos="50000">
-                <a:srgbClr val="FF6699">
-                  <a:tint val="44500"/>
-                  <a:satMod val="160000"/>
-                </a:srgbClr>
-              </a:gs>
-              <a:gs pos="100000">
-                <a:srgbClr val="FF6699">
-                  <a:tint val="23500"/>
-                  <a:satMod val="160000"/>
-                </a:srgbClr>
-              </a:gs>
-            </a:gsLst>
-            <a:lin ang="16200000" scaled="1"/>
-            <a:tileRect/>
-          </a:gradFill>
-          <a:ln>
-            <a:solidFill>
-              <a:schemeClr val="tx1"/>
-            </a:solidFill>
-          </a:ln>
-        </p:spPr>
-        <p:style>
-          <a:lnRef idx="2">
-            <a:schemeClr val="accent1">
-              <a:shade val="50000"/>
-            </a:schemeClr>
-          </a:lnRef>
-          <a:fillRef idx="1">
-            <a:schemeClr val="accent1"/>
-          </a:fillRef>
-          <a:effectRef idx="0">
-            <a:schemeClr val="accent1"/>
-          </a:effectRef>
-          <a:fontRef idx="minor">
-            <a:schemeClr val="lt1"/>
-          </a:fontRef>
-        </p:style>
-        <p:txBody>
-          <a:bodyPr rot="0" spcFirstLastPara="0" vertOverflow="overflow" horzOverflow="overflow" vert="horz" wrap="square" lIns="36004" tIns="18003" rIns="36004" bIns="18003" numCol="1" spcCol="0" rtlCol="0" fromWordArt="0" anchor="ctr" anchorCtr="0" forceAA="0" compatLnSpc="1">
-            <a:prstTxWarp prst="textNoShape">
-              <a:avLst/>
-            </a:prstTxWarp>
-            <a:noAutofit/>
-          </a:bodyPr>
-          <a:lstStyle/>
-          <a:p>
-            <a:pPr algn="ctr"/>
-            <a:endParaRPr lang="en-US" sz="1000"/>
-          </a:p>
-        </p:txBody>
-      </p:sp>
-      <p:sp>
-        <p:nvSpPr>
-          <p:cNvPr id="79" name="Oval 78"/>
-          <p:cNvSpPr/>
-          <p:nvPr/>
-        </p:nvSpPr>
-        <p:spPr>
-          <a:xfrm>
-            <a:off x="4998775" y="4643129"/>
-            <a:ext cx="638887" cy="204895"/>
-          </a:xfrm>
-          <a:prstGeom prst="ellipse">
-            <a:avLst/>
-          </a:prstGeom>
-          <a:gradFill flip="none" rotWithShape="1">
-            <a:gsLst>
-              <a:gs pos="0">
-                <a:srgbClr val="FF6699">
-                  <a:tint val="66000"/>
-                  <a:satMod val="160000"/>
-                </a:srgbClr>
-              </a:gs>
-              <a:gs pos="50000">
-                <a:srgbClr val="FF6699">
-                  <a:tint val="44500"/>
-                  <a:satMod val="160000"/>
-                </a:srgbClr>
-              </a:gs>
-              <a:gs pos="100000">
-                <a:srgbClr val="FF6699">
-                  <a:tint val="23500"/>
-                  <a:satMod val="160000"/>
-                </a:srgbClr>
-              </a:gs>
-            </a:gsLst>
-            <a:lin ang="16200000" scaled="1"/>
-            <a:tileRect/>
-          </a:gradFill>
-          <a:ln>
-            <a:solidFill>
-              <a:schemeClr val="tx1"/>
-            </a:solidFill>
-          </a:ln>
-        </p:spPr>
-        <p:style>
-          <a:lnRef idx="2">
-            <a:schemeClr val="accent1">
-              <a:shade val="50000"/>
-            </a:schemeClr>
-          </a:lnRef>
-          <a:fillRef idx="1">
-            <a:schemeClr val="accent1"/>
-          </a:fillRef>
-          <a:effectRef idx="0">
-            <a:schemeClr val="accent1"/>
-          </a:effectRef>
-          <a:fontRef idx="minor">
-            <a:schemeClr val="lt1"/>
-          </a:fontRef>
-        </p:style>
-        <p:txBody>
-          <a:bodyPr rot="0" spcFirstLastPara="0" vertOverflow="overflow" horzOverflow="overflow" vert="horz" wrap="square" lIns="36004" tIns="18003" rIns="36004" bIns="18003" numCol="1" spcCol="0" rtlCol="0" fromWordArt="0" anchor="ctr" anchorCtr="0" forceAA="0" compatLnSpc="1">
-            <a:prstTxWarp prst="textNoShape">
-              <a:avLst/>
-            </a:prstTxWarp>
-            <a:noAutofit/>
-          </a:bodyPr>
-          <a:lstStyle/>
-          <a:p>
-            <a:pPr algn="ctr"/>
-            <a:endParaRPr lang="en-US" sz="1000"/>
-          </a:p>
-        </p:txBody>
-      </p:sp>
       <p:grpSp>
         <p:nvGrpSpPr>
           <p:cNvPr id="81" name="Group 80"/>
@@ -4614,10 +4413,10 @@
         </p:nvGrpSpPr>
         <p:grpSpPr>
           <a:xfrm>
-            <a:off x="4877081" y="3293223"/>
-            <a:ext cx="1342482" cy="332485"/>
-            <a:chOff x="3853619" y="2369271"/>
-            <a:chExt cx="1328645" cy="351743"/>
+            <a:off x="4907429" y="2781473"/>
+            <a:ext cx="1482360" cy="474129"/>
+            <a:chOff x="3853619" y="2374427"/>
+            <a:chExt cx="1303007" cy="389923"/>
           </a:xfrm>
         </p:grpSpPr>
         <p:sp>
@@ -4702,7 +4501,7 @@
           </p:nvSpPr>
           <p:spPr>
             <a:xfrm>
-              <a:off x="3979553" y="2369271"/>
+              <a:off x="3953915" y="2412607"/>
               <a:ext cx="1202711" cy="351743"/>
             </a:xfrm>
             <a:prstGeom prst="rect">
@@ -4718,13 +4517,8 @@
             <a:p>
               <a:r>
                 <a:rPr lang="en-US" sz="1000" dirty="0"/>
-                <a:t>p</a:t>
+                <a:t>pick_otus.py</a:t>
               </a:r>
-              <a:r>
-                <a:rPr lang="en-US" sz="1000" dirty="0"/>
-                <a:t>ick_otus.py</a:t>
-              </a:r>
-              <a:endParaRPr lang="en-US" sz="1000" dirty="0"/>
             </a:p>
           </p:txBody>
         </p:sp>
@@ -4737,10 +4531,10 @@
         </p:nvGrpSpPr>
         <p:grpSpPr>
           <a:xfrm>
-            <a:off x="4998774" y="3739984"/>
-            <a:ext cx="1051376" cy="252259"/>
-            <a:chOff x="3853619" y="2697611"/>
-            <a:chExt cx="1501967" cy="360369"/>
+            <a:off x="4898240" y="3165246"/>
+            <a:ext cx="1739048" cy="445484"/>
+            <a:chOff x="3853619" y="2697610"/>
+            <a:chExt cx="1469766" cy="382160"/>
           </a:xfrm>
         </p:grpSpPr>
         <p:sp>
@@ -4751,7 +4545,7 @@
           </p:nvSpPr>
           <p:spPr>
             <a:xfrm>
-              <a:off x="3853619" y="2697611"/>
+              <a:off x="3853619" y="2697610"/>
               <a:ext cx="912695" cy="292706"/>
             </a:xfrm>
             <a:prstGeom prst="ellipse">
@@ -4825,7 +4619,7 @@
           </p:nvSpPr>
           <p:spPr>
             <a:xfrm>
-              <a:off x="3910135" y="2706237"/>
+              <a:off x="3877934" y="2728027"/>
               <a:ext cx="1445451" cy="351743"/>
             </a:xfrm>
             <a:prstGeom prst="rect">
@@ -4841,13 +4635,8 @@
             <a:p>
               <a:r>
                 <a:rPr lang="en-US" sz="1000" dirty="0"/>
-                <a:t>p</a:t>
+                <a:t>pick_rep_set.py</a:t>
               </a:r>
-              <a:r>
-                <a:rPr lang="en-US" sz="1000" dirty="0"/>
-                <a:t>ick_rep_set.py</a:t>
-              </a:r>
-              <a:endParaRPr lang="en-US" sz="1000" dirty="0"/>
             </a:p>
           </p:txBody>
         </p:sp>
@@ -4860,10 +4649,10 @@
         </p:nvGrpSpPr>
         <p:grpSpPr>
           <a:xfrm>
-            <a:off x="4998777" y="3964801"/>
-            <a:ext cx="1020991" cy="286189"/>
+            <a:off x="4907429" y="3579134"/>
+            <a:ext cx="1478396" cy="454919"/>
             <a:chOff x="3853619" y="3018778"/>
-            <a:chExt cx="1458555" cy="408842"/>
+            <a:chExt cx="1323834" cy="392047"/>
           </a:xfrm>
         </p:grpSpPr>
         <p:sp>
@@ -4948,8 +4737,8 @@
           </p:nvSpPr>
           <p:spPr>
             <a:xfrm>
-              <a:off x="4049927" y="3075875"/>
-              <a:ext cx="1262247" cy="351745"/>
+              <a:off x="3915206" y="3059081"/>
+              <a:ext cx="1262247" cy="351744"/>
             </a:xfrm>
             <a:prstGeom prst="rect">
               <a:avLst/>
@@ -4964,13 +4753,8 @@
             <a:p>
               <a:r>
                 <a:rPr lang="en-US" sz="1000" dirty="0"/>
-                <a:t>a</a:t>
+                <a:t>align_seqs.py</a:t>
               </a:r>
-              <a:r>
-                <a:rPr lang="en-US" sz="1000" dirty="0"/>
-                <a:t>lign_seqs.py</a:t>
-              </a:r>
-              <a:endParaRPr lang="en-US" sz="1000" dirty="0"/>
             </a:p>
           </p:txBody>
         </p:sp>
@@ -4983,10 +4767,10 @@
         </p:nvGrpSpPr>
         <p:grpSpPr>
           <a:xfrm>
-            <a:off x="4998776" y="4187216"/>
-            <a:ext cx="1291951" cy="277814"/>
+            <a:off x="4898123" y="4025189"/>
+            <a:ext cx="2710718" cy="502261"/>
             <a:chOff x="3853619" y="3336502"/>
-            <a:chExt cx="1845641" cy="396876"/>
+            <a:chExt cx="1830296" cy="399904"/>
           </a:xfrm>
         </p:grpSpPr>
         <p:sp>
@@ -5071,8 +4855,8 @@
           </p:nvSpPr>
           <p:spPr>
             <a:xfrm>
-              <a:off x="3919472" y="3381635"/>
-              <a:ext cx="1779788" cy="351743"/>
+              <a:off x="3904127" y="3384662"/>
+              <a:ext cx="1779788" cy="351744"/>
             </a:xfrm>
             <a:prstGeom prst="rect">
               <a:avLst/>
@@ -5087,85 +4871,248 @@
             <a:p>
               <a:r>
                 <a:rPr lang="en-US" sz="1000" dirty="0"/>
-                <a:t>a</a:t>
+                <a:t>assign_taxonomy.py</a:t>
               </a:r>
-              <a:r>
-                <a:rPr lang="en-US" sz="1000" dirty="0"/>
-                <a:t>ssign_taxonomy.py</a:t>
-              </a:r>
-              <a:endParaRPr lang="en-US" sz="1000" dirty="0"/>
             </a:p>
           </p:txBody>
         </p:sp>
       </p:grpSp>
-      <p:sp>
-        <p:nvSpPr>
-          <p:cNvPr id="88" name="TextBox 87"/>
-          <p:cNvSpPr txBox="1"/>
+      <p:grpSp>
+        <p:nvGrpSpPr>
+          <p:cNvPr id="43" name="Group 42"/>
+          <p:cNvGrpSpPr/>
           <p:nvPr/>
-        </p:nvSpPr>
-        <p:spPr>
+        </p:nvGrpSpPr>
+        <p:grpSpPr>
           <a:xfrm>
-            <a:off x="5071355" y="4442130"/>
-            <a:ext cx="1197764" cy="246221"/>
-          </a:xfrm>
-          <a:prstGeom prst="rect">
-            <a:avLst/>
-          </a:prstGeom>
-          <a:noFill/>
-        </p:spPr>
-        <p:txBody>
-          <a:bodyPr wrap="none" rtlCol="0">
-            <a:spAutoFit/>
-          </a:bodyPr>
-          <a:lstStyle/>
-          <a:p>
-            <a:r>
-              <a:rPr lang="en-US" sz="1000" dirty="0"/>
-              <a:t>m</a:t>
-            </a:r>
-            <a:r>
-              <a:rPr lang="en-US" sz="1000" dirty="0"/>
-              <a:t>ake_otu_table.py</a:t>
-            </a:r>
-            <a:endParaRPr lang="en-US" sz="1000" dirty="0"/>
-          </a:p>
-        </p:txBody>
-      </p:sp>
-      <p:sp>
-        <p:nvSpPr>
-          <p:cNvPr id="89" name="TextBox 88"/>
-          <p:cNvSpPr txBox="1"/>
+            <a:off x="4944379" y="4454351"/>
+            <a:ext cx="1443312" cy="369632"/>
+            <a:chOff x="4896469" y="4432644"/>
+            <a:chExt cx="1268158" cy="288072"/>
+          </a:xfrm>
+        </p:grpSpPr>
+        <p:sp>
+          <p:nvSpPr>
+            <p:cNvPr id="78" name="Oval 77"/>
+            <p:cNvSpPr/>
+            <p:nvPr/>
+          </p:nvSpPr>
+          <p:spPr>
+            <a:xfrm>
+              <a:off x="4896469" y="4432644"/>
+              <a:ext cx="1179348" cy="281200"/>
+            </a:xfrm>
+            <a:prstGeom prst="ellipse">
+              <a:avLst/>
+            </a:prstGeom>
+            <a:gradFill flip="none" rotWithShape="1">
+              <a:gsLst>
+                <a:gs pos="0">
+                  <a:srgbClr val="FF6699">
+                    <a:tint val="66000"/>
+                    <a:satMod val="160000"/>
+                  </a:srgbClr>
+                </a:gs>
+                <a:gs pos="50000">
+                  <a:srgbClr val="FF6699">
+                    <a:tint val="44500"/>
+                    <a:satMod val="160000"/>
+                  </a:srgbClr>
+                </a:gs>
+                <a:gs pos="100000">
+                  <a:srgbClr val="FF6699">
+                    <a:tint val="23500"/>
+                    <a:satMod val="160000"/>
+                  </a:srgbClr>
+                </a:gs>
+              </a:gsLst>
+              <a:lin ang="16200000" scaled="1"/>
+              <a:tileRect/>
+            </a:gradFill>
+            <a:ln>
+              <a:solidFill>
+                <a:schemeClr val="tx1"/>
+              </a:solidFill>
+            </a:ln>
+          </p:spPr>
+          <p:style>
+            <a:lnRef idx="2">
+              <a:schemeClr val="accent1">
+                <a:shade val="50000"/>
+              </a:schemeClr>
+            </a:lnRef>
+            <a:fillRef idx="1">
+              <a:schemeClr val="accent1"/>
+            </a:fillRef>
+            <a:effectRef idx="0">
+              <a:schemeClr val="accent1"/>
+            </a:effectRef>
+            <a:fontRef idx="minor">
+              <a:schemeClr val="lt1"/>
+            </a:fontRef>
+          </p:style>
+          <p:txBody>
+            <a:bodyPr rot="0" spcFirstLastPara="0" vertOverflow="overflow" horzOverflow="overflow" vert="horz" wrap="square" lIns="36004" tIns="18003" rIns="36004" bIns="18003" numCol="1" spcCol="0" rtlCol="0" fromWordArt="0" anchor="ctr" anchorCtr="0" forceAA="0" compatLnSpc="1">
+              <a:prstTxWarp prst="textNoShape">
+                <a:avLst/>
+              </a:prstTxWarp>
+              <a:noAutofit/>
+            </a:bodyPr>
+            <a:lstStyle/>
+            <a:p>
+              <a:pPr algn="ctr"/>
+              <a:endParaRPr lang="en-US" sz="1000"/>
+            </a:p>
+          </p:txBody>
+        </p:sp>
+        <p:sp>
+          <p:nvSpPr>
+            <p:cNvPr id="88" name="TextBox 87"/>
+            <p:cNvSpPr txBox="1"/>
+            <p:nvPr/>
+          </p:nvSpPr>
+          <p:spPr>
+            <a:xfrm>
+              <a:off x="4966863" y="4474495"/>
+              <a:ext cx="1197764" cy="246221"/>
+            </a:xfrm>
+            <a:prstGeom prst="rect">
+              <a:avLst/>
+            </a:prstGeom>
+            <a:noFill/>
+          </p:spPr>
+          <p:txBody>
+            <a:bodyPr wrap="none" rtlCol="0">
+              <a:spAutoFit/>
+            </a:bodyPr>
+            <a:lstStyle/>
+            <a:p>
+              <a:r>
+                <a:rPr lang="en-US" sz="1000" dirty="0"/>
+                <a:t>make_otu_table.py</a:t>
+              </a:r>
+            </a:p>
+          </p:txBody>
+        </p:sp>
+      </p:grpSp>
+      <p:grpSp>
+        <p:nvGrpSpPr>
+          <p:cNvPr id="42" name="Group 41"/>
+          <p:cNvGrpSpPr/>
           <p:nvPr/>
-        </p:nvSpPr>
-        <p:spPr>
+        </p:nvGrpSpPr>
+        <p:grpSpPr>
           <a:xfrm>
-            <a:off x="5065849" y="4672004"/>
-            <a:ext cx="1229824" cy="246221"/>
-          </a:xfrm>
-          <a:prstGeom prst="rect">
-            <a:avLst/>
-          </a:prstGeom>
-          <a:noFill/>
-        </p:spPr>
-        <p:txBody>
-          <a:bodyPr wrap="none" rtlCol="0">
-            <a:spAutoFit/>
-          </a:bodyPr>
-          <a:lstStyle/>
-          <a:p>
-            <a:r>
-              <a:rPr lang="en-US" sz="1000" dirty="0"/>
-              <a:t>m</a:t>
-            </a:r>
-            <a:r>
-              <a:rPr lang="en-US" sz="1000" dirty="0"/>
-              <a:t>ake_phylogeny.py</a:t>
-            </a:r>
-            <a:endParaRPr lang="en-US" sz="1000" dirty="0"/>
-          </a:p>
-        </p:txBody>
-      </p:sp>
+            <a:off x="4927813" y="4863512"/>
+            <a:ext cx="1847328" cy="416990"/>
+            <a:chOff x="4971620" y="4765296"/>
+            <a:chExt cx="1616001" cy="335369"/>
+          </a:xfrm>
+        </p:grpSpPr>
+        <p:sp>
+          <p:nvSpPr>
+            <p:cNvPr id="79" name="Oval 78"/>
+            <p:cNvSpPr/>
+            <p:nvPr/>
+          </p:nvSpPr>
+          <p:spPr>
+            <a:xfrm>
+              <a:off x="4971620" y="4765296"/>
+              <a:ext cx="1132410" cy="335369"/>
+            </a:xfrm>
+            <a:prstGeom prst="ellipse">
+              <a:avLst/>
+            </a:prstGeom>
+            <a:gradFill flip="none" rotWithShape="1">
+              <a:gsLst>
+                <a:gs pos="0">
+                  <a:srgbClr val="FF6699">
+                    <a:tint val="66000"/>
+                    <a:satMod val="160000"/>
+                  </a:srgbClr>
+                </a:gs>
+                <a:gs pos="50000">
+                  <a:srgbClr val="FF6699">
+                    <a:tint val="44500"/>
+                    <a:satMod val="160000"/>
+                  </a:srgbClr>
+                </a:gs>
+                <a:gs pos="100000">
+                  <a:srgbClr val="FF6699">
+                    <a:tint val="23500"/>
+                    <a:satMod val="160000"/>
+                  </a:srgbClr>
+                </a:gs>
+              </a:gsLst>
+              <a:lin ang="16200000" scaled="1"/>
+              <a:tileRect/>
+            </a:gradFill>
+            <a:ln>
+              <a:solidFill>
+                <a:schemeClr val="tx1"/>
+              </a:solidFill>
+            </a:ln>
+          </p:spPr>
+          <p:style>
+            <a:lnRef idx="2">
+              <a:schemeClr val="accent1">
+                <a:shade val="50000"/>
+              </a:schemeClr>
+            </a:lnRef>
+            <a:fillRef idx="1">
+              <a:schemeClr val="accent1"/>
+            </a:fillRef>
+            <a:effectRef idx="0">
+              <a:schemeClr val="accent1"/>
+            </a:effectRef>
+            <a:fontRef idx="minor">
+              <a:schemeClr val="lt1"/>
+            </a:fontRef>
+          </p:style>
+          <p:txBody>
+            <a:bodyPr rot="0" spcFirstLastPara="0" vertOverflow="overflow" horzOverflow="overflow" vert="horz" wrap="square" lIns="36004" tIns="18003" rIns="36004" bIns="18003" numCol="1" spcCol="0" rtlCol="0" fromWordArt="0" anchor="ctr" anchorCtr="0" forceAA="0" compatLnSpc="1">
+              <a:prstTxWarp prst="textNoShape">
+                <a:avLst/>
+              </a:prstTxWarp>
+              <a:noAutofit/>
+            </a:bodyPr>
+            <a:lstStyle/>
+            <a:p>
+              <a:pPr algn="ctr"/>
+              <a:endParaRPr lang="en-US" sz="1000"/>
+            </a:p>
+          </p:txBody>
+        </p:sp>
+        <p:sp>
+          <p:nvSpPr>
+            <p:cNvPr id="89" name="TextBox 88"/>
+            <p:cNvSpPr txBox="1"/>
+            <p:nvPr/>
+          </p:nvSpPr>
+          <p:spPr>
+            <a:xfrm>
+              <a:off x="5038491" y="4833527"/>
+              <a:ext cx="1549130" cy="246221"/>
+            </a:xfrm>
+            <a:prstGeom prst="rect">
+              <a:avLst/>
+            </a:prstGeom>
+            <a:noFill/>
+          </p:spPr>
+          <p:txBody>
+            <a:bodyPr wrap="square" rtlCol="0">
+              <a:spAutoFit/>
+            </a:bodyPr>
+            <a:lstStyle/>
+            <a:p>
+              <a:r>
+                <a:rPr lang="en-US" sz="1000" dirty="0"/>
+                <a:t>make_phylogeny.py</a:t>
+              </a:r>
+            </a:p>
+          </p:txBody>
+        </p:sp>
+      </p:grpSp>
       <p:cxnSp>
         <p:nvCxnSpPr>
           <p:cNvPr id="91" name="Straight Arrow Connector 90"/>
@@ -5173,9 +5120,9 @@
           <p:nvPr/>
         </p:nvCxnSpPr>
         <p:spPr>
-          <a:xfrm>
-            <a:off x="5637661" y="3616205"/>
-            <a:ext cx="152855" cy="0"/>
+          <a:xfrm flipV="1">
+            <a:off x="5967767" y="2695116"/>
+            <a:ext cx="389832" cy="178913"/>
           </a:xfrm>
           <a:prstGeom prst="straightConnector1">
             <a:avLst/>
@@ -5209,9 +5156,9 @@
           <p:nvPr/>
         </p:nvCxnSpPr>
         <p:spPr>
-          <a:xfrm>
-            <a:off x="5637661" y="3842435"/>
-            <a:ext cx="152855" cy="0"/>
+          <a:xfrm flipV="1">
+            <a:off x="5985453" y="3260865"/>
+            <a:ext cx="372146" cy="19840"/>
           </a:xfrm>
           <a:prstGeom prst="straightConnector1">
             <a:avLst/>
@@ -5245,9 +5192,9 @@
           <p:nvPr/>
         </p:nvCxnSpPr>
         <p:spPr>
-          <a:xfrm>
-            <a:off x="5637661" y="4067252"/>
-            <a:ext cx="152855" cy="0"/>
+          <a:xfrm flipV="1">
+            <a:off x="5919362" y="3748709"/>
+            <a:ext cx="364886" cy="3097"/>
           </a:xfrm>
           <a:prstGeom prst="straightConnector1">
             <a:avLst/>
@@ -5274,423 +5221,267 @@
           </a:fontRef>
         </p:style>
       </p:cxnSp>
-      <p:sp>
-        <p:nvSpPr>
-          <p:cNvPr id="97" name="Rectangle 96"/>
-          <p:cNvSpPr/>
+      <p:grpSp>
+        <p:nvGrpSpPr>
+          <p:cNvPr id="53" name="Group 52"/>
+          <p:cNvGrpSpPr/>
           <p:nvPr/>
-        </p:nvSpPr>
-        <p:spPr>
+        </p:nvGrpSpPr>
+        <p:grpSpPr>
           <a:xfrm>
-            <a:off x="6590619" y="3490902"/>
-            <a:ext cx="950072" cy="187281"/>
-          </a:xfrm>
-          <a:prstGeom prst="rect">
-            <a:avLst/>
-          </a:prstGeom>
-          <a:gradFill flip="none" rotWithShape="1">
-            <a:gsLst>
-              <a:gs pos="100000">
-                <a:schemeClr val="bg1"/>
-              </a:gs>
-              <a:gs pos="50000">
-                <a:schemeClr val="accent1">
-                  <a:lumMod val="40000"/>
-                  <a:lumOff val="60000"/>
-                </a:schemeClr>
-              </a:gs>
-              <a:gs pos="0">
-                <a:schemeClr val="accent1">
-                  <a:lumMod val="40000"/>
-                  <a:lumOff val="60000"/>
-                  <a:shade val="100000"/>
-                  <a:satMod val="115000"/>
-                </a:schemeClr>
-              </a:gs>
-            </a:gsLst>
-            <a:lin ang="16200000" scaled="1"/>
-            <a:tileRect/>
-          </a:gradFill>
-          <a:ln>
-            <a:solidFill>
-              <a:schemeClr val="tx1"/>
-            </a:solidFill>
-          </a:ln>
-        </p:spPr>
-        <p:style>
-          <a:lnRef idx="2">
-            <a:schemeClr val="accent1">
-              <a:shade val="50000"/>
-            </a:schemeClr>
-          </a:lnRef>
-          <a:fillRef idx="1">
-            <a:schemeClr val="accent1"/>
-          </a:fillRef>
-          <a:effectRef idx="0">
-            <a:schemeClr val="accent1"/>
-          </a:effectRef>
-          <a:fontRef idx="minor">
-            <a:schemeClr val="lt1"/>
-          </a:fontRef>
-        </p:style>
-        <p:txBody>
-          <a:bodyPr rot="0" spcFirstLastPara="0" vertOverflow="overflow" horzOverflow="overflow" vert="horz" wrap="square" lIns="36004" tIns="18003" rIns="36004" bIns="18003" numCol="1" spcCol="0" rtlCol="0" fromWordArt="0" anchor="ctr" anchorCtr="0" forceAA="0" compatLnSpc="1">
-            <a:prstTxWarp prst="textNoShape">
+            <a:off x="5051517" y="3022624"/>
+            <a:ext cx="5493272" cy="409209"/>
+            <a:chOff x="5050027" y="3240071"/>
+            <a:chExt cx="5493272" cy="409209"/>
+          </a:xfrm>
+        </p:grpSpPr>
+        <p:sp>
+          <p:nvSpPr>
+            <p:cNvPr id="98" name="Rectangle 97"/>
+            <p:cNvSpPr/>
+            <p:nvPr/>
+          </p:nvSpPr>
+          <p:spPr>
+            <a:xfrm>
+              <a:off x="6415399" y="3240349"/>
+              <a:ext cx="2792101" cy="408931"/>
+            </a:xfrm>
+            <a:prstGeom prst="rect">
               <a:avLst/>
-            </a:prstTxWarp>
-            <a:noAutofit/>
-          </a:bodyPr>
-          <a:lstStyle/>
-          <a:p>
-            <a:pPr algn="ctr"/>
-            <a:endParaRPr lang="en-US" sz="1000"/>
-          </a:p>
-        </p:txBody>
-      </p:sp>
-      <p:sp>
-        <p:nvSpPr>
-          <p:cNvPr id="98" name="Rectangle 97"/>
-          <p:cNvSpPr/>
+            </a:prstGeom>
+            <a:gradFill flip="none" rotWithShape="1">
+              <a:gsLst>
+                <a:gs pos="100000">
+                  <a:schemeClr val="bg1"/>
+                </a:gs>
+                <a:gs pos="50000">
+                  <a:schemeClr val="accent1">
+                    <a:lumMod val="40000"/>
+                    <a:lumOff val="60000"/>
+                  </a:schemeClr>
+                </a:gs>
+                <a:gs pos="0">
+                  <a:schemeClr val="accent1">
+                    <a:lumMod val="40000"/>
+                    <a:lumOff val="60000"/>
+                    <a:shade val="100000"/>
+                    <a:satMod val="115000"/>
+                  </a:schemeClr>
+                </a:gs>
+              </a:gsLst>
+              <a:lin ang="16200000" scaled="1"/>
+              <a:tileRect/>
+            </a:gradFill>
+            <a:ln>
+              <a:solidFill>
+                <a:schemeClr val="tx1"/>
+              </a:solidFill>
+            </a:ln>
+          </p:spPr>
+          <p:style>
+            <a:lnRef idx="2">
+              <a:schemeClr val="accent1">
+                <a:shade val="50000"/>
+              </a:schemeClr>
+            </a:lnRef>
+            <a:fillRef idx="1">
+              <a:schemeClr val="accent1"/>
+            </a:fillRef>
+            <a:effectRef idx="0">
+              <a:schemeClr val="accent1"/>
+            </a:effectRef>
+            <a:fontRef idx="minor">
+              <a:schemeClr val="lt1"/>
+            </a:fontRef>
+          </p:style>
+          <p:txBody>
+            <a:bodyPr rot="0" spcFirstLastPara="0" vertOverflow="overflow" horzOverflow="overflow" vert="horz" wrap="square" lIns="36004" tIns="18003" rIns="36004" bIns="18003" numCol="1" spcCol="0" rtlCol="0" fromWordArt="0" anchor="ctr" anchorCtr="0" forceAA="0" compatLnSpc="1">
+              <a:prstTxWarp prst="textNoShape">
+                <a:avLst/>
+              </a:prstTxWarp>
+              <a:noAutofit/>
+            </a:bodyPr>
+            <a:lstStyle/>
+            <a:p>
+              <a:pPr algn="ctr"/>
+              <a:endParaRPr lang="en-US" sz="1000"/>
+            </a:p>
+          </p:txBody>
+        </p:sp>
+        <p:sp>
+          <p:nvSpPr>
+            <p:cNvPr id="104" name="TextBox 103"/>
+            <p:cNvSpPr txBox="1"/>
+            <p:nvPr/>
+          </p:nvSpPr>
+          <p:spPr>
+            <a:xfrm>
+              <a:off x="5050027" y="3240071"/>
+              <a:ext cx="5493272" cy="400110"/>
+            </a:xfrm>
+            <a:prstGeom prst="rect">
+              <a:avLst/>
+            </a:prstGeom>
+            <a:noFill/>
+          </p:spPr>
+          <p:txBody>
+            <a:bodyPr wrap="square" rtlCol="0">
+              <a:spAutoFit/>
+            </a:bodyPr>
+            <a:lstStyle/>
+            <a:p>
+              <a:pPr algn="ctr"/>
+              <a:r>
+                <a:rPr lang="en-US" sz="1000" dirty="0"/>
+                <a:t>List of one representative </a:t>
+              </a:r>
+              <a:r>
+                <a:rPr lang="en-US" sz="1000" dirty="0" smtClean="0"/>
+                <a:t>sequence of </a:t>
+              </a:r>
+              <a:r>
+                <a:rPr lang="en-US" sz="1000" dirty="0"/>
+                <a:t>each OTU </a:t>
+              </a:r>
+              <a:endParaRPr lang="en-US" sz="1000" dirty="0" smtClean="0"/>
+            </a:p>
+            <a:p>
+              <a:pPr algn="ctr"/>
+              <a:r>
+                <a:rPr lang="en-US" sz="1000" b="1" dirty="0" err="1" smtClean="0"/>
+                <a:t>rep_set.fna</a:t>
+              </a:r>
+              <a:endParaRPr lang="en-US" sz="1000" b="1" dirty="0"/>
+            </a:p>
+          </p:txBody>
+        </p:sp>
+      </p:grpSp>
+      <p:grpSp>
+        <p:nvGrpSpPr>
+          <p:cNvPr id="54" name="Group 53"/>
+          <p:cNvGrpSpPr/>
           <p:nvPr/>
-        </p:nvSpPr>
-        <p:spPr>
+        </p:nvGrpSpPr>
+        <p:grpSpPr>
           <a:xfrm>
-            <a:off x="6590622" y="3714809"/>
-            <a:ext cx="950071" cy="187281"/>
-          </a:xfrm>
-          <a:prstGeom prst="rect">
-            <a:avLst/>
-          </a:prstGeom>
-          <a:gradFill flip="none" rotWithShape="1">
-            <a:gsLst>
-              <a:gs pos="100000">
-                <a:schemeClr val="bg1"/>
-              </a:gs>
-              <a:gs pos="50000">
-                <a:schemeClr val="accent1">
-                  <a:lumMod val="40000"/>
-                  <a:lumOff val="60000"/>
-                </a:schemeClr>
-              </a:gs>
-              <a:gs pos="0">
-                <a:schemeClr val="accent1">
-                  <a:lumMod val="40000"/>
-                  <a:lumOff val="60000"/>
-                  <a:shade val="100000"/>
-                  <a:satMod val="115000"/>
-                </a:schemeClr>
-              </a:gs>
-            </a:gsLst>
-            <a:lin ang="16200000" scaled="1"/>
-            <a:tileRect/>
-          </a:gradFill>
-          <a:ln>
-            <a:solidFill>
-              <a:schemeClr val="tx1"/>
-            </a:solidFill>
-          </a:ln>
-        </p:spPr>
-        <p:style>
-          <a:lnRef idx="2">
-            <a:schemeClr val="accent1">
-              <a:shade val="50000"/>
-            </a:schemeClr>
-          </a:lnRef>
-          <a:fillRef idx="1">
-            <a:schemeClr val="accent1"/>
-          </a:fillRef>
-          <a:effectRef idx="0">
-            <a:schemeClr val="accent1"/>
-          </a:effectRef>
-          <a:fontRef idx="minor">
-            <a:schemeClr val="lt1"/>
-          </a:fontRef>
-        </p:style>
-        <p:txBody>
-          <a:bodyPr rot="0" spcFirstLastPara="0" vertOverflow="overflow" horzOverflow="overflow" vert="horz" wrap="square" lIns="36004" tIns="18003" rIns="36004" bIns="18003" numCol="1" spcCol="0" rtlCol="0" fromWordArt="0" anchor="ctr" anchorCtr="0" forceAA="0" compatLnSpc="1">
-            <a:prstTxWarp prst="textNoShape">
+            <a:off x="6347474" y="3504732"/>
+            <a:ext cx="2970658" cy="480246"/>
+            <a:chOff x="6312624" y="3653342"/>
+            <a:chExt cx="2880072" cy="413802"/>
+          </a:xfrm>
+        </p:grpSpPr>
+        <p:sp>
+          <p:nvSpPr>
+            <p:cNvPr id="99" name="Rectangle 98"/>
+            <p:cNvSpPr/>
+            <p:nvPr/>
+          </p:nvSpPr>
+          <p:spPr>
+            <a:xfrm>
+              <a:off x="6385825" y="3653342"/>
+              <a:ext cx="2720684" cy="371848"/>
+            </a:xfrm>
+            <a:prstGeom prst="rect">
               <a:avLst/>
-            </a:prstTxWarp>
-            <a:noAutofit/>
-          </a:bodyPr>
-          <a:lstStyle/>
-          <a:p>
-            <a:pPr algn="ctr"/>
-            <a:endParaRPr lang="en-US" sz="1000"/>
-          </a:p>
-        </p:txBody>
-      </p:sp>
-      <p:sp>
-        <p:nvSpPr>
-          <p:cNvPr id="99" name="Rectangle 98"/>
-          <p:cNvSpPr/>
-          <p:nvPr/>
-        </p:nvSpPr>
-        <p:spPr>
-          <a:xfrm>
-            <a:off x="6590622" y="3938858"/>
-            <a:ext cx="950071" cy="187281"/>
-          </a:xfrm>
-          <a:prstGeom prst="rect">
-            <a:avLst/>
-          </a:prstGeom>
-          <a:gradFill flip="none" rotWithShape="1">
-            <a:gsLst>
-              <a:gs pos="100000">
-                <a:schemeClr val="bg1"/>
-              </a:gs>
-              <a:gs pos="50000">
-                <a:schemeClr val="accent1">
-                  <a:lumMod val="40000"/>
-                  <a:lumOff val="60000"/>
-                </a:schemeClr>
-              </a:gs>
-              <a:gs pos="0">
-                <a:schemeClr val="accent1">
-                  <a:lumMod val="40000"/>
-                  <a:lumOff val="60000"/>
-                  <a:shade val="100000"/>
-                  <a:satMod val="115000"/>
-                </a:schemeClr>
-              </a:gs>
-            </a:gsLst>
-            <a:lin ang="16200000" scaled="1"/>
-            <a:tileRect/>
-          </a:gradFill>
-          <a:ln>
-            <a:solidFill>
-              <a:schemeClr val="tx1"/>
-            </a:solidFill>
-          </a:ln>
-        </p:spPr>
-        <p:style>
-          <a:lnRef idx="2">
-            <a:schemeClr val="accent1">
-              <a:shade val="50000"/>
-            </a:schemeClr>
-          </a:lnRef>
-          <a:fillRef idx="1">
-            <a:schemeClr val="accent1"/>
-          </a:fillRef>
-          <a:effectRef idx="0">
-            <a:schemeClr val="accent1"/>
-          </a:effectRef>
-          <a:fontRef idx="minor">
-            <a:schemeClr val="lt1"/>
-          </a:fontRef>
-        </p:style>
-        <p:txBody>
-          <a:bodyPr rot="0" spcFirstLastPara="0" vertOverflow="overflow" horzOverflow="overflow" vert="horz" wrap="square" lIns="36004" tIns="18003" rIns="36004" bIns="18003" numCol="1" spcCol="0" rtlCol="0" fromWordArt="0" anchor="ctr" anchorCtr="0" forceAA="0" compatLnSpc="1">
-            <a:prstTxWarp prst="textNoShape">
+            </a:prstGeom>
+            <a:gradFill flip="none" rotWithShape="1">
+              <a:gsLst>
+                <a:gs pos="100000">
+                  <a:schemeClr val="bg1"/>
+                </a:gs>
+                <a:gs pos="50000">
+                  <a:schemeClr val="accent1">
+                    <a:lumMod val="40000"/>
+                    <a:lumOff val="60000"/>
+                  </a:schemeClr>
+                </a:gs>
+                <a:gs pos="0">
+                  <a:schemeClr val="accent1">
+                    <a:lumMod val="40000"/>
+                    <a:lumOff val="60000"/>
+                    <a:shade val="100000"/>
+                    <a:satMod val="115000"/>
+                  </a:schemeClr>
+                </a:gs>
+              </a:gsLst>
+              <a:lin ang="16200000" scaled="1"/>
+              <a:tileRect/>
+            </a:gradFill>
+            <a:ln>
+              <a:solidFill>
+                <a:schemeClr val="tx1"/>
+              </a:solidFill>
+            </a:ln>
+          </p:spPr>
+          <p:style>
+            <a:lnRef idx="2">
+              <a:schemeClr val="accent1">
+                <a:shade val="50000"/>
+              </a:schemeClr>
+            </a:lnRef>
+            <a:fillRef idx="1">
+              <a:schemeClr val="accent1"/>
+            </a:fillRef>
+            <a:effectRef idx="0">
+              <a:schemeClr val="accent1"/>
+            </a:effectRef>
+            <a:fontRef idx="minor">
+              <a:schemeClr val="lt1"/>
+            </a:fontRef>
+          </p:style>
+          <p:txBody>
+            <a:bodyPr rot="0" spcFirstLastPara="0" vertOverflow="overflow" horzOverflow="overflow" vert="horz" wrap="square" lIns="36004" tIns="18003" rIns="36004" bIns="18003" numCol="1" spcCol="0" rtlCol="0" fromWordArt="0" anchor="ctr" anchorCtr="0" forceAA="0" compatLnSpc="1">
+              <a:prstTxWarp prst="textNoShape">
+                <a:avLst/>
+              </a:prstTxWarp>
+              <a:noAutofit/>
+            </a:bodyPr>
+            <a:lstStyle/>
+            <a:p>
+              <a:pPr algn="ctr"/>
+              <a:endParaRPr lang="en-US" sz="1000"/>
+            </a:p>
+          </p:txBody>
+        </p:sp>
+        <p:sp>
+          <p:nvSpPr>
+            <p:cNvPr id="105" name="TextBox 104"/>
+            <p:cNvSpPr txBox="1"/>
+            <p:nvPr/>
+          </p:nvSpPr>
+          <p:spPr>
+            <a:xfrm>
+              <a:off x="6312624" y="3667034"/>
+              <a:ext cx="2880072" cy="400110"/>
+            </a:xfrm>
+            <a:prstGeom prst="rect">
               <a:avLst/>
-            </a:prstTxWarp>
-            <a:noAutofit/>
-          </a:bodyPr>
-          <a:lstStyle/>
-          <a:p>
-            <a:pPr algn="ctr"/>
-            <a:endParaRPr lang="en-US" sz="1000"/>
-          </a:p>
-        </p:txBody>
-      </p:sp>
-      <p:sp>
-        <p:nvSpPr>
-          <p:cNvPr id="100" name="Rectangle 99"/>
-          <p:cNvSpPr/>
-          <p:nvPr/>
-        </p:nvSpPr>
-        <p:spPr>
-          <a:xfrm>
-            <a:off x="6585461" y="4157977"/>
-            <a:ext cx="955227" cy="187281"/>
-          </a:xfrm>
-          <a:prstGeom prst="rect">
-            <a:avLst/>
-          </a:prstGeom>
-          <a:gradFill flip="none" rotWithShape="1">
-            <a:gsLst>
-              <a:gs pos="100000">
-                <a:schemeClr val="bg1"/>
-              </a:gs>
-              <a:gs pos="50000">
-                <a:schemeClr val="accent1">
-                  <a:lumMod val="40000"/>
-                  <a:lumOff val="60000"/>
-                </a:schemeClr>
-              </a:gs>
-              <a:gs pos="0">
-                <a:schemeClr val="accent1">
-                  <a:lumMod val="40000"/>
-                  <a:lumOff val="60000"/>
-                  <a:shade val="100000"/>
-                  <a:satMod val="115000"/>
-                </a:schemeClr>
-              </a:gs>
-            </a:gsLst>
-            <a:lin ang="16200000" scaled="1"/>
-            <a:tileRect/>
-          </a:gradFill>
-          <a:ln>
-            <a:solidFill>
-              <a:schemeClr val="tx1"/>
-            </a:solidFill>
-          </a:ln>
-        </p:spPr>
-        <p:style>
-          <a:lnRef idx="2">
-            <a:schemeClr val="accent1">
-              <a:shade val="50000"/>
-            </a:schemeClr>
-          </a:lnRef>
-          <a:fillRef idx="1">
-            <a:schemeClr val="accent1"/>
-          </a:fillRef>
-          <a:effectRef idx="0">
-            <a:schemeClr val="accent1"/>
-          </a:effectRef>
-          <a:fontRef idx="minor">
-            <a:schemeClr val="lt1"/>
-          </a:fontRef>
-        </p:style>
-        <p:txBody>
-          <a:bodyPr rot="0" spcFirstLastPara="0" vertOverflow="overflow" horzOverflow="overflow" vert="horz" wrap="square" lIns="36004" tIns="18003" rIns="36004" bIns="18003" numCol="1" spcCol="0" rtlCol="0" fromWordArt="0" anchor="ctr" anchorCtr="0" forceAA="0" compatLnSpc="1">
-            <a:prstTxWarp prst="textNoShape">
-              <a:avLst/>
-            </a:prstTxWarp>
-            <a:noAutofit/>
-          </a:bodyPr>
-          <a:lstStyle/>
-          <a:p>
-            <a:pPr algn="ctr"/>
-            <a:endParaRPr lang="en-US" sz="1000"/>
-          </a:p>
-        </p:txBody>
-      </p:sp>
-      <p:sp>
-        <p:nvSpPr>
-          <p:cNvPr id="103" name="TextBox 102"/>
-          <p:cNvSpPr txBox="1"/>
-          <p:nvPr/>
-        </p:nvSpPr>
-        <p:spPr>
-          <a:xfrm>
-            <a:off x="6219563" y="3345527"/>
-            <a:ext cx="2236510" cy="400110"/>
-          </a:xfrm>
-          <a:prstGeom prst="rect">
-            <a:avLst/>
-          </a:prstGeom>
-          <a:noFill/>
-        </p:spPr>
-        <p:txBody>
-          <a:bodyPr wrap="none" rtlCol="0">
-            <a:spAutoFit/>
-          </a:bodyPr>
-          <a:lstStyle/>
-          <a:p>
-            <a:pPr algn="ctr"/>
-            <a:r>
-              <a:rPr lang="en-US" sz="1000" dirty="0"/>
-              <a:t>List of sequences per OTU (“OTU map”)</a:t>
-            </a:r>
-          </a:p>
-          <a:p>
-            <a:pPr algn="ctr"/>
-            <a:r>
-              <a:rPr lang="en-US" sz="1000" b="1" dirty="0"/>
-              <a:t>seqs_otus.txt</a:t>
-            </a:r>
-            <a:endParaRPr lang="en-US" sz="1000" b="1" dirty="0"/>
-          </a:p>
-        </p:txBody>
-      </p:sp>
-      <p:sp>
-        <p:nvSpPr>
-          <p:cNvPr id="104" name="TextBox 103"/>
-          <p:cNvSpPr txBox="1"/>
-          <p:nvPr/>
-        </p:nvSpPr>
-        <p:spPr>
-          <a:xfrm>
-            <a:off x="6078566" y="3671347"/>
-            <a:ext cx="2073004" cy="553998"/>
-          </a:xfrm>
-          <a:prstGeom prst="rect">
-            <a:avLst/>
-          </a:prstGeom>
-          <a:noFill/>
-        </p:spPr>
-        <p:txBody>
-          <a:bodyPr wrap="none" rtlCol="0">
-            <a:spAutoFit/>
-          </a:bodyPr>
-          <a:lstStyle/>
-          <a:p>
-            <a:pPr algn="ctr"/>
-            <a:r>
-              <a:rPr lang="en-US" sz="1000" dirty="0"/>
-              <a:t>List of one representative sequence </a:t>
-            </a:r>
-          </a:p>
-          <a:p>
-            <a:pPr algn="ctr"/>
-            <a:r>
-              <a:rPr lang="en-US" sz="1000" dirty="0"/>
-              <a:t>of each OTU </a:t>
-            </a:r>
-          </a:p>
-          <a:p>
-            <a:pPr algn="ctr"/>
-            <a:r>
-              <a:rPr lang="en-US" sz="1000" b="1" dirty="0" err="1"/>
-              <a:t>r</a:t>
-            </a:r>
-            <a:r>
-              <a:rPr lang="en-US" sz="1000" b="1" dirty="0" err="1"/>
-              <a:t>ep_set.fna</a:t>
-            </a:r>
-            <a:endParaRPr lang="en-US" sz="1000" b="1" dirty="0"/>
-          </a:p>
-        </p:txBody>
-      </p:sp>
-      <p:sp>
-        <p:nvSpPr>
-          <p:cNvPr id="105" name="TextBox 104"/>
-          <p:cNvSpPr txBox="1"/>
-          <p:nvPr/>
-        </p:nvSpPr>
-        <p:spPr>
-          <a:xfrm>
-            <a:off x="6590617" y="3904859"/>
-            <a:ext cx="950072" cy="1015663"/>
-          </a:xfrm>
-          <a:prstGeom prst="rect">
-            <a:avLst/>
-          </a:prstGeom>
-          <a:noFill/>
-        </p:spPr>
-        <p:txBody>
-          <a:bodyPr wrap="square" rtlCol="0">
-            <a:spAutoFit/>
-          </a:bodyPr>
-          <a:lstStyle/>
-          <a:p>
-            <a:pPr algn="ctr"/>
-            <a:r>
-              <a:rPr lang="en-US" sz="1000" dirty="0"/>
-              <a:t>Alignment of representative sequence of each OTU </a:t>
-            </a:r>
-          </a:p>
-          <a:p>
-            <a:pPr algn="ctr"/>
-            <a:r>
-              <a:rPr lang="en-US" sz="1000" b="1" dirty="0" err="1"/>
-              <a:t>rep_set_aligned.fna</a:t>
-            </a:r>
-            <a:endParaRPr lang="en-US" sz="1000" b="1" dirty="0"/>
-          </a:p>
-        </p:txBody>
-      </p:sp>
+            </a:prstGeom>
+            <a:noFill/>
+          </p:spPr>
+          <p:txBody>
+            <a:bodyPr wrap="square" rtlCol="0">
+              <a:spAutoFit/>
+            </a:bodyPr>
+            <a:lstStyle/>
+            <a:p>
+              <a:pPr algn="ctr"/>
+              <a:r>
+                <a:rPr lang="en-US" sz="1000" dirty="0"/>
+                <a:t>Alignment of representative sequence of each OTU </a:t>
+              </a:r>
+            </a:p>
+            <a:p>
+              <a:pPr algn="ctr"/>
+              <a:r>
+                <a:rPr lang="en-US" sz="1000" b="1" dirty="0" err="1"/>
+                <a:t>rep_set_aligned.fna</a:t>
+              </a:r>
+              <a:endParaRPr lang="en-US" sz="1000" b="1" dirty="0"/>
+            </a:p>
+          </p:txBody>
+        </p:sp>
+      </p:grpSp>
       <p:cxnSp>
         <p:nvCxnSpPr>
           <p:cNvPr id="107" name="Straight Arrow Connector 106"/>
@@ -5699,7 +5490,7 @@
         </p:nvCxnSpPr>
         <p:spPr>
           <a:xfrm flipH="1">
-            <a:off x="4374392" y="2242641"/>
+            <a:off x="4196765" y="1696202"/>
             <a:ext cx="770171" cy="528788"/>
           </a:xfrm>
           <a:prstGeom prst="straightConnector1">
@@ -5735,10 +5526,10 @@
         </p:nvGrpSpPr>
         <p:grpSpPr>
           <a:xfrm>
-            <a:off x="4712998" y="2430976"/>
-            <a:ext cx="1667740" cy="553998"/>
-            <a:chOff x="4705378" y="2667196"/>
-            <a:chExt cx="1667740" cy="553998"/>
+            <a:off x="6831369" y="1376053"/>
+            <a:ext cx="1667740" cy="568355"/>
+            <a:chOff x="4718767" y="2679102"/>
+            <a:chExt cx="1667740" cy="568355"/>
           </a:xfrm>
         </p:grpSpPr>
         <p:sp>
@@ -5822,7 +5613,7 @@
           </p:nvSpPr>
           <p:spPr>
             <a:xfrm>
-              <a:off x="4705378" y="2667196"/>
+              <a:off x="4718767" y="2693459"/>
               <a:ext cx="1667740" cy="553998"/>
             </a:xfrm>
             <a:prstGeom prst="rect">
@@ -5841,7 +5632,6 @@
                 <a:rPr lang="en-US" sz="1000" dirty="0"/>
                 <a:t>A “gold” database for alignment and chimera checking</a:t>
               </a:r>
-              <a:endParaRPr lang="en-US" sz="1000" dirty="0"/>
             </a:p>
           </p:txBody>
         </p:sp>
@@ -5854,7 +5644,7 @@
         </p:nvSpPr>
         <p:spPr>
           <a:xfrm>
-            <a:off x="6273953" y="2418461"/>
+            <a:off x="8009006" y="1680070"/>
             <a:ext cx="1592194" cy="400110"/>
           </a:xfrm>
           <a:prstGeom prst="rect">
@@ -5889,268 +5679,106 @@
               <a:rPr lang="en-US" sz="1000" i="1" dirty="0"/>
               <a:t>, etc.</a:t>
             </a:r>
-            <a:endParaRPr lang="en-US" sz="1000" i="1" dirty="0"/>
-          </a:p>
-        </p:txBody>
-      </p:sp>
-      <p:cxnSp>
-        <p:nvCxnSpPr>
-          <p:cNvPr id="111" name="Straight Arrow Connector 110"/>
-          <p:cNvCxnSpPr/>
-          <p:nvPr/>
-        </p:nvCxnSpPr>
-        <p:spPr>
-          <a:xfrm>
-            <a:off x="6698084" y="3197514"/>
-            <a:ext cx="0" cy="126527"/>
-          </a:xfrm>
-          <a:prstGeom prst="straightConnector1">
-            <a:avLst/>
-          </a:prstGeom>
-          <a:ln>
-            <a:solidFill>
-              <a:schemeClr val="tx1"/>
-            </a:solidFill>
-            <a:tailEnd type="triangle"/>
-          </a:ln>
-        </p:spPr>
-        <p:style>
-          <a:lnRef idx="1">
-            <a:schemeClr val="accent1"/>
-          </a:lnRef>
-          <a:fillRef idx="0">
-            <a:schemeClr val="accent1"/>
-          </a:fillRef>
-          <a:effectRef idx="0">
-            <a:schemeClr val="accent1"/>
-          </a:effectRef>
-          <a:fontRef idx="minor">
-            <a:schemeClr val="tx1"/>
-          </a:fontRef>
-        </p:style>
-      </p:cxnSp>
-      <p:sp>
-        <p:nvSpPr>
-          <p:cNvPr id="112" name="TextBox 111"/>
-          <p:cNvSpPr txBox="1"/>
-          <p:nvPr/>
-        </p:nvSpPr>
-        <p:spPr>
-          <a:xfrm>
-            <a:off x="6582215" y="4157274"/>
-            <a:ext cx="950072" cy="1169551"/>
-          </a:xfrm>
-          <a:prstGeom prst="rect">
-            <a:avLst/>
-          </a:prstGeom>
-          <a:noFill/>
-        </p:spPr>
-        <p:txBody>
-          <a:bodyPr wrap="square" rtlCol="0">
-            <a:spAutoFit/>
-          </a:bodyPr>
-          <a:lstStyle/>
-          <a:p>
-            <a:pPr algn="ctr"/>
-            <a:r>
-              <a:rPr lang="en-US" sz="1000" dirty="0"/>
-              <a:t>List of taxonomic assignments each OTU</a:t>
-            </a:r>
-          </a:p>
-          <a:p>
-            <a:pPr algn="ctr"/>
-            <a:r>
-              <a:rPr lang="en-US" sz="1000" b="1" dirty="0"/>
-              <a:t>rep_set_tax_assignments.txt</a:t>
-            </a:r>
-            <a:endParaRPr lang="en-US" sz="1000" b="1" dirty="0"/>
           </a:p>
         </p:txBody>
       </p:sp>
       <p:grpSp>
         <p:nvGrpSpPr>
-          <p:cNvPr id="6" name="Group 5"/>
+          <p:cNvPr id="44" name="Group 43"/>
           <p:cNvGrpSpPr/>
           <p:nvPr/>
         </p:nvGrpSpPr>
         <p:grpSpPr>
           <a:xfrm>
-            <a:off x="5624015" y="4284659"/>
-            <a:ext cx="950072" cy="854390"/>
-            <a:chOff x="4745998" y="3470892"/>
-            <a:chExt cx="1357245" cy="1220559"/>
+            <a:off x="6316047" y="2474343"/>
+            <a:ext cx="2734870" cy="446114"/>
+            <a:chOff x="6045161" y="2984129"/>
+            <a:chExt cx="2734870" cy="446114"/>
           </a:xfrm>
         </p:grpSpPr>
-        <p:grpSp>
-          <p:nvGrpSpPr>
-            <p:cNvPr id="4" name="Group 3"/>
-            <p:cNvGrpSpPr/>
-            <p:nvPr/>
-          </p:nvGrpSpPr>
-          <p:grpSpPr>
-            <a:xfrm>
-              <a:off x="4766313" y="3470892"/>
-              <a:ext cx="974544" cy="470027"/>
-              <a:chOff x="4766313" y="3470892"/>
-              <a:chExt cx="974544" cy="470027"/>
-            </a:xfrm>
-          </p:grpSpPr>
-          <p:cxnSp>
-            <p:nvCxnSpPr>
-              <p:cNvPr id="94" name="Straight Arrow Connector 93"/>
-              <p:cNvCxnSpPr/>
-              <p:nvPr/>
-            </p:nvCxnSpPr>
-            <p:spPr>
-              <a:xfrm>
-                <a:off x="4766313" y="3470892"/>
-                <a:ext cx="218364" cy="0"/>
-              </a:xfrm>
-              <a:prstGeom prst="straightConnector1">
-                <a:avLst/>
-              </a:prstGeom>
-              <a:ln>
-                <a:solidFill>
-                  <a:schemeClr val="tx1"/>
-                </a:solidFill>
-                <a:tailEnd type="triangle"/>
-              </a:ln>
-            </p:spPr>
-            <p:style>
-              <a:lnRef idx="1">
-                <a:schemeClr val="accent1"/>
-              </a:lnRef>
-              <a:fillRef idx="0">
-                <a:schemeClr val="accent1"/>
-              </a:fillRef>
-              <a:effectRef idx="0">
-                <a:schemeClr val="accent1"/>
-              </a:effectRef>
-              <a:fontRef idx="minor">
-                <a:schemeClr val="tx1"/>
-              </a:fontRef>
-            </p:style>
-          </p:cxnSp>
-          <p:cxnSp>
-            <p:nvCxnSpPr>
-              <p:cNvPr id="95" name="Straight Arrow Connector 94"/>
-              <p:cNvCxnSpPr/>
-              <p:nvPr/>
-            </p:nvCxnSpPr>
-            <p:spPr>
-              <a:xfrm>
-                <a:off x="4766313" y="3801792"/>
-                <a:ext cx="218364" cy="0"/>
-              </a:xfrm>
-              <a:prstGeom prst="straightConnector1">
-                <a:avLst/>
-              </a:prstGeom>
-              <a:ln>
-                <a:solidFill>
-                  <a:schemeClr val="tx1"/>
-                </a:solidFill>
-                <a:tailEnd type="triangle"/>
-              </a:ln>
-            </p:spPr>
-            <p:style>
-              <a:lnRef idx="1">
-                <a:schemeClr val="accent1"/>
-              </a:lnRef>
-              <a:fillRef idx="0">
-                <a:schemeClr val="accent1"/>
-              </a:fillRef>
-              <a:effectRef idx="0">
-                <a:schemeClr val="accent1"/>
-              </a:effectRef>
-              <a:fontRef idx="minor">
-                <a:schemeClr val="tx1"/>
-              </a:fontRef>
-            </p:style>
-          </p:cxnSp>
-          <p:sp>
-            <p:nvSpPr>
-              <p:cNvPr id="101" name="Rectangle 100"/>
-              <p:cNvSpPr/>
-              <p:nvPr/>
-            </p:nvSpPr>
-            <p:spPr>
-              <a:xfrm>
-                <a:off x="5064401" y="3673374"/>
-                <a:ext cx="676456" cy="267545"/>
-              </a:xfrm>
-              <a:prstGeom prst="rect">
-                <a:avLst/>
-              </a:prstGeom>
-              <a:gradFill flip="none" rotWithShape="1">
-                <a:gsLst>
-                  <a:gs pos="100000">
-                    <a:schemeClr val="bg1"/>
-                  </a:gs>
-                  <a:gs pos="50000">
-                    <a:schemeClr val="accent1">
-                      <a:lumMod val="40000"/>
-                      <a:lumOff val="60000"/>
-                    </a:schemeClr>
-                  </a:gs>
-                  <a:gs pos="0">
-                    <a:schemeClr val="accent1">
-                      <a:lumMod val="40000"/>
-                      <a:lumOff val="60000"/>
-                      <a:shade val="100000"/>
-                      <a:satMod val="115000"/>
-                    </a:schemeClr>
-                  </a:gs>
-                </a:gsLst>
-                <a:lin ang="16200000" scaled="1"/>
-                <a:tileRect/>
-              </a:gradFill>
-              <a:ln>
-                <a:solidFill>
-                  <a:schemeClr val="tx1"/>
-                </a:solidFill>
-              </a:ln>
-            </p:spPr>
-            <p:style>
-              <a:lnRef idx="2">
-                <a:schemeClr val="accent1">
-                  <a:shade val="50000"/>
-                </a:schemeClr>
-              </a:lnRef>
-              <a:fillRef idx="1">
-                <a:schemeClr val="accent1"/>
-              </a:fillRef>
-              <a:effectRef idx="0">
-                <a:schemeClr val="accent1"/>
-              </a:effectRef>
-              <a:fontRef idx="minor">
-                <a:schemeClr val="lt1"/>
-              </a:fontRef>
-            </p:style>
-            <p:txBody>
-              <a:bodyPr rot="0" spcFirstLastPara="0" vertOverflow="overflow" horzOverflow="overflow" vert="horz" wrap="square" lIns="36004" tIns="18003" rIns="36004" bIns="18003" numCol="1" spcCol="0" rtlCol="0" fromWordArt="0" anchor="ctr" anchorCtr="0" forceAA="0" compatLnSpc="1">
-                <a:prstTxWarp prst="textNoShape">
-                  <a:avLst/>
-                </a:prstTxWarp>
-                <a:noAutofit/>
-              </a:bodyPr>
-              <a:lstStyle/>
-              <a:p>
-                <a:pPr algn="ctr"/>
-                <a:endParaRPr lang="en-US" sz="1000"/>
-              </a:p>
-            </p:txBody>
-          </p:sp>
-        </p:grpSp>
         <p:sp>
           <p:nvSpPr>
-            <p:cNvPr id="113" name="TextBox 112"/>
+            <p:cNvPr id="97" name="Rectangle 96"/>
+            <p:cNvSpPr/>
+            <p:nvPr/>
+          </p:nvSpPr>
+          <p:spPr>
+            <a:xfrm>
+              <a:off x="6156258" y="2984129"/>
+              <a:ext cx="2359531" cy="428267"/>
+            </a:xfrm>
+            <a:prstGeom prst="rect">
+              <a:avLst/>
+            </a:prstGeom>
+            <a:gradFill flip="none" rotWithShape="1">
+              <a:gsLst>
+                <a:gs pos="100000">
+                  <a:schemeClr val="bg1"/>
+                </a:gs>
+                <a:gs pos="50000">
+                  <a:schemeClr val="accent1">
+                    <a:lumMod val="40000"/>
+                    <a:lumOff val="60000"/>
+                  </a:schemeClr>
+                </a:gs>
+                <a:gs pos="0">
+                  <a:schemeClr val="accent1">
+                    <a:lumMod val="40000"/>
+                    <a:lumOff val="60000"/>
+                    <a:shade val="100000"/>
+                    <a:satMod val="115000"/>
+                  </a:schemeClr>
+                </a:gs>
+              </a:gsLst>
+              <a:lin ang="16200000" scaled="1"/>
+              <a:tileRect/>
+            </a:gradFill>
+            <a:ln>
+              <a:solidFill>
+                <a:schemeClr val="tx1"/>
+              </a:solidFill>
+            </a:ln>
+          </p:spPr>
+          <p:style>
+            <a:lnRef idx="2">
+              <a:schemeClr val="accent1">
+                <a:shade val="50000"/>
+              </a:schemeClr>
+            </a:lnRef>
+            <a:fillRef idx="1">
+              <a:schemeClr val="accent1"/>
+            </a:fillRef>
+            <a:effectRef idx="0">
+              <a:schemeClr val="accent1"/>
+            </a:effectRef>
+            <a:fontRef idx="minor">
+              <a:schemeClr val="lt1"/>
+            </a:fontRef>
+          </p:style>
+          <p:txBody>
+            <a:bodyPr rot="0" spcFirstLastPara="0" vertOverflow="overflow" horzOverflow="overflow" vert="horz" wrap="square" lIns="36004" tIns="18003" rIns="36004" bIns="18003" numCol="1" spcCol="0" rtlCol="0" fromWordArt="0" anchor="ctr" anchorCtr="0" forceAA="0" compatLnSpc="1">
+              <a:prstTxWarp prst="textNoShape">
+                <a:avLst/>
+              </a:prstTxWarp>
+              <a:noAutofit/>
+            </a:bodyPr>
+            <a:lstStyle/>
+            <a:p>
+              <a:pPr algn="ctr"/>
+              <a:endParaRPr lang="en-US" sz="1000"/>
+            </a:p>
+          </p:txBody>
+        </p:sp>
+        <p:sp>
+          <p:nvSpPr>
+            <p:cNvPr id="103" name="TextBox 102"/>
             <p:cNvSpPr txBox="1"/>
             <p:nvPr/>
           </p:nvSpPr>
           <p:spPr>
             <a:xfrm>
-              <a:off x="4745998" y="3680184"/>
-              <a:ext cx="1357245" cy="1011267"/>
+              <a:off x="6045161" y="3030133"/>
+              <a:ext cx="2560468" cy="400110"/>
             </a:xfrm>
             <a:prstGeom prst="rect">
               <a:avLst/>
@@ -6166,28 +5794,371 @@
               <a:pPr algn="ctr"/>
               <a:r>
                 <a:rPr lang="en-US" sz="1000" dirty="0"/>
-                <a:t>“</a:t>
-              </a:r>
-              <a:r>
-                <a:rPr lang="en-US" sz="1000" dirty="0" err="1"/>
-                <a:t>Biom</a:t>
-              </a:r>
-              <a:r>
-                <a:rPr lang="en-US" sz="1000" dirty="0"/>
-                <a:t>” OTU table</a:t>
+                <a:t>List of sequences per OTU (“OTU map”)</a:t>
               </a:r>
             </a:p>
             <a:p>
               <a:pPr algn="ctr"/>
               <a:r>
-                <a:rPr lang="en-US" sz="1000" b="1" dirty="0" err="1"/>
-                <a:t>otu_table.biom</a:t>
+                <a:rPr lang="en-US" sz="1000" b="1" dirty="0"/>
+                <a:t>seqs_otus.txt</a:t>
               </a:r>
-              <a:endParaRPr lang="en-US" sz="1000" b="1" dirty="0"/>
+            </a:p>
+          </p:txBody>
+        </p:sp>
+        <p:cxnSp>
+          <p:nvCxnSpPr>
+            <p:cNvPr id="111" name="Straight Arrow Connector 110"/>
+            <p:cNvCxnSpPr/>
+            <p:nvPr/>
+          </p:nvCxnSpPr>
+          <p:spPr>
+            <a:xfrm>
+              <a:off x="8780031" y="3098070"/>
+              <a:ext cx="0" cy="126527"/>
+            </a:xfrm>
+            <a:prstGeom prst="straightConnector1">
+              <a:avLst/>
+            </a:prstGeom>
+            <a:ln>
+              <a:solidFill>
+                <a:schemeClr val="tx1"/>
+              </a:solidFill>
+              <a:tailEnd type="triangle"/>
+            </a:ln>
+          </p:spPr>
+          <p:style>
+            <a:lnRef idx="1">
+              <a:schemeClr val="accent1"/>
+            </a:lnRef>
+            <a:fillRef idx="0">
+              <a:schemeClr val="accent1"/>
+            </a:fillRef>
+            <a:effectRef idx="0">
+              <a:schemeClr val="accent1"/>
+            </a:effectRef>
+            <a:fontRef idx="minor">
+              <a:schemeClr val="tx1"/>
+            </a:fontRef>
+          </p:style>
+        </p:cxnSp>
+      </p:grpSp>
+      <p:grpSp>
+        <p:nvGrpSpPr>
+          <p:cNvPr id="56" name="Group 55"/>
+          <p:cNvGrpSpPr/>
+          <p:nvPr/>
+        </p:nvGrpSpPr>
+        <p:grpSpPr>
+          <a:xfrm>
+            <a:off x="6392480" y="4006173"/>
+            <a:ext cx="2827722" cy="424661"/>
+            <a:chOff x="6392480" y="4006173"/>
+            <a:chExt cx="2827722" cy="424661"/>
+          </a:xfrm>
+        </p:grpSpPr>
+        <p:sp>
+          <p:nvSpPr>
+            <p:cNvPr id="100" name="Rectangle 99"/>
+            <p:cNvSpPr/>
+            <p:nvPr/>
+          </p:nvSpPr>
+          <p:spPr>
+            <a:xfrm>
+              <a:off x="6421087" y="4006173"/>
+              <a:ext cx="2799115" cy="396805"/>
+            </a:xfrm>
+            <a:prstGeom prst="rect">
+              <a:avLst/>
+            </a:prstGeom>
+            <a:gradFill flip="none" rotWithShape="1">
+              <a:gsLst>
+                <a:gs pos="100000">
+                  <a:schemeClr val="bg1"/>
+                </a:gs>
+                <a:gs pos="50000">
+                  <a:schemeClr val="accent1">
+                    <a:lumMod val="40000"/>
+                    <a:lumOff val="60000"/>
+                  </a:schemeClr>
+                </a:gs>
+                <a:gs pos="0">
+                  <a:schemeClr val="accent1">
+                    <a:lumMod val="40000"/>
+                    <a:lumOff val="60000"/>
+                    <a:shade val="100000"/>
+                    <a:satMod val="115000"/>
+                  </a:schemeClr>
+                </a:gs>
+              </a:gsLst>
+              <a:lin ang="16200000" scaled="1"/>
+              <a:tileRect/>
+            </a:gradFill>
+            <a:ln>
+              <a:solidFill>
+                <a:schemeClr val="tx1"/>
+              </a:solidFill>
+            </a:ln>
+          </p:spPr>
+          <p:style>
+            <a:lnRef idx="2">
+              <a:schemeClr val="accent1">
+                <a:shade val="50000"/>
+              </a:schemeClr>
+            </a:lnRef>
+            <a:fillRef idx="1">
+              <a:schemeClr val="accent1"/>
+            </a:fillRef>
+            <a:effectRef idx="0">
+              <a:schemeClr val="accent1"/>
+            </a:effectRef>
+            <a:fontRef idx="minor">
+              <a:schemeClr val="lt1"/>
+            </a:fontRef>
+          </p:style>
+          <p:txBody>
+            <a:bodyPr rot="0" spcFirstLastPara="0" vertOverflow="overflow" horzOverflow="overflow" vert="horz" wrap="square" lIns="36004" tIns="18003" rIns="36004" bIns="18003" numCol="1" spcCol="0" rtlCol="0" fromWordArt="0" anchor="ctr" anchorCtr="0" forceAA="0" compatLnSpc="1">
+              <a:prstTxWarp prst="textNoShape">
+                <a:avLst/>
+              </a:prstTxWarp>
+              <a:noAutofit/>
+            </a:bodyPr>
+            <a:lstStyle/>
+            <a:p>
+              <a:pPr algn="ctr"/>
+              <a:endParaRPr lang="en-US" sz="1000"/>
+            </a:p>
+          </p:txBody>
+        </p:sp>
+        <p:sp>
+          <p:nvSpPr>
+            <p:cNvPr id="112" name="TextBox 111"/>
+            <p:cNvSpPr txBox="1"/>
+            <p:nvPr/>
+          </p:nvSpPr>
+          <p:spPr>
+            <a:xfrm>
+              <a:off x="6392480" y="4030724"/>
+              <a:ext cx="2816253" cy="400110"/>
+            </a:xfrm>
+            <a:prstGeom prst="rect">
+              <a:avLst/>
+            </a:prstGeom>
+            <a:noFill/>
+          </p:spPr>
+          <p:txBody>
+            <a:bodyPr wrap="square" rtlCol="0">
+              <a:spAutoFit/>
+            </a:bodyPr>
+            <a:lstStyle/>
+            <a:p>
+              <a:pPr algn="ctr"/>
+              <a:r>
+                <a:rPr lang="en-US" sz="1000" dirty="0"/>
+                <a:t>List of taxonomic assignments each OTU</a:t>
+              </a:r>
+            </a:p>
+            <a:p>
+              <a:pPr algn="ctr"/>
+              <a:r>
+                <a:rPr lang="en-US" sz="1000" b="1" dirty="0"/>
+                <a:t>rep_set_tax_assignments.txt</a:t>
+              </a:r>
             </a:p>
           </p:txBody>
         </p:sp>
       </p:grpSp>
+      <p:cxnSp>
+        <p:nvCxnSpPr>
+          <p:cNvPr id="94" name="Straight Arrow Connector 93"/>
+          <p:cNvCxnSpPr/>
+          <p:nvPr/>
+        </p:nvCxnSpPr>
+        <p:spPr>
+          <a:xfrm>
+            <a:off x="6780211" y="5568995"/>
+            <a:ext cx="345737" cy="0"/>
+          </a:xfrm>
+          <a:prstGeom prst="straightConnector1">
+            <a:avLst/>
+          </a:prstGeom>
+          <a:ln>
+            <a:solidFill>
+              <a:schemeClr val="tx1"/>
+            </a:solidFill>
+            <a:tailEnd type="triangle"/>
+          </a:ln>
+        </p:spPr>
+        <p:style>
+          <a:lnRef idx="1">
+            <a:schemeClr val="accent1"/>
+          </a:lnRef>
+          <a:fillRef idx="0">
+            <a:schemeClr val="accent1"/>
+          </a:fillRef>
+          <a:effectRef idx="0">
+            <a:schemeClr val="accent1"/>
+          </a:effectRef>
+          <a:fontRef idx="minor">
+            <a:schemeClr val="tx1"/>
+          </a:fontRef>
+        </p:style>
+      </p:cxnSp>
+      <p:cxnSp>
+        <p:nvCxnSpPr>
+          <p:cNvPr id="95" name="Straight Arrow Connector 94"/>
+          <p:cNvCxnSpPr/>
+          <p:nvPr/>
+        </p:nvCxnSpPr>
+        <p:spPr>
+          <a:xfrm>
+            <a:off x="5460692" y="5780900"/>
+            <a:ext cx="345737" cy="0"/>
+          </a:xfrm>
+          <a:prstGeom prst="straightConnector1">
+            <a:avLst/>
+          </a:prstGeom>
+          <a:ln>
+            <a:solidFill>
+              <a:schemeClr val="tx1"/>
+            </a:solidFill>
+            <a:tailEnd type="triangle"/>
+          </a:ln>
+        </p:spPr>
+        <p:style>
+          <a:lnRef idx="1">
+            <a:schemeClr val="accent1"/>
+          </a:lnRef>
+          <a:fillRef idx="0">
+            <a:schemeClr val="accent1"/>
+          </a:fillRef>
+          <a:effectRef idx="0">
+            <a:schemeClr val="accent1"/>
+          </a:effectRef>
+          <a:fontRef idx="minor">
+            <a:schemeClr val="tx1"/>
+          </a:fontRef>
+        </p:style>
+      </p:cxnSp>
+      <p:sp>
+        <p:nvSpPr>
+          <p:cNvPr id="101" name="Rectangle 100"/>
+          <p:cNvSpPr/>
+          <p:nvPr/>
+        </p:nvSpPr>
+        <p:spPr>
+          <a:xfrm>
+            <a:off x="6429039" y="4535224"/>
+            <a:ext cx="1336150" cy="377261"/>
+          </a:xfrm>
+          <a:prstGeom prst="rect">
+            <a:avLst/>
+          </a:prstGeom>
+          <a:gradFill flip="none" rotWithShape="1">
+            <a:gsLst>
+              <a:gs pos="100000">
+                <a:schemeClr val="bg1"/>
+              </a:gs>
+              <a:gs pos="50000">
+                <a:schemeClr val="accent1">
+                  <a:lumMod val="40000"/>
+                  <a:lumOff val="60000"/>
+                </a:schemeClr>
+              </a:gs>
+              <a:gs pos="0">
+                <a:schemeClr val="accent1">
+                  <a:lumMod val="40000"/>
+                  <a:lumOff val="60000"/>
+                  <a:shade val="100000"/>
+                  <a:satMod val="115000"/>
+                </a:schemeClr>
+              </a:gs>
+            </a:gsLst>
+            <a:lin ang="16200000" scaled="1"/>
+            <a:tileRect/>
+          </a:gradFill>
+          <a:ln>
+            <a:solidFill>
+              <a:schemeClr val="tx1"/>
+            </a:solidFill>
+          </a:ln>
+        </p:spPr>
+        <p:style>
+          <a:lnRef idx="2">
+            <a:schemeClr val="accent1">
+              <a:shade val="50000"/>
+            </a:schemeClr>
+          </a:lnRef>
+          <a:fillRef idx="1">
+            <a:schemeClr val="accent1"/>
+          </a:fillRef>
+          <a:effectRef idx="0">
+            <a:schemeClr val="accent1"/>
+          </a:effectRef>
+          <a:fontRef idx="minor">
+            <a:schemeClr val="lt1"/>
+          </a:fontRef>
+        </p:style>
+        <p:txBody>
+          <a:bodyPr rot="0" spcFirstLastPara="0" vertOverflow="overflow" horzOverflow="overflow" vert="horz" wrap="square" lIns="36004" tIns="18003" rIns="36004" bIns="18003" numCol="1" spcCol="0" rtlCol="0" fromWordArt="0" anchor="ctr" anchorCtr="0" forceAA="0" compatLnSpc="1">
+            <a:prstTxWarp prst="textNoShape">
+              <a:avLst/>
+            </a:prstTxWarp>
+            <a:noAutofit/>
+          </a:bodyPr>
+          <a:lstStyle/>
+          <a:p>
+            <a:pPr algn="ctr"/>
+            <a:endParaRPr lang="en-US" sz="1000"/>
+          </a:p>
+        </p:txBody>
+      </p:sp>
+      <p:sp>
+        <p:nvSpPr>
+          <p:cNvPr id="113" name="TextBox 112"/>
+          <p:cNvSpPr txBox="1"/>
+          <p:nvPr/>
+        </p:nvSpPr>
+        <p:spPr>
+          <a:xfrm>
+            <a:off x="6034124" y="4522047"/>
+            <a:ext cx="2148936" cy="1448708"/>
+          </a:xfrm>
+          <a:prstGeom prst="rect">
+            <a:avLst/>
+          </a:prstGeom>
+          <a:noFill/>
+        </p:spPr>
+        <p:txBody>
+          <a:bodyPr wrap="square" rtlCol="0">
+            <a:spAutoFit/>
+          </a:bodyPr>
+          <a:lstStyle/>
+          <a:p>
+            <a:pPr algn="ctr"/>
+            <a:r>
+              <a:rPr lang="en-US" sz="1000" dirty="0"/>
+              <a:t>“</a:t>
+            </a:r>
+            <a:r>
+              <a:rPr lang="en-US" sz="1000" dirty="0" err="1"/>
+              <a:t>Biom</a:t>
+            </a:r>
+            <a:r>
+              <a:rPr lang="en-US" sz="1000" dirty="0"/>
+              <a:t>” OTU table</a:t>
+            </a:r>
+          </a:p>
+          <a:p>
+            <a:pPr algn="ctr"/>
+            <a:r>
+              <a:rPr lang="en-US" sz="1000" b="1" dirty="0" err="1"/>
+              <a:t>otu_table.biom</a:t>
+            </a:r>
+            <a:endParaRPr lang="en-US" sz="1000" b="1" dirty="0"/>
+          </a:p>
+        </p:txBody>
+      </p:sp>
       <p:grpSp>
         <p:nvGrpSpPr>
           <p:cNvPr id="5" name="Group 4"/>
@@ -6196,8 +6167,8 @@
         </p:nvGrpSpPr>
         <p:grpSpPr>
           <a:xfrm>
-            <a:off x="5615523" y="4653963"/>
-            <a:ext cx="950072" cy="400110"/>
+            <a:off x="5895420" y="4981956"/>
+            <a:ext cx="2254320" cy="809607"/>
             <a:chOff x="4734690" y="4003285"/>
             <a:chExt cx="1357245" cy="571588"/>
           </a:xfrm>
@@ -6343,11 +6314,7 @@
               <a:pPr algn="ctr"/>
               <a:r>
                 <a:rPr lang="en-US" sz="1000" b="1" dirty="0" err="1"/>
-                <a:t>r</a:t>
-              </a:r>
-              <a:r>
-                <a:rPr lang="en-US" sz="1000" b="1" dirty="0" err="1"/>
-                <a:t>ep_phylo.tre</a:t>
+                <a:t>rep_phylo.tre</a:t>
               </a:r>
               <a:endParaRPr lang="en-US" sz="1000" b="1" dirty="0"/>
             </a:p>
@@ -6527,7 +6494,6 @@
               <a:rPr lang="en-US" sz="1000" dirty="0"/>
               <a:t>file</a:t>
             </a:r>
-            <a:endParaRPr lang="en-US" sz="1000" dirty="0"/>
           </a:p>
         </p:txBody>
       </p:sp>
@@ -6557,7 +6523,6 @@
               <a:rPr lang="en-US" sz="1000" dirty="0"/>
               <a:t>script</a:t>
             </a:r>
-            <a:endParaRPr lang="en-US" sz="1000" dirty="0"/>
           </a:p>
         </p:txBody>
       </p:sp>
@@ -6656,7 +6621,6 @@
               <a:rPr lang="en-US" sz="1000" dirty="0"/>
               <a:t>visualization</a:t>
             </a:r>
-            <a:endParaRPr lang="en-US" sz="1000" dirty="0"/>
           </a:p>
         </p:txBody>
       </p:sp>
@@ -6692,11 +6656,7 @@
             <a:pPr algn="ctr"/>
             <a:r>
               <a:rPr lang="en-US" sz="1000" dirty="0"/>
-              <a:t>c</a:t>
-            </a:r>
-            <a:r>
-              <a:rPr lang="en-US" sz="1000" dirty="0"/>
-              <a:t>reated by Ashley Shade (</a:t>
+              <a:t>created by Ashley Shade (</a:t>
             </a:r>
             <a:r>
               <a:rPr lang="en-US" sz="1000" dirty="0">
@@ -6713,11 +6673,7 @@
             <a:pPr algn="ctr"/>
             <a:r>
               <a:rPr lang="en-US" sz="1000" dirty="0"/>
-              <a:t>w</a:t>
-            </a:r>
-            <a:r>
-              <a:rPr lang="en-US" sz="1000" dirty="0"/>
-              <a:t>ith contributions by Siobhan Cusack</a:t>
+              <a:t>with contributions by Siobhan Cusack</a:t>
             </a:r>
           </a:p>
           <a:p>
@@ -6726,7 +6682,6 @@
               <a:rPr lang="en-US" sz="1000" dirty="0"/>
               <a:t>June 2015</a:t>
             </a:r>
-            <a:endParaRPr lang="en-US" sz="1000" dirty="0"/>
           </a:p>
         </p:txBody>
       </p:sp>
@@ -6774,8 +6729,8 @@
         </p:nvCxnSpPr>
         <p:spPr>
           <a:xfrm flipH="1">
-            <a:off x="5637657" y="3610557"/>
-            <a:ext cx="207160" cy="164172"/>
+            <a:off x="5926684" y="2859895"/>
+            <a:ext cx="411758" cy="339433"/>
           </a:xfrm>
           <a:prstGeom prst="straightConnector1">
             <a:avLst/>
@@ -6810,8 +6765,8 @@
         </p:nvCxnSpPr>
         <p:spPr>
           <a:xfrm flipH="1">
-            <a:off x="5644317" y="3840967"/>
-            <a:ext cx="207160" cy="164172"/>
+            <a:off x="5949111" y="3387083"/>
+            <a:ext cx="375936" cy="301139"/>
           </a:xfrm>
           <a:prstGeom prst="straightConnector1">
             <a:avLst/>
@@ -6846,7 +6801,7 @@
         </p:nvCxnSpPr>
         <p:spPr>
           <a:xfrm flipH="1">
-            <a:off x="5644317" y="4057443"/>
+            <a:off x="6086833" y="3879086"/>
             <a:ext cx="207160" cy="164172"/>
           </a:xfrm>
           <a:prstGeom prst="straightConnector1">
@@ -6882,7 +6837,7 @@
         </p:nvCxnSpPr>
         <p:spPr>
           <a:xfrm flipH="1">
-            <a:off x="2172909" y="4178882"/>
+            <a:off x="1415019" y="4726792"/>
             <a:ext cx="211567" cy="3873"/>
           </a:xfrm>
           <a:prstGeom prst="straightConnector1">
@@ -7019,125 +6974,140 @@
           </a:p>
         </p:txBody>
       </p:sp>
-      <p:sp>
-        <p:nvSpPr>
-          <p:cNvPr id="130" name="Rectangle 129"/>
-          <p:cNvSpPr/>
+      <p:grpSp>
+        <p:nvGrpSpPr>
+          <p:cNvPr id="39" name="Group 38"/>
+          <p:cNvGrpSpPr/>
           <p:nvPr/>
-        </p:nvSpPr>
-        <p:spPr>
+        </p:nvGrpSpPr>
+        <p:grpSpPr>
           <a:xfrm>
-            <a:off x="2382941" y="4076092"/>
-            <a:ext cx="473519" cy="187281"/>
-          </a:xfrm>
-          <a:prstGeom prst="rect">
-            <a:avLst/>
-          </a:prstGeom>
-          <a:gradFill flip="none" rotWithShape="1">
-            <a:gsLst>
-              <a:gs pos="100000">
-                <a:schemeClr val="bg1"/>
-              </a:gs>
-              <a:gs pos="50000">
-                <a:schemeClr val="accent1">
-                  <a:lumMod val="40000"/>
-                  <a:lumOff val="60000"/>
-                </a:schemeClr>
-              </a:gs>
-              <a:gs pos="0">
-                <a:schemeClr val="accent1">
-                  <a:lumMod val="40000"/>
-                  <a:lumOff val="60000"/>
-                  <a:shade val="100000"/>
-                  <a:satMod val="115000"/>
-                </a:schemeClr>
-              </a:gs>
-            </a:gsLst>
-            <a:lin ang="16200000" scaled="1"/>
-            <a:tileRect/>
-          </a:gradFill>
-          <a:ln>
-            <a:solidFill>
-              <a:schemeClr val="tx1"/>
-            </a:solidFill>
-          </a:ln>
-        </p:spPr>
-        <p:style>
-          <a:lnRef idx="2">
-            <a:schemeClr val="accent1">
-              <a:shade val="50000"/>
-            </a:schemeClr>
-          </a:lnRef>
-          <a:fillRef idx="1">
-            <a:schemeClr val="accent1"/>
-          </a:fillRef>
-          <a:effectRef idx="0">
-            <a:schemeClr val="accent1"/>
-          </a:effectRef>
-          <a:fontRef idx="minor">
-            <a:schemeClr val="lt1"/>
-          </a:fontRef>
-        </p:style>
-        <p:txBody>
-          <a:bodyPr rot="0" spcFirstLastPara="0" vertOverflow="overflow" horzOverflow="overflow" vert="horz" wrap="square" lIns="36004" tIns="18003" rIns="36004" bIns="18003" numCol="1" spcCol="0" rtlCol="0" fromWordArt="0" anchor="ctr" anchorCtr="0" forceAA="0" compatLnSpc="1">
-            <a:prstTxWarp prst="textNoShape">
+            <a:off x="528568" y="3771737"/>
+            <a:ext cx="1608614" cy="543088"/>
+            <a:chOff x="528568" y="3771737"/>
+            <a:chExt cx="1608614" cy="543088"/>
+          </a:xfrm>
+        </p:grpSpPr>
+        <p:sp>
+          <p:nvSpPr>
+            <p:cNvPr id="130" name="Rectangle 129"/>
+            <p:cNvSpPr/>
+            <p:nvPr/>
+          </p:nvSpPr>
+          <p:spPr>
+            <a:xfrm>
+              <a:off x="691096" y="3771737"/>
+              <a:ext cx="1396448" cy="543088"/>
+            </a:xfrm>
+            <a:prstGeom prst="rect">
               <a:avLst/>
-            </a:prstTxWarp>
-            <a:noAutofit/>
-          </a:bodyPr>
-          <a:lstStyle/>
-          <a:p>
-            <a:pPr algn="ctr"/>
-            <a:endParaRPr lang="en-US" sz="1000"/>
-          </a:p>
-        </p:txBody>
-      </p:sp>
-      <p:sp>
-        <p:nvSpPr>
-          <p:cNvPr id="126" name="TextBox 125"/>
-          <p:cNvSpPr txBox="1"/>
-          <p:nvPr/>
-        </p:nvSpPr>
-        <p:spPr>
-          <a:xfrm>
-            <a:off x="2350969" y="4073022"/>
-            <a:ext cx="526721" cy="1015663"/>
-          </a:xfrm>
-          <a:prstGeom prst="rect">
-            <a:avLst/>
-          </a:prstGeom>
-          <a:noFill/>
-        </p:spPr>
-        <p:txBody>
-          <a:bodyPr wrap="square" rtlCol="0">
-            <a:spAutoFit/>
-          </a:bodyPr>
-          <a:lstStyle/>
-          <a:p>
-            <a:pPr algn="ctr"/>
-            <a:r>
-              <a:rPr lang="en-US" sz="1000" dirty="0"/>
-              <a:t>“</a:t>
-            </a:r>
-            <a:r>
-              <a:rPr lang="en-US" sz="1000" dirty="0" err="1"/>
-              <a:t>Biom</a:t>
-            </a:r>
-            <a:r>
-              <a:rPr lang="en-US" sz="1000" dirty="0"/>
-              <a:t>” OTU table</a:t>
-            </a:r>
-          </a:p>
-          <a:p>
-            <a:pPr algn="ctr"/>
-            <a:r>
-              <a:rPr lang="en-US" sz="1000" b="1" dirty="0" err="1"/>
-              <a:t>otu_table.biom</a:t>
-            </a:r>
-            <a:endParaRPr lang="en-US" sz="1000" b="1" dirty="0"/>
-          </a:p>
-        </p:txBody>
-      </p:sp>
+            </a:prstGeom>
+            <a:gradFill flip="none" rotWithShape="1">
+              <a:gsLst>
+                <a:gs pos="100000">
+                  <a:schemeClr val="bg1"/>
+                </a:gs>
+                <a:gs pos="50000">
+                  <a:schemeClr val="accent1">
+                    <a:lumMod val="40000"/>
+                    <a:lumOff val="60000"/>
+                  </a:schemeClr>
+                </a:gs>
+                <a:gs pos="0">
+                  <a:schemeClr val="accent1">
+                    <a:lumMod val="40000"/>
+                    <a:lumOff val="60000"/>
+                    <a:shade val="100000"/>
+                    <a:satMod val="115000"/>
+                  </a:schemeClr>
+                </a:gs>
+              </a:gsLst>
+              <a:lin ang="16200000" scaled="1"/>
+              <a:tileRect/>
+            </a:gradFill>
+            <a:ln>
+              <a:solidFill>
+                <a:schemeClr val="tx1"/>
+              </a:solidFill>
+            </a:ln>
+          </p:spPr>
+          <p:style>
+            <a:lnRef idx="2">
+              <a:schemeClr val="accent1">
+                <a:shade val="50000"/>
+              </a:schemeClr>
+            </a:lnRef>
+            <a:fillRef idx="1">
+              <a:schemeClr val="accent1"/>
+            </a:fillRef>
+            <a:effectRef idx="0">
+              <a:schemeClr val="accent1"/>
+            </a:effectRef>
+            <a:fontRef idx="minor">
+              <a:schemeClr val="lt1"/>
+            </a:fontRef>
+          </p:style>
+          <p:txBody>
+            <a:bodyPr rot="0" spcFirstLastPara="0" vertOverflow="overflow" horzOverflow="overflow" vert="horz" wrap="square" lIns="36004" tIns="18003" rIns="36004" bIns="18003" numCol="1" spcCol="0" rtlCol="0" fromWordArt="0" anchor="ctr" anchorCtr="0" forceAA="0" compatLnSpc="1">
+              <a:prstTxWarp prst="textNoShape">
+                <a:avLst/>
+              </a:prstTxWarp>
+              <a:noAutofit/>
+            </a:bodyPr>
+            <a:lstStyle/>
+            <a:p>
+              <a:pPr algn="ctr"/>
+              <a:endParaRPr lang="en-US" sz="1000"/>
+            </a:p>
+          </p:txBody>
+        </p:sp>
+        <p:sp>
+          <p:nvSpPr>
+            <p:cNvPr id="126" name="TextBox 125"/>
+            <p:cNvSpPr txBox="1"/>
+            <p:nvPr/>
+          </p:nvSpPr>
+          <p:spPr>
+            <a:xfrm>
+              <a:off x="528568" y="3831619"/>
+              <a:ext cx="1608614" cy="400110"/>
+            </a:xfrm>
+            <a:prstGeom prst="rect">
+              <a:avLst/>
+            </a:prstGeom>
+            <a:noFill/>
+          </p:spPr>
+          <p:txBody>
+            <a:bodyPr wrap="square" rtlCol="0">
+              <a:spAutoFit/>
+            </a:bodyPr>
+            <a:lstStyle/>
+            <a:p>
+              <a:pPr algn="ctr"/>
+              <a:r>
+                <a:rPr lang="en-US" sz="1000" dirty="0"/>
+                <a:t>“</a:t>
+              </a:r>
+              <a:r>
+                <a:rPr lang="en-US" sz="1000" dirty="0" err="1"/>
+                <a:t>Biom</a:t>
+              </a:r>
+              <a:r>
+                <a:rPr lang="en-US" sz="1000" dirty="0"/>
+                <a:t>” OTU table</a:t>
+              </a:r>
+            </a:p>
+            <a:p>
+              <a:pPr algn="ctr"/>
+              <a:r>
+                <a:rPr lang="en-US" sz="1000" b="1" dirty="0" err="1"/>
+                <a:t>otu_table.biom</a:t>
+              </a:r>
+              <a:endParaRPr lang="en-US" sz="1000" b="1" dirty="0"/>
+            </a:p>
+          </p:txBody>
+        </p:sp>
+      </p:grpSp>
       <p:grpSp>
         <p:nvGrpSpPr>
           <p:cNvPr id="131" name="Group 130"/>
@@ -7146,10 +7116,10 @@
         </p:nvGrpSpPr>
         <p:grpSpPr>
           <a:xfrm>
-            <a:off x="3336299" y="6987524"/>
-            <a:ext cx="758524" cy="439246"/>
-            <a:chOff x="5926864" y="2525204"/>
-            <a:chExt cx="1104477" cy="773497"/>
+            <a:off x="3129675" y="5231876"/>
+            <a:ext cx="1497375" cy="944586"/>
+            <a:chOff x="5936232" y="2525204"/>
+            <a:chExt cx="1104477" cy="804750"/>
           </a:xfrm>
         </p:grpSpPr>
         <p:sp>
@@ -7234,7 +7204,7 @@
           </p:nvSpPr>
           <p:spPr>
             <a:xfrm>
-              <a:off x="5926864" y="2594121"/>
+              <a:off x="5936232" y="2625374"/>
               <a:ext cx="1104477" cy="704580"/>
             </a:xfrm>
             <a:prstGeom prst="rect">
@@ -7253,7 +7223,6 @@
                 <a:rPr lang="en-US" sz="1000" dirty="0"/>
                 <a:t>single_rarefaction.py</a:t>
               </a:r>
-              <a:endParaRPr lang="en-US" sz="1000" dirty="0"/>
             </a:p>
           </p:txBody>
         </p:sp>
@@ -7266,7 +7235,7 @@
         </p:nvCxnSpPr>
         <p:spPr>
           <a:xfrm>
-            <a:off x="3705312" y="7192417"/>
+            <a:off x="3840682" y="5664448"/>
             <a:ext cx="0" cy="281095"/>
           </a:xfrm>
           <a:prstGeom prst="straightConnector1">
@@ -7296,58 +7265,38 @@
       </p:cxnSp>
       <p:grpSp>
         <p:nvGrpSpPr>
-          <p:cNvPr id="11" name="Group 10"/>
+          <p:cNvPr id="2" name="Group 1"/>
           <p:cNvGrpSpPr/>
           <p:nvPr/>
         </p:nvGrpSpPr>
         <p:grpSpPr>
           <a:xfrm>
-            <a:off x="3384067" y="7508681"/>
-            <a:ext cx="2004844" cy="427570"/>
-            <a:chOff x="2089284" y="5153748"/>
-            <a:chExt cx="2864068" cy="610818"/>
+            <a:off x="2876878" y="5958243"/>
+            <a:ext cx="1987222" cy="770180"/>
+            <a:chOff x="6724978" y="5945543"/>
+            <a:chExt cx="1987222" cy="770180"/>
           </a:xfrm>
         </p:grpSpPr>
         <p:sp>
           <p:nvSpPr>
-            <p:cNvPr id="135" name="Rectangle 134"/>
+            <p:cNvPr id="12" name="Rectangle 11"/>
             <p:cNvSpPr/>
             <p:nvPr/>
           </p:nvSpPr>
           <p:spPr>
             <a:xfrm>
-              <a:off x="2118417" y="5153748"/>
-              <a:ext cx="998295" cy="363982"/>
+              <a:off x="6724978" y="5945543"/>
+              <a:ext cx="1987222" cy="770180"/>
             </a:xfrm>
             <a:prstGeom prst="rect">
               <a:avLst/>
             </a:prstGeom>
-            <a:gradFill flip="none" rotWithShape="1">
-              <a:gsLst>
-                <a:gs pos="100000">
-                  <a:schemeClr val="bg1"/>
-                </a:gs>
-                <a:gs pos="50000">
-                  <a:schemeClr val="accent1">
-                    <a:lumMod val="40000"/>
-                    <a:lumOff val="60000"/>
-                  </a:schemeClr>
-                </a:gs>
-                <a:gs pos="0">
-                  <a:schemeClr val="accent1">
-                    <a:lumMod val="40000"/>
-                    <a:lumOff val="60000"/>
-                    <a:shade val="100000"/>
-                    <a:satMod val="115000"/>
-                  </a:schemeClr>
-                </a:gs>
-              </a:gsLst>
-              <a:lin ang="16200000" scaled="1"/>
-              <a:tileRect/>
-            </a:gradFill>
+            <a:solidFill>
+              <a:srgbClr val="FFFF00"/>
+            </a:solidFill>
             <a:ln>
               <a:solidFill>
-                <a:schemeClr val="tx1"/>
+                <a:srgbClr val="FFFF00"/>
               </a:solidFill>
             </a:ln>
           </p:spPr>
@@ -7368,7 +7317,7 @@
             </a:fontRef>
           </p:style>
           <p:txBody>
-            <a:bodyPr rot="0" spcFirstLastPara="0" vertOverflow="overflow" horzOverflow="overflow" vert="horz" wrap="square" lIns="36004" tIns="18003" rIns="36004" bIns="18003" numCol="1" spcCol="0" rtlCol="0" fromWordArt="0" anchor="ctr" anchorCtr="0" forceAA="0" compatLnSpc="1">
+            <a:bodyPr rot="0" spcFirstLastPara="0" vertOverflow="overflow" horzOverflow="overflow" vert="horz" wrap="square" lIns="64008" tIns="32004" rIns="64008" bIns="32004" numCol="1" spcCol="0" rtlCol="0" fromWordArt="0" anchor="ctr" anchorCtr="0" forceAA="0" compatLnSpc="1">
               <a:prstTxWarp prst="textNoShape">
                 <a:avLst/>
               </a:prstTxWarp>
@@ -7381,51 +7330,143 @@
             </a:p>
           </p:txBody>
         </p:sp>
-        <p:sp>
-          <p:nvSpPr>
-            <p:cNvPr id="10" name="TextBox 9"/>
-            <p:cNvSpPr txBox="1"/>
+        <p:grpSp>
+          <p:nvGrpSpPr>
+            <p:cNvPr id="11" name="Group 10"/>
+            <p:cNvGrpSpPr/>
             <p:nvPr/>
-          </p:nvSpPr>
-          <p:spPr>
+          </p:nvGrpSpPr>
+          <p:grpSpPr>
             <a:xfrm>
-              <a:off x="2089284" y="5192977"/>
-              <a:ext cx="2864068" cy="571589"/>
+              <a:off x="6818024" y="6027018"/>
+              <a:ext cx="1771639" cy="587615"/>
+              <a:chOff x="2089284" y="5153748"/>
+              <a:chExt cx="1036305" cy="363982"/>
             </a:xfrm>
-            <a:prstGeom prst="rect">
-              <a:avLst/>
-            </a:prstGeom>
-            <a:noFill/>
-          </p:spPr>
-          <p:txBody>
-            <a:bodyPr wrap="none" rtlCol="0">
-              <a:spAutoFit/>
-            </a:bodyPr>
-            <a:lstStyle/>
-            <a:p>
-              <a:r>
-                <a:rPr lang="en-US" sz="1000" dirty="0"/>
-                <a:t>Subsampled “</a:t>
-              </a:r>
-              <a:r>
-                <a:rPr lang="en-US" sz="1000" dirty="0" err="1"/>
-                <a:t>biom</a:t>
-              </a:r>
-              <a:r>
-                <a:rPr lang="en-US" sz="1000" dirty="0"/>
-                <a:t>” OTU table</a:t>
-              </a:r>
-            </a:p>
-            <a:p>
-              <a:pPr algn="ctr"/>
-              <a:r>
-                <a:rPr lang="en-US" sz="1000" b="1" dirty="0" err="1"/>
-                <a:t>otu_table_even.biom</a:t>
-              </a:r>
-              <a:endParaRPr lang="en-US" sz="1000" b="1" dirty="0"/>
-            </a:p>
-          </p:txBody>
-        </p:sp>
+          </p:grpSpPr>
+          <p:sp>
+            <p:nvSpPr>
+              <p:cNvPr id="135" name="Rectangle 134"/>
+              <p:cNvSpPr/>
+              <p:nvPr/>
+            </p:nvSpPr>
+            <p:spPr>
+              <a:xfrm>
+                <a:off x="2118417" y="5153748"/>
+                <a:ext cx="998295" cy="363982"/>
+              </a:xfrm>
+              <a:prstGeom prst="rect">
+                <a:avLst/>
+              </a:prstGeom>
+              <a:gradFill flip="none" rotWithShape="1">
+                <a:gsLst>
+                  <a:gs pos="100000">
+                    <a:schemeClr val="bg1"/>
+                  </a:gs>
+                  <a:gs pos="50000">
+                    <a:schemeClr val="accent1">
+                      <a:lumMod val="40000"/>
+                      <a:lumOff val="60000"/>
+                    </a:schemeClr>
+                  </a:gs>
+                  <a:gs pos="0">
+                    <a:schemeClr val="accent1">
+                      <a:lumMod val="40000"/>
+                      <a:lumOff val="60000"/>
+                      <a:shade val="100000"/>
+                      <a:satMod val="115000"/>
+                    </a:schemeClr>
+                  </a:gs>
+                </a:gsLst>
+                <a:lin ang="16200000" scaled="1"/>
+                <a:tileRect/>
+              </a:gradFill>
+              <a:ln>
+                <a:solidFill>
+                  <a:schemeClr val="tx1"/>
+                </a:solidFill>
+              </a:ln>
+            </p:spPr>
+            <p:style>
+              <a:lnRef idx="2">
+                <a:schemeClr val="accent1">
+                  <a:shade val="50000"/>
+                </a:schemeClr>
+              </a:lnRef>
+              <a:fillRef idx="1">
+                <a:schemeClr val="accent1"/>
+              </a:fillRef>
+              <a:effectRef idx="0">
+                <a:schemeClr val="accent1"/>
+              </a:effectRef>
+              <a:fontRef idx="minor">
+                <a:schemeClr val="lt1"/>
+              </a:fontRef>
+            </p:style>
+            <p:txBody>
+              <a:bodyPr rot="0" spcFirstLastPara="0" vertOverflow="overflow" horzOverflow="overflow" vert="horz" wrap="square" lIns="36004" tIns="18003" rIns="36004" bIns="18003" numCol="1" spcCol="0" rtlCol="0" fromWordArt="0" anchor="ctr" anchorCtr="0" forceAA="0" compatLnSpc="1">
+                <a:prstTxWarp prst="textNoShape">
+                  <a:avLst/>
+                </a:prstTxWarp>
+                <a:noAutofit/>
+              </a:bodyPr>
+              <a:lstStyle/>
+              <a:p>
+                <a:pPr algn="ctr"/>
+                <a:endParaRPr lang="en-US" sz="1000"/>
+              </a:p>
+            </p:txBody>
+          </p:sp>
+          <p:sp>
+            <p:nvSpPr>
+              <p:cNvPr id="10" name="TextBox 9"/>
+              <p:cNvSpPr txBox="1"/>
+              <p:nvPr/>
+            </p:nvSpPr>
+            <p:spPr>
+              <a:xfrm>
+                <a:off x="2089284" y="5192977"/>
+                <a:ext cx="1036305" cy="247837"/>
+              </a:xfrm>
+              <a:prstGeom prst="rect">
+                <a:avLst/>
+              </a:prstGeom>
+              <a:noFill/>
+            </p:spPr>
+            <p:txBody>
+              <a:bodyPr wrap="none" rtlCol="0">
+                <a:spAutoFit/>
+              </a:bodyPr>
+              <a:lstStyle/>
+              <a:p>
+                <a:r>
+                  <a:rPr lang="en-US" sz="1000" dirty="0"/>
+                  <a:t>Subsampled “</a:t>
+                </a:r>
+                <a:r>
+                  <a:rPr lang="en-US" sz="1000" dirty="0" err="1"/>
+                  <a:t>biom</a:t>
+                </a:r>
+                <a:r>
+                  <a:rPr lang="en-US" sz="1000" dirty="0"/>
+                  <a:t>” OTU </a:t>
+                </a:r>
+                <a:r>
+                  <a:rPr lang="en-US" sz="1000" dirty="0" smtClean="0"/>
+                  <a:t>table</a:t>
+                </a:r>
+              </a:p>
+              <a:p>
+                <a:pPr algn="ctr"/>
+                <a:r>
+                  <a:rPr lang="en-US" sz="1000" b="1" dirty="0" err="1" smtClean="0"/>
+                  <a:t>otu_table_even.biom</a:t>
+                </a:r>
+                <a:endParaRPr lang="en-US" sz="1000" b="1" dirty="0"/>
+              </a:p>
+            </p:txBody>
+          </p:sp>
+        </p:grpSp>
       </p:grpSp>
       <p:cxnSp>
         <p:nvCxnSpPr>
@@ -7434,9 +7475,9 @@
           <p:nvPr/>
         </p:nvCxnSpPr>
         <p:spPr>
-          <a:xfrm>
-            <a:off x="4138048" y="7641582"/>
-            <a:ext cx="869469" cy="204795"/>
+          <a:xfrm flipV="1">
+            <a:off x="4887860" y="6310344"/>
+            <a:ext cx="2508147" cy="339"/>
           </a:xfrm>
           <a:prstGeom prst="bentConnector3">
             <a:avLst/>
@@ -7471,8 +7512,8 @@
         </p:nvGrpSpPr>
         <p:grpSpPr>
           <a:xfrm>
-            <a:off x="4982304" y="7743934"/>
-            <a:ext cx="758524" cy="439246"/>
+            <a:off x="7396007" y="6114770"/>
+            <a:ext cx="1507986" cy="783631"/>
             <a:chOff x="5926864" y="2525204"/>
             <a:chExt cx="1104477" cy="773497"/>
           </a:xfrm>
@@ -7578,7 +7619,6 @@
                 <a:rPr lang="en-US" sz="1000" dirty="0"/>
                 <a:t>alpha_diversity.py</a:t>
               </a:r>
-              <a:endParaRPr lang="en-US" sz="1000" dirty="0"/>
             </a:p>
           </p:txBody>
         </p:sp>
@@ -7591,7 +7631,7 @@
         </p:nvCxnSpPr>
         <p:spPr>
           <a:xfrm flipH="1">
-            <a:off x="5334412" y="7948827"/>
+            <a:off x="8151570" y="6650333"/>
             <a:ext cx="2741" cy="215252"/>
           </a:xfrm>
           <a:prstGeom prst="straightConnector1">
@@ -7627,8 +7667,8 @@
         </p:nvGrpSpPr>
         <p:grpSpPr>
           <a:xfrm>
-            <a:off x="4140672" y="8192493"/>
-            <a:ext cx="2425665" cy="430949"/>
+            <a:off x="4859068" y="7114434"/>
+            <a:ext cx="6581868" cy="1052627"/>
             <a:chOff x="3170147" y="6130634"/>
             <a:chExt cx="3465237" cy="615641"/>
           </a:xfrm>
@@ -7752,8 +7792,8 @@
         </p:nvGrpSpPr>
         <p:grpSpPr>
           <a:xfrm>
-            <a:off x="3903771" y="7999898"/>
-            <a:ext cx="758524" cy="439246"/>
+            <a:off x="3860658" y="7691461"/>
+            <a:ext cx="1505611" cy="755013"/>
             <a:chOff x="5926864" y="2525204"/>
             <a:chExt cx="1104477" cy="773497"/>
           </a:xfrm>
@@ -7859,7 +7899,6 @@
                 <a:rPr lang="en-US" sz="1000" dirty="0"/>
                 <a:t>beta_diversity.py</a:t>
               </a:r>
-              <a:endParaRPr lang="en-US" sz="1000" dirty="0"/>
             </a:p>
           </p:txBody>
         </p:sp>
@@ -7872,10 +7911,10 @@
         </p:nvGrpSpPr>
         <p:grpSpPr>
           <a:xfrm>
-            <a:off x="2471127" y="7970357"/>
-            <a:ext cx="948684" cy="593134"/>
-            <a:chOff x="5926864" y="2525204"/>
-            <a:chExt cx="1104477" cy="1044488"/>
+            <a:off x="558774" y="7311050"/>
+            <a:ext cx="2656989" cy="1580876"/>
+            <a:chOff x="5549265" y="1989762"/>
+            <a:chExt cx="1104477" cy="1056808"/>
           </a:xfrm>
         </p:grpSpPr>
         <p:sp>
@@ -7886,7 +7925,7 @@
           </p:nvSpPr>
           <p:spPr>
             <a:xfrm>
-              <a:off x="6010274" y="2525204"/>
+              <a:off x="5641682" y="1989762"/>
               <a:ext cx="930275" cy="360813"/>
             </a:xfrm>
             <a:prstGeom prst="ellipse">
@@ -7960,7 +7999,7 @@
           </p:nvSpPr>
           <p:spPr>
             <a:xfrm>
-              <a:off x="5926864" y="2594121"/>
+              <a:off x="5549265" y="2070999"/>
               <a:ext cx="1104477" cy="975571"/>
             </a:xfrm>
             <a:prstGeom prst="rect">
@@ -7979,7 +8018,6 @@
                 <a:rPr lang="en-US" sz="1000" dirty="0"/>
                 <a:t>Summarize_taxa_through_plots.py</a:t>
               </a:r>
-              <a:endParaRPr lang="en-US" sz="1000" dirty="0"/>
             </a:p>
           </p:txBody>
         </p:sp>
@@ -7992,8 +8030,8 @@
         </p:nvGrpSpPr>
         <p:grpSpPr>
           <a:xfrm>
-            <a:off x="2333227" y="7556234"/>
-            <a:ext cx="758524" cy="439246"/>
+            <a:off x="930015" y="6627975"/>
+            <a:ext cx="1077662" cy="627748"/>
             <a:chOff x="5926864" y="2525204"/>
             <a:chExt cx="1104477" cy="773497"/>
           </a:xfrm>
@@ -8103,7 +8141,6 @@
                 <a:rPr lang="en-US" sz="1000" dirty="0"/>
                 <a:t> convert</a:t>
               </a:r>
-              <a:endParaRPr lang="en-US" sz="1000" dirty="0"/>
             </a:p>
           </p:txBody>
         </p:sp>
@@ -8115,9 +8152,9 @@
           <p:nvPr/>
         </p:nvCxnSpPr>
         <p:spPr>
-          <a:xfrm>
-            <a:off x="4029856" y="7804089"/>
-            <a:ext cx="113568" cy="206576"/>
+          <a:xfrm flipH="1">
+            <a:off x="4533263" y="6827975"/>
+            <a:ext cx="17062" cy="698295"/>
           </a:xfrm>
           <a:prstGeom prst="straightConnector1">
             <a:avLst/>
@@ -8152,7 +8189,7 @@
         </p:nvCxnSpPr>
         <p:spPr>
           <a:xfrm>
-            <a:off x="4280499" y="8208610"/>
+            <a:off x="4552693" y="8095212"/>
             <a:ext cx="1" cy="214741"/>
           </a:xfrm>
           <a:prstGeom prst="straightConnector1">
@@ -8188,8 +8225,8 @@
         </p:nvCxnSpPr>
         <p:spPr>
           <a:xfrm flipH="1">
-            <a:off x="3783821" y="8563028"/>
-            <a:ext cx="150267" cy="202769"/>
+            <a:off x="4550325" y="9973607"/>
+            <a:ext cx="3090" cy="437065"/>
           </a:xfrm>
           <a:prstGeom prst="straightConnector1">
             <a:avLst/>
@@ -8219,15 +8256,13 @@
       <p:cxnSp>
         <p:nvCxnSpPr>
           <p:cNvPr id="153" name="Straight Arrow Connector 152"/>
-          <p:cNvCxnSpPr>
-            <a:endCxn id="142" idx="7"/>
-          </p:cNvCxnSpPr>
+          <p:cNvCxnSpPr/>
           <p:nvPr/>
         </p:nvCxnSpPr>
         <p:spPr>
           <a:xfrm flipH="1">
-            <a:off x="4506379" y="6893537"/>
-            <a:ext cx="944652" cy="1136364"/>
+            <a:off x="5051517" y="5780900"/>
+            <a:ext cx="1248873" cy="1897511"/>
           </a:xfrm>
           <a:prstGeom prst="straightConnector1">
             <a:avLst/>
@@ -8262,10 +8297,10 @@
         </p:nvGrpSpPr>
         <p:grpSpPr>
           <a:xfrm>
-            <a:off x="3324443" y="8447882"/>
-            <a:ext cx="1996059" cy="430949"/>
+            <a:off x="1961138" y="8421453"/>
+            <a:ext cx="5579550" cy="1034521"/>
             <a:chOff x="3086772" y="6130634"/>
-            <a:chExt cx="3658263" cy="615641"/>
+            <a:chExt cx="3658263" cy="642636"/>
           </a:xfrm>
         </p:grpSpPr>
         <p:sp>
@@ -8349,7 +8384,7 @@
           </p:nvSpPr>
           <p:spPr>
             <a:xfrm>
-              <a:off x="3086772" y="6174690"/>
+              <a:off x="3086772" y="6201685"/>
               <a:ext cx="3658263" cy="571585"/>
             </a:xfrm>
             <a:prstGeom prst="rect">
@@ -8395,7 +8430,7 @@
         </p:nvGrpSpPr>
         <p:grpSpPr>
           <a:xfrm>
-            <a:off x="3484637" y="9192330"/>
+            <a:off x="3653666" y="9366521"/>
             <a:ext cx="1856371" cy="562825"/>
             <a:chOff x="5915384" y="2525204"/>
             <a:chExt cx="1104477" cy="360813"/>
@@ -8484,7 +8519,7 @@
           <p:spPr>
             <a:xfrm>
               <a:off x="5915384" y="2624669"/>
-              <a:ext cx="1104477" cy="138116"/>
+              <a:ext cx="1104477" cy="157846"/>
             </a:xfrm>
             <a:prstGeom prst="rect">
               <a:avLst/>
@@ -8499,10 +8534,10 @@
             <a:p>
               <a:pPr algn="ctr"/>
               <a:r>
-                <a:rPr lang="en-US" sz="800" dirty="0" smtClean="0"/>
+                <a:rPr lang="en-US" sz="1000" dirty="0" smtClean="0"/>
                 <a:t>principal_coordinates.py</a:t>
               </a:r>
-              <a:endParaRPr lang="en-US" sz="395" dirty="0"/>
+              <a:endParaRPr lang="en-US" sz="1000" dirty="0"/>
             </a:p>
           </p:txBody>
         </p:sp>
@@ -8515,7 +8550,7 @@
         </p:nvCxnSpPr>
         <p:spPr>
           <a:xfrm flipV="1">
-            <a:off x="4437383" y="9589567"/>
+            <a:off x="4836346" y="9633780"/>
             <a:ext cx="2128212" cy="1294429"/>
           </a:xfrm>
           <a:prstGeom prst="bentConnector3">
@@ -8551,8 +8586,8 @@
         </p:nvGrpSpPr>
         <p:grpSpPr>
           <a:xfrm>
-            <a:off x="6501226" y="9407027"/>
-            <a:ext cx="1227683" cy="858706"/>
+            <a:off x="6916855" y="9268716"/>
+            <a:ext cx="1637034" cy="1129434"/>
             <a:chOff x="5926864" y="2525204"/>
             <a:chExt cx="1104477" cy="773497"/>
           </a:xfrm>
@@ -8658,7 +8693,6 @@
                 <a:rPr lang="en-US" sz="1000" dirty="0"/>
                 <a:t>make_2d_plots.py</a:t>
               </a:r>
-              <a:endParaRPr lang="en-US" sz="1000" dirty="0"/>
             </a:p>
           </p:txBody>
         </p:sp>
@@ -8671,7 +8705,7 @@
         </p:nvCxnSpPr>
         <p:spPr>
           <a:xfrm>
-            <a:off x="3796860" y="8832406"/>
+            <a:off x="610646" y="9876246"/>
             <a:ext cx="254237" cy="187353"/>
           </a:xfrm>
           <a:prstGeom prst="bentConnector3">
@@ -8707,7 +8741,7 @@
         </p:nvGrpSpPr>
         <p:grpSpPr>
           <a:xfrm>
-            <a:off x="3675783" y="10557517"/>
+            <a:off x="3785012" y="10572123"/>
             <a:ext cx="1615733" cy="865020"/>
             <a:chOff x="4228572" y="6130634"/>
             <a:chExt cx="1348386" cy="352797"/>
@@ -8827,13 +8861,15 @@
       <p:cxnSp>
         <p:nvCxnSpPr>
           <p:cNvPr id="166" name="Straight Arrow Connector 165"/>
-          <p:cNvCxnSpPr/>
+          <p:cNvCxnSpPr>
+            <a:endCxn id="162" idx="2"/>
+          </p:cNvCxnSpPr>
           <p:nvPr/>
         </p:nvCxnSpPr>
         <p:spPr>
-          <a:xfrm flipH="1">
-            <a:off x="7038228" y="10169374"/>
-            <a:ext cx="2741" cy="215252"/>
+          <a:xfrm>
+            <a:off x="7729902" y="9964453"/>
+            <a:ext cx="5470" cy="433697"/>
           </a:xfrm>
           <a:prstGeom prst="straightConnector1">
             <a:avLst/>
@@ -8868,7 +8904,7 @@
         </p:nvGrpSpPr>
         <p:grpSpPr>
           <a:xfrm>
-            <a:off x="6237812" y="10782292"/>
+            <a:off x="6937081" y="10528447"/>
             <a:ext cx="1655681" cy="1161581"/>
             <a:chOff x="4721337" y="7289953"/>
             <a:chExt cx="706180" cy="386739"/>
@@ -8985,9 +9021,9 @@
           <p:nvPr/>
         </p:nvCxnSpPr>
         <p:spPr>
-          <a:xfrm>
-            <a:off x="3610971" y="7796035"/>
-            <a:ext cx="741" cy="408752"/>
+          <a:xfrm flipH="1">
+            <a:off x="3295858" y="6858042"/>
+            <a:ext cx="226188" cy="924078"/>
           </a:xfrm>
           <a:prstGeom prst="straightConnector1">
             <a:avLst/>
@@ -9022,10 +9058,10 @@
         </p:nvGrpSpPr>
         <p:grpSpPr>
           <a:xfrm>
-            <a:off x="3372371" y="8231920"/>
-            <a:ext cx="494327" cy="1065330"/>
-            <a:chOff x="4734690" y="7289953"/>
-            <a:chExt cx="706180" cy="1521898"/>
+            <a:off x="2427171" y="7944915"/>
+            <a:ext cx="1283243" cy="822048"/>
+            <a:chOff x="4728588" y="7289953"/>
+            <a:chExt cx="706180" cy="386739"/>
           </a:xfrm>
         </p:grpSpPr>
         <p:sp>
@@ -9105,8 +9141,8 @@
           </p:nvSpPr>
           <p:spPr>
             <a:xfrm>
-              <a:off x="4734690" y="7360906"/>
-              <a:ext cx="706180" cy="1450945"/>
+              <a:off x="4728588" y="7387517"/>
+              <a:ext cx="706180" cy="167652"/>
             </a:xfrm>
             <a:prstGeom prst="rect">
               <a:avLst/>
@@ -9126,8 +9162,17 @@
               </a:r>
               <a:r>
                 <a:rPr lang="en-US" sz="1000" dirty="0"/>
-                <a:t>, other visualizations</a:t>
+                <a:t>, other </a:t>
               </a:r>
+              <a:endParaRPr lang="en-US" sz="1000" dirty="0" smtClean="0"/>
+            </a:p>
+            <a:p>
+              <a:pPr algn="ctr"/>
+              <a:r>
+                <a:rPr lang="en-US" sz="1000" dirty="0" smtClean="0"/>
+                <a:t>visualizations</a:t>
+              </a:r>
+              <a:endParaRPr lang="en-US" sz="1000" dirty="0"/>
             </a:p>
           </p:txBody>
         </p:sp>
@@ -9140,8 +9185,8 @@
         </p:nvCxnSpPr>
         <p:spPr>
           <a:xfrm flipH="1">
-            <a:off x="3126819" y="7633777"/>
-            <a:ext cx="234103" cy="335227"/>
+            <a:off x="2590965" y="6785430"/>
+            <a:ext cx="440756" cy="485883"/>
           </a:xfrm>
           <a:prstGeom prst="straightConnector1">
             <a:avLst/>
@@ -9175,9 +9220,9 @@
           <p:nvPr/>
         </p:nvCxnSpPr>
         <p:spPr>
-          <a:xfrm>
-            <a:off x="2876664" y="8195655"/>
-            <a:ext cx="741" cy="408752"/>
+          <a:xfrm flipH="1">
+            <a:off x="2276051" y="7900938"/>
+            <a:ext cx="32327" cy="1291392"/>
           </a:xfrm>
           <a:prstGeom prst="straightConnector1">
             <a:avLst/>
@@ -9212,10 +9257,10 @@
         </p:nvGrpSpPr>
         <p:grpSpPr>
           <a:xfrm>
-            <a:off x="2638683" y="8643701"/>
-            <a:ext cx="494327" cy="1219217"/>
-            <a:chOff x="4734690" y="7289953"/>
-            <a:chExt cx="706180" cy="1741737"/>
+            <a:off x="1672005" y="9407027"/>
+            <a:ext cx="1285954" cy="4144170"/>
+            <a:chOff x="4727216" y="7289953"/>
+            <a:chExt cx="706180" cy="1792541"/>
           </a:xfrm>
         </p:grpSpPr>
         <p:sp>
@@ -9295,7 +9340,7 @@
           </p:nvSpPr>
           <p:spPr>
             <a:xfrm>
-              <a:off x="4734690" y="7360904"/>
+              <a:off x="4727216" y="7411708"/>
               <a:ext cx="706180" cy="1670786"/>
             </a:xfrm>
             <a:prstGeom prst="rect">
@@ -9326,8 +9371,8 @@
         </p:nvCxnSpPr>
         <p:spPr>
           <a:xfrm flipH="1">
-            <a:off x="3025724" y="7558029"/>
-            <a:ext cx="342648" cy="60540"/>
+            <a:off x="2237133" y="6604760"/>
+            <a:ext cx="483567" cy="192967"/>
           </a:xfrm>
           <a:prstGeom prst="straightConnector1">
             <a:avLst/>
@@ -9361,12 +9406,14 @@
           <p:nvPr/>
         </p:nvCxnSpPr>
         <p:spPr>
-          <a:xfrm rot="10800000" flipV="1">
-            <a:off x="2188819" y="7658001"/>
-            <a:ext cx="194116" cy="476789"/>
-          </a:xfrm>
-          <a:prstGeom prst="bentConnector2">
-            <a:avLst/>
+          <a:xfrm rot="5400000">
+            <a:off x="35515" y="7106551"/>
+            <a:ext cx="1135847" cy="578696"/>
+          </a:xfrm>
+          <a:prstGeom prst="bentConnector3">
+            <a:avLst>
+              <a:gd name="adj1" fmla="val 50000"/>
+            </a:avLst>
           </a:prstGeom>
           <a:ln>
             <a:solidFill>
@@ -9390,126 +9437,143 @@
           </a:fontRef>
         </p:style>
       </p:cxnSp>
-      <p:sp>
-        <p:nvSpPr>
-          <p:cNvPr id="184" name="Rectangle 183"/>
-          <p:cNvSpPr/>
+      <p:grpSp>
+        <p:nvGrpSpPr>
+          <p:cNvPr id="8" name="Group 7"/>
+          <p:cNvGrpSpPr/>
           <p:nvPr/>
-        </p:nvSpPr>
-        <p:spPr>
+        </p:nvGrpSpPr>
+        <p:grpSpPr>
           <a:xfrm>
-            <a:off x="1983820" y="8178914"/>
-            <a:ext cx="607501" cy="268979"/>
-          </a:xfrm>
-          <a:prstGeom prst="rect">
-            <a:avLst/>
-          </a:prstGeom>
-          <a:gradFill flip="none" rotWithShape="1">
-            <a:gsLst>
-              <a:gs pos="100000">
-                <a:schemeClr val="bg1"/>
-              </a:gs>
-              <a:gs pos="50000">
-                <a:schemeClr val="accent1">
-                  <a:lumMod val="40000"/>
-                  <a:lumOff val="60000"/>
-                </a:schemeClr>
-              </a:gs>
-              <a:gs pos="0">
-                <a:schemeClr val="accent1">
-                  <a:lumMod val="40000"/>
-                  <a:lumOff val="60000"/>
-                  <a:shade val="100000"/>
-                  <a:satMod val="115000"/>
-                </a:schemeClr>
-              </a:gs>
-            </a:gsLst>
-            <a:lin ang="16200000" scaled="1"/>
-            <a:tileRect/>
-          </a:gradFill>
-          <a:ln>
-            <a:solidFill>
-              <a:schemeClr val="tx1"/>
-            </a:solidFill>
-          </a:ln>
-        </p:spPr>
-        <p:style>
-          <a:lnRef idx="2">
-            <a:schemeClr val="accent1">
-              <a:shade val="50000"/>
-            </a:schemeClr>
-          </a:lnRef>
-          <a:fillRef idx="1">
-            <a:schemeClr val="accent1"/>
-          </a:fillRef>
-          <a:effectRef idx="0">
-            <a:schemeClr val="accent1"/>
-          </a:effectRef>
-          <a:fontRef idx="minor">
-            <a:schemeClr val="lt1"/>
-          </a:fontRef>
-        </p:style>
-        <p:txBody>
-          <a:bodyPr rot="0" spcFirstLastPara="0" vertOverflow="overflow" horzOverflow="overflow" vert="horz" wrap="square" lIns="36004" tIns="18003" rIns="36004" bIns="18003" numCol="1" spcCol="0" rtlCol="0" fromWordArt="0" anchor="ctr" anchorCtr="0" forceAA="0" compatLnSpc="1">
-            <a:prstTxWarp prst="textNoShape">
+            <a:off x="130237" y="8073499"/>
+            <a:ext cx="1485875" cy="619868"/>
+            <a:chOff x="890876" y="7796035"/>
+            <a:chExt cx="1485875" cy="619868"/>
+          </a:xfrm>
+        </p:grpSpPr>
+        <p:sp>
+          <p:nvSpPr>
+            <p:cNvPr id="184" name="Rectangle 183"/>
+            <p:cNvSpPr/>
+            <p:nvPr/>
+          </p:nvSpPr>
+          <p:spPr>
+            <a:xfrm>
+              <a:off x="904232" y="7796035"/>
+              <a:ext cx="1428137" cy="598899"/>
+            </a:xfrm>
+            <a:prstGeom prst="rect">
               <a:avLst/>
-            </a:prstTxWarp>
-            <a:noAutofit/>
-          </a:bodyPr>
-          <a:lstStyle/>
-          <a:p>
-            <a:pPr algn="ctr"/>
-            <a:endParaRPr lang="en-US" sz="709"/>
-          </a:p>
-        </p:txBody>
-      </p:sp>
-      <p:sp>
-        <p:nvSpPr>
-          <p:cNvPr id="185" name="TextBox 184"/>
-          <p:cNvSpPr txBox="1"/>
-          <p:nvPr/>
-        </p:nvSpPr>
-        <p:spPr>
-          <a:xfrm>
-            <a:off x="1966995" y="8178691"/>
-            <a:ext cx="642905" cy="1631216"/>
-          </a:xfrm>
-          <a:prstGeom prst="rect">
-            <a:avLst/>
-          </a:prstGeom>
-          <a:noFill/>
-        </p:spPr>
-        <p:txBody>
-          <a:bodyPr wrap="square" rtlCol="0">
-            <a:spAutoFit/>
-          </a:bodyPr>
-          <a:lstStyle/>
-          <a:p>
-            <a:pPr algn="ctr"/>
-            <a:r>
-              <a:rPr lang="en-US" sz="1000" dirty="0"/>
-              <a:t>“Classic” OTU table for R or other programs</a:t>
-            </a:r>
-          </a:p>
-          <a:p>
-            <a:pPr algn="ctr"/>
-            <a:r>
-              <a:rPr lang="en-US" sz="1000" b="1" dirty="0"/>
-              <a:t>otu_table_even.txt</a:t>
-            </a:r>
-          </a:p>
-        </p:txBody>
-      </p:sp>
+            </a:prstGeom>
+            <a:gradFill flip="none" rotWithShape="1">
+              <a:gsLst>
+                <a:gs pos="100000">
+                  <a:schemeClr val="bg1"/>
+                </a:gs>
+                <a:gs pos="50000">
+                  <a:schemeClr val="accent1">
+                    <a:lumMod val="40000"/>
+                    <a:lumOff val="60000"/>
+                  </a:schemeClr>
+                </a:gs>
+                <a:gs pos="0">
+                  <a:schemeClr val="accent1">
+                    <a:lumMod val="40000"/>
+                    <a:lumOff val="60000"/>
+                    <a:shade val="100000"/>
+                    <a:satMod val="115000"/>
+                  </a:schemeClr>
+                </a:gs>
+              </a:gsLst>
+              <a:lin ang="16200000" scaled="1"/>
+              <a:tileRect/>
+            </a:gradFill>
+            <a:ln>
+              <a:solidFill>
+                <a:schemeClr val="tx1"/>
+              </a:solidFill>
+            </a:ln>
+          </p:spPr>
+          <p:style>
+            <a:lnRef idx="2">
+              <a:schemeClr val="accent1">
+                <a:shade val="50000"/>
+              </a:schemeClr>
+            </a:lnRef>
+            <a:fillRef idx="1">
+              <a:schemeClr val="accent1"/>
+            </a:fillRef>
+            <a:effectRef idx="0">
+              <a:schemeClr val="accent1"/>
+            </a:effectRef>
+            <a:fontRef idx="minor">
+              <a:schemeClr val="lt1"/>
+            </a:fontRef>
+          </p:style>
+          <p:txBody>
+            <a:bodyPr rot="0" spcFirstLastPara="0" vertOverflow="overflow" horzOverflow="overflow" vert="horz" wrap="square" lIns="36004" tIns="18003" rIns="36004" bIns="18003" numCol="1" spcCol="0" rtlCol="0" fromWordArt="0" anchor="ctr" anchorCtr="0" forceAA="0" compatLnSpc="1">
+              <a:prstTxWarp prst="textNoShape">
+                <a:avLst/>
+              </a:prstTxWarp>
+              <a:noAutofit/>
+            </a:bodyPr>
+            <a:lstStyle/>
+            <a:p>
+              <a:pPr algn="ctr"/>
+              <a:endParaRPr lang="en-US" sz="709"/>
+            </a:p>
+          </p:txBody>
+        </p:sp>
+        <p:sp>
+          <p:nvSpPr>
+            <p:cNvPr id="185" name="TextBox 184"/>
+            <p:cNvSpPr txBox="1"/>
+            <p:nvPr/>
+          </p:nvSpPr>
+          <p:spPr>
+            <a:xfrm>
+              <a:off x="890876" y="7861905"/>
+              <a:ext cx="1485875" cy="553998"/>
+            </a:xfrm>
+            <a:prstGeom prst="rect">
+              <a:avLst/>
+            </a:prstGeom>
+            <a:noFill/>
+          </p:spPr>
+          <p:txBody>
+            <a:bodyPr wrap="square" rtlCol="0">
+              <a:spAutoFit/>
+            </a:bodyPr>
+            <a:lstStyle/>
+            <a:p>
+              <a:pPr algn="ctr"/>
+              <a:r>
+                <a:rPr lang="en-US" sz="1000" dirty="0"/>
+                <a:t>“Classic” OTU table for R or other programs</a:t>
+              </a:r>
+            </a:p>
+            <a:p>
+              <a:pPr algn="ctr"/>
+              <a:r>
+                <a:rPr lang="en-US" sz="1000" b="1" dirty="0"/>
+                <a:t>otu_table_even.txt</a:t>
+              </a:r>
+            </a:p>
+          </p:txBody>
+        </p:sp>
+      </p:grpSp>
       <p:cxnSp>
         <p:nvCxnSpPr>
           <p:cNvPr id="186" name="Straight Arrow Connector 185"/>
-          <p:cNvCxnSpPr/>
+          <p:cNvCxnSpPr>
+            <a:endCxn id="41" idx="3"/>
+          </p:cNvCxnSpPr>
           <p:nvPr/>
         </p:nvCxnSpPr>
         <p:spPr>
           <a:xfrm flipH="1" flipV="1">
-            <a:off x="1934742" y="4324902"/>
-            <a:ext cx="385580" cy="709997"/>
+            <a:off x="1788255" y="5548525"/>
+            <a:ext cx="897756" cy="807470"/>
           </a:xfrm>
           <a:prstGeom prst="straightConnector1">
             <a:avLst/>

--- a/QIIME_files/QIIME flow chart.pptx
+++ b/QIIME_files/QIIME flow chart.pptx
@@ -2979,7 +2979,7 @@
         </p:nvGrpSpPr>
         <p:grpSpPr>
           <a:xfrm>
-            <a:off x="2619758" y="3823996"/>
+            <a:off x="2632634" y="3823764"/>
             <a:ext cx="2114646" cy="1163079"/>
             <a:chOff x="5926864" y="2525204"/>
             <a:chExt cx="1104477" cy="1044490"/>
@@ -3593,7 +3593,7 @@
         </p:nvGrpSpPr>
         <p:grpSpPr>
           <a:xfrm>
-            <a:off x="4703230" y="924050"/>
+            <a:off x="4754272" y="962054"/>
             <a:ext cx="1228230" cy="630789"/>
             <a:chOff x="7406395" y="1046946"/>
             <a:chExt cx="2121868" cy="1016149"/>
@@ -3784,153 +3784,6 @@
           </a:fontRef>
         </p:style>
       </p:cxnSp>
-      <p:sp>
-        <p:nvSpPr>
-          <p:cNvPr id="57" name="Rectangle 56"/>
-          <p:cNvSpPr/>
-          <p:nvPr/>
-        </p:nvSpPr>
-        <p:spPr>
-          <a:xfrm>
-            <a:off x="5122331" y="143843"/>
-            <a:ext cx="616773" cy="247587"/>
-          </a:xfrm>
-          <a:prstGeom prst="rect">
-            <a:avLst/>
-          </a:prstGeom>
-          <a:gradFill flip="none" rotWithShape="1">
-            <a:gsLst>
-              <a:gs pos="100000">
-                <a:schemeClr val="bg1"/>
-              </a:gs>
-              <a:gs pos="50000">
-                <a:schemeClr val="accent1">
-                  <a:lumMod val="40000"/>
-                  <a:lumOff val="60000"/>
-                </a:schemeClr>
-              </a:gs>
-              <a:gs pos="0">
-                <a:schemeClr val="accent1">
-                  <a:lumMod val="40000"/>
-                  <a:lumOff val="60000"/>
-                  <a:shade val="100000"/>
-                  <a:satMod val="115000"/>
-                </a:schemeClr>
-              </a:gs>
-            </a:gsLst>
-            <a:lin ang="16200000" scaled="1"/>
-            <a:tileRect/>
-          </a:gradFill>
-          <a:ln>
-            <a:solidFill>
-              <a:schemeClr val="tx1"/>
-            </a:solidFill>
-          </a:ln>
-        </p:spPr>
-        <p:style>
-          <a:lnRef idx="2">
-            <a:schemeClr val="accent1">
-              <a:shade val="50000"/>
-            </a:schemeClr>
-          </a:lnRef>
-          <a:fillRef idx="1">
-            <a:schemeClr val="accent1"/>
-          </a:fillRef>
-          <a:effectRef idx="0">
-            <a:schemeClr val="accent1"/>
-          </a:effectRef>
-          <a:fontRef idx="minor">
-            <a:schemeClr val="lt1"/>
-          </a:fontRef>
-        </p:style>
-        <p:txBody>
-          <a:bodyPr rot="0" spcFirstLastPara="0" vertOverflow="overflow" horzOverflow="overflow" vert="horz" wrap="square" lIns="36004" tIns="18003" rIns="36004" bIns="18003" numCol="1" spcCol="0" rtlCol="0" fromWordArt="0" anchor="ctr" anchorCtr="0" forceAA="0" compatLnSpc="1">
-            <a:prstTxWarp prst="textNoShape">
-              <a:avLst/>
-            </a:prstTxWarp>
-            <a:noAutofit/>
-          </a:bodyPr>
-          <a:lstStyle/>
-          <a:p>
-            <a:pPr algn="ctr"/>
-            <a:endParaRPr lang="en-US" sz="1000"/>
-          </a:p>
-        </p:txBody>
-      </p:sp>
-      <p:sp>
-        <p:nvSpPr>
-          <p:cNvPr id="58" name="Oval 57"/>
-          <p:cNvSpPr/>
-          <p:nvPr/>
-        </p:nvSpPr>
-        <p:spPr>
-          <a:xfrm>
-            <a:off x="5813149" y="61630"/>
-            <a:ext cx="638887" cy="204895"/>
-          </a:xfrm>
-          <a:prstGeom prst="ellipse">
-            <a:avLst/>
-          </a:prstGeom>
-          <a:gradFill flip="none" rotWithShape="1">
-            <a:gsLst>
-              <a:gs pos="0">
-                <a:srgbClr val="FF6699">
-                  <a:tint val="66000"/>
-                  <a:satMod val="160000"/>
-                </a:srgbClr>
-              </a:gs>
-              <a:gs pos="50000">
-                <a:srgbClr val="FF6699">
-                  <a:tint val="44500"/>
-                  <a:satMod val="160000"/>
-                </a:srgbClr>
-              </a:gs>
-              <a:gs pos="100000">
-                <a:srgbClr val="FF6699">
-                  <a:tint val="23500"/>
-                  <a:satMod val="160000"/>
-                </a:srgbClr>
-              </a:gs>
-            </a:gsLst>
-            <a:lin ang="16200000" scaled="1"/>
-            <a:tileRect/>
-          </a:gradFill>
-          <a:ln>
-            <a:solidFill>
-              <a:schemeClr val="tx1"/>
-            </a:solidFill>
-          </a:ln>
-        </p:spPr>
-        <p:style>
-          <a:lnRef idx="2">
-            <a:schemeClr val="accent1">
-              <a:shade val="50000"/>
-            </a:schemeClr>
-          </a:lnRef>
-          <a:fillRef idx="1">
-            <a:schemeClr val="accent1"/>
-          </a:fillRef>
-          <a:effectRef idx="0">
-            <a:schemeClr val="accent1"/>
-          </a:effectRef>
-          <a:fontRef idx="minor">
-            <a:schemeClr val="lt1"/>
-          </a:fontRef>
-        </p:style>
-        <p:txBody>
-          <a:bodyPr rot="0" spcFirstLastPara="0" vertOverflow="overflow" horzOverflow="overflow" vert="horz" wrap="square" lIns="36004" tIns="18003" rIns="36004" bIns="18003" numCol="1" spcCol="0" rtlCol="0" fromWordArt="0" anchor="ctr" anchorCtr="0" forceAA="0" compatLnSpc="1">
-            <a:prstTxWarp prst="textNoShape">
-              <a:avLst/>
-            </a:prstTxWarp>
-            <a:noAutofit/>
-          </a:bodyPr>
-          <a:lstStyle/>
-          <a:p>
-            <a:pPr algn="ctr"/>
-            <a:endParaRPr lang="en-US" sz="1000"/>
-          </a:p>
-        </p:txBody>
-      </p:sp>
       <p:grpSp>
         <p:nvGrpSpPr>
           <p:cNvPr id="63" name="Group 62"/>
@@ -4292,49 +4145,13 @@
       </p:sp>
       <p:cxnSp>
         <p:nvCxnSpPr>
-          <p:cNvPr id="71" name="Straight Arrow Connector 70"/>
-          <p:cNvCxnSpPr/>
-          <p:nvPr/>
-        </p:nvCxnSpPr>
-        <p:spPr>
-          <a:xfrm>
-            <a:off x="4489345" y="2344257"/>
-            <a:ext cx="0" cy="126527"/>
-          </a:xfrm>
-          <a:prstGeom prst="straightConnector1">
-            <a:avLst/>
-          </a:prstGeom>
-          <a:ln>
-            <a:solidFill>
-              <a:schemeClr val="tx1"/>
-            </a:solidFill>
-            <a:tailEnd type="triangle"/>
-          </a:ln>
-        </p:spPr>
-        <p:style>
-          <a:lnRef idx="1">
-            <a:schemeClr val="accent1"/>
-          </a:lnRef>
-          <a:fillRef idx="0">
-            <a:schemeClr val="accent1"/>
-          </a:fillRef>
-          <a:effectRef idx="0">
-            <a:schemeClr val="accent1"/>
-          </a:effectRef>
-          <a:fontRef idx="minor">
-            <a:schemeClr val="tx1"/>
-          </a:fontRef>
-        </p:style>
-      </p:cxnSp>
-      <p:cxnSp>
-        <p:nvCxnSpPr>
           <p:cNvPr id="72" name="Straight Arrow Connector 71"/>
           <p:cNvCxnSpPr/>
           <p:nvPr/>
         </p:nvCxnSpPr>
         <p:spPr>
           <a:xfrm>
-            <a:off x="3677015" y="3635759"/>
+            <a:off x="3678546" y="3682643"/>
             <a:ext cx="0" cy="126527"/>
           </a:xfrm>
           <a:prstGeom prst="straightConnector1">
@@ -5482,42 +5299,6 @@
           </p:txBody>
         </p:sp>
       </p:grpSp>
-      <p:cxnSp>
-        <p:nvCxnSpPr>
-          <p:cNvPr id="107" name="Straight Arrow Connector 106"/>
-          <p:cNvCxnSpPr/>
-          <p:nvPr/>
-        </p:nvCxnSpPr>
-        <p:spPr>
-          <a:xfrm flipH="1">
-            <a:off x="4196765" y="1696202"/>
-            <a:ext cx="770171" cy="528788"/>
-          </a:xfrm>
-          <a:prstGeom prst="straightConnector1">
-            <a:avLst/>
-          </a:prstGeom>
-          <a:ln>
-            <a:solidFill>
-              <a:schemeClr val="tx1"/>
-            </a:solidFill>
-            <a:tailEnd type="triangle"/>
-          </a:ln>
-        </p:spPr>
-        <p:style>
-          <a:lnRef idx="1">
-            <a:schemeClr val="accent1"/>
-          </a:lnRef>
-          <a:fillRef idx="0">
-            <a:schemeClr val="accent1"/>
-          </a:fillRef>
-          <a:effectRef idx="0">
-            <a:schemeClr val="accent1"/>
-          </a:effectRef>
-          <a:fontRef idx="minor">
-            <a:schemeClr val="tx1"/>
-          </a:fontRef>
-        </p:style>
-      </p:cxnSp>
       <p:grpSp>
         <p:nvGrpSpPr>
           <p:cNvPr id="191" name="Group 190"/>
@@ -5526,7 +5307,7 @@
         </p:nvGrpSpPr>
         <p:grpSpPr>
           <a:xfrm>
-            <a:off x="6831369" y="1376053"/>
+            <a:off x="5181535" y="1744694"/>
             <a:ext cx="1667740" cy="568355"/>
             <a:chOff x="4718767" y="2679102"/>
             <a:chExt cx="1667740" cy="568355"/>
@@ -5644,7 +5425,7 @@
         </p:nvSpPr>
         <p:spPr>
           <a:xfrm>
-            <a:off x="8009006" y="1680070"/>
+            <a:off x="6507672" y="1705511"/>
             <a:ext cx="1592194" cy="400110"/>
           </a:xfrm>
           <a:prstGeom prst="rect">
@@ -5690,10 +5471,10 @@
         </p:nvGrpSpPr>
         <p:grpSpPr>
           <a:xfrm>
-            <a:off x="6316047" y="2474343"/>
-            <a:ext cx="2734870" cy="446114"/>
+            <a:off x="6318419" y="2499293"/>
+            <a:ext cx="2560468" cy="446114"/>
             <a:chOff x="6045161" y="2984129"/>
-            <a:chExt cx="2734870" cy="446114"/>
+            <a:chExt cx="2560468" cy="446114"/>
           </a:xfrm>
         </p:grpSpPr>
         <p:sp>
@@ -5806,42 +5587,6 @@
             </a:p>
           </p:txBody>
         </p:sp>
-        <p:cxnSp>
-          <p:nvCxnSpPr>
-            <p:cNvPr id="111" name="Straight Arrow Connector 110"/>
-            <p:cNvCxnSpPr/>
-            <p:nvPr/>
-          </p:nvCxnSpPr>
-          <p:spPr>
-            <a:xfrm>
-              <a:off x="8780031" y="3098070"/>
-              <a:ext cx="0" cy="126527"/>
-            </a:xfrm>
-            <a:prstGeom prst="straightConnector1">
-              <a:avLst/>
-            </a:prstGeom>
-            <a:ln>
-              <a:solidFill>
-                <a:schemeClr val="tx1"/>
-              </a:solidFill>
-              <a:tailEnd type="triangle"/>
-            </a:ln>
-          </p:spPr>
-          <p:style>
-            <a:lnRef idx="1">
-              <a:schemeClr val="accent1"/>
-            </a:lnRef>
-            <a:fillRef idx="0">
-              <a:schemeClr val="accent1"/>
-            </a:fillRef>
-            <a:effectRef idx="0">
-              <a:schemeClr val="accent1"/>
-            </a:effectRef>
-            <a:fontRef idx="minor">
-              <a:schemeClr val="tx1"/>
-            </a:fontRef>
-          </p:style>
-        </p:cxnSp>
       </p:grpSp>
       <p:grpSp>
         <p:nvGrpSpPr>
@@ -5976,8 +5721,8 @@
         </p:nvCxnSpPr>
         <p:spPr>
           <a:xfrm>
-            <a:off x="6780211" y="5568995"/>
-            <a:ext cx="345737" cy="0"/>
+            <a:off x="6184730" y="4666017"/>
+            <a:ext cx="201095" cy="0"/>
           </a:xfrm>
           <a:prstGeom prst="straightConnector1">
             <a:avLst/>
@@ -6011,9 +5756,9 @@
           <p:nvPr/>
         </p:nvCxnSpPr>
         <p:spPr>
-          <a:xfrm>
-            <a:off x="5460692" y="5780900"/>
-            <a:ext cx="345737" cy="0"/>
+          <a:xfrm flipH="1">
+            <a:off x="6101972" y="4309367"/>
+            <a:ext cx="246583" cy="187085"/>
           </a:xfrm>
           <a:prstGeom prst="straightConnector1">
             <a:avLst/>
@@ -6121,7 +5866,7 @@
         </p:nvSpPr>
         <p:spPr>
           <a:xfrm>
-            <a:off x="6034124" y="4522047"/>
+            <a:off x="6056866" y="4509464"/>
             <a:ext cx="2148936" cy="1448708"/>
           </a:xfrm>
           <a:prstGeom prst="rect">
@@ -6167,10 +5912,10 @@
         </p:nvGrpSpPr>
         <p:grpSpPr>
           <a:xfrm>
-            <a:off x="5895420" y="4981956"/>
-            <a:ext cx="2254320" cy="809607"/>
-            <a:chOff x="4734690" y="4003285"/>
-            <a:chExt cx="1357245" cy="571588"/>
+            <a:off x="5860479" y="4204574"/>
+            <a:ext cx="2254320" cy="1586956"/>
+            <a:chOff x="4727754" y="3454449"/>
+            <a:chExt cx="1357245" cy="1120402"/>
           </a:xfrm>
         </p:grpSpPr>
         <p:cxnSp>
@@ -6180,9 +5925,9 @@
             <p:nvPr/>
           </p:nvCxnSpPr>
           <p:spPr>
-            <a:xfrm>
-              <a:off x="4766313" y="4134163"/>
-              <a:ext cx="218364" cy="0"/>
+            <a:xfrm flipV="1">
+              <a:off x="4953498" y="3454449"/>
+              <a:ext cx="113177" cy="14967"/>
             </a:xfrm>
             <a:prstGeom prst="straightConnector1">
               <a:avLst/>
@@ -6290,7 +6035,7 @@
           </p:nvSpPr>
           <p:spPr>
             <a:xfrm>
-              <a:off x="4734690" y="4003285"/>
+              <a:off x="4727754" y="4003263"/>
               <a:ext cx="1357245" cy="571588"/>
             </a:xfrm>
             <a:prstGeom prst="rect">
@@ -6329,8 +6074,8 @@
         </p:nvSpPr>
         <p:spPr>
           <a:xfrm>
-            <a:off x="134884" y="1548686"/>
-            <a:ext cx="224293" cy="265127"/>
+            <a:off x="128766" y="2868230"/>
+            <a:ext cx="341260" cy="224363"/>
           </a:xfrm>
           <a:prstGeom prst="rect">
             <a:avLst/>
@@ -6402,8 +6147,8 @@
         </p:nvSpPr>
         <p:spPr>
           <a:xfrm>
-            <a:off x="234885" y="2136455"/>
-            <a:ext cx="224293" cy="261123"/>
+            <a:off x="113485" y="3186497"/>
+            <a:ext cx="345275" cy="273345"/>
           </a:xfrm>
           <a:prstGeom prst="ellipse">
             <a:avLst/>
@@ -6476,7 +6221,7 @@
         </p:nvSpPr>
         <p:spPr>
           <a:xfrm>
-            <a:off x="1242536" y="1616364"/>
+            <a:off x="544309" y="2859895"/>
             <a:ext cx="344966" cy="246221"/>
           </a:xfrm>
           <a:prstGeom prst="rect">
@@ -6505,7 +6250,7 @@
         </p:nvSpPr>
         <p:spPr>
           <a:xfrm>
-            <a:off x="1237906" y="1785319"/>
+            <a:off x="541992" y="3230827"/>
             <a:ext cx="473206" cy="246221"/>
           </a:xfrm>
           <a:prstGeom prst="rect">
@@ -6534,8 +6279,8 @@
         </p:nvSpPr>
         <p:spPr>
           <a:xfrm>
-            <a:off x="318027" y="2560845"/>
-            <a:ext cx="224293" cy="369033"/>
+            <a:off x="99366" y="3522229"/>
+            <a:ext cx="345275" cy="286941"/>
           </a:xfrm>
           <a:prstGeom prst="hexagon">
             <a:avLst/>
@@ -6603,7 +6348,7 @@
         </p:nvSpPr>
         <p:spPr>
           <a:xfrm>
-            <a:off x="1237906" y="1957070"/>
+            <a:off x="490116" y="3597398"/>
             <a:ext cx="825867" cy="246221"/>
           </a:xfrm>
           <a:prstGeom prst="rect">
@@ -6632,8 +6377,8 @@
         </p:nvSpPr>
         <p:spPr>
           <a:xfrm>
-            <a:off x="134884" y="-83541"/>
-            <a:ext cx="1807099" cy="1169551"/>
+            <a:off x="-15286" y="1718825"/>
+            <a:ext cx="1951050" cy="1015663"/>
           </a:xfrm>
           <a:prstGeom prst="rect">
             <a:avLst/>
@@ -6837,8 +6582,8 @@
         </p:nvCxnSpPr>
         <p:spPr>
           <a:xfrm flipH="1">
-            <a:off x="1415019" y="4726792"/>
-            <a:ext cx="211567" cy="3873"/>
+            <a:off x="1788176" y="4634758"/>
+            <a:ext cx="1270190" cy="483238"/>
           </a:xfrm>
           <a:prstGeom prst="straightConnector1">
             <a:avLst/>
@@ -6865,249 +6610,6 @@
           </a:fontRef>
         </p:style>
       </p:cxnSp>
-      <p:cxnSp>
-        <p:nvCxnSpPr>
-          <p:cNvPr id="128" name="Straight Arrow Connector 127"/>
-          <p:cNvCxnSpPr/>
-          <p:nvPr/>
-        </p:nvCxnSpPr>
-        <p:spPr>
-          <a:xfrm>
-            <a:off x="2619697" y="5002515"/>
-            <a:ext cx="0" cy="281095"/>
-          </a:xfrm>
-          <a:prstGeom prst="straightConnector1">
-            <a:avLst/>
-          </a:prstGeom>
-          <a:ln>
-            <a:solidFill>
-              <a:schemeClr val="tx1"/>
-            </a:solidFill>
-            <a:tailEnd type="triangle"/>
-          </a:ln>
-        </p:spPr>
-        <p:style>
-          <a:lnRef idx="1">
-            <a:schemeClr val="accent1"/>
-          </a:lnRef>
-          <a:fillRef idx="0">
-            <a:schemeClr val="accent1"/>
-          </a:fillRef>
-          <a:effectRef idx="0">
-            <a:schemeClr val="accent1"/>
-          </a:effectRef>
-          <a:fontRef idx="minor">
-            <a:schemeClr val="tx1"/>
-          </a:fontRef>
-        </p:style>
-      </p:cxnSp>
-      <p:sp>
-        <p:nvSpPr>
-          <p:cNvPr id="129" name="Rectangle 128"/>
-          <p:cNvSpPr/>
-          <p:nvPr/>
-        </p:nvSpPr>
-        <p:spPr>
-          <a:xfrm>
-            <a:off x="3159248" y="4492986"/>
-            <a:ext cx="1048267" cy="378887"/>
-          </a:xfrm>
-          <a:prstGeom prst="rect">
-            <a:avLst/>
-          </a:prstGeom>
-          <a:gradFill flip="none" rotWithShape="1">
-            <a:gsLst>
-              <a:gs pos="100000">
-                <a:schemeClr val="bg1"/>
-              </a:gs>
-              <a:gs pos="50000">
-                <a:schemeClr val="accent1">
-                  <a:lumMod val="40000"/>
-                  <a:lumOff val="60000"/>
-                </a:schemeClr>
-              </a:gs>
-              <a:gs pos="0">
-                <a:schemeClr val="accent1">
-                  <a:lumMod val="40000"/>
-                  <a:lumOff val="60000"/>
-                  <a:shade val="100000"/>
-                  <a:satMod val="115000"/>
-                </a:schemeClr>
-              </a:gs>
-            </a:gsLst>
-            <a:lin ang="16200000" scaled="1"/>
-            <a:tileRect/>
-          </a:gradFill>
-          <a:ln>
-            <a:solidFill>
-              <a:schemeClr val="tx1"/>
-            </a:solidFill>
-          </a:ln>
-        </p:spPr>
-        <p:style>
-          <a:lnRef idx="2">
-            <a:schemeClr val="accent1">
-              <a:shade val="50000"/>
-            </a:schemeClr>
-          </a:lnRef>
-          <a:fillRef idx="1">
-            <a:schemeClr val="accent1"/>
-          </a:fillRef>
-          <a:effectRef idx="0">
-            <a:schemeClr val="accent1"/>
-          </a:effectRef>
-          <a:fontRef idx="minor">
-            <a:schemeClr val="lt1"/>
-          </a:fontRef>
-        </p:style>
-        <p:txBody>
-          <a:bodyPr rot="0" spcFirstLastPara="0" vertOverflow="overflow" horzOverflow="overflow" vert="horz" wrap="square" lIns="36004" tIns="18003" rIns="36004" bIns="18003" numCol="1" spcCol="0" rtlCol="0" fromWordArt="0" anchor="ctr" anchorCtr="0" forceAA="0" compatLnSpc="1">
-            <a:prstTxWarp prst="textNoShape">
-              <a:avLst/>
-            </a:prstTxWarp>
-            <a:noAutofit/>
-          </a:bodyPr>
-          <a:lstStyle/>
-          <a:p>
-            <a:pPr algn="ctr"/>
-            <a:endParaRPr lang="en-US" sz="1000"/>
-          </a:p>
-        </p:txBody>
-      </p:sp>
-      <p:grpSp>
-        <p:nvGrpSpPr>
-          <p:cNvPr id="39" name="Group 38"/>
-          <p:cNvGrpSpPr/>
-          <p:nvPr/>
-        </p:nvGrpSpPr>
-        <p:grpSpPr>
-          <a:xfrm>
-            <a:off x="528568" y="3771737"/>
-            <a:ext cx="1608614" cy="543088"/>
-            <a:chOff x="528568" y="3771737"/>
-            <a:chExt cx="1608614" cy="543088"/>
-          </a:xfrm>
-        </p:grpSpPr>
-        <p:sp>
-          <p:nvSpPr>
-            <p:cNvPr id="130" name="Rectangle 129"/>
-            <p:cNvSpPr/>
-            <p:nvPr/>
-          </p:nvSpPr>
-          <p:spPr>
-            <a:xfrm>
-              <a:off x="691096" y="3771737"/>
-              <a:ext cx="1396448" cy="543088"/>
-            </a:xfrm>
-            <a:prstGeom prst="rect">
-              <a:avLst/>
-            </a:prstGeom>
-            <a:gradFill flip="none" rotWithShape="1">
-              <a:gsLst>
-                <a:gs pos="100000">
-                  <a:schemeClr val="bg1"/>
-                </a:gs>
-                <a:gs pos="50000">
-                  <a:schemeClr val="accent1">
-                    <a:lumMod val="40000"/>
-                    <a:lumOff val="60000"/>
-                  </a:schemeClr>
-                </a:gs>
-                <a:gs pos="0">
-                  <a:schemeClr val="accent1">
-                    <a:lumMod val="40000"/>
-                    <a:lumOff val="60000"/>
-                    <a:shade val="100000"/>
-                    <a:satMod val="115000"/>
-                  </a:schemeClr>
-                </a:gs>
-              </a:gsLst>
-              <a:lin ang="16200000" scaled="1"/>
-              <a:tileRect/>
-            </a:gradFill>
-            <a:ln>
-              <a:solidFill>
-                <a:schemeClr val="tx1"/>
-              </a:solidFill>
-            </a:ln>
-          </p:spPr>
-          <p:style>
-            <a:lnRef idx="2">
-              <a:schemeClr val="accent1">
-                <a:shade val="50000"/>
-              </a:schemeClr>
-            </a:lnRef>
-            <a:fillRef idx="1">
-              <a:schemeClr val="accent1"/>
-            </a:fillRef>
-            <a:effectRef idx="0">
-              <a:schemeClr val="accent1"/>
-            </a:effectRef>
-            <a:fontRef idx="minor">
-              <a:schemeClr val="lt1"/>
-            </a:fontRef>
-          </p:style>
-          <p:txBody>
-            <a:bodyPr rot="0" spcFirstLastPara="0" vertOverflow="overflow" horzOverflow="overflow" vert="horz" wrap="square" lIns="36004" tIns="18003" rIns="36004" bIns="18003" numCol="1" spcCol="0" rtlCol="0" fromWordArt="0" anchor="ctr" anchorCtr="0" forceAA="0" compatLnSpc="1">
-              <a:prstTxWarp prst="textNoShape">
-                <a:avLst/>
-              </a:prstTxWarp>
-              <a:noAutofit/>
-            </a:bodyPr>
-            <a:lstStyle/>
-            <a:p>
-              <a:pPr algn="ctr"/>
-              <a:endParaRPr lang="en-US" sz="1000"/>
-            </a:p>
-          </p:txBody>
-        </p:sp>
-        <p:sp>
-          <p:nvSpPr>
-            <p:cNvPr id="126" name="TextBox 125"/>
-            <p:cNvSpPr txBox="1"/>
-            <p:nvPr/>
-          </p:nvSpPr>
-          <p:spPr>
-            <a:xfrm>
-              <a:off x="528568" y="3831619"/>
-              <a:ext cx="1608614" cy="400110"/>
-            </a:xfrm>
-            <a:prstGeom prst="rect">
-              <a:avLst/>
-            </a:prstGeom>
-            <a:noFill/>
-          </p:spPr>
-          <p:txBody>
-            <a:bodyPr wrap="square" rtlCol="0">
-              <a:spAutoFit/>
-            </a:bodyPr>
-            <a:lstStyle/>
-            <a:p>
-              <a:pPr algn="ctr"/>
-              <a:r>
-                <a:rPr lang="en-US" sz="1000" dirty="0"/>
-                <a:t>“</a:t>
-              </a:r>
-              <a:r>
-                <a:rPr lang="en-US" sz="1000" dirty="0" err="1"/>
-                <a:t>Biom</a:t>
-              </a:r>
-              <a:r>
-                <a:rPr lang="en-US" sz="1000" dirty="0"/>
-                <a:t>” OTU table</a:t>
-              </a:r>
-            </a:p>
-            <a:p>
-              <a:pPr algn="ctr"/>
-              <a:r>
-                <a:rPr lang="en-US" sz="1000" b="1" dirty="0" err="1"/>
-                <a:t>otu_table.biom</a:t>
-              </a:r>
-              <a:endParaRPr lang="en-US" sz="1000" b="1" dirty="0"/>
-            </a:p>
-          </p:txBody>
-        </p:sp>
-      </p:grpSp>
       <p:grpSp>
         <p:nvGrpSpPr>
           <p:cNvPr id="131" name="Group 130"/>
@@ -7116,7 +6618,7 @@
         </p:nvGrpSpPr>
         <p:grpSpPr>
           <a:xfrm>
-            <a:off x="3129675" y="5231876"/>
+            <a:off x="2914434" y="5206150"/>
             <a:ext cx="1497375" cy="944586"/>
             <a:chOff x="5936232" y="2525204"/>
             <a:chExt cx="1104477" cy="804750"/>
@@ -7235,7 +6737,7 @@
         </p:nvCxnSpPr>
         <p:spPr>
           <a:xfrm>
-            <a:off x="3840682" y="5664448"/>
+            <a:off x="3676099" y="5671165"/>
             <a:ext cx="0" cy="281095"/>
           </a:xfrm>
           <a:prstGeom prst="straightConnector1">
@@ -8030,7 +7532,7 @@
         </p:nvGrpSpPr>
         <p:grpSpPr>
           <a:xfrm>
-            <a:off x="930015" y="6627975"/>
+            <a:off x="993665" y="6615196"/>
             <a:ext cx="1077662" cy="627748"/>
             <a:chOff x="5926864" y="2525204"/>
             <a:chExt cx="1104477" cy="773497"/>
@@ -8152,9 +7654,9 @@
           <p:nvPr/>
         </p:nvCxnSpPr>
         <p:spPr>
-          <a:xfrm flipH="1">
-            <a:off x="4533263" y="6827975"/>
-            <a:ext cx="17062" cy="698295"/>
+          <a:xfrm>
+            <a:off x="4362580" y="6795693"/>
+            <a:ext cx="185908" cy="801587"/>
           </a:xfrm>
           <a:prstGeom prst="straightConnector1">
             <a:avLst/>
@@ -8261,8 +7763,8 @@
         </p:nvCxnSpPr>
         <p:spPr>
           <a:xfrm flipH="1">
-            <a:off x="5051517" y="5780900"/>
-            <a:ext cx="1248873" cy="1897511"/>
+            <a:off x="5051518" y="5522999"/>
+            <a:ext cx="1456154" cy="2155412"/>
           </a:xfrm>
           <a:prstGeom prst="straightConnector1">
             <a:avLst/>
@@ -8697,42 +8199,6 @@
           </p:txBody>
         </p:sp>
       </p:grpSp>
-      <p:cxnSp>
-        <p:nvCxnSpPr>
-          <p:cNvPr id="36" name="Elbow Connector 35"/>
-          <p:cNvCxnSpPr/>
-          <p:nvPr/>
-        </p:nvCxnSpPr>
-        <p:spPr>
-          <a:xfrm>
-            <a:off x="610646" y="9876246"/>
-            <a:ext cx="254237" cy="187353"/>
-          </a:xfrm>
-          <a:prstGeom prst="bentConnector3">
-            <a:avLst/>
-          </a:prstGeom>
-          <a:ln>
-            <a:solidFill>
-              <a:schemeClr val="tx1"/>
-            </a:solidFill>
-            <a:tailEnd type="triangle"/>
-          </a:ln>
-        </p:spPr>
-        <p:style>
-          <a:lnRef idx="1">
-            <a:schemeClr val="accent1"/>
-          </a:lnRef>
-          <a:fillRef idx="0">
-            <a:schemeClr val="accent1"/>
-          </a:fillRef>
-          <a:effectRef idx="0">
-            <a:schemeClr val="accent1"/>
-          </a:effectRef>
-          <a:fontRef idx="minor">
-            <a:schemeClr val="tx1"/>
-          </a:fontRef>
-        </p:style>
-      </p:cxnSp>
       <p:grpSp>
         <p:nvGrpSpPr>
           <p:cNvPr id="163" name="Group 162"/>
@@ -9371,8 +8837,8 @@
         </p:nvCxnSpPr>
         <p:spPr>
           <a:xfrm flipH="1">
-            <a:off x="2237133" y="6604760"/>
-            <a:ext cx="483567" cy="192967"/>
+            <a:off x="2061940" y="6604760"/>
+            <a:ext cx="658761" cy="123083"/>
           </a:xfrm>
           <a:prstGeom prst="straightConnector1">
             <a:avLst/>
@@ -9407,12 +8873,12 @@
         </p:nvCxnSpPr>
         <p:spPr>
           <a:xfrm rot="5400000">
-            <a:off x="35515" y="7106551"/>
-            <a:ext cx="1135847" cy="578696"/>
+            <a:off x="98583" y="6931381"/>
+            <a:ext cx="1158700" cy="811857"/>
           </a:xfrm>
           <a:prstGeom prst="bentConnector3">
             <a:avLst>
-              <a:gd name="adj1" fmla="val 50000"/>
+              <a:gd name="adj1" fmla="val 2870"/>
             </a:avLst>
           </a:prstGeom>
           <a:ln>
@@ -9445,7 +8911,7 @@
         </p:nvGrpSpPr>
         <p:grpSpPr>
           <a:xfrm>
-            <a:off x="130237" y="8073499"/>
+            <a:off x="27361" y="8012048"/>
             <a:ext cx="1485875" cy="619868"/>
             <a:chOff x="890876" y="7796035"/>
             <a:chExt cx="1485875" cy="619868"/>
@@ -9574,6 +9040,284 @@
           <a:xfrm flipH="1" flipV="1">
             <a:off x="1788255" y="5548525"/>
             <a:ext cx="897756" cy="807470"/>
+          </a:xfrm>
+          <a:prstGeom prst="straightConnector1">
+            <a:avLst/>
+          </a:prstGeom>
+          <a:ln>
+            <a:solidFill>
+              <a:schemeClr val="tx1"/>
+            </a:solidFill>
+            <a:tailEnd type="triangle"/>
+          </a:ln>
+        </p:spPr>
+        <p:style>
+          <a:lnRef idx="1">
+            <a:schemeClr val="accent1"/>
+          </a:lnRef>
+          <a:fillRef idx="0">
+            <a:schemeClr val="accent1"/>
+          </a:fillRef>
+          <a:effectRef idx="0">
+            <a:schemeClr val="accent1"/>
+          </a:effectRef>
+          <a:fontRef idx="minor">
+            <a:schemeClr val="tx1"/>
+          </a:fontRef>
+        </p:style>
+      </p:cxnSp>
+      <p:cxnSp>
+        <p:nvCxnSpPr>
+          <p:cNvPr id="4" name="Elbow Connector 3"/>
+          <p:cNvCxnSpPr/>
+          <p:nvPr/>
+        </p:nvCxnSpPr>
+        <p:spPr>
+          <a:xfrm rot="10800000" flipV="1">
+            <a:off x="4286879" y="1370238"/>
+            <a:ext cx="1389075" cy="1346160"/>
+          </a:xfrm>
+          <a:prstGeom prst="bentConnector3">
+            <a:avLst/>
+          </a:prstGeom>
+          <a:ln>
+            <a:solidFill>
+              <a:schemeClr val="tx1"/>
+            </a:solidFill>
+            <a:tailEnd type="triangle"/>
+          </a:ln>
+        </p:spPr>
+        <p:style>
+          <a:lnRef idx="1">
+            <a:schemeClr val="accent1"/>
+          </a:lnRef>
+          <a:fillRef idx="0">
+            <a:schemeClr val="accent1"/>
+          </a:fillRef>
+          <a:effectRef idx="0">
+            <a:schemeClr val="accent1"/>
+          </a:effectRef>
+          <a:fontRef idx="minor">
+            <a:schemeClr val="tx1"/>
+          </a:fontRef>
+        </p:style>
+      </p:cxnSp>
+      <p:grpSp>
+        <p:nvGrpSpPr>
+          <p:cNvPr id="23" name="Group 22"/>
+          <p:cNvGrpSpPr/>
+          <p:nvPr/>
+        </p:nvGrpSpPr>
+        <p:grpSpPr>
+          <a:xfrm>
+            <a:off x="2669552" y="4437234"/>
+            <a:ext cx="2148936" cy="1448708"/>
+            <a:chOff x="2046263" y="4397365"/>
+            <a:chExt cx="2148936" cy="1448708"/>
+          </a:xfrm>
+        </p:grpSpPr>
+        <p:sp>
+          <p:nvSpPr>
+            <p:cNvPr id="129" name="Rectangle 128"/>
+            <p:cNvSpPr/>
+            <p:nvPr/>
+          </p:nvSpPr>
+          <p:spPr>
+            <a:xfrm>
+              <a:off x="2536176" y="4433157"/>
+              <a:ext cx="1068204" cy="375084"/>
+            </a:xfrm>
+            <a:prstGeom prst="rect">
+              <a:avLst/>
+            </a:prstGeom>
+            <a:gradFill flip="none" rotWithShape="1">
+              <a:gsLst>
+                <a:gs pos="100000">
+                  <a:schemeClr val="bg1"/>
+                </a:gs>
+                <a:gs pos="50000">
+                  <a:schemeClr val="accent1">
+                    <a:lumMod val="40000"/>
+                    <a:lumOff val="60000"/>
+                  </a:schemeClr>
+                </a:gs>
+                <a:gs pos="0">
+                  <a:schemeClr val="accent1">
+                    <a:lumMod val="40000"/>
+                    <a:lumOff val="60000"/>
+                    <a:shade val="100000"/>
+                    <a:satMod val="115000"/>
+                  </a:schemeClr>
+                </a:gs>
+              </a:gsLst>
+              <a:lin ang="16200000" scaled="1"/>
+              <a:tileRect/>
+            </a:gradFill>
+            <a:ln>
+              <a:solidFill>
+                <a:schemeClr val="tx1"/>
+              </a:solidFill>
+            </a:ln>
+          </p:spPr>
+          <p:style>
+            <a:lnRef idx="2">
+              <a:schemeClr val="accent1">
+                <a:shade val="50000"/>
+              </a:schemeClr>
+            </a:lnRef>
+            <a:fillRef idx="1">
+              <a:schemeClr val="accent1"/>
+            </a:fillRef>
+            <a:effectRef idx="0">
+              <a:schemeClr val="accent1"/>
+            </a:effectRef>
+            <a:fontRef idx="minor">
+              <a:schemeClr val="lt1"/>
+            </a:fontRef>
+          </p:style>
+          <p:txBody>
+            <a:bodyPr rot="0" spcFirstLastPara="0" vertOverflow="overflow" horzOverflow="overflow" vert="horz" wrap="square" lIns="36004" tIns="18003" rIns="36004" bIns="18003" numCol="1" spcCol="0" rtlCol="0" fromWordArt="0" anchor="ctr" anchorCtr="0" forceAA="0" compatLnSpc="1">
+              <a:prstTxWarp prst="textNoShape">
+                <a:avLst/>
+              </a:prstTxWarp>
+              <a:noAutofit/>
+            </a:bodyPr>
+            <a:lstStyle/>
+            <a:p>
+              <a:pPr algn="ctr"/>
+              <a:endParaRPr lang="en-US" sz="1000"/>
+            </a:p>
+          </p:txBody>
+        </p:sp>
+        <p:sp>
+          <p:nvSpPr>
+            <p:cNvPr id="180" name="TextBox 179"/>
+            <p:cNvSpPr txBox="1"/>
+            <p:nvPr/>
+          </p:nvSpPr>
+          <p:spPr>
+            <a:xfrm>
+              <a:off x="2046263" y="4397365"/>
+              <a:ext cx="2148936" cy="1448708"/>
+            </a:xfrm>
+            <a:prstGeom prst="rect">
+              <a:avLst/>
+            </a:prstGeom>
+            <a:noFill/>
+          </p:spPr>
+          <p:txBody>
+            <a:bodyPr wrap="square" rtlCol="0">
+              <a:spAutoFit/>
+            </a:bodyPr>
+            <a:lstStyle/>
+            <a:p>
+              <a:pPr algn="ctr"/>
+              <a:r>
+                <a:rPr lang="en-US" sz="1000" dirty="0"/>
+                <a:t>“</a:t>
+              </a:r>
+              <a:r>
+                <a:rPr lang="en-US" sz="1000" dirty="0" err="1"/>
+                <a:t>Biom</a:t>
+              </a:r>
+              <a:r>
+                <a:rPr lang="en-US" sz="1000" dirty="0"/>
+                <a:t>” OTU table</a:t>
+              </a:r>
+            </a:p>
+            <a:p>
+              <a:pPr algn="ctr"/>
+              <a:r>
+                <a:rPr lang="en-US" sz="1000" b="1" dirty="0" err="1"/>
+                <a:t>otu_table.biom</a:t>
+              </a:r>
+              <a:endParaRPr lang="en-US" sz="1000" b="1" dirty="0"/>
+            </a:p>
+          </p:txBody>
+        </p:sp>
+      </p:grpSp>
+      <p:cxnSp>
+        <p:nvCxnSpPr>
+          <p:cNvPr id="182" name="Straight Arrow Connector 181"/>
+          <p:cNvCxnSpPr/>
+          <p:nvPr/>
+        </p:nvCxnSpPr>
+        <p:spPr>
+          <a:xfrm>
+            <a:off x="3638588" y="4981923"/>
+            <a:ext cx="0" cy="126527"/>
+          </a:xfrm>
+          <a:prstGeom prst="straightConnector1">
+            <a:avLst/>
+          </a:prstGeom>
+          <a:ln>
+            <a:solidFill>
+              <a:schemeClr val="tx1"/>
+            </a:solidFill>
+            <a:tailEnd type="triangle"/>
+          </a:ln>
+        </p:spPr>
+        <p:style>
+          <a:lnRef idx="1">
+            <a:schemeClr val="accent1"/>
+          </a:lnRef>
+          <a:fillRef idx="0">
+            <a:schemeClr val="accent1"/>
+          </a:fillRef>
+          <a:effectRef idx="0">
+            <a:schemeClr val="accent1"/>
+          </a:effectRef>
+          <a:fontRef idx="minor">
+            <a:schemeClr val="tx1"/>
+          </a:fontRef>
+        </p:style>
+      </p:cxnSp>
+      <p:cxnSp>
+        <p:nvCxnSpPr>
+          <p:cNvPr id="187" name="Straight Arrow Connector 186"/>
+          <p:cNvCxnSpPr/>
+          <p:nvPr/>
+        </p:nvCxnSpPr>
+        <p:spPr>
+          <a:xfrm>
+            <a:off x="4552426" y="9086080"/>
+            <a:ext cx="1" cy="214741"/>
+          </a:xfrm>
+          <a:prstGeom prst="straightConnector1">
+            <a:avLst/>
+          </a:prstGeom>
+          <a:ln>
+            <a:solidFill>
+              <a:schemeClr val="tx1"/>
+            </a:solidFill>
+            <a:tailEnd type="triangle"/>
+          </a:ln>
+        </p:spPr>
+        <p:style>
+          <a:lnRef idx="1">
+            <a:schemeClr val="accent1"/>
+          </a:lnRef>
+          <a:fillRef idx="0">
+            <a:schemeClr val="accent1"/>
+          </a:fillRef>
+          <a:effectRef idx="0">
+            <a:schemeClr val="accent1"/>
+          </a:effectRef>
+          <a:fontRef idx="minor">
+            <a:schemeClr val="tx1"/>
+          </a:fontRef>
+        </p:style>
+      </p:cxnSp>
+      <p:cxnSp>
+        <p:nvCxnSpPr>
+          <p:cNvPr id="188" name="Straight Arrow Connector 187"/>
+          <p:cNvCxnSpPr/>
+          <p:nvPr/>
+        </p:nvCxnSpPr>
+        <p:spPr>
+          <a:xfrm>
+            <a:off x="5747365" y="2288570"/>
+            <a:ext cx="506" cy="432662"/>
           </a:xfrm>
           <a:prstGeom prst="straightConnector1">
             <a:avLst/>
